--- a/docu/ppt/2017_08_06/자율 주행 자동차 프로젝트.pptx
+++ b/docu/ppt/2017_08_06/자율 주행 자동차 프로젝트.pptx
@@ -5,26 +5,24 @@
     <p:sldMasterId id="2147483648" r:id="rId4"/>
   </p:sldMasterIdLst>
   <p:notesMasterIdLst>
-    <p:notesMasterId r:id="rId19"/>
+    <p:notesMasterId r:id="rId17"/>
   </p:notesMasterIdLst>
   <p:handoutMasterIdLst>
-    <p:handoutMasterId r:id="rId20"/>
+    <p:handoutMasterId r:id="rId18"/>
   </p:handoutMasterIdLst>
   <p:sldIdLst>
     <p:sldId id="256" r:id="rId5"/>
-    <p:sldId id="265" r:id="rId6"/>
-    <p:sldId id="269" r:id="rId7"/>
-    <p:sldId id="276" r:id="rId8"/>
-    <p:sldId id="272" r:id="rId9"/>
-    <p:sldId id="277" r:id="rId10"/>
-    <p:sldId id="278" r:id="rId11"/>
-    <p:sldId id="266" r:id="rId12"/>
-    <p:sldId id="267" r:id="rId13"/>
-    <p:sldId id="270" r:id="rId14"/>
-    <p:sldId id="271" r:id="rId15"/>
-    <p:sldId id="273" r:id="rId16"/>
-    <p:sldId id="274" r:id="rId17"/>
-    <p:sldId id="275" r:id="rId18"/>
+    <p:sldId id="269" r:id="rId6"/>
+    <p:sldId id="276" r:id="rId7"/>
+    <p:sldId id="272" r:id="rId8"/>
+    <p:sldId id="277" r:id="rId9"/>
+    <p:sldId id="283" r:id="rId10"/>
+    <p:sldId id="284" r:id="rId11"/>
+    <p:sldId id="278" r:id="rId12"/>
+    <p:sldId id="279" r:id="rId13"/>
+    <p:sldId id="280" r:id="rId14"/>
+    <p:sldId id="281" r:id="rId15"/>
+    <p:sldId id="282" r:id="rId16"/>
   </p:sldIdLst>
   <p:sldSz cx="12192000" cy="6858000"/>
   <p:notesSz cx="6858000" cy="9144000"/>
@@ -145,965 +143,8 @@
 </p:presentation>
 </file>
 
-<file path=ppt/charts/chart1.xml><?xml version="1.0" encoding="utf-8"?>
-<c:chartSpace xmlns:c="http://schemas.openxmlformats.org/drawingml/2006/chart" xmlns:a="http://schemas.openxmlformats.org/drawingml/2006/main" xmlns:r="http://schemas.openxmlformats.org/officeDocument/2006/relationships" xmlns:c16r2="http://schemas.microsoft.com/office/drawing/2015/06/chart">
-  <c:date1904 val="0"/>
-  <c:lang val="ko-KR"/>
-  <c:roundedCorners val="0"/>
-  <mc:AlternateContent xmlns:mc="http://schemas.openxmlformats.org/markup-compatibility/2006">
-    <mc:Choice xmlns:c14="http://schemas.microsoft.com/office/drawing/2007/8/2/chart" Requires="c14">
-      <c14:style val="102"/>
-    </mc:Choice>
-    <mc:Fallback>
-      <c:style val="2"/>
-    </mc:Fallback>
-  </mc:AlternateContent>
-  <c:chart>
-    <c:autoTitleDeleted val="1"/>
-    <c:plotArea>
-      <c:layout/>
-      <c:barChart>
-        <c:barDir val="col"/>
-        <c:grouping val="clustered"/>
-        <c:varyColors val="0"/>
-        <c:ser>
-          <c:idx val="0"/>
-          <c:order val="0"/>
-          <c:tx>
-            <c:strRef>
-              <c:f>Sheet1!$B$1</c:f>
-              <c:strCache>
-                <c:ptCount val="1"/>
-                <c:pt idx="0">
-                  <c:v>계열 1</c:v>
-                </c:pt>
-              </c:strCache>
-            </c:strRef>
-          </c:tx>
-          <c:spPr>
-            <a:solidFill>
-              <a:schemeClr val="accent1"/>
-            </a:solidFill>
-            <a:ln>
-              <a:noFill/>
-            </a:ln>
-            <a:effectLst/>
-          </c:spPr>
-          <c:invertIfNegative val="0"/>
-          <c:cat>
-            <c:strRef>
-              <c:f>Sheet1!$A$2:$A$5</c:f>
-              <c:strCache>
-                <c:ptCount val="4"/>
-                <c:pt idx="0">
-                  <c:v>범주 1</c:v>
-                </c:pt>
-                <c:pt idx="1">
-                  <c:v>범주 2</c:v>
-                </c:pt>
-                <c:pt idx="2">
-                  <c:v>범주 3</c:v>
-                </c:pt>
-                <c:pt idx="3">
-                  <c:v>범주 4</c:v>
-                </c:pt>
-              </c:strCache>
-            </c:strRef>
-          </c:cat>
-          <c:val>
-            <c:numRef>
-              <c:f>Sheet1!$B$2:$B$5</c:f>
-              <c:numCache>
-                <c:formatCode>General</c:formatCode>
-                <c:ptCount val="4"/>
-                <c:pt idx="0">
-                  <c:v>4.3</c:v>
-                </c:pt>
-                <c:pt idx="1">
-                  <c:v>2.5</c:v>
-                </c:pt>
-                <c:pt idx="2">
-                  <c:v>3.5</c:v>
-                </c:pt>
-                <c:pt idx="3">
-                  <c:v>4.5</c:v>
-                </c:pt>
-              </c:numCache>
-            </c:numRef>
-          </c:val>
-          <c:extLst>
-            <c:ext xmlns:c16="http://schemas.microsoft.com/office/drawing/2014/chart" uri="{C3380CC4-5D6E-409C-BE32-E72D297353CC}">
-              <c16:uniqueId val="{00000000-B858-4BAD-A6C6-D831E88ACC85}"/>
-            </c:ext>
-          </c:extLst>
-        </c:ser>
-        <c:ser>
-          <c:idx val="1"/>
-          <c:order val="1"/>
-          <c:tx>
-            <c:strRef>
-              <c:f>Sheet1!$C$1</c:f>
-              <c:strCache>
-                <c:ptCount val="1"/>
-                <c:pt idx="0">
-                  <c:v>계열 2</c:v>
-                </c:pt>
-              </c:strCache>
-            </c:strRef>
-          </c:tx>
-          <c:spPr>
-            <a:solidFill>
-              <a:schemeClr val="accent2"/>
-            </a:solidFill>
-            <a:ln>
-              <a:noFill/>
-            </a:ln>
-            <a:effectLst/>
-          </c:spPr>
-          <c:invertIfNegative val="0"/>
-          <c:cat>
-            <c:strRef>
-              <c:f>Sheet1!$A$2:$A$5</c:f>
-              <c:strCache>
-                <c:ptCount val="4"/>
-                <c:pt idx="0">
-                  <c:v>범주 1</c:v>
-                </c:pt>
-                <c:pt idx="1">
-                  <c:v>범주 2</c:v>
-                </c:pt>
-                <c:pt idx="2">
-                  <c:v>범주 3</c:v>
-                </c:pt>
-                <c:pt idx="3">
-                  <c:v>범주 4</c:v>
-                </c:pt>
-              </c:strCache>
-            </c:strRef>
-          </c:cat>
-          <c:val>
-            <c:numRef>
-              <c:f>Sheet1!$C$2:$C$5</c:f>
-              <c:numCache>
-                <c:formatCode>General</c:formatCode>
-                <c:ptCount val="4"/>
-                <c:pt idx="0">
-                  <c:v>2.4</c:v>
-                </c:pt>
-                <c:pt idx="1">
-                  <c:v>4.4000000000000004</c:v>
-                </c:pt>
-                <c:pt idx="2">
-                  <c:v>1.8</c:v>
-                </c:pt>
-                <c:pt idx="3">
-                  <c:v>2.8</c:v>
-                </c:pt>
-              </c:numCache>
-            </c:numRef>
-          </c:val>
-          <c:extLst>
-            <c:ext xmlns:c16="http://schemas.microsoft.com/office/drawing/2014/chart" uri="{C3380CC4-5D6E-409C-BE32-E72D297353CC}">
-              <c16:uniqueId val="{00000001-B858-4BAD-A6C6-D831E88ACC85}"/>
-            </c:ext>
-          </c:extLst>
-        </c:ser>
-        <c:ser>
-          <c:idx val="2"/>
-          <c:order val="2"/>
-          <c:tx>
-            <c:strRef>
-              <c:f>Sheet1!$D$1</c:f>
-              <c:strCache>
-                <c:ptCount val="1"/>
-                <c:pt idx="0">
-                  <c:v>계열 3</c:v>
-                </c:pt>
-              </c:strCache>
-            </c:strRef>
-          </c:tx>
-          <c:spPr>
-            <a:solidFill>
-              <a:schemeClr val="accent3"/>
-            </a:solidFill>
-            <a:ln>
-              <a:noFill/>
-            </a:ln>
-            <a:effectLst/>
-          </c:spPr>
-          <c:invertIfNegative val="0"/>
-          <c:cat>
-            <c:strRef>
-              <c:f>Sheet1!$A$2:$A$5</c:f>
-              <c:strCache>
-                <c:ptCount val="4"/>
-                <c:pt idx="0">
-                  <c:v>범주 1</c:v>
-                </c:pt>
-                <c:pt idx="1">
-                  <c:v>범주 2</c:v>
-                </c:pt>
-                <c:pt idx="2">
-                  <c:v>범주 3</c:v>
-                </c:pt>
-                <c:pt idx="3">
-                  <c:v>범주 4</c:v>
-                </c:pt>
-              </c:strCache>
-            </c:strRef>
-          </c:cat>
-          <c:val>
-            <c:numRef>
-              <c:f>Sheet1!$D$2:$D$5</c:f>
-              <c:numCache>
-                <c:formatCode>General</c:formatCode>
-                <c:ptCount val="4"/>
-                <c:pt idx="0">
-                  <c:v>2</c:v>
-                </c:pt>
-                <c:pt idx="1">
-                  <c:v>2</c:v>
-                </c:pt>
-                <c:pt idx="2">
-                  <c:v>3</c:v>
-                </c:pt>
-                <c:pt idx="3">
-                  <c:v>5</c:v>
-                </c:pt>
-              </c:numCache>
-            </c:numRef>
-          </c:val>
-          <c:extLst>
-            <c:ext xmlns:c16="http://schemas.microsoft.com/office/drawing/2014/chart" uri="{C3380CC4-5D6E-409C-BE32-E72D297353CC}">
-              <c16:uniqueId val="{00000002-B858-4BAD-A6C6-D831E88ACC85}"/>
-            </c:ext>
-          </c:extLst>
-        </c:ser>
-        <c:dLbls>
-          <c:showLegendKey val="0"/>
-          <c:showVal val="0"/>
-          <c:showCatName val="0"/>
-          <c:showSerName val="0"/>
-          <c:showPercent val="0"/>
-          <c:showBubbleSize val="0"/>
-        </c:dLbls>
-        <c:gapWidth val="219"/>
-        <c:overlap val="-27"/>
-        <c:axId val="738190072"/>
-        <c:axId val="738188112"/>
-      </c:barChart>
-      <c:catAx>
-        <c:axId val="738190072"/>
-        <c:scaling>
-          <c:orientation val="minMax"/>
-        </c:scaling>
-        <c:delete val="0"/>
-        <c:axPos val="b"/>
-        <c:numFmt formatCode="General" sourceLinked="1"/>
-        <c:majorTickMark val="none"/>
-        <c:minorTickMark val="none"/>
-        <c:tickLblPos val="nextTo"/>
-        <c:spPr>
-          <a:noFill/>
-          <a:ln w="9525" cap="flat" cmpd="sng" algn="ctr">
-            <a:solidFill>
-              <a:schemeClr val="tx1">
-                <a:lumMod val="15000"/>
-                <a:lumOff val="85000"/>
-              </a:schemeClr>
-            </a:solidFill>
-            <a:round/>
-          </a:ln>
-          <a:effectLst/>
-        </c:spPr>
-        <c:txPr>
-          <a:bodyPr rot="-60000000" spcFirstLastPara="1" vertOverflow="ellipsis" vert="horz" wrap="square" anchor="ctr" anchorCtr="1"/>
-          <a:lstStyle/>
-          <a:p>
-            <a:pPr>
-              <a:defRPr lang="ko-KR" sz="1197" b="0" i="0" u="none" strike="noStrike" kern="1200" baseline="0" noProof="0">
-                <a:solidFill>
-                  <a:schemeClr val="tx1">
-                    <a:lumMod val="65000"/>
-                    <a:lumOff val="35000"/>
-                  </a:schemeClr>
-                </a:solidFill>
-                <a:latin typeface="malgun gothic" panose="020B0503020000020004" pitchFamily="50" charset="-127"/>
-                <a:ea typeface="malgun gothic" panose="020B0503020000020004" pitchFamily="50" charset="-127"/>
-                <a:cs typeface="+mn-cs"/>
-              </a:defRPr>
-            </a:pPr>
-            <a:endParaRPr lang="ko-KR"/>
-          </a:p>
-        </c:txPr>
-        <c:crossAx val="738188112"/>
-        <c:crosses val="autoZero"/>
-        <c:auto val="1"/>
-        <c:lblAlgn val="ctr"/>
-        <c:lblOffset val="100"/>
-        <c:noMultiLvlLbl val="0"/>
-      </c:catAx>
-      <c:valAx>
-        <c:axId val="738188112"/>
-        <c:scaling>
-          <c:orientation val="minMax"/>
-        </c:scaling>
-        <c:delete val="0"/>
-        <c:axPos val="l"/>
-        <c:majorGridlines>
-          <c:spPr>
-            <a:ln w="9525" cap="flat" cmpd="sng" algn="ctr">
-              <a:solidFill>
-                <a:schemeClr val="tx1">
-                  <a:lumMod val="15000"/>
-                  <a:lumOff val="85000"/>
-                </a:schemeClr>
-              </a:solidFill>
-              <a:round/>
-            </a:ln>
-            <a:effectLst/>
-          </c:spPr>
-        </c:majorGridlines>
-        <c:numFmt formatCode="General" sourceLinked="1"/>
-        <c:majorTickMark val="none"/>
-        <c:minorTickMark val="none"/>
-        <c:tickLblPos val="nextTo"/>
-        <c:spPr>
-          <a:noFill/>
-          <a:ln>
-            <a:noFill/>
-          </a:ln>
-          <a:effectLst/>
-        </c:spPr>
-        <c:txPr>
-          <a:bodyPr rot="-60000000" spcFirstLastPara="1" vertOverflow="ellipsis" vert="horz" wrap="square" anchor="ctr" anchorCtr="1"/>
-          <a:lstStyle/>
-          <a:p>
-            <a:pPr>
-              <a:defRPr lang="ko-KR" sz="1197" b="0" i="0" u="none" strike="noStrike" kern="1200" baseline="0" noProof="0">
-                <a:solidFill>
-                  <a:schemeClr val="tx1">
-                    <a:lumMod val="65000"/>
-                    <a:lumOff val="35000"/>
-                  </a:schemeClr>
-                </a:solidFill>
-                <a:latin typeface="malgun gothic" panose="020B0503020000020004" pitchFamily="50" charset="-127"/>
-                <a:ea typeface="malgun gothic" panose="020B0503020000020004" pitchFamily="50" charset="-127"/>
-                <a:cs typeface="+mn-cs"/>
-              </a:defRPr>
-            </a:pPr>
-            <a:endParaRPr lang="ko-KR"/>
-          </a:p>
-        </c:txPr>
-        <c:crossAx val="738190072"/>
-        <c:crosses val="autoZero"/>
-        <c:crossBetween val="between"/>
-      </c:valAx>
-      <c:spPr>
-        <a:noFill/>
-        <a:ln>
-          <a:noFill/>
-        </a:ln>
-        <a:effectLst/>
-      </c:spPr>
-    </c:plotArea>
-    <c:legend>
-      <c:legendPos val="b"/>
-      <c:overlay val="0"/>
-      <c:spPr>
-        <a:noFill/>
-        <a:ln>
-          <a:noFill/>
-        </a:ln>
-        <a:effectLst/>
-      </c:spPr>
-      <c:txPr>
-        <a:bodyPr rot="0" spcFirstLastPara="1" vertOverflow="ellipsis" vert="horz" wrap="square" anchor="ctr" anchorCtr="1"/>
-        <a:lstStyle/>
-        <a:p>
-          <a:pPr>
-            <a:defRPr lang="ko-KR" sz="1197" b="0" i="0" u="none" strike="noStrike" kern="1200" baseline="0" noProof="0">
-              <a:solidFill>
-                <a:schemeClr val="tx1">
-                  <a:lumMod val="65000"/>
-                  <a:lumOff val="35000"/>
-                </a:schemeClr>
-              </a:solidFill>
-              <a:latin typeface="malgun gothic" panose="020B0503020000020004" pitchFamily="50" charset="-127"/>
-              <a:ea typeface="malgun gothic" panose="020B0503020000020004" pitchFamily="50" charset="-127"/>
-              <a:cs typeface="+mn-cs"/>
-            </a:defRPr>
-          </a:pPr>
-          <a:endParaRPr lang="ko-KR"/>
-        </a:p>
-      </c:txPr>
-    </c:legend>
-    <c:plotVisOnly val="1"/>
-    <c:dispBlanksAs val="gap"/>
-    <c:showDLblsOverMax val="0"/>
-  </c:chart>
-  <c:spPr>
-    <a:noFill/>
-    <a:ln>
-      <a:noFill/>
-    </a:ln>
-    <a:effectLst/>
-  </c:spPr>
-  <c:txPr>
-    <a:bodyPr/>
-    <a:lstStyle/>
-    <a:p>
-      <a:pPr>
-        <a:defRPr/>
-      </a:pPr>
-      <a:endParaRPr lang="ko-KR"/>
-    </a:p>
-  </c:txPr>
-  <c:externalData r:id="rId3">
-    <c:autoUpdate val="0"/>
-  </c:externalData>
-</c:chartSpace>
-</file>
-
-<file path=ppt/charts/colors1.xml><?xml version="1.0" encoding="utf-8"?>
-<cs:colorStyle xmlns:cs="http://schemas.microsoft.com/office/drawing/2012/chartStyle" xmlns:a="http://schemas.openxmlformats.org/drawingml/2006/main" meth="cycle" id="10">
-  <a:schemeClr val="accent1"/>
-  <a:schemeClr val="accent2"/>
-  <a:schemeClr val="accent3"/>
-  <a:schemeClr val="accent4"/>
-  <a:schemeClr val="accent5"/>
-  <a:schemeClr val="accent6"/>
-  <cs:variation/>
-  <cs:variation>
-    <a:lumMod val="60000"/>
-  </cs:variation>
-  <cs:variation>
-    <a:lumMod val="80000"/>
-    <a:lumOff val="20000"/>
-  </cs:variation>
-  <cs:variation>
-    <a:lumMod val="80000"/>
-  </cs:variation>
-  <cs:variation>
-    <a:lumMod val="60000"/>
-    <a:lumOff val="40000"/>
-  </cs:variation>
-  <cs:variation>
-    <a:lumMod val="50000"/>
-  </cs:variation>
-  <cs:variation>
-    <a:lumMod val="70000"/>
-    <a:lumOff val="30000"/>
-  </cs:variation>
-  <cs:variation>
-    <a:lumMod val="70000"/>
-  </cs:variation>
-  <cs:variation>
-    <a:lumMod val="50000"/>
-    <a:lumOff val="50000"/>
-  </cs:variation>
-</cs:colorStyle>
-</file>
-
-<file path=ppt/charts/style1.xml><?xml version="1.0" encoding="utf-8"?>
-<cs:chartStyle xmlns:cs="http://schemas.microsoft.com/office/drawing/2012/chartStyle" xmlns:a="http://schemas.openxmlformats.org/drawingml/2006/main" id="201">
-  <cs:axisTitle>
-    <cs:lnRef idx="0"/>
-    <cs:fillRef idx="0"/>
-    <cs:effectRef idx="0"/>
-    <cs:fontRef idx="minor">
-      <a:schemeClr val="tx1">
-        <a:lumMod val="65000"/>
-        <a:lumOff val="35000"/>
-      </a:schemeClr>
-    </cs:fontRef>
-    <cs:defRPr sz="1330" kern="1200"/>
-  </cs:axisTitle>
-  <cs:categoryAxis>
-    <cs:lnRef idx="0"/>
-    <cs:fillRef idx="0"/>
-    <cs:effectRef idx="0"/>
-    <cs:fontRef idx="minor">
-      <a:schemeClr val="tx1">
-        <a:lumMod val="65000"/>
-        <a:lumOff val="35000"/>
-      </a:schemeClr>
-    </cs:fontRef>
-    <cs:spPr>
-      <a:ln w="9525" cap="flat" cmpd="sng" algn="ctr">
-        <a:solidFill>
-          <a:schemeClr val="tx1">
-            <a:lumMod val="15000"/>
-            <a:lumOff val="85000"/>
-          </a:schemeClr>
-        </a:solidFill>
-        <a:round/>
-      </a:ln>
-    </cs:spPr>
-    <cs:defRPr sz="1197" kern="1200"/>
-  </cs:categoryAxis>
-  <cs:chartArea mods="allowNoFillOverride allowNoLineOverride">
-    <cs:lnRef idx="0"/>
-    <cs:fillRef idx="0"/>
-    <cs:effectRef idx="0"/>
-    <cs:fontRef idx="minor">
-      <a:schemeClr val="tx1"/>
-    </cs:fontRef>
-    <cs:spPr>
-      <a:solidFill>
-        <a:schemeClr val="bg1"/>
-      </a:solidFill>
-      <a:ln w="9525" cap="flat" cmpd="sng" algn="ctr">
-        <a:solidFill>
-          <a:schemeClr val="tx1">
-            <a:lumMod val="15000"/>
-            <a:lumOff val="85000"/>
-          </a:schemeClr>
-        </a:solidFill>
-        <a:round/>
-      </a:ln>
-    </cs:spPr>
-    <cs:defRPr sz="1330" kern="1200"/>
-  </cs:chartArea>
-  <cs:dataLabel>
-    <cs:lnRef idx="0"/>
-    <cs:fillRef idx="0"/>
-    <cs:effectRef idx="0"/>
-    <cs:fontRef idx="minor">
-      <a:schemeClr val="tx1">
-        <a:lumMod val="75000"/>
-        <a:lumOff val="25000"/>
-      </a:schemeClr>
-    </cs:fontRef>
-    <cs:defRPr sz="1197" kern="1200"/>
-  </cs:dataLabel>
-  <cs:dataLabelCallout>
-    <cs:lnRef idx="0"/>
-    <cs:fillRef idx="0"/>
-    <cs:effectRef idx="0"/>
-    <cs:fontRef idx="minor">
-      <a:schemeClr val="dk1">
-        <a:lumMod val="65000"/>
-        <a:lumOff val="35000"/>
-      </a:schemeClr>
-    </cs:fontRef>
-    <cs:spPr>
-      <a:solidFill>
-        <a:schemeClr val="lt1"/>
-      </a:solidFill>
-      <a:ln>
-        <a:solidFill>
-          <a:schemeClr val="dk1">
-            <a:lumMod val="25000"/>
-            <a:lumOff val="75000"/>
-          </a:schemeClr>
-        </a:solidFill>
-      </a:ln>
-    </cs:spPr>
-    <cs:defRPr sz="1197" kern="1200"/>
-    <cs:bodyPr rot="0" spcFirstLastPara="1" vertOverflow="clip" horzOverflow="clip" vert="horz" wrap="square" lIns="36576" tIns="18288" rIns="36576" bIns="18288" anchor="ctr" anchorCtr="1"/>
-  </cs:dataLabelCallout>
-  <cs:dataPoint>
-    <cs:lnRef idx="0"/>
-    <cs:fillRef idx="1">
-      <cs:styleClr val="auto"/>
-    </cs:fillRef>
-    <cs:effectRef idx="0"/>
-    <cs:fontRef idx="minor">
-      <a:schemeClr val="tx1"/>
-    </cs:fontRef>
-  </cs:dataPoint>
-  <cs:dataPoint3D>
-    <cs:lnRef idx="0"/>
-    <cs:fillRef idx="1">
-      <cs:styleClr val="auto"/>
-    </cs:fillRef>
-    <cs:effectRef idx="0"/>
-    <cs:fontRef idx="minor">
-      <a:schemeClr val="tx1"/>
-    </cs:fontRef>
-  </cs:dataPoint3D>
-  <cs:dataPointLine>
-    <cs:lnRef idx="0">
-      <cs:styleClr val="auto"/>
-    </cs:lnRef>
-    <cs:fillRef idx="1"/>
-    <cs:effectRef idx="0"/>
-    <cs:fontRef idx="minor">
-      <a:schemeClr val="tx1"/>
-    </cs:fontRef>
-    <cs:spPr>
-      <a:ln w="28575" cap="rnd">
-        <a:solidFill>
-          <a:schemeClr val="phClr"/>
-        </a:solidFill>
-        <a:round/>
-      </a:ln>
-    </cs:spPr>
-  </cs:dataPointLine>
-  <cs:dataPointMarker>
-    <cs:lnRef idx="0">
-      <cs:styleClr val="auto"/>
-    </cs:lnRef>
-    <cs:fillRef idx="1">
-      <cs:styleClr val="auto"/>
-    </cs:fillRef>
-    <cs:effectRef idx="0"/>
-    <cs:fontRef idx="minor">
-      <a:schemeClr val="tx1"/>
-    </cs:fontRef>
-    <cs:spPr>
-      <a:ln w="9525">
-        <a:solidFill>
-          <a:schemeClr val="phClr"/>
-        </a:solidFill>
-      </a:ln>
-    </cs:spPr>
-  </cs:dataPointMarker>
-  <cs:dataPointMarkerLayout symbol="circle" size="5"/>
-  <cs:dataPointWireframe>
-    <cs:lnRef idx="0">
-      <cs:styleClr val="auto"/>
-    </cs:lnRef>
-    <cs:fillRef idx="1"/>
-    <cs:effectRef idx="0"/>
-    <cs:fontRef idx="minor">
-      <a:schemeClr val="tx1"/>
-    </cs:fontRef>
-    <cs:spPr>
-      <a:ln w="9525" cap="rnd">
-        <a:solidFill>
-          <a:schemeClr val="phClr"/>
-        </a:solidFill>
-        <a:round/>
-      </a:ln>
-    </cs:spPr>
-  </cs:dataPointWireframe>
-  <cs:dataTable>
-    <cs:lnRef idx="0"/>
-    <cs:fillRef idx="0"/>
-    <cs:effectRef idx="0"/>
-    <cs:fontRef idx="minor">
-      <a:schemeClr val="tx1">
-        <a:lumMod val="65000"/>
-        <a:lumOff val="35000"/>
-      </a:schemeClr>
-    </cs:fontRef>
-    <cs:spPr>
-      <a:noFill/>
-      <a:ln w="9525" cap="flat" cmpd="sng" algn="ctr">
-        <a:solidFill>
-          <a:schemeClr val="tx1">
-            <a:lumMod val="15000"/>
-            <a:lumOff val="85000"/>
-          </a:schemeClr>
-        </a:solidFill>
-        <a:round/>
-      </a:ln>
-    </cs:spPr>
-    <cs:defRPr sz="1197" kern="1200"/>
-  </cs:dataTable>
-  <cs:downBar>
-    <cs:lnRef idx="0"/>
-    <cs:fillRef idx="0"/>
-    <cs:effectRef idx="0"/>
-    <cs:fontRef idx="minor">
-      <a:schemeClr val="dk1"/>
-    </cs:fontRef>
-    <cs:spPr>
-      <a:solidFill>
-        <a:schemeClr val="dk1">
-          <a:lumMod val="65000"/>
-          <a:lumOff val="35000"/>
-        </a:schemeClr>
-      </a:solidFill>
-      <a:ln w="9525">
-        <a:solidFill>
-          <a:schemeClr val="tx1">
-            <a:lumMod val="65000"/>
-            <a:lumOff val="35000"/>
-          </a:schemeClr>
-        </a:solidFill>
-      </a:ln>
-    </cs:spPr>
-  </cs:downBar>
-  <cs:dropLine>
-    <cs:lnRef idx="0"/>
-    <cs:fillRef idx="0"/>
-    <cs:effectRef idx="0"/>
-    <cs:fontRef idx="minor">
-      <a:schemeClr val="tx1"/>
-    </cs:fontRef>
-    <cs:spPr>
-      <a:ln w="9525" cap="flat" cmpd="sng" algn="ctr">
-        <a:solidFill>
-          <a:schemeClr val="tx1">
-            <a:lumMod val="35000"/>
-            <a:lumOff val="65000"/>
-          </a:schemeClr>
-        </a:solidFill>
-        <a:round/>
-      </a:ln>
-    </cs:spPr>
-  </cs:dropLine>
-  <cs:errorBar>
-    <cs:lnRef idx="0"/>
-    <cs:fillRef idx="0"/>
-    <cs:effectRef idx="0"/>
-    <cs:fontRef idx="minor">
-      <a:schemeClr val="tx1"/>
-    </cs:fontRef>
-    <cs:spPr>
-      <a:ln w="9525" cap="flat" cmpd="sng" algn="ctr">
-        <a:solidFill>
-          <a:schemeClr val="tx1">
-            <a:lumMod val="65000"/>
-            <a:lumOff val="35000"/>
-          </a:schemeClr>
-        </a:solidFill>
-        <a:round/>
-      </a:ln>
-    </cs:spPr>
-  </cs:errorBar>
-  <cs:floor>
-    <cs:lnRef idx="0"/>
-    <cs:fillRef idx="0"/>
-    <cs:effectRef idx="0"/>
-    <cs:fontRef idx="minor">
-      <a:schemeClr val="tx1"/>
-    </cs:fontRef>
-    <cs:spPr>
-      <a:noFill/>
-      <a:ln>
-        <a:noFill/>
-      </a:ln>
-    </cs:spPr>
-  </cs:floor>
-  <cs:gridlineMajor>
-    <cs:lnRef idx="0"/>
-    <cs:fillRef idx="0"/>
-    <cs:effectRef idx="0"/>
-    <cs:fontRef idx="minor">
-      <a:schemeClr val="tx1"/>
-    </cs:fontRef>
-    <cs:spPr>
-      <a:ln w="9525" cap="flat" cmpd="sng" algn="ctr">
-        <a:solidFill>
-          <a:schemeClr val="tx1">
-            <a:lumMod val="15000"/>
-            <a:lumOff val="85000"/>
-          </a:schemeClr>
-        </a:solidFill>
-        <a:round/>
-      </a:ln>
-    </cs:spPr>
-  </cs:gridlineMajor>
-  <cs:gridlineMinor>
-    <cs:lnRef idx="0"/>
-    <cs:fillRef idx="0"/>
-    <cs:effectRef idx="0"/>
-    <cs:fontRef idx="minor">
-      <a:schemeClr val="tx1"/>
-    </cs:fontRef>
-    <cs:spPr>
-      <a:ln w="9525" cap="flat" cmpd="sng" algn="ctr">
-        <a:solidFill>
-          <a:schemeClr val="tx1">
-            <a:lumMod val="5000"/>
-            <a:lumOff val="95000"/>
-          </a:schemeClr>
-        </a:solidFill>
-        <a:round/>
-      </a:ln>
-    </cs:spPr>
-  </cs:gridlineMinor>
-  <cs:hiLoLine>
-    <cs:lnRef idx="0"/>
-    <cs:fillRef idx="0"/>
-    <cs:effectRef idx="0"/>
-    <cs:fontRef idx="minor">
-      <a:schemeClr val="tx1"/>
-    </cs:fontRef>
-    <cs:spPr>
-      <a:ln w="9525" cap="flat" cmpd="sng" algn="ctr">
-        <a:solidFill>
-          <a:schemeClr val="tx1">
-            <a:lumMod val="75000"/>
-            <a:lumOff val="25000"/>
-          </a:schemeClr>
-        </a:solidFill>
-        <a:round/>
-      </a:ln>
-    </cs:spPr>
-  </cs:hiLoLine>
-  <cs:leaderLine>
-    <cs:lnRef idx="0"/>
-    <cs:fillRef idx="0"/>
-    <cs:effectRef idx="0"/>
-    <cs:fontRef idx="minor">
-      <a:schemeClr val="tx1"/>
-    </cs:fontRef>
-    <cs:spPr>
-      <a:ln w="9525" cap="flat" cmpd="sng" algn="ctr">
-        <a:solidFill>
-          <a:schemeClr val="tx1">
-            <a:lumMod val="35000"/>
-            <a:lumOff val="65000"/>
-          </a:schemeClr>
-        </a:solidFill>
-        <a:round/>
-      </a:ln>
-    </cs:spPr>
-  </cs:leaderLine>
-  <cs:legend>
-    <cs:lnRef idx="0"/>
-    <cs:fillRef idx="0"/>
-    <cs:effectRef idx="0"/>
-    <cs:fontRef idx="minor">
-      <a:schemeClr val="tx1">
-        <a:lumMod val="65000"/>
-        <a:lumOff val="35000"/>
-      </a:schemeClr>
-    </cs:fontRef>
-    <cs:defRPr sz="1197" kern="1200"/>
-  </cs:legend>
-  <cs:plotArea mods="allowNoFillOverride allowNoLineOverride">
-    <cs:lnRef idx="0"/>
-    <cs:fillRef idx="0"/>
-    <cs:effectRef idx="0"/>
-    <cs:fontRef idx="minor">
-      <a:schemeClr val="tx1"/>
-    </cs:fontRef>
-  </cs:plotArea>
-  <cs:plotArea3D mods="allowNoFillOverride allowNoLineOverride">
-    <cs:lnRef idx="0"/>
-    <cs:fillRef idx="0"/>
-    <cs:effectRef idx="0"/>
-    <cs:fontRef idx="minor">
-      <a:schemeClr val="tx1"/>
-    </cs:fontRef>
-  </cs:plotArea3D>
-  <cs:seriesAxis>
-    <cs:lnRef idx="0"/>
-    <cs:fillRef idx="0"/>
-    <cs:effectRef idx="0"/>
-    <cs:fontRef idx="minor">
-      <a:schemeClr val="tx1">
-        <a:lumMod val="65000"/>
-        <a:lumOff val="35000"/>
-      </a:schemeClr>
-    </cs:fontRef>
-    <cs:defRPr sz="1197" kern="1200"/>
-  </cs:seriesAxis>
-  <cs:seriesLine>
-    <cs:lnRef idx="0"/>
-    <cs:fillRef idx="0"/>
-    <cs:effectRef idx="0"/>
-    <cs:fontRef idx="minor">
-      <a:schemeClr val="tx1"/>
-    </cs:fontRef>
-    <cs:spPr>
-      <a:ln w="9525" cap="flat" cmpd="sng" algn="ctr">
-        <a:solidFill>
-          <a:schemeClr val="tx1">
-            <a:lumMod val="35000"/>
-            <a:lumOff val="65000"/>
-          </a:schemeClr>
-        </a:solidFill>
-        <a:round/>
-      </a:ln>
-    </cs:spPr>
-  </cs:seriesLine>
-  <cs:title>
-    <cs:lnRef idx="0"/>
-    <cs:fillRef idx="0"/>
-    <cs:effectRef idx="0"/>
-    <cs:fontRef idx="minor">
-      <a:schemeClr val="tx1">
-        <a:lumMod val="65000"/>
-        <a:lumOff val="35000"/>
-      </a:schemeClr>
-    </cs:fontRef>
-    <cs:defRPr sz="1862" b="0" kern="1200" spc="0" baseline="0"/>
-  </cs:title>
-  <cs:trendline>
-    <cs:lnRef idx="0">
-      <cs:styleClr val="auto"/>
-    </cs:lnRef>
-    <cs:fillRef idx="0"/>
-    <cs:effectRef idx="0"/>
-    <cs:fontRef idx="minor">
-      <a:schemeClr val="tx1"/>
-    </cs:fontRef>
-    <cs:spPr>
-      <a:ln w="19050" cap="rnd">
-        <a:solidFill>
-          <a:schemeClr val="phClr"/>
-        </a:solidFill>
-        <a:prstDash val="sysDot"/>
-      </a:ln>
-    </cs:spPr>
-  </cs:trendline>
-  <cs:trendlineLabel>
-    <cs:lnRef idx="0"/>
-    <cs:fillRef idx="0"/>
-    <cs:effectRef idx="0"/>
-    <cs:fontRef idx="minor">
-      <a:schemeClr val="tx1">
-        <a:lumMod val="65000"/>
-        <a:lumOff val="35000"/>
-      </a:schemeClr>
-    </cs:fontRef>
-    <cs:defRPr sz="1197" kern="1200"/>
-  </cs:trendlineLabel>
-  <cs:upBar>
-    <cs:lnRef idx="0"/>
-    <cs:fillRef idx="0"/>
-    <cs:effectRef idx="0"/>
-    <cs:fontRef idx="minor">
-      <a:schemeClr val="dk1"/>
-    </cs:fontRef>
-    <cs:spPr>
-      <a:solidFill>
-        <a:schemeClr val="lt1"/>
-      </a:solidFill>
-      <a:ln w="9525">
-        <a:solidFill>
-          <a:schemeClr val="tx1">
-            <a:lumMod val="15000"/>
-            <a:lumOff val="85000"/>
-          </a:schemeClr>
-        </a:solidFill>
-      </a:ln>
-    </cs:spPr>
-  </cs:upBar>
-  <cs:valueAxis>
-    <cs:lnRef idx="0"/>
-    <cs:fillRef idx="0"/>
-    <cs:effectRef idx="0"/>
-    <cs:fontRef idx="minor">
-      <a:schemeClr val="tx1">
-        <a:lumMod val="65000"/>
-        <a:lumOff val="35000"/>
-      </a:schemeClr>
-    </cs:fontRef>
-    <cs:defRPr sz="1197" kern="1200"/>
-  </cs:valueAxis>
-  <cs:wall>
-    <cs:lnRef idx="0"/>
-    <cs:fillRef idx="0"/>
-    <cs:effectRef idx="0"/>
-    <cs:fontRef idx="minor">
-      <a:schemeClr val="tx1"/>
-    </cs:fontRef>
-    <cs:spPr>
-      <a:noFill/>
-      <a:ln>
-        <a:noFill/>
-      </a:ln>
-    </cs:spPr>
-  </cs:wall>
-</cs:chartStyle>
+<file path=ppt/revisionInfo.xml><?xml version="1.0" encoding="utf-8"?>
+<p1510:revInfo xmlns:a="http://schemas.openxmlformats.org/drawingml/2006/main" xmlns:r="http://schemas.openxmlformats.org/officeDocument/2006/relationships" xmlns:p1510="http://schemas.microsoft.com/office/powerpoint/2015/10/main"/>
 </file>
 
 <file path=ppt/diagrams/colors1.xml><?xml version="1.0" encoding="utf-8"?>
@@ -6203,7 +5244,7 @@
     </p:spTree>
     <p:extLst>
       <p:ext uri="{BB962C8B-B14F-4D97-AF65-F5344CB8AC3E}">
-        <p14:creationId xmlns:p14="http://schemas.microsoft.com/office/powerpoint/2010/main" val="334820091"/>
+        <p14:creationId xmlns:p14="http://schemas.microsoft.com/office/powerpoint/2010/main" val="2965714242"/>
       </p:ext>
     </p:extLst>
   </p:cSld>
@@ -6291,7 +5332,7 @@
     </p:spTree>
     <p:extLst>
       <p:ext uri="{BB962C8B-B14F-4D97-AF65-F5344CB8AC3E}">
-        <p14:creationId xmlns:p14="http://schemas.microsoft.com/office/powerpoint/2010/main" val="420737692"/>
+        <p14:creationId xmlns:p14="http://schemas.microsoft.com/office/powerpoint/2010/main" val="993507523"/>
       </p:ext>
     </p:extLst>
   </p:cSld>
@@ -6302,91 +5343,6 @@
 </file>
 
 <file path=ppt/notesSlides/notesSlide12.xml><?xml version="1.0" encoding="utf-8"?>
-<p:notes xmlns:a="http://schemas.openxmlformats.org/drawingml/2006/main" xmlns:r="http://schemas.openxmlformats.org/officeDocument/2006/relationships" xmlns:p="http://schemas.openxmlformats.org/presentationml/2006/main">
-  <p:cSld>
-    <p:spTree>
-      <p:nvGrpSpPr>
-        <p:cNvPr id="1" name=""/>
-        <p:cNvGrpSpPr/>
-        <p:nvPr/>
-      </p:nvGrpSpPr>
-      <p:grpSpPr>
-        <a:xfrm>
-          <a:off x="0" y="0"/>
-          <a:ext cx="0" cy="0"/>
-          <a:chOff x="0" y="0"/>
-          <a:chExt cx="0" cy="0"/>
-        </a:xfrm>
-      </p:grpSpPr>
-      <p:sp>
-        <p:nvSpPr>
-          <p:cNvPr id="2" name="슬라이드 이미지 개체 틀 1"/>
-          <p:cNvSpPr>
-            <a:spLocks noGrp="1" noRot="1" noChangeAspect="1"/>
-          </p:cNvSpPr>
-          <p:nvPr>
-            <p:ph type="sldImg"/>
-          </p:nvPr>
-        </p:nvSpPr>
-        <p:spPr/>
-      </p:sp>
-      <p:sp>
-        <p:nvSpPr>
-          <p:cNvPr id="3" name="슬라이드 노트 개체 틀 2"/>
-          <p:cNvSpPr>
-            <a:spLocks noGrp="1"/>
-          </p:cNvSpPr>
-          <p:nvPr>
-            <p:ph type="body" idx="1"/>
-          </p:nvPr>
-        </p:nvSpPr>
-        <p:spPr/>
-        <p:txBody>
-          <a:bodyPr/>
-          <a:lstStyle/>
-          <a:p>
-            <a:endParaRPr lang="ko-KR" altLang="en-US"/>
-          </a:p>
-        </p:txBody>
-      </p:sp>
-      <p:sp>
-        <p:nvSpPr>
-          <p:cNvPr id="4" name="슬라이드 번호 개체 틀 3"/>
-          <p:cNvSpPr>
-            <a:spLocks noGrp="1"/>
-          </p:cNvSpPr>
-          <p:nvPr>
-            <p:ph type="sldNum" sz="quarter" idx="10"/>
-          </p:nvPr>
-        </p:nvSpPr>
-        <p:spPr/>
-        <p:txBody>
-          <a:bodyPr/>
-          <a:lstStyle/>
-          <a:p>
-            <a:fld id="{5EE2CF44-2B13-41B4-A334-1CDF534EEBBF}" type="slidenum">
-              <a:rPr lang="en-US" altLang="ko-KR" smtClean="0"/>
-              <a:pPr/>
-              <a:t>12</a:t>
-            </a:fld>
-            <a:endParaRPr lang="ko-KR" altLang="en-US" dirty="0"/>
-          </a:p>
-        </p:txBody>
-      </p:sp>
-    </p:spTree>
-    <p:extLst>
-      <p:ext uri="{BB962C8B-B14F-4D97-AF65-F5344CB8AC3E}">
-        <p14:creationId xmlns:p14="http://schemas.microsoft.com/office/powerpoint/2010/main" val="252908871"/>
-      </p:ext>
-    </p:extLst>
-  </p:cSld>
-  <p:clrMapOvr>
-    <a:masterClrMapping/>
-  </p:clrMapOvr>
-</p:notes>
-</file>
-
-<file path=ppt/notesSlides/notesSlide13.xml><?xml version="1.0" encoding="utf-8"?>
 <p:notes xmlns:a="http://schemas.openxmlformats.org/drawingml/2006/main" xmlns:r="http://schemas.openxmlformats.org/officeDocument/2006/relationships" xmlns:p="http://schemas.openxmlformats.org/presentationml/2006/main">
   <p:cSld>
     <p:spTree>
@@ -6455,7 +5411,7 @@
             <a:pPr rtl="0"/>
             <a:fld id="{5EE2CF44-2B13-41B4-A334-1CDF534EEBBF}" type="slidenum">
               <a:rPr lang="en-US" altLang="ko-KR" smtClean="0"/>
-              <a:t>13</a:t>
+              <a:t>12</a:t>
             </a:fld>
             <a:endParaRPr lang="en-US" altLang="ko-KR"/>
           </a:p>
@@ -6464,95 +5420,7 @@
     </p:spTree>
     <p:extLst>
       <p:ext uri="{BB962C8B-B14F-4D97-AF65-F5344CB8AC3E}">
-        <p14:creationId xmlns:p14="http://schemas.microsoft.com/office/powerpoint/2010/main" val="2121357236"/>
-      </p:ext>
-    </p:extLst>
-  </p:cSld>
-  <p:clrMapOvr>
-    <a:masterClrMapping/>
-  </p:clrMapOvr>
-</p:notes>
-</file>
-
-<file path=ppt/notesSlides/notesSlide14.xml><?xml version="1.0" encoding="utf-8"?>
-<p:notes xmlns:a="http://schemas.openxmlformats.org/drawingml/2006/main" xmlns:r="http://schemas.openxmlformats.org/officeDocument/2006/relationships" xmlns:p="http://schemas.openxmlformats.org/presentationml/2006/main">
-  <p:cSld>
-    <p:spTree>
-      <p:nvGrpSpPr>
-        <p:cNvPr id="1" name=""/>
-        <p:cNvGrpSpPr/>
-        <p:nvPr/>
-      </p:nvGrpSpPr>
-      <p:grpSpPr>
-        <a:xfrm>
-          <a:off x="0" y="0"/>
-          <a:ext cx="0" cy="0"/>
-          <a:chOff x="0" y="0"/>
-          <a:chExt cx="0" cy="0"/>
-        </a:xfrm>
-      </p:grpSpPr>
-      <p:sp>
-        <p:nvSpPr>
-          <p:cNvPr id="2" name="슬라이드 이미지 개체 틀 1"/>
-          <p:cNvSpPr>
-            <a:spLocks noGrp="1" noRot="1" noChangeAspect="1"/>
-          </p:cNvSpPr>
-          <p:nvPr>
-            <p:ph type="sldImg"/>
-          </p:nvPr>
-        </p:nvSpPr>
-        <p:spPr/>
-      </p:sp>
-      <p:sp>
-        <p:nvSpPr>
-          <p:cNvPr id="3" name="슬라이드 노트 개체 틀 2"/>
-          <p:cNvSpPr>
-            <a:spLocks noGrp="1"/>
-          </p:cNvSpPr>
-          <p:nvPr>
-            <p:ph type="body" idx="1"/>
-          </p:nvPr>
-        </p:nvSpPr>
-        <p:spPr/>
-        <p:txBody>
-          <a:bodyPr/>
-          <a:lstStyle/>
-          <a:p>
-            <a:endParaRPr lang="ko-KR" altLang="en-US" noProof="0" dirty="0">
-              <a:latin typeface="malgun gothic" panose="020B0503020000020004" pitchFamily="50" charset="-127"/>
-              <a:ea typeface="malgun gothic" panose="020B0503020000020004" pitchFamily="50" charset="-127"/>
-            </a:endParaRPr>
-          </a:p>
-        </p:txBody>
-      </p:sp>
-      <p:sp>
-        <p:nvSpPr>
-          <p:cNvPr id="4" name="슬라이드 번호 개체 틀 3"/>
-          <p:cNvSpPr>
-            <a:spLocks noGrp="1"/>
-          </p:cNvSpPr>
-          <p:nvPr>
-            <p:ph type="sldNum" sz="quarter" idx="10"/>
-          </p:nvPr>
-        </p:nvSpPr>
-        <p:spPr/>
-        <p:txBody>
-          <a:bodyPr/>
-          <a:lstStyle/>
-          <a:p>
-            <a:pPr rtl="0"/>
-            <a:fld id="{5EE2CF44-2B13-41B4-A334-1CDF534EEBBF}" type="slidenum">
-              <a:rPr lang="en-US" altLang="ko-KR" smtClean="0"/>
-              <a:t>14</a:t>
-            </a:fld>
-            <a:endParaRPr lang="en-US" altLang="ko-KR"/>
-          </a:p>
-        </p:txBody>
-      </p:sp>
-    </p:spTree>
-    <p:extLst>
-      <p:ext uri="{BB962C8B-B14F-4D97-AF65-F5344CB8AC3E}">
-        <p14:creationId xmlns:p14="http://schemas.microsoft.com/office/powerpoint/2010/main" val="2088700718"/>
+        <p14:creationId xmlns:p14="http://schemas.microsoft.com/office/powerpoint/2010/main" val="3741125654"/>
       </p:ext>
     </p:extLst>
   </p:cSld>
@@ -6640,7 +5508,7 @@
     </p:spTree>
     <p:extLst>
       <p:ext uri="{BB962C8B-B14F-4D97-AF65-F5344CB8AC3E}">
-        <p14:creationId xmlns:p14="http://schemas.microsoft.com/office/powerpoint/2010/main" val="317581608"/>
+        <p14:creationId xmlns:p14="http://schemas.microsoft.com/office/powerpoint/2010/main" val="1652866603"/>
       </p:ext>
     </p:extLst>
   </p:cSld>
@@ -6728,7 +5596,7 @@
     </p:spTree>
     <p:extLst>
       <p:ext uri="{BB962C8B-B14F-4D97-AF65-F5344CB8AC3E}">
-        <p14:creationId xmlns:p14="http://schemas.microsoft.com/office/powerpoint/2010/main" val="1652866603"/>
+        <p14:creationId xmlns:p14="http://schemas.microsoft.com/office/powerpoint/2010/main" val="1604177710"/>
       </p:ext>
     </p:extLst>
   </p:cSld>
@@ -6816,7 +5684,7 @@
     </p:spTree>
     <p:extLst>
       <p:ext uri="{BB962C8B-B14F-4D97-AF65-F5344CB8AC3E}">
-        <p14:creationId xmlns:p14="http://schemas.microsoft.com/office/powerpoint/2010/main" val="1604177710"/>
+        <p14:creationId xmlns:p14="http://schemas.microsoft.com/office/powerpoint/2010/main" val="2336126129"/>
       </p:ext>
     </p:extLst>
   </p:cSld>
@@ -6904,7 +5772,7 @@
     </p:spTree>
     <p:extLst>
       <p:ext uri="{BB962C8B-B14F-4D97-AF65-F5344CB8AC3E}">
-        <p14:creationId xmlns:p14="http://schemas.microsoft.com/office/powerpoint/2010/main" val="2336126129"/>
+        <p14:creationId xmlns:p14="http://schemas.microsoft.com/office/powerpoint/2010/main" val="1465996936"/>
       </p:ext>
     </p:extLst>
   </p:cSld>
@@ -6992,7 +5860,7 @@
     </p:spTree>
     <p:extLst>
       <p:ext uri="{BB962C8B-B14F-4D97-AF65-F5344CB8AC3E}">
-        <p14:creationId xmlns:p14="http://schemas.microsoft.com/office/powerpoint/2010/main" val="1465996936"/>
+        <p14:creationId xmlns:p14="http://schemas.microsoft.com/office/powerpoint/2010/main" val="1284728839"/>
       </p:ext>
     </p:extLst>
   </p:cSld>
@@ -7080,7 +5948,7 @@
     </p:spTree>
     <p:extLst>
       <p:ext uri="{BB962C8B-B14F-4D97-AF65-F5344CB8AC3E}">
-        <p14:creationId xmlns:p14="http://schemas.microsoft.com/office/powerpoint/2010/main" val="3896074194"/>
+        <p14:creationId xmlns:p14="http://schemas.microsoft.com/office/powerpoint/2010/main" val="2174065478"/>
       </p:ext>
     </p:extLst>
   </p:cSld>
@@ -7168,7 +6036,7 @@
     </p:spTree>
     <p:extLst>
       <p:ext uri="{BB962C8B-B14F-4D97-AF65-F5344CB8AC3E}">
-        <p14:creationId xmlns:p14="http://schemas.microsoft.com/office/powerpoint/2010/main" val="3030133679"/>
+        <p14:creationId xmlns:p14="http://schemas.microsoft.com/office/powerpoint/2010/main" val="3896074194"/>
       </p:ext>
     </p:extLst>
   </p:cSld>
@@ -7256,7 +6124,7 @@
     </p:spTree>
     <p:extLst>
       <p:ext uri="{BB962C8B-B14F-4D97-AF65-F5344CB8AC3E}">
-        <p14:creationId xmlns:p14="http://schemas.microsoft.com/office/powerpoint/2010/main" val="3733944011"/>
+        <p14:creationId xmlns:p14="http://schemas.microsoft.com/office/powerpoint/2010/main" val="1317455295"/>
       </p:ext>
     </p:extLst>
   </p:cSld>
@@ -10559,13 +9427,10 @@
           <a:lstStyle/>
           <a:p>
             <a:pPr rtl="0"/>
-            <a:r>
-              <a:rPr lang="ko-KR" altLang="en-US" dirty="0">
-                <a:latin typeface="malgun gothic" panose="020B0503020000020004" pitchFamily="50" charset="-127"/>
-                <a:ea typeface="malgun gothic" panose="020B0503020000020004" pitchFamily="50" charset="-127"/>
-              </a:rPr>
-              <a:t>부제</a:t>
-            </a:r>
+            <a:endParaRPr lang="ko-KR" altLang="en-US" dirty="0">
+              <a:latin typeface="malgun gothic" panose="020B0503020000020004" pitchFamily="50" charset="-127"/>
+              <a:ea typeface="malgun gothic" panose="020B0503020000020004" pitchFamily="50" charset="-127"/>
+            </a:endParaRPr>
           </a:p>
         </p:txBody>
       </p:sp>
@@ -10611,10 +9476,147 @@
           <a:chExt cx="0" cy="0"/>
         </a:xfrm>
       </p:grpSpPr>
+      <p:sp>
+        <p:nvSpPr>
+          <p:cNvPr id="2" name="제목 1"/>
+          <p:cNvSpPr>
+            <a:spLocks noGrp="1"/>
+          </p:cNvSpPr>
+          <p:nvPr>
+            <p:ph type="title"/>
+          </p:nvPr>
+        </p:nvSpPr>
+        <p:spPr>
+          <a:xfrm>
+            <a:off x="1524000" y="457200"/>
+            <a:ext cx="9144000" cy="1143000"/>
+          </a:xfrm>
+        </p:spPr>
+        <p:txBody>
+          <a:bodyPr rtlCol="0"/>
+          <a:lstStyle/>
+          <a:p>
+            <a:r>
+              <a:rPr lang="ko-KR" altLang="en-US" dirty="0">
+                <a:latin typeface="malgun gothic" panose="020B0503020000020004" pitchFamily="50" charset="-127"/>
+                <a:ea typeface="malgun gothic" panose="020B0503020000020004" pitchFamily="50" charset="-127"/>
+              </a:rPr>
+              <a:t>주행 영상</a:t>
+            </a:r>
+          </a:p>
+        </p:txBody>
+      </p:sp>
+      <p:pic>
+        <p:nvPicPr>
+          <p:cNvPr id="3" name="IiP7946Suk8">
+            <a:hlinkClick r:id="" action="ppaction://media"/>
+            <a:extLst>
+              <a:ext uri="{FF2B5EF4-FFF2-40B4-BE49-F238E27FC236}">
+                <a16:creationId xmlns:a16="http://schemas.microsoft.com/office/drawing/2014/main" id="{8D6FDD51-D197-4803-B1A4-601271494239}"/>
+              </a:ext>
+            </a:extLst>
+          </p:cNvPr>
+          <p:cNvPicPr>
+            <a:picLocks noRot="1" noChangeAspect="1"/>
+          </p:cNvPicPr>
+          <p:nvPr>
+            <a:videoFile r:link="rId1"/>
+          </p:nvPr>
+        </p:nvPicPr>
+        <p:blipFill>
+          <a:blip r:embed="rId5"/>
+          <a:stretch>
+            <a:fillRect/>
+          </a:stretch>
+        </p:blipFill>
+        <p:spPr>
+          <a:xfrm>
+            <a:off x="1525323" y="1916832"/>
+            <a:ext cx="4716016" cy="3537012"/>
+          </a:xfrm>
+          <a:prstGeom prst="rect">
+            <a:avLst/>
+          </a:prstGeom>
+          <a:ln w="107950" cap="rnd">
+            <a:solidFill>
+              <a:srgbClr val="C8C6BD"/>
+            </a:solidFill>
+          </a:ln>
+          <a:effectLst>
+            <a:outerShdw blurRad="101600" dist="50800" dir="7200000" algn="tl" rotWithShape="0">
+              <a:srgbClr val="000000">
+                <a:alpha val="45000"/>
+              </a:srgbClr>
+            </a:outerShdw>
+          </a:effectLst>
+          <a:scene3d>
+            <a:camera prst="perspectiveFront" fov="5400000"/>
+            <a:lightRig rig="threePt" dir="t">
+              <a:rot lat="0" lon="0" rev="19200000"/>
+            </a:lightRig>
+          </a:scene3d>
+          <a:sp3d extrusionH="25400">
+            <a:bevelT w="171450" prst="hardEdge"/>
+            <a:extrusionClr>
+              <a:srgbClr val="FFFFFF"/>
+            </a:extrusionClr>
+          </a:sp3d>
+        </p:spPr>
+      </p:pic>
+      <p:pic>
+        <p:nvPicPr>
+          <p:cNvPr id="5" name="C0HxYtZdT3o">
+            <a:hlinkClick r:id="" action="ppaction://media"/>
+            <a:extLst>
+              <a:ext uri="{FF2B5EF4-FFF2-40B4-BE49-F238E27FC236}">
+                <a16:creationId xmlns:a16="http://schemas.microsoft.com/office/drawing/2014/main" id="{E86C03D8-573C-4903-A312-CB6EEB344F38}"/>
+              </a:ext>
+            </a:extLst>
+          </p:cNvPr>
+          <p:cNvPicPr>
+            <a:picLocks noRot="1" noChangeAspect="1"/>
+          </p:cNvPicPr>
+          <p:nvPr>
+            <a:videoFile r:link="rId2"/>
+          </p:nvPr>
+        </p:nvPicPr>
+        <p:blipFill>
+          <a:blip r:embed="rId5"/>
+          <a:stretch>
+            <a:fillRect/>
+          </a:stretch>
+        </p:blipFill>
+        <p:spPr>
+          <a:xfrm>
+            <a:off x="6744072" y="1916832"/>
+            <a:ext cx="4752528" cy="3564396"/>
+          </a:xfrm>
+          <a:prstGeom prst="rect">
+            <a:avLst/>
+          </a:prstGeom>
+          <a:ln w="63500" cap="sq">
+            <a:solidFill>
+              <a:srgbClr val="FFFFFF"/>
+            </a:solidFill>
+            <a:prstDash val="solid"/>
+            <a:miter lim="800000"/>
+          </a:ln>
+          <a:effectLst/>
+          <a:scene3d>
+            <a:camera prst="orthographicFront"/>
+            <a:lightRig rig="soft" dir="t"/>
+          </a:scene3d>
+          <a:sp3d contourW="6350">
+            <a:contourClr>
+              <a:srgbClr val="000000"/>
+            </a:contourClr>
+          </a:sp3d>
+        </p:spPr>
+      </p:pic>
     </p:spTree>
     <p:extLst>
       <p:ext uri="{BB962C8B-B14F-4D97-AF65-F5344CB8AC3E}">
-        <p14:creationId xmlns:p14="http://schemas.microsoft.com/office/powerpoint/2010/main" val="3444435236"/>
+        <p14:creationId xmlns:p14="http://schemas.microsoft.com/office/powerpoint/2010/main" val="1829145793"/>
       </p:ext>
     </p:extLst>
   </p:cSld>
@@ -10651,115 +9653,282 @@
             <p:ph type="title"/>
           </p:nvPr>
         </p:nvSpPr>
-        <p:spPr/>
+        <p:spPr>
+          <a:xfrm>
+            <a:off x="1524000" y="457200"/>
+            <a:ext cx="9144000" cy="1143000"/>
+          </a:xfrm>
+        </p:spPr>
         <p:txBody>
           <a:bodyPr rtlCol="0"/>
           <a:lstStyle/>
           <a:p>
-            <a:pPr rtl="0"/>
-            <a:endParaRPr lang="ko-KR" altLang="en-US" dirty="0">
-              <a:latin typeface="malgun gothic" panose="020B0503020000020004" pitchFamily="50" charset="-127"/>
-              <a:ea typeface="malgun gothic" panose="020B0503020000020004" pitchFamily="50" charset="-127"/>
-            </a:endParaRPr>
+            <a:r>
+              <a:rPr lang="ko-KR" altLang="en-US" dirty="0">
+                <a:latin typeface="malgun gothic" panose="020B0503020000020004" pitchFamily="50" charset="-127"/>
+                <a:ea typeface="malgun gothic" panose="020B0503020000020004" pitchFamily="50" charset="-127"/>
+              </a:rPr>
+              <a:t>사용 센서 및 기술</a:t>
+            </a:r>
           </a:p>
         </p:txBody>
       </p:sp>
       <p:sp>
         <p:nvSpPr>
-          <p:cNvPr id="3" name="텍스트 개체 틀 2"/>
-          <p:cNvSpPr>
-            <a:spLocks noGrp="1"/>
+          <p:cNvPr id="3" name="내용 개체 틀 13">
+            <a:extLst>
+              <a:ext uri="{FF2B5EF4-FFF2-40B4-BE49-F238E27FC236}">
+                <a16:creationId xmlns:a16="http://schemas.microsoft.com/office/drawing/2014/main" id="{224AD9A3-2E6C-431D-97B7-D3C15271C81C}"/>
+              </a:ext>
+            </a:extLst>
+          </p:cNvPr>
+          <p:cNvSpPr txBox="1">
+            <a:spLocks/>
           </p:cNvSpPr>
-          <p:nvPr>
-            <p:ph type="body" idx="1"/>
-          </p:nvPr>
+          <p:nvPr/>
         </p:nvSpPr>
-        <p:spPr/>
+        <p:spPr>
+          <a:xfrm>
+            <a:off x="1524000" y="1828800"/>
+            <a:ext cx="9144000" cy="4267200"/>
+          </a:xfrm>
+          <a:prstGeom prst="rect">
+            <a:avLst/>
+          </a:prstGeom>
+        </p:spPr>
         <p:txBody>
           <a:bodyPr rtlCol="0"/>
-          <a:lstStyle/>
+          <a:lstStyle>
+            <a:lvl1pPr marL="228600" indent="-228600" algn="l" defTabSz="914400" rtl="0" eaLnBrk="1" latinLnBrk="1" hangingPunct="1">
+              <a:lnSpc>
+                <a:spcPct val="90000"/>
+              </a:lnSpc>
+              <a:spcBef>
+                <a:spcPts val="1800"/>
+              </a:spcBef>
+              <a:buClr>
+                <a:schemeClr val="accent1"/>
+              </a:buClr>
+              <a:buFont typeface="Arial" pitchFamily="34" charset="0"/>
+              <a:buChar char="•"/>
+              <a:defRPr sz="2000" kern="1200">
+                <a:solidFill>
+                  <a:schemeClr val="tx1">
+                    <a:lumMod val="85000"/>
+                  </a:schemeClr>
+                </a:solidFill>
+                <a:latin typeface="malgun gothic" panose="020B0503020000020004" pitchFamily="50" charset="-127"/>
+                <a:ea typeface="malgun gothic" panose="020B0503020000020004" pitchFamily="50" charset="-127"/>
+                <a:cs typeface="+mn-cs"/>
+              </a:defRPr>
+            </a:lvl1pPr>
+            <a:lvl2pPr marL="594360" indent="-228600" algn="l" defTabSz="914400" rtl="0" eaLnBrk="1" latinLnBrk="1" hangingPunct="1">
+              <a:lnSpc>
+                <a:spcPct val="90000"/>
+              </a:lnSpc>
+              <a:spcBef>
+                <a:spcPts val="1000"/>
+              </a:spcBef>
+              <a:buClr>
+                <a:schemeClr val="accent1"/>
+              </a:buClr>
+              <a:buFont typeface="Arial" pitchFamily="34" charset="0"/>
+              <a:buChar char="•"/>
+              <a:defRPr sz="1800" kern="1200">
+                <a:solidFill>
+                  <a:schemeClr val="tx1">
+                    <a:lumMod val="85000"/>
+                  </a:schemeClr>
+                </a:solidFill>
+                <a:latin typeface="malgun gothic" panose="020B0503020000020004" pitchFamily="50" charset="-127"/>
+                <a:ea typeface="malgun gothic" panose="020B0503020000020004" pitchFamily="50" charset="-127"/>
+                <a:cs typeface="+mn-cs"/>
+              </a:defRPr>
+            </a:lvl2pPr>
+            <a:lvl3pPr marL="914400" indent="-228600" algn="l" defTabSz="914400" rtl="0" eaLnBrk="1" latinLnBrk="1" hangingPunct="1">
+              <a:lnSpc>
+                <a:spcPct val="90000"/>
+              </a:lnSpc>
+              <a:spcBef>
+                <a:spcPts val="800"/>
+              </a:spcBef>
+              <a:buClr>
+                <a:schemeClr val="accent1"/>
+              </a:buClr>
+              <a:buFont typeface="Arial" pitchFamily="34" charset="0"/>
+              <a:buChar char="•"/>
+              <a:defRPr sz="1600" kern="1200">
+                <a:solidFill>
+                  <a:schemeClr val="tx1">
+                    <a:lumMod val="85000"/>
+                  </a:schemeClr>
+                </a:solidFill>
+                <a:latin typeface="malgun gothic" panose="020B0503020000020004" pitchFamily="50" charset="-127"/>
+                <a:ea typeface="malgun gothic" panose="020B0503020000020004" pitchFamily="50" charset="-127"/>
+                <a:cs typeface="+mn-cs"/>
+              </a:defRPr>
+            </a:lvl3pPr>
+            <a:lvl4pPr marL="1234440" indent="-228600" algn="l" defTabSz="914400" rtl="0" eaLnBrk="1" latinLnBrk="1" hangingPunct="1">
+              <a:lnSpc>
+                <a:spcPct val="90000"/>
+              </a:lnSpc>
+              <a:spcBef>
+                <a:spcPts val="800"/>
+              </a:spcBef>
+              <a:buClr>
+                <a:schemeClr val="accent1"/>
+              </a:buClr>
+              <a:buFont typeface="Arial" pitchFamily="34" charset="0"/>
+              <a:buChar char="•"/>
+              <a:defRPr sz="1400" kern="1200">
+                <a:solidFill>
+                  <a:schemeClr val="tx1">
+                    <a:lumMod val="85000"/>
+                  </a:schemeClr>
+                </a:solidFill>
+                <a:latin typeface="malgun gothic" panose="020B0503020000020004" pitchFamily="50" charset="-127"/>
+                <a:ea typeface="malgun gothic" panose="020B0503020000020004" pitchFamily="50" charset="-127"/>
+                <a:cs typeface="+mn-cs"/>
+              </a:defRPr>
+            </a:lvl4pPr>
+            <a:lvl5pPr marL="1508760" indent="-228600" algn="l" defTabSz="914400" rtl="0" eaLnBrk="1" latinLnBrk="1" hangingPunct="1">
+              <a:lnSpc>
+                <a:spcPct val="90000"/>
+              </a:lnSpc>
+              <a:spcBef>
+                <a:spcPts val="800"/>
+              </a:spcBef>
+              <a:buClr>
+                <a:schemeClr val="accent1"/>
+              </a:buClr>
+              <a:buFont typeface="Arial" pitchFamily="34" charset="0"/>
+              <a:buChar char="•"/>
+              <a:defRPr sz="1400" kern="1200">
+                <a:solidFill>
+                  <a:schemeClr val="tx1">
+                    <a:lumMod val="85000"/>
+                  </a:schemeClr>
+                </a:solidFill>
+                <a:latin typeface="malgun gothic" panose="020B0503020000020004" pitchFamily="50" charset="-127"/>
+                <a:ea typeface="malgun gothic" panose="020B0503020000020004" pitchFamily="50" charset="-127"/>
+                <a:cs typeface="+mn-cs"/>
+              </a:defRPr>
+            </a:lvl5pPr>
+            <a:lvl6pPr marL="1783080" indent="-228600" algn="l" defTabSz="914400" rtl="0" eaLnBrk="1" latinLnBrk="1" hangingPunct="1">
+              <a:lnSpc>
+                <a:spcPct val="90000"/>
+              </a:lnSpc>
+              <a:spcBef>
+                <a:spcPts val="800"/>
+              </a:spcBef>
+              <a:buClr>
+                <a:schemeClr val="accent1"/>
+              </a:buClr>
+              <a:buFont typeface="Arial" pitchFamily="34" charset="0"/>
+              <a:buChar char="•"/>
+              <a:defRPr sz="1400" kern="1200">
+                <a:solidFill>
+                  <a:schemeClr val="tx1"/>
+                </a:solidFill>
+                <a:latin typeface="+mn-lt"/>
+                <a:ea typeface="+mn-ea"/>
+                <a:cs typeface="+mn-cs"/>
+              </a:defRPr>
+            </a:lvl6pPr>
+            <a:lvl7pPr marL="2057400" indent="-228600" algn="l" defTabSz="914400" rtl="0" eaLnBrk="1" latinLnBrk="1" hangingPunct="1">
+              <a:lnSpc>
+                <a:spcPct val="90000"/>
+              </a:lnSpc>
+              <a:spcBef>
+                <a:spcPts val="800"/>
+              </a:spcBef>
+              <a:buClr>
+                <a:schemeClr val="accent1"/>
+              </a:buClr>
+              <a:buFont typeface="Arial" pitchFamily="34" charset="0"/>
+              <a:buChar char="•"/>
+              <a:defRPr sz="1400" kern="1200">
+                <a:solidFill>
+                  <a:schemeClr val="tx1"/>
+                </a:solidFill>
+                <a:latin typeface="+mn-lt"/>
+                <a:ea typeface="+mn-ea"/>
+                <a:cs typeface="+mn-cs"/>
+              </a:defRPr>
+            </a:lvl7pPr>
+            <a:lvl8pPr marL="2331720" indent="-228600" algn="l" defTabSz="914400" rtl="0" eaLnBrk="1" latinLnBrk="1" hangingPunct="1">
+              <a:lnSpc>
+                <a:spcPct val="90000"/>
+              </a:lnSpc>
+              <a:spcBef>
+                <a:spcPts val="800"/>
+              </a:spcBef>
+              <a:buClr>
+                <a:schemeClr val="accent1"/>
+              </a:buClr>
+              <a:buFont typeface="Arial" pitchFamily="34" charset="0"/>
+              <a:buChar char="•"/>
+              <a:defRPr sz="1400" kern="1200">
+                <a:solidFill>
+                  <a:schemeClr val="tx1"/>
+                </a:solidFill>
+                <a:latin typeface="+mn-lt"/>
+                <a:ea typeface="+mn-ea"/>
+                <a:cs typeface="+mn-cs"/>
+              </a:defRPr>
+            </a:lvl8pPr>
+            <a:lvl9pPr marL="2606040" indent="-228600" algn="l" defTabSz="914400" rtl="0" eaLnBrk="1" latinLnBrk="1" hangingPunct="1">
+              <a:lnSpc>
+                <a:spcPct val="90000"/>
+              </a:lnSpc>
+              <a:spcBef>
+                <a:spcPts val="800"/>
+              </a:spcBef>
+              <a:buClr>
+                <a:schemeClr val="accent1"/>
+              </a:buClr>
+              <a:buFont typeface="Arial" pitchFamily="34" charset="0"/>
+              <a:buChar char="•"/>
+              <a:defRPr sz="1400" kern="1200">
+                <a:solidFill>
+                  <a:schemeClr val="tx1"/>
+                </a:solidFill>
+                <a:latin typeface="+mn-lt"/>
+                <a:ea typeface="+mn-ea"/>
+                <a:cs typeface="+mn-cs"/>
+              </a:defRPr>
+            </a:lvl9pPr>
+          </a:lstStyle>
           <a:p>
-            <a:pPr rtl="0"/>
-            <a:endParaRPr lang="ko-KR" altLang="en-US" dirty="0">
-              <a:latin typeface="malgun gothic" panose="020B0503020000020004" pitchFamily="50" charset="-127"/>
-              <a:ea typeface="malgun gothic" panose="020B0503020000020004" pitchFamily="50" charset="-127"/>
-            </a:endParaRPr>
+            <a:r>
+              <a:rPr lang="ko-KR" altLang="en-US" dirty="0"/>
+              <a:t>초음파</a:t>
+            </a:r>
+            <a:endParaRPr lang="en-US" altLang="ko-KR" dirty="0"/>
           </a:p>
-        </p:txBody>
-      </p:sp>
-      <p:sp>
-        <p:nvSpPr>
-          <p:cNvPr id="4" name="내용 개체 틀 3"/>
-          <p:cNvSpPr>
-            <a:spLocks noGrp="1"/>
-          </p:cNvSpPr>
-          <p:nvPr>
-            <p:ph sz="half" idx="2"/>
-          </p:nvPr>
-        </p:nvSpPr>
-        <p:spPr/>
-        <p:txBody>
-          <a:bodyPr rtlCol="0"/>
-          <a:lstStyle/>
           <a:p>
-            <a:pPr rtl="0"/>
-            <a:endParaRPr lang="ko-KR" altLang="en-US" dirty="0">
-              <a:latin typeface="malgun gothic" panose="020B0503020000020004" pitchFamily="50" charset="-127"/>
-              <a:ea typeface="malgun gothic" panose="020B0503020000020004" pitchFamily="50" charset="-127"/>
-            </a:endParaRPr>
+            <a:r>
+              <a:rPr lang="ko-KR" altLang="en-US" dirty="0"/>
+              <a:t>적외선</a:t>
+            </a:r>
+            <a:endParaRPr lang="en-US" altLang="ko-KR" dirty="0"/>
           </a:p>
-        </p:txBody>
-      </p:sp>
-      <p:sp>
-        <p:nvSpPr>
-          <p:cNvPr id="5" name="텍스트 개체 틀 4"/>
-          <p:cNvSpPr>
-            <a:spLocks noGrp="1"/>
-          </p:cNvSpPr>
-          <p:nvPr>
-            <p:ph type="body" sz="quarter" idx="3"/>
-          </p:nvPr>
-        </p:nvSpPr>
-        <p:spPr/>
-        <p:txBody>
-          <a:bodyPr rtlCol="0"/>
-          <a:lstStyle/>
           <a:p>
-            <a:pPr rtl="0"/>
-            <a:endParaRPr lang="ko-KR" altLang="en-US" dirty="0">
-              <a:latin typeface="malgun gothic" panose="020B0503020000020004" pitchFamily="50" charset="-127"/>
-              <a:ea typeface="malgun gothic" panose="020B0503020000020004" pitchFamily="50" charset="-127"/>
-            </a:endParaRPr>
+            <a:r>
+              <a:rPr lang="ko-KR" altLang="en-US" dirty="0"/>
+              <a:t>블루투스</a:t>
+            </a:r>
+            <a:endParaRPr lang="en-US" altLang="ko-KR" dirty="0"/>
           </a:p>
-        </p:txBody>
-      </p:sp>
-      <p:sp>
-        <p:nvSpPr>
-          <p:cNvPr id="6" name="내용 개체 틀 5"/>
-          <p:cNvSpPr>
-            <a:spLocks noGrp="1"/>
-          </p:cNvSpPr>
-          <p:nvPr>
-            <p:ph sz="quarter" idx="4"/>
-          </p:nvPr>
-        </p:nvSpPr>
-        <p:spPr/>
-        <p:txBody>
-          <a:bodyPr rtlCol="0"/>
-          <a:lstStyle/>
           <a:p>
-            <a:pPr rtl="0"/>
-            <a:endParaRPr lang="ko-KR" altLang="en-US" dirty="0">
-              <a:latin typeface="malgun gothic" panose="020B0503020000020004" pitchFamily="50" charset="-127"/>
-              <a:ea typeface="malgun gothic" panose="020B0503020000020004" pitchFamily="50" charset="-127"/>
-            </a:endParaRPr>
+            <a:endParaRPr lang="ko-KR" altLang="en-US" dirty="0"/>
           </a:p>
         </p:txBody>
       </p:sp>
     </p:spTree>
     <p:extLst>
       <p:ext uri="{BB962C8B-B14F-4D97-AF65-F5344CB8AC3E}">
-        <p14:creationId xmlns:p14="http://schemas.microsoft.com/office/powerpoint/2010/main" val="1475842300"/>
+        <p14:creationId xmlns:p14="http://schemas.microsoft.com/office/powerpoint/2010/main" val="248588526"/>
       </p:ext>
     </p:extLst>
   </p:cSld>
@@ -10786,36 +9955,6 @@
           <a:chExt cx="0" cy="0"/>
         </a:xfrm>
       </p:grpSpPr>
-    </p:spTree>
-    <p:extLst>
-      <p:ext uri="{BB962C8B-B14F-4D97-AF65-F5344CB8AC3E}">
-        <p14:creationId xmlns:p14="http://schemas.microsoft.com/office/powerpoint/2010/main" val="3661180859"/>
-      </p:ext>
-    </p:extLst>
-  </p:cSld>
-  <p:clrMapOvr>
-    <a:masterClrMapping/>
-  </p:clrMapOvr>
-</p:sld>
-</file>
-
-<file path=ppt/slides/slide13.xml><?xml version="1.0" encoding="utf-8"?>
-<p:sld xmlns:a="http://schemas.openxmlformats.org/drawingml/2006/main" xmlns:r="http://schemas.openxmlformats.org/officeDocument/2006/relationships" xmlns:p="http://schemas.openxmlformats.org/presentationml/2006/main">
-  <p:cSld>
-    <p:spTree>
-      <p:nvGrpSpPr>
-        <p:cNvPr id="1" name=""/>
-        <p:cNvGrpSpPr/>
-        <p:nvPr/>
-      </p:nvGrpSpPr>
-      <p:grpSpPr>
-        <a:xfrm>
-          <a:off x="0" y="0"/>
-          <a:ext cx="0" cy="0"/>
-          <a:chOff x="0" y="0"/>
-          <a:chExt cx="0" cy="0"/>
-        </a:xfrm>
-      </p:grpSpPr>
       <p:sp>
         <p:nvSpPr>
           <p:cNvPr id="2" name="제목 1"/>
@@ -10826,157 +9965,279 @@
             <p:ph type="title"/>
           </p:nvPr>
         </p:nvSpPr>
-        <p:spPr/>
+        <p:spPr>
+          <a:xfrm>
+            <a:off x="1524000" y="457200"/>
+            <a:ext cx="9144000" cy="1143000"/>
+          </a:xfrm>
+        </p:spPr>
         <p:txBody>
           <a:bodyPr rtlCol="0"/>
           <a:lstStyle/>
           <a:p>
-            <a:pPr rtl="0"/>
-            <a:endParaRPr lang="ko-KR" altLang="en-US" dirty="0">
-              <a:latin typeface="malgun gothic" panose="020B0503020000020004" pitchFamily="50" charset="-127"/>
-              <a:ea typeface="malgun gothic" panose="020B0503020000020004" pitchFamily="50" charset="-127"/>
-            </a:endParaRPr>
+            <a:r>
+              <a:rPr lang="ko-KR" altLang="en-US" dirty="0">
+                <a:latin typeface="malgun gothic" panose="020B0503020000020004" pitchFamily="50" charset="-127"/>
+                <a:ea typeface="malgun gothic" panose="020B0503020000020004" pitchFamily="50" charset="-127"/>
+              </a:rPr>
+              <a:t>적용 예정 기술</a:t>
+            </a:r>
           </a:p>
         </p:txBody>
       </p:sp>
       <p:sp>
         <p:nvSpPr>
-          <p:cNvPr id="3" name="내용 개체 틀 2"/>
-          <p:cNvSpPr>
-            <a:spLocks noGrp="1"/>
+          <p:cNvPr id="3" name="내용 개체 틀 13">
+            <a:extLst>
+              <a:ext uri="{FF2B5EF4-FFF2-40B4-BE49-F238E27FC236}">
+                <a16:creationId xmlns:a16="http://schemas.microsoft.com/office/drawing/2014/main" id="{224AD9A3-2E6C-431D-97B7-D3C15271C81C}"/>
+              </a:ext>
+            </a:extLst>
+          </p:cNvPr>
+          <p:cNvSpPr txBox="1">
+            <a:spLocks/>
           </p:cNvSpPr>
-          <p:nvPr>
-            <p:ph idx="1"/>
-          </p:nvPr>
+          <p:nvPr/>
         </p:nvSpPr>
-        <p:spPr/>
+        <p:spPr>
+          <a:xfrm>
+            <a:off x="1524000" y="1828800"/>
+            <a:ext cx="9144000" cy="4267200"/>
+          </a:xfrm>
+          <a:prstGeom prst="rect">
+            <a:avLst/>
+          </a:prstGeom>
+        </p:spPr>
         <p:txBody>
           <a:bodyPr rtlCol="0"/>
-          <a:lstStyle/>
+          <a:lstStyle>
+            <a:lvl1pPr marL="228600" indent="-228600" algn="l" defTabSz="914400" rtl="0" eaLnBrk="1" latinLnBrk="1" hangingPunct="1">
+              <a:lnSpc>
+                <a:spcPct val="90000"/>
+              </a:lnSpc>
+              <a:spcBef>
+                <a:spcPts val="1800"/>
+              </a:spcBef>
+              <a:buClr>
+                <a:schemeClr val="accent1"/>
+              </a:buClr>
+              <a:buFont typeface="Arial" pitchFamily="34" charset="0"/>
+              <a:buChar char="•"/>
+              <a:defRPr sz="2000" kern="1200">
+                <a:solidFill>
+                  <a:schemeClr val="tx1">
+                    <a:lumMod val="85000"/>
+                  </a:schemeClr>
+                </a:solidFill>
+                <a:latin typeface="malgun gothic" panose="020B0503020000020004" pitchFamily="50" charset="-127"/>
+                <a:ea typeface="malgun gothic" panose="020B0503020000020004" pitchFamily="50" charset="-127"/>
+                <a:cs typeface="+mn-cs"/>
+              </a:defRPr>
+            </a:lvl1pPr>
+            <a:lvl2pPr marL="594360" indent="-228600" algn="l" defTabSz="914400" rtl="0" eaLnBrk="1" latinLnBrk="1" hangingPunct="1">
+              <a:lnSpc>
+                <a:spcPct val="90000"/>
+              </a:lnSpc>
+              <a:spcBef>
+                <a:spcPts val="1000"/>
+              </a:spcBef>
+              <a:buClr>
+                <a:schemeClr val="accent1"/>
+              </a:buClr>
+              <a:buFont typeface="Arial" pitchFamily="34" charset="0"/>
+              <a:buChar char="•"/>
+              <a:defRPr sz="1800" kern="1200">
+                <a:solidFill>
+                  <a:schemeClr val="tx1">
+                    <a:lumMod val="85000"/>
+                  </a:schemeClr>
+                </a:solidFill>
+                <a:latin typeface="malgun gothic" panose="020B0503020000020004" pitchFamily="50" charset="-127"/>
+                <a:ea typeface="malgun gothic" panose="020B0503020000020004" pitchFamily="50" charset="-127"/>
+                <a:cs typeface="+mn-cs"/>
+              </a:defRPr>
+            </a:lvl2pPr>
+            <a:lvl3pPr marL="914400" indent="-228600" algn="l" defTabSz="914400" rtl="0" eaLnBrk="1" latinLnBrk="1" hangingPunct="1">
+              <a:lnSpc>
+                <a:spcPct val="90000"/>
+              </a:lnSpc>
+              <a:spcBef>
+                <a:spcPts val="800"/>
+              </a:spcBef>
+              <a:buClr>
+                <a:schemeClr val="accent1"/>
+              </a:buClr>
+              <a:buFont typeface="Arial" pitchFamily="34" charset="0"/>
+              <a:buChar char="•"/>
+              <a:defRPr sz="1600" kern="1200">
+                <a:solidFill>
+                  <a:schemeClr val="tx1">
+                    <a:lumMod val="85000"/>
+                  </a:schemeClr>
+                </a:solidFill>
+                <a:latin typeface="malgun gothic" panose="020B0503020000020004" pitchFamily="50" charset="-127"/>
+                <a:ea typeface="malgun gothic" panose="020B0503020000020004" pitchFamily="50" charset="-127"/>
+                <a:cs typeface="+mn-cs"/>
+              </a:defRPr>
+            </a:lvl3pPr>
+            <a:lvl4pPr marL="1234440" indent="-228600" algn="l" defTabSz="914400" rtl="0" eaLnBrk="1" latinLnBrk="1" hangingPunct="1">
+              <a:lnSpc>
+                <a:spcPct val="90000"/>
+              </a:lnSpc>
+              <a:spcBef>
+                <a:spcPts val="800"/>
+              </a:spcBef>
+              <a:buClr>
+                <a:schemeClr val="accent1"/>
+              </a:buClr>
+              <a:buFont typeface="Arial" pitchFamily="34" charset="0"/>
+              <a:buChar char="•"/>
+              <a:defRPr sz="1400" kern="1200">
+                <a:solidFill>
+                  <a:schemeClr val="tx1">
+                    <a:lumMod val="85000"/>
+                  </a:schemeClr>
+                </a:solidFill>
+                <a:latin typeface="malgun gothic" panose="020B0503020000020004" pitchFamily="50" charset="-127"/>
+                <a:ea typeface="malgun gothic" panose="020B0503020000020004" pitchFamily="50" charset="-127"/>
+                <a:cs typeface="+mn-cs"/>
+              </a:defRPr>
+            </a:lvl4pPr>
+            <a:lvl5pPr marL="1508760" indent="-228600" algn="l" defTabSz="914400" rtl="0" eaLnBrk="1" latinLnBrk="1" hangingPunct="1">
+              <a:lnSpc>
+                <a:spcPct val="90000"/>
+              </a:lnSpc>
+              <a:spcBef>
+                <a:spcPts val="800"/>
+              </a:spcBef>
+              <a:buClr>
+                <a:schemeClr val="accent1"/>
+              </a:buClr>
+              <a:buFont typeface="Arial" pitchFamily="34" charset="0"/>
+              <a:buChar char="•"/>
+              <a:defRPr sz="1400" kern="1200">
+                <a:solidFill>
+                  <a:schemeClr val="tx1">
+                    <a:lumMod val="85000"/>
+                  </a:schemeClr>
+                </a:solidFill>
+                <a:latin typeface="malgun gothic" panose="020B0503020000020004" pitchFamily="50" charset="-127"/>
+                <a:ea typeface="malgun gothic" panose="020B0503020000020004" pitchFamily="50" charset="-127"/>
+                <a:cs typeface="+mn-cs"/>
+              </a:defRPr>
+            </a:lvl5pPr>
+            <a:lvl6pPr marL="1783080" indent="-228600" algn="l" defTabSz="914400" rtl="0" eaLnBrk="1" latinLnBrk="1" hangingPunct="1">
+              <a:lnSpc>
+                <a:spcPct val="90000"/>
+              </a:lnSpc>
+              <a:spcBef>
+                <a:spcPts val="800"/>
+              </a:spcBef>
+              <a:buClr>
+                <a:schemeClr val="accent1"/>
+              </a:buClr>
+              <a:buFont typeface="Arial" pitchFamily="34" charset="0"/>
+              <a:buChar char="•"/>
+              <a:defRPr sz="1400" kern="1200">
+                <a:solidFill>
+                  <a:schemeClr val="tx1"/>
+                </a:solidFill>
+                <a:latin typeface="+mn-lt"/>
+                <a:ea typeface="+mn-ea"/>
+                <a:cs typeface="+mn-cs"/>
+              </a:defRPr>
+            </a:lvl6pPr>
+            <a:lvl7pPr marL="2057400" indent="-228600" algn="l" defTabSz="914400" rtl="0" eaLnBrk="1" latinLnBrk="1" hangingPunct="1">
+              <a:lnSpc>
+                <a:spcPct val="90000"/>
+              </a:lnSpc>
+              <a:spcBef>
+                <a:spcPts val="800"/>
+              </a:spcBef>
+              <a:buClr>
+                <a:schemeClr val="accent1"/>
+              </a:buClr>
+              <a:buFont typeface="Arial" pitchFamily="34" charset="0"/>
+              <a:buChar char="•"/>
+              <a:defRPr sz="1400" kern="1200">
+                <a:solidFill>
+                  <a:schemeClr val="tx1"/>
+                </a:solidFill>
+                <a:latin typeface="+mn-lt"/>
+                <a:ea typeface="+mn-ea"/>
+                <a:cs typeface="+mn-cs"/>
+              </a:defRPr>
+            </a:lvl7pPr>
+            <a:lvl8pPr marL="2331720" indent="-228600" algn="l" defTabSz="914400" rtl="0" eaLnBrk="1" latinLnBrk="1" hangingPunct="1">
+              <a:lnSpc>
+                <a:spcPct val="90000"/>
+              </a:lnSpc>
+              <a:spcBef>
+                <a:spcPts val="800"/>
+              </a:spcBef>
+              <a:buClr>
+                <a:schemeClr val="accent1"/>
+              </a:buClr>
+              <a:buFont typeface="Arial" pitchFamily="34" charset="0"/>
+              <a:buChar char="•"/>
+              <a:defRPr sz="1400" kern="1200">
+                <a:solidFill>
+                  <a:schemeClr val="tx1"/>
+                </a:solidFill>
+                <a:latin typeface="+mn-lt"/>
+                <a:ea typeface="+mn-ea"/>
+                <a:cs typeface="+mn-cs"/>
+              </a:defRPr>
+            </a:lvl8pPr>
+            <a:lvl9pPr marL="2606040" indent="-228600" algn="l" defTabSz="914400" rtl="0" eaLnBrk="1" latinLnBrk="1" hangingPunct="1">
+              <a:lnSpc>
+                <a:spcPct val="90000"/>
+              </a:lnSpc>
+              <a:spcBef>
+                <a:spcPts val="800"/>
+              </a:spcBef>
+              <a:buClr>
+                <a:schemeClr val="accent1"/>
+              </a:buClr>
+              <a:buFont typeface="Arial" pitchFamily="34" charset="0"/>
+              <a:buChar char="•"/>
+              <a:defRPr sz="1400" kern="1200">
+                <a:solidFill>
+                  <a:schemeClr val="tx1"/>
+                </a:solidFill>
+                <a:latin typeface="+mn-lt"/>
+                <a:ea typeface="+mn-ea"/>
+                <a:cs typeface="+mn-cs"/>
+              </a:defRPr>
+            </a:lvl9pPr>
+          </a:lstStyle>
           <a:p>
-            <a:pPr rtl="0"/>
-            <a:endParaRPr lang="ko-KR" altLang="en-US" dirty="0">
-              <a:latin typeface="malgun gothic" panose="020B0503020000020004" pitchFamily="50" charset="-127"/>
-              <a:ea typeface="malgun gothic" panose="020B0503020000020004" pitchFamily="50" charset="-127"/>
-            </a:endParaRPr>
+            <a:r>
+              <a:rPr lang="ko-KR" altLang="en-US" dirty="0"/>
+              <a:t>컬러</a:t>
+            </a:r>
+            <a:endParaRPr lang="en-US" altLang="ko-KR" dirty="0"/>
           </a:p>
-        </p:txBody>
-      </p:sp>
-      <p:sp>
-        <p:nvSpPr>
-          <p:cNvPr id="4" name="텍스트 개체 틀 3"/>
-          <p:cNvSpPr>
-            <a:spLocks noGrp="1"/>
-          </p:cNvSpPr>
-          <p:nvPr>
-            <p:ph type="body" sz="half" idx="2"/>
-          </p:nvPr>
-        </p:nvSpPr>
-        <p:spPr/>
-        <p:txBody>
-          <a:bodyPr rtlCol="0"/>
-          <a:lstStyle/>
           <a:p>
-            <a:pPr rtl="0"/>
-            <a:endParaRPr lang="ko-KR" altLang="en-US" dirty="0">
-              <a:latin typeface="malgun gothic" panose="020B0503020000020004" pitchFamily="50" charset="-127"/>
-              <a:ea typeface="malgun gothic" panose="020B0503020000020004" pitchFamily="50" charset="-127"/>
-            </a:endParaRPr>
+            <a:r>
+              <a:rPr lang="ko-KR" altLang="en-US" dirty="0"/>
+              <a:t>조도</a:t>
+            </a:r>
+            <a:endParaRPr lang="en-US" altLang="ko-KR" dirty="0"/>
+          </a:p>
+          <a:p>
+            <a:r>
+              <a:rPr lang="ko-KR" altLang="en-US" dirty="0"/>
+              <a:t>영상처리</a:t>
+            </a:r>
+            <a:endParaRPr lang="en-US" altLang="ko-KR" dirty="0"/>
           </a:p>
         </p:txBody>
       </p:sp>
     </p:spTree>
     <p:extLst>
       <p:ext uri="{BB962C8B-B14F-4D97-AF65-F5344CB8AC3E}">
-        <p14:creationId xmlns:p14="http://schemas.microsoft.com/office/powerpoint/2010/main" val="3232560146"/>
-      </p:ext>
-    </p:extLst>
-  </p:cSld>
-  <p:clrMapOvr>
-    <a:masterClrMapping/>
-  </p:clrMapOvr>
-</p:sld>
-</file>
-
-<file path=ppt/slides/slide14.xml><?xml version="1.0" encoding="utf-8"?>
-<p:sld xmlns:a="http://schemas.openxmlformats.org/drawingml/2006/main" xmlns:r="http://schemas.openxmlformats.org/officeDocument/2006/relationships" xmlns:p="http://schemas.openxmlformats.org/presentationml/2006/main">
-  <p:cSld>
-    <p:spTree>
-      <p:nvGrpSpPr>
-        <p:cNvPr id="1" name=""/>
-        <p:cNvGrpSpPr/>
-        <p:nvPr/>
-      </p:nvGrpSpPr>
-      <p:grpSpPr>
-        <a:xfrm>
-          <a:off x="0" y="0"/>
-          <a:ext cx="0" cy="0"/>
-          <a:chOff x="0" y="0"/>
-          <a:chExt cx="0" cy="0"/>
-        </a:xfrm>
-      </p:grpSpPr>
-      <p:sp>
-        <p:nvSpPr>
-          <p:cNvPr id="2" name="제목 1"/>
-          <p:cNvSpPr>
-            <a:spLocks noGrp="1"/>
-          </p:cNvSpPr>
-          <p:nvPr>
-            <p:ph type="title"/>
-          </p:nvPr>
-        </p:nvSpPr>
-        <p:spPr/>
-        <p:txBody>
-          <a:bodyPr rtlCol="0"/>
-          <a:lstStyle/>
-          <a:p>
-            <a:pPr rtl="0"/>
-            <a:endParaRPr lang="ko-KR" altLang="en-US" dirty="0">
-              <a:latin typeface="malgun gothic" panose="020B0503020000020004" pitchFamily="50" charset="-127"/>
-              <a:ea typeface="malgun gothic" panose="020B0503020000020004" pitchFamily="50" charset="-127"/>
-            </a:endParaRPr>
-          </a:p>
-        </p:txBody>
-      </p:sp>
-      <p:sp>
-        <p:nvSpPr>
-          <p:cNvPr id="3" name="그림 개체 틀 2"/>
-          <p:cNvSpPr>
-            <a:spLocks noGrp="1"/>
-          </p:cNvSpPr>
-          <p:nvPr>
-            <p:ph type="pic" idx="1"/>
-          </p:nvPr>
-        </p:nvSpPr>
-        <p:spPr/>
-      </p:sp>
-      <p:sp>
-        <p:nvSpPr>
-          <p:cNvPr id="4" name="텍스트 개체 틀 3"/>
-          <p:cNvSpPr>
-            <a:spLocks noGrp="1"/>
-          </p:cNvSpPr>
-          <p:nvPr>
-            <p:ph type="body" sz="half" idx="2"/>
-          </p:nvPr>
-        </p:nvSpPr>
-        <p:spPr/>
-        <p:txBody>
-          <a:bodyPr rtlCol="0"/>
-          <a:lstStyle/>
-          <a:p>
-            <a:pPr rtl="0"/>
-            <a:endParaRPr lang="ko-KR" altLang="en-US" dirty="0">
-              <a:latin typeface="malgun gothic" panose="020B0503020000020004" pitchFamily="50" charset="-127"/>
-              <a:ea typeface="malgun gothic" panose="020B0503020000020004" pitchFamily="50" charset="-127"/>
-            </a:endParaRPr>
-          </a:p>
-        </p:txBody>
-      </p:sp>
-    </p:spTree>
-    <p:extLst>
-      <p:ext uri="{BB962C8B-B14F-4D97-AF65-F5344CB8AC3E}">
-        <p14:creationId xmlns:p14="http://schemas.microsoft.com/office/powerpoint/2010/main" val="1857640680"/>
+        <p14:creationId xmlns:p14="http://schemas.microsoft.com/office/powerpoint/2010/main" val="2107957593"/>
       </p:ext>
     </p:extLst>
   </p:cSld>
@@ -10987,105 +10248,6 @@
 </file>
 
 <file path=ppt/slides/slide2.xml><?xml version="1.0" encoding="utf-8"?>
-<p:sld xmlns:a="http://schemas.openxmlformats.org/drawingml/2006/main" xmlns:r="http://schemas.openxmlformats.org/officeDocument/2006/relationships" xmlns:p="http://schemas.openxmlformats.org/presentationml/2006/main">
-  <p:cSld>
-    <p:spTree>
-      <p:nvGrpSpPr>
-        <p:cNvPr id="1" name=""/>
-        <p:cNvGrpSpPr/>
-        <p:nvPr/>
-      </p:nvGrpSpPr>
-      <p:grpSpPr>
-        <a:xfrm>
-          <a:off x="0" y="0"/>
-          <a:ext cx="0" cy="0"/>
-          <a:chOff x="0" y="0"/>
-          <a:chExt cx="0" cy="0"/>
-        </a:xfrm>
-      </p:grpSpPr>
-      <p:sp>
-        <p:nvSpPr>
-          <p:cNvPr id="13" name="제목 12"/>
-          <p:cNvSpPr>
-            <a:spLocks noGrp="1"/>
-          </p:cNvSpPr>
-          <p:nvPr>
-            <p:ph type="title"/>
-          </p:nvPr>
-        </p:nvSpPr>
-        <p:spPr/>
-        <p:txBody>
-          <a:bodyPr rtlCol="0"/>
-          <a:lstStyle/>
-          <a:p>
-            <a:pPr rtl="0"/>
-            <a:endParaRPr lang="ko-KR" altLang="en-US" dirty="0">
-              <a:latin typeface="malgun gothic" panose="020B0503020000020004" pitchFamily="50" charset="-127"/>
-              <a:ea typeface="malgun gothic" panose="020B0503020000020004" pitchFamily="50" charset="-127"/>
-            </a:endParaRPr>
-          </a:p>
-        </p:txBody>
-      </p:sp>
-      <p:sp>
-        <p:nvSpPr>
-          <p:cNvPr id="14" name="내용 개체 틀 13"/>
-          <p:cNvSpPr>
-            <a:spLocks noGrp="1"/>
-          </p:cNvSpPr>
-          <p:nvPr>
-            <p:ph idx="1"/>
-          </p:nvPr>
-        </p:nvSpPr>
-        <p:spPr/>
-        <p:txBody>
-          <a:bodyPr rtlCol="0"/>
-          <a:lstStyle/>
-          <a:p>
-            <a:pPr rtl="0"/>
-            <a:r>
-              <a:rPr lang="ko-KR" altLang="en-US" dirty="0">
-                <a:latin typeface="malgun gothic" panose="020B0503020000020004" pitchFamily="50" charset="-127"/>
-                <a:ea typeface="malgun gothic" panose="020B0503020000020004" pitchFamily="50" charset="-127"/>
-              </a:rPr>
-              <a:t>여기에 첫 번째 글머리 기호 추가</a:t>
-            </a:r>
-          </a:p>
-          <a:p>
-            <a:pPr rtl="0"/>
-            <a:r>
-              <a:rPr lang="ko-KR" altLang="en-US" dirty="0">
-                <a:latin typeface="malgun gothic" panose="020B0503020000020004" pitchFamily="50" charset="-127"/>
-                <a:ea typeface="malgun gothic" panose="020B0503020000020004" pitchFamily="50" charset="-127"/>
-              </a:rPr>
-              <a:t>여기에 두 번째 글머리 기호 추가</a:t>
-            </a:r>
-          </a:p>
-          <a:p>
-            <a:pPr rtl="0"/>
-            <a:r>
-              <a:rPr lang="ko-KR" altLang="en-US" dirty="0">
-                <a:latin typeface="malgun gothic" panose="020B0503020000020004" pitchFamily="50" charset="-127"/>
-                <a:ea typeface="malgun gothic" panose="020B0503020000020004" pitchFamily="50" charset="-127"/>
-              </a:rPr>
-              <a:t>여기에 세 번째 글머리 기호 추가</a:t>
-            </a:r>
-          </a:p>
-        </p:txBody>
-      </p:sp>
-    </p:spTree>
-    <p:extLst>
-      <p:ext uri="{BB962C8B-B14F-4D97-AF65-F5344CB8AC3E}">
-        <p14:creationId xmlns:p14="http://schemas.microsoft.com/office/powerpoint/2010/main" val="3042826300"/>
-      </p:ext>
-    </p:extLst>
-  </p:cSld>
-  <p:clrMapOvr>
-    <a:masterClrMapping/>
-  </p:clrMapOvr>
-</p:sld>
-</file>
-
-<file path=ppt/slides/slide3.xml><?xml version="1.0" encoding="utf-8"?>
 <p:sld xmlns:a="http://schemas.openxmlformats.org/drawingml/2006/main" xmlns:r="http://schemas.openxmlformats.org/officeDocument/2006/relationships" xmlns:p="http://schemas.openxmlformats.org/presentationml/2006/main">
   <p:cSld>
     <p:spTree>
@@ -11167,7 +10329,7 @@
 </p:sld>
 </file>
 
-<file path=ppt/slides/slide4.xml><?xml version="1.0" encoding="utf-8"?>
+<file path=ppt/slides/slide3.xml><?xml version="1.0" encoding="utf-8"?>
 <p:sld xmlns:a="http://schemas.openxmlformats.org/drawingml/2006/main" xmlns:r="http://schemas.openxmlformats.org/officeDocument/2006/relationships" xmlns:p="http://schemas.openxmlformats.org/presentationml/2006/main">
   <p:cSld>
     <p:spTree>
@@ -11313,7 +10475,7 @@
 </p:sld>
 </file>
 
-<file path=ppt/slides/slide5.xml><?xml version="1.0" encoding="utf-8"?>
+<file path=ppt/slides/slide4.xml><?xml version="1.0" encoding="utf-8"?>
 <p:sld xmlns:a="http://schemas.openxmlformats.org/drawingml/2006/main" xmlns:r="http://schemas.openxmlformats.org/officeDocument/2006/relationships" xmlns:p="http://schemas.openxmlformats.org/presentationml/2006/main">
   <p:cSld>
     <p:spTree>
@@ -14135,7 +13297,7 @@
 </p:sld>
 </file>
 
-<file path=ppt/slides/slide6.xml><?xml version="1.0" encoding="utf-8"?>
+<file path=ppt/slides/slide5.xml><?xml version="1.0" encoding="utf-8"?>
 <p:sld xmlns:a="http://schemas.openxmlformats.org/drawingml/2006/main" xmlns:r="http://schemas.openxmlformats.org/officeDocument/2006/relationships" xmlns:p="http://schemas.openxmlformats.org/presentationml/2006/main">
   <p:cSld>
     <p:spTree>
@@ -14227,7 +13389,723 @@
 </p:sld>
 </file>
 
+<file path=ppt/slides/slide6.xml><?xml version="1.0" encoding="utf-8"?>
+<p:sld xmlns:a="http://schemas.openxmlformats.org/drawingml/2006/main" xmlns:r="http://schemas.openxmlformats.org/officeDocument/2006/relationships" xmlns:p="http://schemas.openxmlformats.org/presentationml/2006/main">
+  <p:cSld>
+    <p:spTree>
+      <p:nvGrpSpPr>
+        <p:cNvPr id="1" name=""/>
+        <p:cNvGrpSpPr/>
+        <p:nvPr/>
+      </p:nvGrpSpPr>
+      <p:grpSpPr>
+        <a:xfrm>
+          <a:off x="0" y="0"/>
+          <a:ext cx="0" cy="0"/>
+          <a:chOff x="0" y="0"/>
+          <a:chExt cx="0" cy="0"/>
+        </a:xfrm>
+      </p:grpSpPr>
+      <p:sp>
+        <p:nvSpPr>
+          <p:cNvPr id="13" name="제목 12"/>
+          <p:cNvSpPr>
+            <a:spLocks noGrp="1"/>
+          </p:cNvSpPr>
+          <p:nvPr>
+            <p:ph type="title"/>
+          </p:nvPr>
+        </p:nvSpPr>
+        <p:spPr/>
+        <p:txBody>
+          <a:bodyPr rtlCol="0"/>
+          <a:lstStyle/>
+          <a:p>
+            <a:pPr rtl="0"/>
+            <a:r>
+              <a:rPr lang="ko-KR" altLang="en-US" dirty="0">
+                <a:latin typeface="malgun gothic" panose="020B0503020000020004" pitchFamily="50" charset="-127"/>
+                <a:ea typeface="malgun gothic" panose="020B0503020000020004" pitchFamily="50" charset="-127"/>
+              </a:rPr>
+              <a:t>정기 </a:t>
+            </a:r>
+            <a:r>
+              <a:rPr lang="ko-KR" altLang="en-US" dirty="0"/>
+              <a:t>피드백</a:t>
+            </a:r>
+            <a:endParaRPr lang="ko-KR" altLang="en-US" dirty="0">
+              <a:latin typeface="malgun gothic" panose="020B0503020000020004" pitchFamily="50" charset="-127"/>
+              <a:ea typeface="malgun gothic" panose="020B0503020000020004" pitchFamily="50" charset="-127"/>
+            </a:endParaRPr>
+          </a:p>
+        </p:txBody>
+      </p:sp>
+      <p:pic>
+        <p:nvPicPr>
+          <p:cNvPr id="4" name="그림 3">
+            <a:extLst>
+              <a:ext uri="{FF2B5EF4-FFF2-40B4-BE49-F238E27FC236}">
+                <a16:creationId xmlns:a16="http://schemas.microsoft.com/office/drawing/2014/main" id="{D3FBCC39-76FC-45E9-9058-6573128F07FA}"/>
+              </a:ext>
+            </a:extLst>
+          </p:cNvPr>
+          <p:cNvPicPr>
+            <a:picLocks noChangeAspect="1"/>
+          </p:cNvPicPr>
+          <p:nvPr/>
+        </p:nvPicPr>
+        <p:blipFill>
+          <a:blip r:embed="rId3"/>
+          <a:stretch>
+            <a:fillRect/>
+          </a:stretch>
+        </p:blipFill>
+        <p:spPr>
+          <a:xfrm>
+            <a:off x="1534549" y="1814134"/>
+            <a:ext cx="6734942" cy="3440608"/>
+          </a:xfrm>
+          <a:prstGeom prst="rect">
+            <a:avLst/>
+          </a:prstGeom>
+        </p:spPr>
+      </p:pic>
+      <p:pic>
+        <p:nvPicPr>
+          <p:cNvPr id="5" name="그림 4">
+            <a:extLst>
+              <a:ext uri="{FF2B5EF4-FFF2-40B4-BE49-F238E27FC236}">
+                <a16:creationId xmlns:a16="http://schemas.microsoft.com/office/drawing/2014/main" id="{DF8B609C-F18E-4A11-A38B-284D328FD8A1}"/>
+              </a:ext>
+            </a:extLst>
+          </p:cNvPr>
+          <p:cNvPicPr>
+            <a:picLocks noChangeAspect="1"/>
+          </p:cNvPicPr>
+          <p:nvPr/>
+        </p:nvPicPr>
+        <p:blipFill>
+          <a:blip r:embed="rId4"/>
+          <a:stretch>
+            <a:fillRect/>
+          </a:stretch>
+        </p:blipFill>
+        <p:spPr>
+          <a:xfrm>
+            <a:off x="5807968" y="2420888"/>
+            <a:ext cx="5469407" cy="2924944"/>
+          </a:xfrm>
+          <a:prstGeom prst="rect">
+            <a:avLst/>
+          </a:prstGeom>
+        </p:spPr>
+      </p:pic>
+      <p:pic>
+        <p:nvPicPr>
+          <p:cNvPr id="6" name="그림 5">
+            <a:extLst>
+              <a:ext uri="{FF2B5EF4-FFF2-40B4-BE49-F238E27FC236}">
+                <a16:creationId xmlns:a16="http://schemas.microsoft.com/office/drawing/2014/main" id="{BE8B19A3-0B70-431F-AA14-5EC1D20C19F0}"/>
+              </a:ext>
+            </a:extLst>
+          </p:cNvPr>
+          <p:cNvPicPr>
+            <a:picLocks noChangeAspect="1"/>
+          </p:cNvPicPr>
+          <p:nvPr/>
+        </p:nvPicPr>
+        <p:blipFill>
+          <a:blip r:embed="rId5"/>
+          <a:stretch>
+            <a:fillRect/>
+          </a:stretch>
+        </p:blipFill>
+        <p:spPr>
+          <a:xfrm>
+            <a:off x="1703512" y="3483272"/>
+            <a:ext cx="5755524" cy="2666256"/>
+          </a:xfrm>
+          <a:prstGeom prst="rect">
+            <a:avLst/>
+          </a:prstGeom>
+        </p:spPr>
+      </p:pic>
+    </p:spTree>
+    <p:extLst>
+      <p:ext uri="{BB962C8B-B14F-4D97-AF65-F5344CB8AC3E}">
+        <p14:creationId xmlns:p14="http://schemas.microsoft.com/office/powerpoint/2010/main" val="718269231"/>
+      </p:ext>
+    </p:extLst>
+  </p:cSld>
+  <p:clrMapOvr>
+    <a:masterClrMapping/>
+  </p:clrMapOvr>
+  <p:timing>
+    <p:tnLst>
+      <p:par>
+        <p:cTn id="1" dur="indefinite" restart="never" nodeType="tmRoot">
+          <p:childTnLst>
+            <p:seq concurrent="1" nextAc="seek">
+              <p:cTn id="2" dur="indefinite" nodeType="mainSeq">
+                <p:childTnLst>
+                  <p:par>
+                    <p:cTn id="3" fill="hold">
+                      <p:stCondLst>
+                        <p:cond delay="indefinite"/>
+                      </p:stCondLst>
+                      <p:childTnLst>
+                        <p:par>
+                          <p:cTn id="4" fill="hold">
+                            <p:stCondLst>
+                              <p:cond delay="0"/>
+                            </p:stCondLst>
+                            <p:childTnLst>
+                              <p:par>
+                                <p:cTn id="5" presetID="10" presetClass="entr" presetSubtype="0" fill="hold" nodeType="clickEffect">
+                                  <p:stCondLst>
+                                    <p:cond delay="0"/>
+                                  </p:stCondLst>
+                                  <p:childTnLst>
+                                    <p:set>
+                                      <p:cBhvr>
+                                        <p:cTn id="6" dur="1" fill="hold">
+                                          <p:stCondLst>
+                                            <p:cond delay="0"/>
+                                          </p:stCondLst>
+                                        </p:cTn>
+                                        <p:tgtEl>
+                                          <p:spTgt spid="4"/>
+                                        </p:tgtEl>
+                                        <p:attrNameLst>
+                                          <p:attrName>style.visibility</p:attrName>
+                                        </p:attrNameLst>
+                                      </p:cBhvr>
+                                      <p:to>
+                                        <p:strVal val="visible"/>
+                                      </p:to>
+                                    </p:set>
+                                    <p:animEffect transition="in" filter="fade">
+                                      <p:cBhvr>
+                                        <p:cTn id="7" dur="500"/>
+                                        <p:tgtEl>
+                                          <p:spTgt spid="4"/>
+                                        </p:tgtEl>
+                                      </p:cBhvr>
+                                    </p:animEffect>
+                                  </p:childTnLst>
+                                </p:cTn>
+                              </p:par>
+                            </p:childTnLst>
+                          </p:cTn>
+                        </p:par>
+                        <p:par>
+                          <p:cTn id="8" fill="hold">
+                            <p:stCondLst>
+                              <p:cond delay="500"/>
+                            </p:stCondLst>
+                            <p:childTnLst>
+                              <p:par>
+                                <p:cTn id="9" presetID="10" presetClass="entr" presetSubtype="0" fill="hold" nodeType="afterEffect">
+                                  <p:stCondLst>
+                                    <p:cond delay="0"/>
+                                  </p:stCondLst>
+                                  <p:childTnLst>
+                                    <p:set>
+                                      <p:cBhvr>
+                                        <p:cTn id="10" dur="1" fill="hold">
+                                          <p:stCondLst>
+                                            <p:cond delay="0"/>
+                                          </p:stCondLst>
+                                        </p:cTn>
+                                        <p:tgtEl>
+                                          <p:spTgt spid="5"/>
+                                        </p:tgtEl>
+                                        <p:attrNameLst>
+                                          <p:attrName>style.visibility</p:attrName>
+                                        </p:attrNameLst>
+                                      </p:cBhvr>
+                                      <p:to>
+                                        <p:strVal val="visible"/>
+                                      </p:to>
+                                    </p:set>
+                                    <p:animEffect transition="in" filter="fade">
+                                      <p:cBhvr>
+                                        <p:cTn id="11" dur="750"/>
+                                        <p:tgtEl>
+                                          <p:spTgt spid="5"/>
+                                        </p:tgtEl>
+                                      </p:cBhvr>
+                                    </p:animEffect>
+                                  </p:childTnLst>
+                                </p:cTn>
+                              </p:par>
+                            </p:childTnLst>
+                          </p:cTn>
+                        </p:par>
+                        <p:par>
+                          <p:cTn id="12" fill="hold">
+                            <p:stCondLst>
+                              <p:cond delay="1250"/>
+                            </p:stCondLst>
+                            <p:childTnLst>
+                              <p:par>
+                                <p:cTn id="13" presetID="10" presetClass="entr" presetSubtype="0" fill="hold" nodeType="afterEffect">
+                                  <p:stCondLst>
+                                    <p:cond delay="0"/>
+                                  </p:stCondLst>
+                                  <p:childTnLst>
+                                    <p:set>
+                                      <p:cBhvr>
+                                        <p:cTn id="14" dur="1" fill="hold">
+                                          <p:stCondLst>
+                                            <p:cond delay="0"/>
+                                          </p:stCondLst>
+                                        </p:cTn>
+                                        <p:tgtEl>
+                                          <p:spTgt spid="6"/>
+                                        </p:tgtEl>
+                                        <p:attrNameLst>
+                                          <p:attrName>style.visibility</p:attrName>
+                                        </p:attrNameLst>
+                                      </p:cBhvr>
+                                      <p:to>
+                                        <p:strVal val="visible"/>
+                                      </p:to>
+                                    </p:set>
+                                    <p:animEffect transition="in" filter="fade">
+                                      <p:cBhvr>
+                                        <p:cTn id="15" dur="750"/>
+                                        <p:tgtEl>
+                                          <p:spTgt spid="6"/>
+                                        </p:tgtEl>
+                                      </p:cBhvr>
+                                    </p:animEffect>
+                                  </p:childTnLst>
+                                </p:cTn>
+                              </p:par>
+                            </p:childTnLst>
+                          </p:cTn>
+                        </p:par>
+                      </p:childTnLst>
+                    </p:cTn>
+                  </p:par>
+                </p:childTnLst>
+              </p:cTn>
+              <p:prevCondLst>
+                <p:cond evt="onPrev" delay="0">
+                  <p:tgtEl>
+                    <p:sldTgt/>
+                  </p:tgtEl>
+                </p:cond>
+              </p:prevCondLst>
+              <p:nextCondLst>
+                <p:cond evt="onNext" delay="0">
+                  <p:tgtEl>
+                    <p:sldTgt/>
+                  </p:tgtEl>
+                </p:cond>
+              </p:nextCondLst>
+            </p:seq>
+          </p:childTnLst>
+        </p:cTn>
+      </p:par>
+    </p:tnLst>
+  </p:timing>
+</p:sld>
+</file>
+
 <file path=ppt/slides/slide7.xml><?xml version="1.0" encoding="utf-8"?>
+<p:sld xmlns:a="http://schemas.openxmlformats.org/drawingml/2006/main" xmlns:r="http://schemas.openxmlformats.org/officeDocument/2006/relationships" xmlns:p="http://schemas.openxmlformats.org/presentationml/2006/main">
+  <p:cSld>
+    <p:spTree>
+      <p:nvGrpSpPr>
+        <p:cNvPr id="1" name=""/>
+        <p:cNvGrpSpPr/>
+        <p:nvPr/>
+      </p:nvGrpSpPr>
+      <p:grpSpPr>
+        <a:xfrm>
+          <a:off x="0" y="0"/>
+          <a:ext cx="0" cy="0"/>
+          <a:chOff x="0" y="0"/>
+          <a:chExt cx="0" cy="0"/>
+        </a:xfrm>
+      </p:grpSpPr>
+      <p:sp>
+        <p:nvSpPr>
+          <p:cNvPr id="13" name="제목 12"/>
+          <p:cNvSpPr>
+            <a:spLocks noGrp="1"/>
+          </p:cNvSpPr>
+          <p:nvPr>
+            <p:ph type="title"/>
+          </p:nvPr>
+        </p:nvSpPr>
+        <p:spPr/>
+        <p:txBody>
+          <a:bodyPr rtlCol="0"/>
+          <a:lstStyle/>
+          <a:p>
+            <a:pPr rtl="0"/>
+            <a:r>
+              <a:rPr lang="ko-KR" altLang="en-US" dirty="0">
+                <a:latin typeface="malgun gothic" panose="020B0503020000020004" pitchFamily="50" charset="-127"/>
+                <a:ea typeface="malgun gothic" panose="020B0503020000020004" pitchFamily="50" charset="-127"/>
+              </a:rPr>
+              <a:t>사용코드</a:t>
+            </a:r>
+          </a:p>
+        </p:txBody>
+      </p:sp>
+      <p:pic>
+        <p:nvPicPr>
+          <p:cNvPr id="2" name="그림 1">
+            <a:extLst>
+              <a:ext uri="{FF2B5EF4-FFF2-40B4-BE49-F238E27FC236}">
+                <a16:creationId xmlns:a16="http://schemas.microsoft.com/office/drawing/2014/main" id="{6F0A1F29-5207-473C-BDFA-444954B0BD12}"/>
+              </a:ext>
+            </a:extLst>
+          </p:cNvPr>
+          <p:cNvPicPr>
+            <a:picLocks noChangeAspect="1"/>
+          </p:cNvPicPr>
+          <p:nvPr/>
+        </p:nvPicPr>
+        <p:blipFill>
+          <a:blip r:embed="rId3"/>
+          <a:stretch>
+            <a:fillRect/>
+          </a:stretch>
+        </p:blipFill>
+        <p:spPr>
+          <a:xfrm>
+            <a:off x="1631504" y="1600200"/>
+            <a:ext cx="6734175" cy="4067175"/>
+          </a:xfrm>
+          <a:prstGeom prst="rect">
+            <a:avLst/>
+          </a:prstGeom>
+        </p:spPr>
+      </p:pic>
+      <p:pic>
+        <p:nvPicPr>
+          <p:cNvPr id="3" name="그림 2">
+            <a:extLst>
+              <a:ext uri="{FF2B5EF4-FFF2-40B4-BE49-F238E27FC236}">
+                <a16:creationId xmlns:a16="http://schemas.microsoft.com/office/drawing/2014/main" id="{D5B66B4C-80E3-44A7-8CB4-1D34D8A90FF1}"/>
+              </a:ext>
+            </a:extLst>
+          </p:cNvPr>
+          <p:cNvPicPr>
+            <a:picLocks noChangeAspect="1"/>
+          </p:cNvPicPr>
+          <p:nvPr/>
+        </p:nvPicPr>
+        <p:blipFill>
+          <a:blip r:embed="rId4"/>
+          <a:stretch>
+            <a:fillRect/>
+          </a:stretch>
+        </p:blipFill>
+        <p:spPr>
+          <a:xfrm>
+            <a:off x="6168008" y="2348880"/>
+            <a:ext cx="5232980" cy="3988097"/>
+          </a:xfrm>
+          <a:prstGeom prst="rect">
+            <a:avLst/>
+          </a:prstGeom>
+        </p:spPr>
+      </p:pic>
+      <p:pic>
+        <p:nvPicPr>
+          <p:cNvPr id="7" name="그림 6">
+            <a:extLst>
+              <a:ext uri="{FF2B5EF4-FFF2-40B4-BE49-F238E27FC236}">
+                <a16:creationId xmlns:a16="http://schemas.microsoft.com/office/drawing/2014/main" id="{20576827-C662-427C-B90D-3BCC066558F0}"/>
+              </a:ext>
+            </a:extLst>
+          </p:cNvPr>
+          <p:cNvPicPr>
+            <a:picLocks noChangeAspect="1"/>
+          </p:cNvPicPr>
+          <p:nvPr/>
+        </p:nvPicPr>
+        <p:blipFill>
+          <a:blip r:embed="rId5"/>
+          <a:stretch>
+            <a:fillRect/>
+          </a:stretch>
+        </p:blipFill>
+        <p:spPr>
+          <a:xfrm>
+            <a:off x="479376" y="1700017"/>
+            <a:ext cx="4694016" cy="5085184"/>
+          </a:xfrm>
+          <a:prstGeom prst="rect">
+            <a:avLst/>
+          </a:prstGeom>
+        </p:spPr>
+      </p:pic>
+      <p:pic>
+        <p:nvPicPr>
+          <p:cNvPr id="8" name="그림 7">
+            <a:extLst>
+              <a:ext uri="{FF2B5EF4-FFF2-40B4-BE49-F238E27FC236}">
+                <a16:creationId xmlns:a16="http://schemas.microsoft.com/office/drawing/2014/main" id="{015AAD67-D5D2-498C-9D40-E0D5E8D4D2FA}"/>
+              </a:ext>
+            </a:extLst>
+          </p:cNvPr>
+          <p:cNvPicPr>
+            <a:picLocks noChangeAspect="1"/>
+          </p:cNvPicPr>
+          <p:nvPr/>
+        </p:nvPicPr>
+        <p:blipFill>
+          <a:blip r:embed="rId6"/>
+          <a:stretch>
+            <a:fillRect/>
+          </a:stretch>
+        </p:blipFill>
+        <p:spPr>
+          <a:xfrm>
+            <a:off x="5775767" y="294159"/>
+            <a:ext cx="4959892" cy="5373216"/>
+          </a:xfrm>
+          <a:prstGeom prst="rect">
+            <a:avLst/>
+          </a:prstGeom>
+        </p:spPr>
+      </p:pic>
+    </p:spTree>
+    <p:extLst>
+      <p:ext uri="{BB962C8B-B14F-4D97-AF65-F5344CB8AC3E}">
+        <p14:creationId xmlns:p14="http://schemas.microsoft.com/office/powerpoint/2010/main" val="35678227"/>
+      </p:ext>
+    </p:extLst>
+  </p:cSld>
+  <p:clrMapOvr>
+    <a:masterClrMapping/>
+  </p:clrMapOvr>
+  <p:timing>
+    <p:tnLst>
+      <p:par>
+        <p:cTn id="1" dur="indefinite" restart="never" nodeType="tmRoot">
+          <p:childTnLst>
+            <p:seq concurrent="1" nextAc="seek">
+              <p:cTn id="2" dur="indefinite" nodeType="mainSeq">
+                <p:childTnLst>
+                  <p:par>
+                    <p:cTn id="3" fill="hold">
+                      <p:stCondLst>
+                        <p:cond delay="indefinite"/>
+                      </p:stCondLst>
+                      <p:childTnLst>
+                        <p:par>
+                          <p:cTn id="4" fill="hold">
+                            <p:stCondLst>
+                              <p:cond delay="0"/>
+                            </p:stCondLst>
+                            <p:childTnLst>
+                              <p:par>
+                                <p:cTn id="5" presetID="10" presetClass="entr" presetSubtype="0" fill="hold" nodeType="clickEffect">
+                                  <p:stCondLst>
+                                    <p:cond delay="0"/>
+                                  </p:stCondLst>
+                                  <p:childTnLst>
+                                    <p:set>
+                                      <p:cBhvr>
+                                        <p:cTn id="6" dur="1" fill="hold">
+                                          <p:stCondLst>
+                                            <p:cond delay="0"/>
+                                          </p:stCondLst>
+                                        </p:cTn>
+                                        <p:tgtEl>
+                                          <p:spTgt spid="2"/>
+                                        </p:tgtEl>
+                                        <p:attrNameLst>
+                                          <p:attrName>style.visibility</p:attrName>
+                                        </p:attrNameLst>
+                                      </p:cBhvr>
+                                      <p:to>
+                                        <p:strVal val="visible"/>
+                                      </p:to>
+                                    </p:set>
+                                    <p:animEffect transition="in" filter="fade">
+                                      <p:cBhvr>
+                                        <p:cTn id="7" dur="500"/>
+                                        <p:tgtEl>
+                                          <p:spTgt spid="2"/>
+                                        </p:tgtEl>
+                                      </p:cBhvr>
+                                    </p:animEffect>
+                                  </p:childTnLst>
+                                </p:cTn>
+                              </p:par>
+                            </p:childTnLst>
+                          </p:cTn>
+                        </p:par>
+                        <p:par>
+                          <p:cTn id="8" fill="hold">
+                            <p:stCondLst>
+                              <p:cond delay="500"/>
+                            </p:stCondLst>
+                            <p:childTnLst>
+                              <p:par>
+                                <p:cTn id="9" presetID="10" presetClass="entr" presetSubtype="0" fill="hold" nodeType="afterEffect">
+                                  <p:stCondLst>
+                                    <p:cond delay="0"/>
+                                  </p:stCondLst>
+                                  <p:childTnLst>
+                                    <p:set>
+                                      <p:cBhvr>
+                                        <p:cTn id="10" dur="1" fill="hold">
+                                          <p:stCondLst>
+                                            <p:cond delay="0"/>
+                                          </p:stCondLst>
+                                        </p:cTn>
+                                        <p:tgtEl>
+                                          <p:spTgt spid="3"/>
+                                        </p:tgtEl>
+                                        <p:attrNameLst>
+                                          <p:attrName>style.visibility</p:attrName>
+                                        </p:attrNameLst>
+                                      </p:cBhvr>
+                                      <p:to>
+                                        <p:strVal val="visible"/>
+                                      </p:to>
+                                    </p:set>
+                                    <p:animEffect transition="in" filter="fade">
+                                      <p:cBhvr>
+                                        <p:cTn id="11" dur="500"/>
+                                        <p:tgtEl>
+                                          <p:spTgt spid="3"/>
+                                        </p:tgtEl>
+                                      </p:cBhvr>
+                                    </p:animEffect>
+                                  </p:childTnLst>
+                                </p:cTn>
+                              </p:par>
+                            </p:childTnLst>
+                          </p:cTn>
+                        </p:par>
+                        <p:par>
+                          <p:cTn id="12" fill="hold">
+                            <p:stCondLst>
+                              <p:cond delay="1000"/>
+                            </p:stCondLst>
+                            <p:childTnLst>
+                              <p:par>
+                                <p:cTn id="13" presetID="10" presetClass="entr" presetSubtype="0" fill="hold" nodeType="afterEffect">
+                                  <p:stCondLst>
+                                    <p:cond delay="0"/>
+                                  </p:stCondLst>
+                                  <p:childTnLst>
+                                    <p:set>
+                                      <p:cBhvr>
+                                        <p:cTn id="14" dur="1" fill="hold">
+                                          <p:stCondLst>
+                                            <p:cond delay="0"/>
+                                          </p:stCondLst>
+                                        </p:cTn>
+                                        <p:tgtEl>
+                                          <p:spTgt spid="7"/>
+                                        </p:tgtEl>
+                                        <p:attrNameLst>
+                                          <p:attrName>style.visibility</p:attrName>
+                                        </p:attrNameLst>
+                                      </p:cBhvr>
+                                      <p:to>
+                                        <p:strVal val="visible"/>
+                                      </p:to>
+                                    </p:set>
+                                    <p:animEffect transition="in" filter="fade">
+                                      <p:cBhvr>
+                                        <p:cTn id="15" dur="500"/>
+                                        <p:tgtEl>
+                                          <p:spTgt spid="7"/>
+                                        </p:tgtEl>
+                                      </p:cBhvr>
+                                    </p:animEffect>
+                                  </p:childTnLst>
+                                </p:cTn>
+                              </p:par>
+                            </p:childTnLst>
+                          </p:cTn>
+                        </p:par>
+                        <p:par>
+                          <p:cTn id="16" fill="hold">
+                            <p:stCondLst>
+                              <p:cond delay="1500"/>
+                            </p:stCondLst>
+                            <p:childTnLst>
+                              <p:par>
+                                <p:cTn id="17" presetID="10" presetClass="entr" presetSubtype="0" fill="hold" nodeType="afterEffect">
+                                  <p:stCondLst>
+                                    <p:cond delay="0"/>
+                                  </p:stCondLst>
+                                  <p:childTnLst>
+                                    <p:set>
+                                      <p:cBhvr>
+                                        <p:cTn id="18" dur="1" fill="hold">
+                                          <p:stCondLst>
+                                            <p:cond delay="0"/>
+                                          </p:stCondLst>
+                                        </p:cTn>
+                                        <p:tgtEl>
+                                          <p:spTgt spid="8"/>
+                                        </p:tgtEl>
+                                        <p:attrNameLst>
+                                          <p:attrName>style.visibility</p:attrName>
+                                        </p:attrNameLst>
+                                      </p:cBhvr>
+                                      <p:to>
+                                        <p:strVal val="visible"/>
+                                      </p:to>
+                                    </p:set>
+                                    <p:animEffect transition="in" filter="fade">
+                                      <p:cBhvr>
+                                        <p:cTn id="19" dur="500"/>
+                                        <p:tgtEl>
+                                          <p:spTgt spid="8"/>
+                                        </p:tgtEl>
+                                      </p:cBhvr>
+                                    </p:animEffect>
+                                  </p:childTnLst>
+                                </p:cTn>
+                              </p:par>
+                            </p:childTnLst>
+                          </p:cTn>
+                        </p:par>
+                      </p:childTnLst>
+                    </p:cTn>
+                  </p:par>
+                </p:childTnLst>
+              </p:cTn>
+              <p:prevCondLst>
+                <p:cond evt="onPrev" delay="0">
+                  <p:tgtEl>
+                    <p:sldTgt/>
+                  </p:tgtEl>
+                </p:cond>
+              </p:prevCondLst>
+              <p:nextCondLst>
+                <p:cond evt="onNext" delay="0">
+                  <p:tgtEl>
+                    <p:sldTgt/>
+                  </p:tgtEl>
+                </p:cond>
+              </p:nextCondLst>
+            </p:seq>
+          </p:childTnLst>
+        </p:cTn>
+      </p:par>
+    </p:tnLst>
+  </p:timing>
+</p:sld>
+</file>
+
+<file path=ppt/slides/slide8.xml><?xml version="1.0" encoding="utf-8"?>
 <p:sld xmlns:a="http://schemas.openxmlformats.org/drawingml/2006/main" xmlns:r="http://schemas.openxmlformats.org/officeDocument/2006/relationships" xmlns:p="http://schemas.openxmlformats.org/presentationml/2006/main">
   <p:cSld>
     <p:spTree>
@@ -14276,88 +14154,40 @@
           </a:p>
         </p:txBody>
       </p:sp>
+      <p:pic>
+        <p:nvPicPr>
+          <p:cNvPr id="3" name="그림 2">
+            <a:extLst>
+              <a:ext uri="{FF2B5EF4-FFF2-40B4-BE49-F238E27FC236}">
+                <a16:creationId xmlns:a16="http://schemas.microsoft.com/office/drawing/2014/main" id="{8AB6906D-D4A6-4780-81D1-1DB1CF36526D}"/>
+              </a:ext>
+            </a:extLst>
+          </p:cNvPr>
+          <p:cNvPicPr>
+            <a:picLocks noChangeAspect="1"/>
+          </p:cNvPicPr>
+          <p:nvPr/>
+        </p:nvPicPr>
+        <p:blipFill>
+          <a:blip r:embed="rId3"/>
+          <a:stretch>
+            <a:fillRect/>
+          </a:stretch>
+        </p:blipFill>
+        <p:spPr>
+          <a:xfrm>
+            <a:off x="3359696" y="1600222"/>
+            <a:ext cx="4824536" cy="4348490"/>
+          </a:xfrm>
+          <a:prstGeom prst="rect">
+            <a:avLst/>
+          </a:prstGeom>
+        </p:spPr>
+      </p:pic>
     </p:spTree>
     <p:extLst>
       <p:ext uri="{BB962C8B-B14F-4D97-AF65-F5344CB8AC3E}">
         <p14:creationId xmlns:p14="http://schemas.microsoft.com/office/powerpoint/2010/main" val="1479468915"/>
-      </p:ext>
-    </p:extLst>
-  </p:cSld>
-  <p:clrMapOvr>
-    <a:masterClrMapping/>
-  </p:clrMapOvr>
-</p:sld>
-</file>
-
-<file path=ppt/slides/slide8.xml><?xml version="1.0" encoding="utf-8"?>
-<p:sld xmlns:a="http://schemas.openxmlformats.org/drawingml/2006/main" xmlns:r="http://schemas.openxmlformats.org/officeDocument/2006/relationships" xmlns:p="http://schemas.openxmlformats.org/presentationml/2006/main">
-  <p:cSld>
-    <p:spTree>
-      <p:nvGrpSpPr>
-        <p:cNvPr id="1" name=""/>
-        <p:cNvGrpSpPr/>
-        <p:nvPr/>
-      </p:nvGrpSpPr>
-      <p:grpSpPr>
-        <a:xfrm>
-          <a:off x="0" y="0"/>
-          <a:ext cx="0" cy="0"/>
-          <a:chOff x="0" y="0"/>
-          <a:chExt cx="0" cy="0"/>
-        </a:xfrm>
-      </p:grpSpPr>
-      <p:sp>
-        <p:nvSpPr>
-          <p:cNvPr id="2" name="제목 1"/>
-          <p:cNvSpPr>
-            <a:spLocks noGrp="1"/>
-          </p:cNvSpPr>
-          <p:nvPr>
-            <p:ph type="title"/>
-          </p:nvPr>
-        </p:nvSpPr>
-        <p:spPr/>
-        <p:txBody>
-          <a:bodyPr rtlCol="0"/>
-          <a:lstStyle/>
-          <a:p>
-            <a:pPr rtl="0"/>
-            <a:r>
-              <a:rPr lang="ko-KR" altLang="en-US" dirty="0"/>
-              <a:t>차트가 있는 제목 및 내용 레이아웃</a:t>
-            </a:r>
-          </a:p>
-        </p:txBody>
-      </p:sp>
-      <p:graphicFrame>
-        <p:nvGraphicFramePr>
-          <p:cNvPr id="13" name="내용 개체 틀 12" descr="묶은 세로 막대형 차트" title="차트"/>
-          <p:cNvGraphicFramePr>
-            <a:graphicFrameLocks noGrp="1"/>
-          </p:cNvGraphicFramePr>
-          <p:nvPr>
-            <p:ph idx="1"/>
-            <p:extLst>
-              <p:ext uri="{D42A27DB-BD31-4B8C-83A1-F6EECF244321}">
-                <p14:modId xmlns:p14="http://schemas.microsoft.com/office/powerpoint/2010/main" val="2169558162"/>
-              </p:ext>
-            </p:extLst>
-          </p:nvPr>
-        </p:nvGraphicFramePr>
-        <p:xfrm>
-          <a:off x="1524000" y="1828800"/>
-          <a:ext cx="9144000" cy="4267200"/>
-        </p:xfrm>
-        <a:graphic>
-          <a:graphicData uri="http://schemas.openxmlformats.org/drawingml/2006/chart">
-            <c:chart xmlns:c="http://schemas.openxmlformats.org/drawingml/2006/chart" xmlns:r="http://schemas.openxmlformats.org/officeDocument/2006/relationships" r:id="rId3"/>
-          </a:graphicData>
-        </a:graphic>
-      </p:graphicFrame>
-    </p:spTree>
-    <p:extLst>
-      <p:ext uri="{BB962C8B-B14F-4D97-AF65-F5344CB8AC3E}">
-        <p14:creationId xmlns:p14="http://schemas.microsoft.com/office/powerpoint/2010/main" val="2116190161"/>
       </p:ext>
     </p:extLst>
   </p:cSld>
@@ -14394,388 +14224,60 @@
             <p:ph type="title"/>
           </p:nvPr>
         </p:nvSpPr>
-        <p:spPr/>
+        <p:spPr>
+          <a:xfrm>
+            <a:off x="1524000" y="457200"/>
+            <a:ext cx="9144000" cy="1143000"/>
+          </a:xfrm>
+        </p:spPr>
         <p:txBody>
           <a:bodyPr rtlCol="0"/>
           <a:lstStyle/>
           <a:p>
-            <a:pPr rtl="0"/>
             <a:r>
               <a:rPr lang="ko-KR" altLang="en-US" dirty="0">
                 <a:latin typeface="malgun gothic" panose="020B0503020000020004" pitchFamily="50" charset="-127"/>
                 <a:ea typeface="malgun gothic" panose="020B0503020000020004" pitchFamily="50" charset="-127"/>
               </a:rPr>
-              <a:t>표가 있는 두 개의 내용 레이아웃</a:t>
+              <a:t>프로젝트 가이드 제작</a:t>
             </a:r>
           </a:p>
         </p:txBody>
       </p:sp>
-      <p:sp>
-        <p:nvSpPr>
-          <p:cNvPr id="3" name="내용 개체 틀 2"/>
-          <p:cNvSpPr>
-            <a:spLocks noGrp="1"/>
-          </p:cNvSpPr>
-          <p:nvPr>
-            <p:ph sz="half" idx="1"/>
-          </p:nvPr>
-        </p:nvSpPr>
-        <p:spPr/>
-        <p:txBody>
-          <a:bodyPr rtlCol="0"/>
-          <a:lstStyle/>
-          <a:p>
-            <a:pPr rtl="0"/>
-            <a:r>
-              <a:rPr lang="ko-KR" altLang="en-US" dirty="0">
-                <a:latin typeface="malgun gothic" panose="020B0503020000020004" pitchFamily="50" charset="-127"/>
-                <a:ea typeface="malgun gothic" panose="020B0503020000020004" pitchFamily="50" charset="-127"/>
-              </a:rPr>
-              <a:t>여기에 첫 번째 글머리 기호</a:t>
-            </a:r>
-          </a:p>
-          <a:p>
-            <a:pPr rtl="0"/>
-            <a:r>
-              <a:rPr lang="ko-KR" altLang="en-US" dirty="0">
-                <a:latin typeface="malgun gothic" panose="020B0503020000020004" pitchFamily="50" charset="-127"/>
-                <a:ea typeface="malgun gothic" panose="020B0503020000020004" pitchFamily="50" charset="-127"/>
-              </a:rPr>
-              <a:t>여기에 두 번째 글머리 기호</a:t>
-            </a:r>
-          </a:p>
-          <a:p>
-            <a:pPr rtl="0"/>
-            <a:r>
-              <a:rPr lang="ko-KR" altLang="en-US" dirty="0">
-                <a:latin typeface="malgun gothic" panose="020B0503020000020004" pitchFamily="50" charset="-127"/>
-                <a:ea typeface="malgun gothic" panose="020B0503020000020004" pitchFamily="50" charset="-127"/>
-              </a:rPr>
-              <a:t>여기에 세 번째 글머리 기호</a:t>
-            </a:r>
-          </a:p>
-        </p:txBody>
-      </p:sp>
-      <p:graphicFrame>
-        <p:nvGraphicFramePr>
-          <p:cNvPr id="5" name="내용 개체 틀 4" descr="3개의 열과 4개의 행이 있는 샘플 표" title="표"/>
-          <p:cNvGraphicFramePr>
-            <a:graphicFrameLocks noGrp="1"/>
-          </p:cNvGraphicFramePr>
-          <p:nvPr>
-            <p:ph sz="half" idx="2"/>
-            <p:extLst>
-              <p:ext uri="{D42A27DB-BD31-4B8C-83A1-F6EECF244321}">
-                <p14:modId xmlns:p14="http://schemas.microsoft.com/office/powerpoint/2010/main" val="1605486941"/>
-              </p:ext>
-            </p:extLst>
-          </p:nvPr>
-        </p:nvGraphicFramePr>
-        <p:xfrm>
-          <a:off x="6324600" y="1825623"/>
-          <a:ext cx="4343400" cy="1984376"/>
-        </p:xfrm>
-        <a:graphic>
-          <a:graphicData uri="http://schemas.openxmlformats.org/drawingml/2006/table">
-            <a:tbl>
-              <a:tblPr firstRow="1" bandRow="1">
-                <a:tableStyleId>{5C22544A-7EE6-4342-B048-85BDC9FD1C3A}</a:tableStyleId>
-              </a:tblPr>
-              <a:tblGrid>
-                <a:gridCol w="1447800">
-                  <a:extLst>
-                    <a:ext uri="{9D8B030D-6E8A-4147-A177-3AD203B41FA5}">
-                      <a16:colId xmlns:a16="http://schemas.microsoft.com/office/drawing/2014/main" val="20000"/>
-                    </a:ext>
-                  </a:extLst>
-                </a:gridCol>
-                <a:gridCol w="1447800">
-                  <a:extLst>
-                    <a:ext uri="{9D8B030D-6E8A-4147-A177-3AD203B41FA5}">
-                      <a16:colId xmlns:a16="http://schemas.microsoft.com/office/drawing/2014/main" val="20001"/>
-                    </a:ext>
-                  </a:extLst>
-                </a:gridCol>
-                <a:gridCol w="1447800">
-                  <a:extLst>
-                    <a:ext uri="{9D8B030D-6E8A-4147-A177-3AD203B41FA5}">
-                      <a16:colId xmlns:a16="http://schemas.microsoft.com/office/drawing/2014/main" val="20002"/>
-                    </a:ext>
-                  </a:extLst>
-                </a:gridCol>
-              </a:tblGrid>
-              <a:tr h="496094">
-                <a:tc>
-                  <a:txBody>
-                    <a:bodyPr/>
-                    <a:lstStyle/>
-                    <a:p>
-                      <a:pPr rtl="0"/>
-                      <a:endParaRPr lang="ko-KR" altLang="en-US" noProof="0" dirty="0">
-                        <a:latin typeface="malgun gothic" panose="020B0503020000020004" pitchFamily="50" charset="-127"/>
-                        <a:ea typeface="malgun gothic" panose="020B0503020000020004" pitchFamily="50" charset="-127"/>
-                      </a:endParaRPr>
-                    </a:p>
-                  </a:txBody>
-                  <a:tcPr anchor="ctr"/>
-                </a:tc>
-                <a:tc>
-                  <a:txBody>
-                    <a:bodyPr/>
-                    <a:lstStyle/>
-                    <a:p>
-                      <a:pPr algn="ctr" rtl="0"/>
-                      <a:r>
-                        <a:rPr lang="ko-KR" altLang="en-US" noProof="0" dirty="0">
-                          <a:latin typeface="malgun gothic" panose="020B0503020000020004" pitchFamily="50" charset="-127"/>
-                          <a:ea typeface="malgun gothic" panose="020B0503020000020004" pitchFamily="50" charset="-127"/>
-                        </a:rPr>
-                        <a:t>그룹 </a:t>
-                      </a:r>
-                      <a:r>
-                        <a:rPr lang="en-US" altLang="ko-KR" noProof="0" dirty="0">
-                          <a:latin typeface="malgun gothic" panose="020B0503020000020004" pitchFamily="50" charset="-127"/>
-                          <a:ea typeface="malgun gothic" panose="020B0503020000020004" pitchFamily="50" charset="-127"/>
-                        </a:rPr>
-                        <a:t>1</a:t>
-                      </a:r>
-                    </a:p>
-                  </a:txBody>
-                  <a:tcPr anchor="ctr"/>
-                </a:tc>
-                <a:tc>
-                  <a:txBody>
-                    <a:bodyPr/>
-                    <a:lstStyle/>
-                    <a:p>
-                      <a:pPr algn="ctr" rtl="0"/>
-                      <a:r>
-                        <a:rPr lang="ko-KR" altLang="en-US" noProof="0" dirty="0">
-                          <a:latin typeface="malgun gothic" panose="020B0503020000020004" pitchFamily="50" charset="-127"/>
-                          <a:ea typeface="malgun gothic" panose="020B0503020000020004" pitchFamily="50" charset="-127"/>
-                        </a:rPr>
-                        <a:t>그룹 </a:t>
-                      </a:r>
-                      <a:r>
-                        <a:rPr lang="en-US" altLang="ko-KR" noProof="0" dirty="0">
-                          <a:latin typeface="malgun gothic" panose="020B0503020000020004" pitchFamily="50" charset="-127"/>
-                          <a:ea typeface="malgun gothic" panose="020B0503020000020004" pitchFamily="50" charset="-127"/>
-                        </a:rPr>
-                        <a:t>2</a:t>
-                      </a:r>
-                    </a:p>
-                  </a:txBody>
-                  <a:tcPr anchor="ctr"/>
-                </a:tc>
-                <a:extLst>
-                  <a:ext uri="{0D108BD9-81ED-4DB2-BD59-A6C34878D82A}">
-                    <a16:rowId xmlns:a16="http://schemas.microsoft.com/office/drawing/2014/main" val="10000"/>
-                  </a:ext>
-                </a:extLst>
-              </a:tr>
-              <a:tr h="496094">
-                <a:tc>
-                  <a:txBody>
-                    <a:bodyPr/>
-                    <a:lstStyle/>
-                    <a:p>
-                      <a:pPr rtl="0"/>
-                      <a:r>
-                        <a:rPr lang="en-US" altLang="ko-KR" noProof="0" dirty="0">
-                          <a:latin typeface="malgun gothic" panose="020B0503020000020004" pitchFamily="50" charset="-127"/>
-                          <a:ea typeface="malgun gothic" panose="020B0503020000020004" pitchFamily="50" charset="-127"/>
-                        </a:rPr>
-                        <a:t>1</a:t>
-                      </a:r>
-                      <a:r>
-                        <a:rPr lang="ko-KR" altLang="en-US" noProof="0" dirty="0">
-                          <a:latin typeface="malgun gothic" panose="020B0503020000020004" pitchFamily="50" charset="-127"/>
-                          <a:ea typeface="malgun gothic" panose="020B0503020000020004" pitchFamily="50" charset="-127"/>
-                        </a:rPr>
-                        <a:t>반</a:t>
-                      </a:r>
-                    </a:p>
-                  </a:txBody>
-                  <a:tcPr anchor="ctr"/>
-                </a:tc>
-                <a:tc>
-                  <a:txBody>
-                    <a:bodyPr/>
-                    <a:lstStyle/>
-                    <a:p>
-                      <a:pPr algn="ctr" rtl="0"/>
-                      <a:r>
-                        <a:rPr lang="en-US" altLang="ko-KR" noProof="0" dirty="0">
-                          <a:latin typeface="malgun gothic" panose="020B0503020000020004" pitchFamily="50" charset="-127"/>
-                          <a:ea typeface="malgun gothic" panose="020B0503020000020004" pitchFamily="50" charset="-127"/>
-                        </a:rPr>
-                        <a:t>82</a:t>
-                      </a:r>
-                    </a:p>
-                  </a:txBody>
-                  <a:tcPr anchor="ctr"/>
-                </a:tc>
-                <a:tc>
-                  <a:txBody>
-                    <a:bodyPr/>
-                    <a:lstStyle/>
-                    <a:p>
-                      <a:pPr algn="ctr" rtl="0"/>
-                      <a:r>
-                        <a:rPr lang="en-US" altLang="ko-KR" noProof="0" dirty="0">
-                          <a:latin typeface="malgun gothic" panose="020B0503020000020004" pitchFamily="50" charset="-127"/>
-                          <a:ea typeface="malgun gothic" panose="020B0503020000020004" pitchFamily="50" charset="-127"/>
-                        </a:rPr>
-                        <a:t>95</a:t>
-                      </a:r>
-                    </a:p>
-                  </a:txBody>
-                  <a:tcPr anchor="ctr"/>
-                </a:tc>
-                <a:extLst>
-                  <a:ext uri="{0D108BD9-81ED-4DB2-BD59-A6C34878D82A}">
-                    <a16:rowId xmlns:a16="http://schemas.microsoft.com/office/drawing/2014/main" val="10001"/>
-                  </a:ext>
-                </a:extLst>
-              </a:tr>
-              <a:tr h="496094">
-                <a:tc>
-                  <a:txBody>
-                    <a:bodyPr/>
-                    <a:lstStyle/>
-                    <a:p>
-                      <a:pPr rtl="0"/>
-                      <a:r>
-                        <a:rPr lang="en-US" altLang="ko-KR" noProof="0" dirty="0">
-                          <a:latin typeface="malgun gothic" panose="020B0503020000020004" pitchFamily="50" charset="-127"/>
-                          <a:ea typeface="malgun gothic" panose="020B0503020000020004" pitchFamily="50" charset="-127"/>
-                        </a:rPr>
-                        <a:t>2</a:t>
-                      </a:r>
-                      <a:r>
-                        <a:rPr lang="ko-KR" altLang="en-US" noProof="0" dirty="0">
-                          <a:latin typeface="malgun gothic" panose="020B0503020000020004" pitchFamily="50" charset="-127"/>
-                          <a:ea typeface="malgun gothic" panose="020B0503020000020004" pitchFamily="50" charset="-127"/>
-                        </a:rPr>
-                        <a:t>반</a:t>
-                      </a:r>
-                    </a:p>
-                  </a:txBody>
-                  <a:tcPr anchor="ctr"/>
-                </a:tc>
-                <a:tc>
-                  <a:txBody>
-                    <a:bodyPr/>
-                    <a:lstStyle/>
-                    <a:p>
-                      <a:pPr algn="ctr" rtl="0"/>
-                      <a:r>
-                        <a:rPr lang="en-US" altLang="ko-KR" noProof="0" dirty="0">
-                          <a:latin typeface="malgun gothic" panose="020B0503020000020004" pitchFamily="50" charset="-127"/>
-                          <a:ea typeface="malgun gothic" panose="020B0503020000020004" pitchFamily="50" charset="-127"/>
-                        </a:rPr>
-                        <a:t>76</a:t>
-                      </a:r>
-                    </a:p>
-                  </a:txBody>
-                  <a:tcPr anchor="ctr"/>
-                </a:tc>
-                <a:tc>
-                  <a:txBody>
-                    <a:bodyPr/>
-                    <a:lstStyle/>
-                    <a:p>
-                      <a:pPr algn="ctr" rtl="0"/>
-                      <a:r>
-                        <a:rPr lang="en-US" altLang="ko-KR" noProof="0" dirty="0">
-                          <a:latin typeface="malgun gothic" panose="020B0503020000020004" pitchFamily="50" charset="-127"/>
-                          <a:ea typeface="malgun gothic" panose="020B0503020000020004" pitchFamily="50" charset="-127"/>
-                        </a:rPr>
-                        <a:t>88</a:t>
-                      </a:r>
-                    </a:p>
-                  </a:txBody>
-                  <a:tcPr anchor="ctr"/>
-                </a:tc>
-                <a:extLst>
-                  <a:ext uri="{0D108BD9-81ED-4DB2-BD59-A6C34878D82A}">
-                    <a16:rowId xmlns:a16="http://schemas.microsoft.com/office/drawing/2014/main" val="10002"/>
-                  </a:ext>
-                </a:extLst>
-              </a:tr>
-              <a:tr h="496094">
-                <a:tc>
-                  <a:txBody>
-                    <a:bodyPr/>
-                    <a:lstStyle/>
-                    <a:p>
-                      <a:pPr rtl="0"/>
-                      <a:r>
-                        <a:rPr lang="en-US" altLang="ko-KR" noProof="0" dirty="0">
-                          <a:latin typeface="malgun gothic" panose="020B0503020000020004" pitchFamily="50" charset="-127"/>
-                          <a:ea typeface="malgun gothic" panose="020B0503020000020004" pitchFamily="50" charset="-127"/>
-                        </a:rPr>
-                        <a:t>3</a:t>
-                      </a:r>
-                      <a:r>
-                        <a:rPr lang="ko-KR" altLang="en-US" noProof="0" dirty="0">
-                          <a:latin typeface="malgun gothic" panose="020B0503020000020004" pitchFamily="50" charset="-127"/>
-                          <a:ea typeface="malgun gothic" panose="020B0503020000020004" pitchFamily="50" charset="-127"/>
-                        </a:rPr>
-                        <a:t>반</a:t>
-                      </a:r>
-                    </a:p>
-                  </a:txBody>
-                  <a:tcPr anchor="ctr"/>
-                </a:tc>
-                <a:tc>
-                  <a:txBody>
-                    <a:bodyPr/>
-                    <a:lstStyle/>
-                    <a:p>
-                      <a:pPr algn="ctr" rtl="0"/>
-                      <a:r>
-                        <a:rPr lang="en-US" altLang="ko-KR" noProof="0" dirty="0">
-                          <a:latin typeface="malgun gothic" panose="020B0503020000020004" pitchFamily="50" charset="-127"/>
-                          <a:ea typeface="malgun gothic" panose="020B0503020000020004" pitchFamily="50" charset="-127"/>
-                        </a:rPr>
-                        <a:t>84</a:t>
-                      </a:r>
-                    </a:p>
-                  </a:txBody>
-                  <a:tcPr anchor="ctr"/>
-                </a:tc>
-                <a:tc>
-                  <a:txBody>
-                    <a:bodyPr/>
-                    <a:lstStyle/>
-                    <a:p>
-                      <a:pPr algn="ctr" rtl="0"/>
-                      <a:r>
-                        <a:rPr lang="en-US" altLang="ko-KR" noProof="0" dirty="0">
-                          <a:latin typeface="malgun gothic" panose="020B0503020000020004" pitchFamily="50" charset="-127"/>
-                          <a:ea typeface="malgun gothic" panose="020B0503020000020004" pitchFamily="50" charset="-127"/>
-                        </a:rPr>
-                        <a:t>90</a:t>
-                      </a:r>
-                    </a:p>
-                  </a:txBody>
-                  <a:tcPr anchor="ctr"/>
-                </a:tc>
-                <a:extLst>
-                  <a:ext uri="{0D108BD9-81ED-4DB2-BD59-A6C34878D82A}">
-                    <a16:rowId xmlns:a16="http://schemas.microsoft.com/office/drawing/2014/main" val="10003"/>
-                  </a:ext>
-                </a:extLst>
-              </a:tr>
-            </a:tbl>
-          </a:graphicData>
-        </a:graphic>
-      </p:graphicFrame>
+      <p:pic>
+        <p:nvPicPr>
+          <p:cNvPr id="4" name="그림 3">
+            <a:extLst>
+              <a:ext uri="{FF2B5EF4-FFF2-40B4-BE49-F238E27FC236}">
+                <a16:creationId xmlns:a16="http://schemas.microsoft.com/office/drawing/2014/main" id="{C07F7B92-783B-4634-9EDC-3BC3ED4398D0}"/>
+              </a:ext>
+            </a:extLst>
+          </p:cNvPr>
+          <p:cNvPicPr>
+            <a:picLocks noChangeAspect="1"/>
+          </p:cNvPicPr>
+          <p:nvPr/>
+        </p:nvPicPr>
+        <p:blipFill>
+          <a:blip r:embed="rId3"/>
+          <a:stretch>
+            <a:fillRect/>
+          </a:stretch>
+        </p:blipFill>
+        <p:spPr>
+          <a:xfrm>
+            <a:off x="1631504" y="1772816"/>
+            <a:ext cx="8328248" cy="4526973"/>
+          </a:xfrm>
+          <a:prstGeom prst="rect">
+            <a:avLst/>
+          </a:prstGeom>
+        </p:spPr>
+      </p:pic>
     </p:spTree>
     <p:extLst>
       <p:ext uri="{BB962C8B-B14F-4D97-AF65-F5344CB8AC3E}">
-        <p14:creationId xmlns:p14="http://schemas.microsoft.com/office/powerpoint/2010/main" val="4145261392"/>
+        <p14:creationId xmlns:p14="http://schemas.microsoft.com/office/powerpoint/2010/main" val="975399581"/>
       </p:ext>
     </p:extLst>
   </p:cSld>
@@ -16609,15 +16111,6 @@
 </file>
 
 <file path=customXml/item2.xml><?xml version="1.0" encoding="utf-8"?>
-<?mso-contentType ?>
-<FormTemplates xmlns="http://schemas.microsoft.com/sharepoint/v3/contenttype/forms">
-  <Display>DocumentLibraryForm</Display>
-  <Edit>AssetEditForm</Edit>
-  <New>DocumentLibraryForm</New>
-</FormTemplates>
-</file>
-
-<file path=customXml/item3.xml><?xml version="1.0" encoding="utf-8"?>
 <p:properties xmlns:p="http://schemas.microsoft.com/office/2006/metadata/properties" xmlns:xsi="http://www.w3.org/2001/XMLSchema-instance" xmlns:pc="http://schemas.microsoft.com/office/infopath/2007/PartnerControls">
   <documentManagement>
     <DirectSourceMarket xmlns="4873beb7-5857-4685-be1f-d57550cc96cc" xsi:nil="true"/>
@@ -16743,6 +16236,15 @@
 </p:properties>
 </file>
 
+<file path=customXml/item3.xml><?xml version="1.0" encoding="utf-8"?>
+<?mso-contentType ?>
+<FormTemplates xmlns="http://schemas.microsoft.com/sharepoint/v3/contenttype/forms">
+  <Display>DocumentLibraryForm</Display>
+  <Edit>AssetEditForm</Edit>
+  <New>DocumentLibraryForm</New>
+</FormTemplates>
+</file>
+
 <file path=customXml/itemProps1.xml><?xml version="1.0" encoding="utf-8"?>
 <ds:datastoreItem xmlns:ds="http://schemas.openxmlformats.org/officeDocument/2006/customXml" ds:itemID="{0B5C6E15-39DC-470B-9445-F754B9458020}">
   <ds:schemaRefs>
@@ -16762,14 +16264,6 @@
 </file>
 
 <file path=customXml/itemProps2.xml><?xml version="1.0" encoding="utf-8"?>
-<ds:datastoreItem xmlns:ds="http://schemas.openxmlformats.org/officeDocument/2006/customXml" ds:itemID="{746CFF6F-D9AA-4BC0-911A-0A1356771912}">
-  <ds:schemaRefs>
-    <ds:schemaRef ds:uri="http://schemas.microsoft.com/sharepoint/v3/contenttype/forms"/>
-  </ds:schemaRefs>
-</ds:datastoreItem>
-</file>
-
-<file path=customXml/itemProps3.xml><?xml version="1.0" encoding="utf-8"?>
 <ds:datastoreItem xmlns:ds="http://schemas.openxmlformats.org/officeDocument/2006/customXml" ds:itemID="{04098515-0C12-46CF-BC7C-69B4A13CD5FA}">
   <ds:schemaRefs>
     <ds:schemaRef ds:uri="http://schemas.microsoft.com/office/2006/metadata/properties"/>
@@ -16777,4 +16271,12 @@
     <ds:schemaRef ds:uri="4873beb7-5857-4685-be1f-d57550cc96cc"/>
   </ds:schemaRefs>
 </ds:datastoreItem>
+</file>
+
+<file path=customXml/itemProps3.xml><?xml version="1.0" encoding="utf-8"?>
+<ds:datastoreItem xmlns:ds="http://schemas.openxmlformats.org/officeDocument/2006/customXml" ds:itemID="{746CFF6F-D9AA-4BC0-911A-0A1356771912}">
+  <ds:schemaRefs>
+    <ds:schemaRef ds:uri="http://schemas.microsoft.com/sharepoint/v3/contenttype/forms"/>
+  </ds:schemaRefs>
+</ds:datastoreItem>
 </file>
--- a/docu/ppt/2017_08_06/자율 주행 자동차 프로젝트.pptx
+++ b/docu/ppt/2017_08_06/자율 주행 자동차 프로젝트.pptx
@@ -2,33 +2,33 @@
 <file path=ppt/presentation.xml><?xml version="1.0" encoding="utf-8"?>
 <p:presentation xmlns:a="http://schemas.openxmlformats.org/drawingml/2006/main" xmlns:r="http://schemas.openxmlformats.org/officeDocument/2006/relationships" xmlns:p="http://schemas.openxmlformats.org/presentationml/2006/main" removePersonalInfoOnSave="1" saveSubsetFonts="1">
   <p:sldMasterIdLst>
-    <p:sldMasterId id="2147483648" r:id="rId4"/>
+    <p:sldMasterId id="2147483648" r:id="rId3"/>
   </p:sldMasterIdLst>
   <p:notesMasterIdLst>
-    <p:notesMasterId r:id="rId17"/>
+    <p:notesMasterId r:id="rId16"/>
   </p:notesMasterIdLst>
   <p:handoutMasterIdLst>
-    <p:handoutMasterId r:id="rId18"/>
+    <p:handoutMasterId r:id="rId17"/>
   </p:handoutMasterIdLst>
   <p:sldIdLst>
-    <p:sldId id="256" r:id="rId5"/>
-    <p:sldId id="269" r:id="rId6"/>
-    <p:sldId id="276" r:id="rId7"/>
-    <p:sldId id="272" r:id="rId8"/>
-    <p:sldId id="277" r:id="rId9"/>
-    <p:sldId id="283" r:id="rId10"/>
-    <p:sldId id="284" r:id="rId11"/>
-    <p:sldId id="278" r:id="rId12"/>
-    <p:sldId id="279" r:id="rId13"/>
-    <p:sldId id="280" r:id="rId14"/>
-    <p:sldId id="281" r:id="rId15"/>
-    <p:sldId id="282" r:id="rId16"/>
+    <p:sldId id="256" r:id="rId4"/>
+    <p:sldId id="269" r:id="rId5"/>
+    <p:sldId id="276" r:id="rId6"/>
+    <p:sldId id="272" r:id="rId7"/>
+    <p:sldId id="277" r:id="rId8"/>
+    <p:sldId id="283" r:id="rId9"/>
+    <p:sldId id="284" r:id="rId10"/>
+    <p:sldId id="278" r:id="rId11"/>
+    <p:sldId id="279" r:id="rId12"/>
+    <p:sldId id="280" r:id="rId13"/>
+    <p:sldId id="281" r:id="rId14"/>
+    <p:sldId id="282" r:id="rId15"/>
   </p:sldIdLst>
   <p:sldSz cx="12192000" cy="6858000"/>
   <p:notesSz cx="6858000" cy="9144000"/>
   <p:defaultTextStyle>
     <a:defPPr rtl="0">
-      <a:defRPr lang="ko-kr"/>
+      <a:defRPr lang="ko-KR"/>
     </a:defPPr>
     <a:lvl1pPr marL="0" algn="l" defTabSz="914400" rtl="0" eaLnBrk="1" latinLnBrk="0" hangingPunct="1">
       <a:defRPr sz="1800" kern="1200">
@@ -123,7 +123,7 @@
   </p:defaultTextStyle>
   <p:extLst>
     <p:ext uri="{EFAFB233-063F-42B5-8137-9DF3F51BA10A}">
-      <p15:sldGuideLst xmlns:p15="http://schemas.microsoft.com/office/powerpoint/2012/main">
+      <p15:sldGuideLst xmlns:p15="http://schemas.microsoft.com/office/powerpoint/2012/main" xmlns="">
         <p15:guide id="1" pos="3840" userDrawn="1">
           <p15:clr>
             <a:srgbClr val="A4A3A4"/>
@@ -137,7 +137,7 @@
       </p15:sldGuideLst>
     </p:ext>
     <p:ext uri="{2D200454-40CA-4A62-9FC3-DE9A4176ACB9}">
-      <p15:notesGuideLst xmlns:p15="http://schemas.microsoft.com/office/powerpoint/2012/main"/>
+      <p15:notesGuideLst xmlns:p15="http://schemas.microsoft.com/office/powerpoint/2012/main" xmlns=""/>
     </p:ext>
   </p:extLst>
 </p:presentation>
@@ -1392,6 +1392,14 @@
         </dgm:presLayoutVars>
       </dgm:prSet>
       <dgm:spPr/>
+      <dgm:t>
+        <a:bodyPr/>
+        <a:lstStyle/>
+        <a:p>
+          <a:pPr latinLnBrk="1"/>
+          <a:endParaRPr lang="ko-KR" altLang="en-US"/>
+        </a:p>
+      </dgm:t>
     </dgm:pt>
     <dgm:pt modelId="{B1443ED3-5E34-456D-8CD9-88B600EDA95F}" type="pres">
       <dgm:prSet presAssocID="{516A4DDC-76BD-494E-B503-625555CCBC4A}" presName="vertFlow" presStyleCnt="0"/>
@@ -1400,10 +1408,26 @@
     <dgm:pt modelId="{9BBCF6CE-E750-48B6-B333-305BBB100737}" type="pres">
       <dgm:prSet presAssocID="{516A4DDC-76BD-494E-B503-625555CCBC4A}" presName="header" presStyleLbl="node1" presStyleIdx="0" presStyleCnt="3"/>
       <dgm:spPr/>
+      <dgm:t>
+        <a:bodyPr/>
+        <a:lstStyle/>
+        <a:p>
+          <a:pPr latinLnBrk="1"/>
+          <a:endParaRPr lang="ko-KR" altLang="en-US"/>
+        </a:p>
+      </dgm:t>
     </dgm:pt>
     <dgm:pt modelId="{1B1F80F4-E9A5-4A99-A630-6548067B7CB5}" type="pres">
       <dgm:prSet presAssocID="{995C4470-49EF-4BD9-B00A-AD612181AB58}" presName="parTrans" presStyleLbl="sibTrans2D1" presStyleIdx="0" presStyleCnt="8"/>
       <dgm:spPr/>
+      <dgm:t>
+        <a:bodyPr/>
+        <a:lstStyle/>
+        <a:p>
+          <a:pPr latinLnBrk="1"/>
+          <a:endParaRPr lang="ko-KR" altLang="en-US"/>
+        </a:p>
+      </dgm:t>
     </dgm:pt>
     <dgm:pt modelId="{85447532-8740-4202-B6A5-AE63748B9291}" type="pres">
       <dgm:prSet presAssocID="{CD410504-9F7F-47AE-B46E-CE985680360F}" presName="child" presStyleLbl="alignAccFollowNode1" presStyleIdx="0" presStyleCnt="8">
@@ -1413,10 +1437,26 @@
         </dgm:presLayoutVars>
       </dgm:prSet>
       <dgm:spPr/>
+      <dgm:t>
+        <a:bodyPr/>
+        <a:lstStyle/>
+        <a:p>
+          <a:pPr latinLnBrk="1"/>
+          <a:endParaRPr lang="ko-KR" altLang="en-US"/>
+        </a:p>
+      </dgm:t>
     </dgm:pt>
     <dgm:pt modelId="{7CAEA63C-96B5-40D4-900F-409598FDB0C1}" type="pres">
       <dgm:prSet presAssocID="{2B847D36-6E88-4DD3-AABD-579C99426233}" presName="sibTrans" presStyleLbl="sibTrans2D1" presStyleIdx="1" presStyleCnt="8"/>
       <dgm:spPr/>
+      <dgm:t>
+        <a:bodyPr/>
+        <a:lstStyle/>
+        <a:p>
+          <a:pPr latinLnBrk="1"/>
+          <a:endParaRPr lang="ko-KR" altLang="en-US"/>
+        </a:p>
+      </dgm:t>
     </dgm:pt>
     <dgm:pt modelId="{459BBFF8-CE50-41AE-9B5E-F6026BBE4F45}" type="pres">
       <dgm:prSet presAssocID="{C4FF5CFA-9CEF-4C34-984A-CC28F232798F}" presName="child" presStyleLbl="alignAccFollowNode1" presStyleIdx="1" presStyleCnt="8">
@@ -1426,10 +1466,26 @@
         </dgm:presLayoutVars>
       </dgm:prSet>
       <dgm:spPr/>
+      <dgm:t>
+        <a:bodyPr/>
+        <a:lstStyle/>
+        <a:p>
+          <a:pPr latinLnBrk="1"/>
+          <a:endParaRPr lang="ko-KR" altLang="en-US"/>
+        </a:p>
+      </dgm:t>
     </dgm:pt>
     <dgm:pt modelId="{A65C4264-24F4-4122-844B-F5E582EC0111}" type="pres">
       <dgm:prSet presAssocID="{B551F8FA-E415-4EE1-BA68-D13E7D2E980B}" presName="sibTrans" presStyleLbl="sibTrans2D1" presStyleIdx="2" presStyleCnt="8"/>
       <dgm:spPr/>
+      <dgm:t>
+        <a:bodyPr/>
+        <a:lstStyle/>
+        <a:p>
+          <a:pPr latinLnBrk="1"/>
+          <a:endParaRPr lang="ko-KR" altLang="en-US"/>
+        </a:p>
+      </dgm:t>
     </dgm:pt>
     <dgm:pt modelId="{9A5E1799-26FB-4959-97AA-0FCC22761318}" type="pres">
       <dgm:prSet presAssocID="{F7CED298-1605-4B60-9FC8-0A4C25C5AA00}" presName="child" presStyleLbl="alignAccFollowNode1" presStyleIdx="2" presStyleCnt="8">
@@ -1439,6 +1495,14 @@
         </dgm:presLayoutVars>
       </dgm:prSet>
       <dgm:spPr/>
+      <dgm:t>
+        <a:bodyPr/>
+        <a:lstStyle/>
+        <a:p>
+          <a:pPr latinLnBrk="1"/>
+          <a:endParaRPr lang="ko-KR" altLang="en-US"/>
+        </a:p>
+      </dgm:t>
     </dgm:pt>
     <dgm:pt modelId="{8F2F3A22-7A2A-4EE4-9C5B-70F6E89B9064}" type="pres">
       <dgm:prSet presAssocID="{516A4DDC-76BD-494E-B503-625555CCBC4A}" presName="hSp" presStyleCnt="0"/>
@@ -1451,10 +1515,26 @@
     <dgm:pt modelId="{09ADE9CE-20B7-4A4E-BED6-D56E4ED1D855}" type="pres">
       <dgm:prSet presAssocID="{41E3B52E-71B8-4BD0-B1ED-D051FFB12506}" presName="header" presStyleLbl="node1" presStyleIdx="1" presStyleCnt="3"/>
       <dgm:spPr/>
+      <dgm:t>
+        <a:bodyPr/>
+        <a:lstStyle/>
+        <a:p>
+          <a:pPr latinLnBrk="1"/>
+          <a:endParaRPr lang="ko-KR" altLang="en-US"/>
+        </a:p>
+      </dgm:t>
     </dgm:pt>
     <dgm:pt modelId="{C8CE6287-76AA-46C4-B478-0F9183DE6118}" type="pres">
       <dgm:prSet presAssocID="{F342D04F-4D11-41CC-AB66-36041A902B44}" presName="parTrans" presStyleLbl="sibTrans2D1" presStyleIdx="3" presStyleCnt="8"/>
       <dgm:spPr/>
+      <dgm:t>
+        <a:bodyPr/>
+        <a:lstStyle/>
+        <a:p>
+          <a:pPr latinLnBrk="1"/>
+          <a:endParaRPr lang="ko-KR" altLang="en-US"/>
+        </a:p>
+      </dgm:t>
     </dgm:pt>
     <dgm:pt modelId="{F7AA6D3E-BCE0-4C06-B101-080DA85DCB01}" type="pres">
       <dgm:prSet presAssocID="{5CBEC7DD-A25D-4956-9A65-6EA385F6FCB5}" presName="child" presStyleLbl="alignAccFollowNode1" presStyleIdx="3" presStyleCnt="8">
@@ -1464,10 +1544,26 @@
         </dgm:presLayoutVars>
       </dgm:prSet>
       <dgm:spPr/>
+      <dgm:t>
+        <a:bodyPr/>
+        <a:lstStyle/>
+        <a:p>
+          <a:pPr latinLnBrk="1"/>
+          <a:endParaRPr lang="ko-KR" altLang="en-US"/>
+        </a:p>
+      </dgm:t>
     </dgm:pt>
     <dgm:pt modelId="{DDA5CBC7-AA05-481A-A03A-3964C1BBBB5A}" type="pres">
       <dgm:prSet presAssocID="{BD0F67B1-39E4-45ED-9534-FB8F89E8EEF6}" presName="sibTrans" presStyleLbl="sibTrans2D1" presStyleIdx="4" presStyleCnt="8"/>
       <dgm:spPr/>
+      <dgm:t>
+        <a:bodyPr/>
+        <a:lstStyle/>
+        <a:p>
+          <a:pPr latinLnBrk="1"/>
+          <a:endParaRPr lang="ko-KR" altLang="en-US"/>
+        </a:p>
+      </dgm:t>
     </dgm:pt>
     <dgm:pt modelId="{73DBFA1A-3823-4209-9CD6-DBDD456F39FB}" type="pres">
       <dgm:prSet presAssocID="{33BF0E2A-2B00-40A5-832E-FC800DCA5982}" presName="child" presStyleLbl="alignAccFollowNode1" presStyleIdx="4" presStyleCnt="8">
@@ -1477,10 +1573,26 @@
         </dgm:presLayoutVars>
       </dgm:prSet>
       <dgm:spPr/>
+      <dgm:t>
+        <a:bodyPr/>
+        <a:lstStyle/>
+        <a:p>
+          <a:pPr latinLnBrk="1"/>
+          <a:endParaRPr lang="ko-KR" altLang="en-US"/>
+        </a:p>
+      </dgm:t>
     </dgm:pt>
     <dgm:pt modelId="{E7F7C4A8-2F3A-49BA-B2E4-CF48FCA5D8D8}" type="pres">
       <dgm:prSet presAssocID="{E373698D-1356-47A7-A591-B72BFE77C3D1}" presName="sibTrans" presStyleLbl="sibTrans2D1" presStyleIdx="5" presStyleCnt="8"/>
       <dgm:spPr/>
+      <dgm:t>
+        <a:bodyPr/>
+        <a:lstStyle/>
+        <a:p>
+          <a:pPr latinLnBrk="1"/>
+          <a:endParaRPr lang="ko-KR" altLang="en-US"/>
+        </a:p>
+      </dgm:t>
     </dgm:pt>
     <dgm:pt modelId="{68423B8C-DD55-4C1A-86D3-87118415FFA7}" type="pres">
       <dgm:prSet presAssocID="{CAE20587-4D50-4B6B-A17D-199722D630E2}" presName="child" presStyleLbl="alignAccFollowNode1" presStyleIdx="5" presStyleCnt="8">
@@ -1490,6 +1602,14 @@
         </dgm:presLayoutVars>
       </dgm:prSet>
       <dgm:spPr/>
+      <dgm:t>
+        <a:bodyPr/>
+        <a:lstStyle/>
+        <a:p>
+          <a:pPr latinLnBrk="1"/>
+          <a:endParaRPr lang="ko-KR" altLang="en-US"/>
+        </a:p>
+      </dgm:t>
     </dgm:pt>
     <dgm:pt modelId="{D5E79C7E-BA4F-41B5-AEAD-7D11CABDB66C}" type="pres">
       <dgm:prSet presAssocID="{41E3B52E-71B8-4BD0-B1ED-D051FFB12506}" presName="hSp" presStyleCnt="0"/>
@@ -1502,10 +1622,26 @@
     <dgm:pt modelId="{67971461-EE07-4B5E-A0C3-A166C6559682}" type="pres">
       <dgm:prSet presAssocID="{EA587102-578B-46F3-8D9E-CEC48527A898}" presName="header" presStyleLbl="node1" presStyleIdx="2" presStyleCnt="3"/>
       <dgm:spPr/>
+      <dgm:t>
+        <a:bodyPr/>
+        <a:lstStyle/>
+        <a:p>
+          <a:pPr latinLnBrk="1"/>
+          <a:endParaRPr lang="ko-KR" altLang="en-US"/>
+        </a:p>
+      </dgm:t>
     </dgm:pt>
     <dgm:pt modelId="{BF9CEF10-4726-4D20-AC2F-85DE706D0D00}" type="pres">
       <dgm:prSet presAssocID="{403B4542-B2F8-496D-BBEA-3A684B1106F9}" presName="parTrans" presStyleLbl="sibTrans2D1" presStyleIdx="6" presStyleCnt="8"/>
       <dgm:spPr/>
+      <dgm:t>
+        <a:bodyPr/>
+        <a:lstStyle/>
+        <a:p>
+          <a:pPr latinLnBrk="1"/>
+          <a:endParaRPr lang="ko-KR" altLang="en-US"/>
+        </a:p>
+      </dgm:t>
     </dgm:pt>
     <dgm:pt modelId="{C1386769-D313-4B62-9BE9-A84DD636105E}" type="pres">
       <dgm:prSet presAssocID="{038F6A6A-232A-44A4-9628-ADFA8F068F81}" presName="child" presStyleLbl="alignAccFollowNode1" presStyleIdx="6" presStyleCnt="8">
@@ -1515,10 +1651,26 @@
         </dgm:presLayoutVars>
       </dgm:prSet>
       <dgm:spPr/>
+      <dgm:t>
+        <a:bodyPr/>
+        <a:lstStyle/>
+        <a:p>
+          <a:pPr latinLnBrk="1"/>
+          <a:endParaRPr lang="ko-KR" altLang="en-US"/>
+        </a:p>
+      </dgm:t>
     </dgm:pt>
     <dgm:pt modelId="{0C1CAC8B-CC80-49DA-9707-021AB163C55F}" type="pres">
       <dgm:prSet presAssocID="{ABE7D012-6867-48DA-AF76-FDB8ECBB944D}" presName="sibTrans" presStyleLbl="sibTrans2D1" presStyleIdx="7" presStyleCnt="8"/>
       <dgm:spPr/>
+      <dgm:t>
+        <a:bodyPr/>
+        <a:lstStyle/>
+        <a:p>
+          <a:pPr latinLnBrk="1"/>
+          <a:endParaRPr lang="ko-KR" altLang="en-US"/>
+        </a:p>
+      </dgm:t>
     </dgm:pt>
     <dgm:pt modelId="{2985E292-795D-4403-BD7F-3A17BE0B21A7}" type="pres">
       <dgm:prSet presAssocID="{15982A38-A73B-4943-B138-EA0EAB77BC29}" presName="child" presStyleLbl="alignAccFollowNode1" presStyleIdx="7" presStyleCnt="8">
@@ -1528,40 +1680,48 @@
         </dgm:presLayoutVars>
       </dgm:prSet>
       <dgm:spPr/>
+      <dgm:t>
+        <a:bodyPr/>
+        <a:lstStyle/>
+        <a:p>
+          <a:pPr latinLnBrk="1"/>
+          <a:endParaRPr lang="ko-KR" altLang="en-US"/>
+        </a:p>
+      </dgm:t>
     </dgm:pt>
   </dgm:ptLst>
   <dgm:cxnLst>
+    <dgm:cxn modelId="{D22C632F-8F8B-48FF-A898-48FD446A5F78}" srcId="{41E3B52E-71B8-4BD0-B1ED-D051FFB12506}" destId="{CAE20587-4D50-4B6B-A17D-199722D630E2}" srcOrd="2" destOrd="0" parTransId="{6CEBC692-6F9A-47B4-948E-5AEB8FCFD251}" sibTransId="{7656320D-CC13-4DD7-8A30-F9FDC84AC6F2}"/>
+    <dgm:cxn modelId="{0F0D3551-AF94-422C-87FE-80E4E27CB025}" srcId="{C53CC6D8-DEFC-45FD-8207-E1ECCC27EA85}" destId="{41E3B52E-71B8-4BD0-B1ED-D051FFB12506}" srcOrd="1" destOrd="0" parTransId="{DA206B73-34B1-48E4-A513-9978853BF217}" sibTransId="{2436D701-8B79-4C2B-92A4-52BC1BA24775}"/>
+    <dgm:cxn modelId="{0E9367DA-F3C7-4672-A3E1-FDDD869E15C8}" type="presOf" srcId="{ABE7D012-6867-48DA-AF76-FDB8ECBB944D}" destId="{0C1CAC8B-CC80-49DA-9707-021AB163C55F}" srcOrd="0" destOrd="0" presId="urn:microsoft.com/office/officeart/2005/8/layout/lProcess1"/>
+    <dgm:cxn modelId="{B522739A-4DEE-43CF-9357-A84EF1EEE7ED}" srcId="{41E3B52E-71B8-4BD0-B1ED-D051FFB12506}" destId="{33BF0E2A-2B00-40A5-832E-FC800DCA5982}" srcOrd="1" destOrd="0" parTransId="{F8C31ED9-A2C0-4A09-A419-0AE9A44BB8DF}" sibTransId="{E373698D-1356-47A7-A591-B72BFE77C3D1}"/>
+    <dgm:cxn modelId="{28FAA735-D033-4888-A512-CA0B0DC5D34E}" type="presOf" srcId="{B551F8FA-E415-4EE1-BA68-D13E7D2E980B}" destId="{A65C4264-24F4-4122-844B-F5E582EC0111}" srcOrd="0" destOrd="0" presId="urn:microsoft.com/office/officeart/2005/8/layout/lProcess1"/>
+    <dgm:cxn modelId="{7B595755-BE81-46A0-903D-004D1EF6EE33}" srcId="{C53CC6D8-DEFC-45FD-8207-E1ECCC27EA85}" destId="{516A4DDC-76BD-494E-B503-625555CCBC4A}" srcOrd="0" destOrd="0" parTransId="{133DE2D2-6278-469E-8A80-F71EA996A07A}" sibTransId="{AE4D7DCA-0B66-4207-B896-C721B2CB4C13}"/>
+    <dgm:cxn modelId="{40E743FD-4072-4389-94B0-B65E89259C6B}" type="presOf" srcId="{5CBEC7DD-A25D-4956-9A65-6EA385F6FCB5}" destId="{F7AA6D3E-BCE0-4C06-B101-080DA85DCB01}" srcOrd="0" destOrd="0" presId="urn:microsoft.com/office/officeart/2005/8/layout/lProcess1"/>
+    <dgm:cxn modelId="{F6742589-989F-4466-ABD8-B9A53946EFA3}" type="presOf" srcId="{038F6A6A-232A-44A4-9628-ADFA8F068F81}" destId="{C1386769-D313-4B62-9BE9-A84DD636105E}" srcOrd="0" destOrd="0" presId="urn:microsoft.com/office/officeart/2005/8/layout/lProcess1"/>
+    <dgm:cxn modelId="{25B66A08-E57F-429F-A076-5691EC284D95}" type="presOf" srcId="{33BF0E2A-2B00-40A5-832E-FC800DCA5982}" destId="{73DBFA1A-3823-4209-9CD6-DBDD456F39FB}" srcOrd="0" destOrd="0" presId="urn:microsoft.com/office/officeart/2005/8/layout/lProcess1"/>
+    <dgm:cxn modelId="{0687A885-2354-4E9E-B313-4269283F0057}" srcId="{41E3B52E-71B8-4BD0-B1ED-D051FFB12506}" destId="{5CBEC7DD-A25D-4956-9A65-6EA385F6FCB5}" srcOrd="0" destOrd="0" parTransId="{F342D04F-4D11-41CC-AB66-36041A902B44}" sibTransId="{BD0F67B1-39E4-45ED-9534-FB8F89E8EEF6}"/>
+    <dgm:cxn modelId="{9AFC20F2-D5DD-455E-8266-96B58ABE2D49}" type="presOf" srcId="{CAE20587-4D50-4B6B-A17D-199722D630E2}" destId="{68423B8C-DD55-4C1A-86D3-87118415FFA7}" srcOrd="0" destOrd="0" presId="urn:microsoft.com/office/officeart/2005/8/layout/lProcess1"/>
+    <dgm:cxn modelId="{541426C5-B997-49AC-A1CD-ABBC86A85301}" type="presOf" srcId="{BD0F67B1-39E4-45ED-9534-FB8F89E8EEF6}" destId="{DDA5CBC7-AA05-481A-A03A-3964C1BBBB5A}" srcOrd="0" destOrd="0" presId="urn:microsoft.com/office/officeart/2005/8/layout/lProcess1"/>
+    <dgm:cxn modelId="{206D6826-92C5-4EEE-A28E-254E966FF0A0}" srcId="{516A4DDC-76BD-494E-B503-625555CCBC4A}" destId="{F7CED298-1605-4B60-9FC8-0A4C25C5AA00}" srcOrd="2" destOrd="0" parTransId="{618E2D9E-4CAE-48D5-9A0F-94DAE74A2D69}" sibTransId="{1009FF03-5F93-449C-AF20-55447EEE50AB}"/>
+    <dgm:cxn modelId="{5F55A28B-96EB-4565-9919-9E4BDE07F610}" type="presOf" srcId="{F342D04F-4D11-41CC-AB66-36041A902B44}" destId="{C8CE6287-76AA-46C4-B478-0F9183DE6118}" srcOrd="0" destOrd="0" presId="urn:microsoft.com/office/officeart/2005/8/layout/lProcess1"/>
+    <dgm:cxn modelId="{6B045370-B4FF-427A-9929-461476AAE193}" srcId="{516A4DDC-76BD-494E-B503-625555CCBC4A}" destId="{CD410504-9F7F-47AE-B46E-CE985680360F}" srcOrd="0" destOrd="0" parTransId="{995C4470-49EF-4BD9-B00A-AD612181AB58}" sibTransId="{2B847D36-6E88-4DD3-AABD-579C99426233}"/>
+    <dgm:cxn modelId="{0DC50B81-769A-4AC7-8C73-8EF8D8334AA1}" srcId="{EA587102-578B-46F3-8D9E-CEC48527A898}" destId="{038F6A6A-232A-44A4-9628-ADFA8F068F81}" srcOrd="0" destOrd="0" parTransId="{403B4542-B2F8-496D-BBEA-3A684B1106F9}" sibTransId="{ABE7D012-6867-48DA-AF76-FDB8ECBB944D}"/>
+    <dgm:cxn modelId="{EF5E21E6-CC69-47D7-95D8-FB2CCC23193D}" type="presOf" srcId="{E373698D-1356-47A7-A591-B72BFE77C3D1}" destId="{E7F7C4A8-2F3A-49BA-B2E4-CF48FCA5D8D8}" srcOrd="0" destOrd="0" presId="urn:microsoft.com/office/officeart/2005/8/layout/lProcess1"/>
+    <dgm:cxn modelId="{B767AB03-F7F7-492B-8158-C75E1682A10F}" srcId="{EA587102-578B-46F3-8D9E-CEC48527A898}" destId="{15982A38-A73B-4943-B138-EA0EAB77BC29}" srcOrd="1" destOrd="0" parTransId="{7CBA4BA7-B8C9-4EC9-9C51-4E810224FE14}" sibTransId="{9295158E-0763-4655-AD0E-61686A560F58}"/>
+    <dgm:cxn modelId="{20E91086-4757-4CF3-9C35-102C5A4D0079}" type="presOf" srcId="{403B4542-B2F8-496D-BBEA-3A684B1106F9}" destId="{BF9CEF10-4726-4D20-AC2F-85DE706D0D00}" srcOrd="0" destOrd="0" presId="urn:microsoft.com/office/officeart/2005/8/layout/lProcess1"/>
     <dgm:cxn modelId="{F0586601-9ACD-4FBD-BD5A-48D73FF14301}" type="presOf" srcId="{516A4DDC-76BD-494E-B503-625555CCBC4A}" destId="{9BBCF6CE-E750-48B6-B333-305BBB100737}" srcOrd="0" destOrd="0" presId="urn:microsoft.com/office/officeart/2005/8/layout/lProcess1"/>
-    <dgm:cxn modelId="{B767AB03-F7F7-492B-8158-C75E1682A10F}" srcId="{EA587102-578B-46F3-8D9E-CEC48527A898}" destId="{15982A38-A73B-4943-B138-EA0EAB77BC29}" srcOrd="1" destOrd="0" parTransId="{7CBA4BA7-B8C9-4EC9-9C51-4E810224FE14}" sibTransId="{9295158E-0763-4655-AD0E-61686A560F58}"/>
-    <dgm:cxn modelId="{25B66A08-E57F-429F-A076-5691EC284D95}" type="presOf" srcId="{33BF0E2A-2B00-40A5-832E-FC800DCA5982}" destId="{73DBFA1A-3823-4209-9CD6-DBDD456F39FB}" srcOrd="0" destOrd="0" presId="urn:microsoft.com/office/officeart/2005/8/layout/lProcess1"/>
+    <dgm:cxn modelId="{A7B8947C-EA6E-47DE-814B-A0994EFA8C28}" srcId="{C53CC6D8-DEFC-45FD-8207-E1ECCC27EA85}" destId="{EA587102-578B-46F3-8D9E-CEC48527A898}" srcOrd="2" destOrd="0" parTransId="{5B4D99EA-4A7D-4EFB-95FC-BCCF98693CA7}" sibTransId="{8D504E2C-8A70-4591-8ECD-4A886FADED33}"/>
+    <dgm:cxn modelId="{73058351-9FAC-4F4F-A5FB-FC365EDF9D02}" type="presOf" srcId="{C53CC6D8-DEFC-45FD-8207-E1ECCC27EA85}" destId="{22D8E0AF-322E-4A8E-BC3C-6E9E9A51F58F}" srcOrd="0" destOrd="0" presId="urn:microsoft.com/office/officeart/2005/8/layout/lProcess1"/>
+    <dgm:cxn modelId="{AC32EC95-E874-4C4E-AF61-58E99EE59A51}" type="presOf" srcId="{C4FF5CFA-9CEF-4C34-984A-CC28F232798F}" destId="{459BBFF8-CE50-41AE-9B5E-F6026BBE4F45}" srcOrd="0" destOrd="0" presId="urn:microsoft.com/office/officeart/2005/8/layout/lProcess1"/>
+    <dgm:cxn modelId="{9C706988-580C-4829-94E8-BE4491FF0228}" type="presOf" srcId="{995C4470-49EF-4BD9-B00A-AD612181AB58}" destId="{1B1F80F4-E9A5-4A99-A630-6548067B7CB5}" srcOrd="0" destOrd="0" presId="urn:microsoft.com/office/officeart/2005/8/layout/lProcess1"/>
+    <dgm:cxn modelId="{3EF97A2F-4200-46E4-86EB-19980AD436FE}" type="presOf" srcId="{CD410504-9F7F-47AE-B46E-CE985680360F}" destId="{85447532-8740-4202-B6A5-AE63748B9291}" srcOrd="0" destOrd="0" presId="urn:microsoft.com/office/officeart/2005/8/layout/lProcess1"/>
+    <dgm:cxn modelId="{70C18AF9-2F24-4A50-9785-941DE7FE4B31}" type="presOf" srcId="{2B847D36-6E88-4DD3-AABD-579C99426233}" destId="{7CAEA63C-96B5-40D4-900F-409598FDB0C1}" srcOrd="0" destOrd="0" presId="urn:microsoft.com/office/officeart/2005/8/layout/lProcess1"/>
+    <dgm:cxn modelId="{710659EC-6706-425F-81BB-5F1E070F7D4D}" srcId="{516A4DDC-76BD-494E-B503-625555CCBC4A}" destId="{C4FF5CFA-9CEF-4C34-984A-CC28F232798F}" srcOrd="1" destOrd="0" parTransId="{92813948-C227-4EB2-8530-43003E3CB375}" sibTransId="{B551F8FA-E415-4EE1-BA68-D13E7D2E980B}"/>
+    <dgm:cxn modelId="{AEAE8CB6-1B26-4996-A549-ADEFF4BF9B7B}" type="presOf" srcId="{41E3B52E-71B8-4BD0-B1ED-D051FFB12506}" destId="{09ADE9CE-20B7-4A4E-BED6-D56E4ED1D855}" srcOrd="0" destOrd="0" presId="urn:microsoft.com/office/officeart/2005/8/layout/lProcess1"/>
+    <dgm:cxn modelId="{D2430375-0F29-4591-AAE4-CB3B30C4B793}" type="presOf" srcId="{EA587102-578B-46F3-8D9E-CEC48527A898}" destId="{67971461-EE07-4B5E-A0C3-A166C6559682}" srcOrd="0" destOrd="0" presId="urn:microsoft.com/office/officeart/2005/8/layout/lProcess1"/>
+    <dgm:cxn modelId="{60A6E07E-63FF-4C81-A385-5E00467DE9D8}" type="presOf" srcId="{F7CED298-1605-4B60-9FC8-0A4C25C5AA00}" destId="{9A5E1799-26FB-4959-97AA-0FCC22761318}" srcOrd="0" destOrd="0" presId="urn:microsoft.com/office/officeart/2005/8/layout/lProcess1"/>
     <dgm:cxn modelId="{D8B46E14-EE50-493C-A469-7E70E63B953B}" type="presOf" srcId="{15982A38-A73B-4943-B138-EA0EAB77BC29}" destId="{2985E292-795D-4403-BD7F-3A17BE0B21A7}" srcOrd="0" destOrd="0" presId="urn:microsoft.com/office/officeart/2005/8/layout/lProcess1"/>
-    <dgm:cxn modelId="{206D6826-92C5-4EEE-A28E-254E966FF0A0}" srcId="{516A4DDC-76BD-494E-B503-625555CCBC4A}" destId="{F7CED298-1605-4B60-9FC8-0A4C25C5AA00}" srcOrd="2" destOrd="0" parTransId="{618E2D9E-4CAE-48D5-9A0F-94DAE74A2D69}" sibTransId="{1009FF03-5F93-449C-AF20-55447EEE50AB}"/>
-    <dgm:cxn modelId="{D22C632F-8F8B-48FF-A898-48FD446A5F78}" srcId="{41E3B52E-71B8-4BD0-B1ED-D051FFB12506}" destId="{CAE20587-4D50-4B6B-A17D-199722D630E2}" srcOrd="2" destOrd="0" parTransId="{6CEBC692-6F9A-47B4-948E-5AEB8FCFD251}" sibTransId="{7656320D-CC13-4DD7-8A30-F9FDC84AC6F2}"/>
-    <dgm:cxn modelId="{3EF97A2F-4200-46E4-86EB-19980AD436FE}" type="presOf" srcId="{CD410504-9F7F-47AE-B46E-CE985680360F}" destId="{85447532-8740-4202-B6A5-AE63748B9291}" srcOrd="0" destOrd="0" presId="urn:microsoft.com/office/officeart/2005/8/layout/lProcess1"/>
-    <dgm:cxn modelId="{28FAA735-D033-4888-A512-CA0B0DC5D34E}" type="presOf" srcId="{B551F8FA-E415-4EE1-BA68-D13E7D2E980B}" destId="{A65C4264-24F4-4122-844B-F5E582EC0111}" srcOrd="0" destOrd="0" presId="urn:microsoft.com/office/officeart/2005/8/layout/lProcess1"/>
-    <dgm:cxn modelId="{6B045370-B4FF-427A-9929-461476AAE193}" srcId="{516A4DDC-76BD-494E-B503-625555CCBC4A}" destId="{CD410504-9F7F-47AE-B46E-CE985680360F}" srcOrd="0" destOrd="0" parTransId="{995C4470-49EF-4BD9-B00A-AD612181AB58}" sibTransId="{2B847D36-6E88-4DD3-AABD-579C99426233}"/>
-    <dgm:cxn modelId="{0F0D3551-AF94-422C-87FE-80E4E27CB025}" srcId="{C53CC6D8-DEFC-45FD-8207-E1ECCC27EA85}" destId="{41E3B52E-71B8-4BD0-B1ED-D051FFB12506}" srcOrd="1" destOrd="0" parTransId="{DA206B73-34B1-48E4-A513-9978853BF217}" sibTransId="{2436D701-8B79-4C2B-92A4-52BC1BA24775}"/>
-    <dgm:cxn modelId="{73058351-9FAC-4F4F-A5FB-FC365EDF9D02}" type="presOf" srcId="{C53CC6D8-DEFC-45FD-8207-E1ECCC27EA85}" destId="{22D8E0AF-322E-4A8E-BC3C-6E9E9A51F58F}" srcOrd="0" destOrd="0" presId="urn:microsoft.com/office/officeart/2005/8/layout/lProcess1"/>
-    <dgm:cxn modelId="{D2430375-0F29-4591-AAE4-CB3B30C4B793}" type="presOf" srcId="{EA587102-578B-46F3-8D9E-CEC48527A898}" destId="{67971461-EE07-4B5E-A0C3-A166C6559682}" srcOrd="0" destOrd="0" presId="urn:microsoft.com/office/officeart/2005/8/layout/lProcess1"/>
-    <dgm:cxn modelId="{7B595755-BE81-46A0-903D-004D1EF6EE33}" srcId="{C53CC6D8-DEFC-45FD-8207-E1ECCC27EA85}" destId="{516A4DDC-76BD-494E-B503-625555CCBC4A}" srcOrd="0" destOrd="0" parTransId="{133DE2D2-6278-469E-8A80-F71EA996A07A}" sibTransId="{AE4D7DCA-0B66-4207-B896-C721B2CB4C13}"/>
-    <dgm:cxn modelId="{A7B8947C-EA6E-47DE-814B-A0994EFA8C28}" srcId="{C53CC6D8-DEFC-45FD-8207-E1ECCC27EA85}" destId="{EA587102-578B-46F3-8D9E-CEC48527A898}" srcOrd="2" destOrd="0" parTransId="{5B4D99EA-4A7D-4EFB-95FC-BCCF98693CA7}" sibTransId="{8D504E2C-8A70-4591-8ECD-4A886FADED33}"/>
-    <dgm:cxn modelId="{60A6E07E-63FF-4C81-A385-5E00467DE9D8}" type="presOf" srcId="{F7CED298-1605-4B60-9FC8-0A4C25C5AA00}" destId="{9A5E1799-26FB-4959-97AA-0FCC22761318}" srcOrd="0" destOrd="0" presId="urn:microsoft.com/office/officeart/2005/8/layout/lProcess1"/>
-    <dgm:cxn modelId="{0DC50B81-769A-4AC7-8C73-8EF8D8334AA1}" srcId="{EA587102-578B-46F3-8D9E-CEC48527A898}" destId="{038F6A6A-232A-44A4-9628-ADFA8F068F81}" srcOrd="0" destOrd="0" parTransId="{403B4542-B2F8-496D-BBEA-3A684B1106F9}" sibTransId="{ABE7D012-6867-48DA-AF76-FDB8ECBB944D}"/>
-    <dgm:cxn modelId="{0687A885-2354-4E9E-B313-4269283F0057}" srcId="{41E3B52E-71B8-4BD0-B1ED-D051FFB12506}" destId="{5CBEC7DD-A25D-4956-9A65-6EA385F6FCB5}" srcOrd="0" destOrd="0" parTransId="{F342D04F-4D11-41CC-AB66-36041A902B44}" sibTransId="{BD0F67B1-39E4-45ED-9534-FB8F89E8EEF6}"/>
-    <dgm:cxn modelId="{20E91086-4757-4CF3-9C35-102C5A4D0079}" type="presOf" srcId="{403B4542-B2F8-496D-BBEA-3A684B1106F9}" destId="{BF9CEF10-4726-4D20-AC2F-85DE706D0D00}" srcOrd="0" destOrd="0" presId="urn:microsoft.com/office/officeart/2005/8/layout/lProcess1"/>
-    <dgm:cxn modelId="{9C706988-580C-4829-94E8-BE4491FF0228}" type="presOf" srcId="{995C4470-49EF-4BD9-B00A-AD612181AB58}" destId="{1B1F80F4-E9A5-4A99-A630-6548067B7CB5}" srcOrd="0" destOrd="0" presId="urn:microsoft.com/office/officeart/2005/8/layout/lProcess1"/>
-    <dgm:cxn modelId="{F6742589-989F-4466-ABD8-B9A53946EFA3}" type="presOf" srcId="{038F6A6A-232A-44A4-9628-ADFA8F068F81}" destId="{C1386769-D313-4B62-9BE9-A84DD636105E}" srcOrd="0" destOrd="0" presId="urn:microsoft.com/office/officeart/2005/8/layout/lProcess1"/>
-    <dgm:cxn modelId="{5F55A28B-96EB-4565-9919-9E4BDE07F610}" type="presOf" srcId="{F342D04F-4D11-41CC-AB66-36041A902B44}" destId="{C8CE6287-76AA-46C4-B478-0F9183DE6118}" srcOrd="0" destOrd="0" presId="urn:microsoft.com/office/officeart/2005/8/layout/lProcess1"/>
-    <dgm:cxn modelId="{AC32EC95-E874-4C4E-AF61-58E99EE59A51}" type="presOf" srcId="{C4FF5CFA-9CEF-4C34-984A-CC28F232798F}" destId="{459BBFF8-CE50-41AE-9B5E-F6026BBE4F45}" srcOrd="0" destOrd="0" presId="urn:microsoft.com/office/officeart/2005/8/layout/lProcess1"/>
-    <dgm:cxn modelId="{B522739A-4DEE-43CF-9357-A84EF1EEE7ED}" srcId="{41E3B52E-71B8-4BD0-B1ED-D051FFB12506}" destId="{33BF0E2A-2B00-40A5-832E-FC800DCA5982}" srcOrd="1" destOrd="0" parTransId="{F8C31ED9-A2C0-4A09-A419-0AE9A44BB8DF}" sibTransId="{E373698D-1356-47A7-A591-B72BFE77C3D1}"/>
-    <dgm:cxn modelId="{AEAE8CB6-1B26-4996-A549-ADEFF4BF9B7B}" type="presOf" srcId="{41E3B52E-71B8-4BD0-B1ED-D051FFB12506}" destId="{09ADE9CE-20B7-4A4E-BED6-D56E4ED1D855}" srcOrd="0" destOrd="0" presId="urn:microsoft.com/office/officeart/2005/8/layout/lProcess1"/>
-    <dgm:cxn modelId="{541426C5-B997-49AC-A1CD-ABBC86A85301}" type="presOf" srcId="{BD0F67B1-39E4-45ED-9534-FB8F89E8EEF6}" destId="{DDA5CBC7-AA05-481A-A03A-3964C1BBBB5A}" srcOrd="0" destOrd="0" presId="urn:microsoft.com/office/officeart/2005/8/layout/lProcess1"/>
-    <dgm:cxn modelId="{0E9367DA-F3C7-4672-A3E1-FDDD869E15C8}" type="presOf" srcId="{ABE7D012-6867-48DA-AF76-FDB8ECBB944D}" destId="{0C1CAC8B-CC80-49DA-9707-021AB163C55F}" srcOrd="0" destOrd="0" presId="urn:microsoft.com/office/officeart/2005/8/layout/lProcess1"/>
-    <dgm:cxn modelId="{EF5E21E6-CC69-47D7-95D8-FB2CCC23193D}" type="presOf" srcId="{E373698D-1356-47A7-A591-B72BFE77C3D1}" destId="{E7F7C4A8-2F3A-49BA-B2E4-CF48FCA5D8D8}" srcOrd="0" destOrd="0" presId="urn:microsoft.com/office/officeart/2005/8/layout/lProcess1"/>
-    <dgm:cxn modelId="{710659EC-6706-425F-81BB-5F1E070F7D4D}" srcId="{516A4DDC-76BD-494E-B503-625555CCBC4A}" destId="{C4FF5CFA-9CEF-4C34-984A-CC28F232798F}" srcOrd="1" destOrd="0" parTransId="{92813948-C227-4EB2-8530-43003E3CB375}" sibTransId="{B551F8FA-E415-4EE1-BA68-D13E7D2E980B}"/>
-    <dgm:cxn modelId="{9AFC20F2-D5DD-455E-8266-96B58ABE2D49}" type="presOf" srcId="{CAE20587-4D50-4B6B-A17D-199722D630E2}" destId="{68423B8C-DD55-4C1A-86D3-87118415FFA7}" srcOrd="0" destOrd="0" presId="urn:microsoft.com/office/officeart/2005/8/layout/lProcess1"/>
-    <dgm:cxn modelId="{70C18AF9-2F24-4A50-9785-941DE7FE4B31}" type="presOf" srcId="{2B847D36-6E88-4DD3-AABD-579C99426233}" destId="{7CAEA63C-96B5-40D4-900F-409598FDB0C1}" srcOrd="0" destOrd="0" presId="urn:microsoft.com/office/officeart/2005/8/layout/lProcess1"/>
-    <dgm:cxn modelId="{40E743FD-4072-4389-94B0-B65E89259C6B}" type="presOf" srcId="{5CBEC7DD-A25D-4956-9A65-6EA385F6FCB5}" destId="{F7AA6D3E-BCE0-4C06-B101-080DA85DCB01}" srcOrd="0" destOrd="0" presId="urn:microsoft.com/office/officeart/2005/8/layout/lProcess1"/>
     <dgm:cxn modelId="{CC00200B-5AB6-421D-A39D-C942C3354FE4}" type="presParOf" srcId="{22D8E0AF-322E-4A8E-BC3C-6E9E9A51F58F}" destId="{B1443ED3-5E34-456D-8CD9-88B600EDA95F}" srcOrd="0" destOrd="0" presId="urn:microsoft.com/office/officeart/2005/8/layout/lProcess1"/>
     <dgm:cxn modelId="{D33AA10B-4ED8-4BB1-9C64-4F52A35D7099}" type="presParOf" srcId="{B1443ED3-5E34-456D-8CD9-88B600EDA95F}" destId="{9BBCF6CE-E750-48B6-B333-305BBB100737}" srcOrd="0" destOrd="0" presId="urn:microsoft.com/office/officeart/2005/8/layout/lProcess1"/>
     <dgm:cxn modelId="{9E37487A-7185-4A70-9AC4-9659B92F531E}" type="presParOf" srcId="{B1443ED3-5E34-456D-8CD9-88B600EDA95F}" destId="{1B1F80F4-E9A5-4A99-A630-6548067B7CB5}" srcOrd="1" destOrd="0" presId="urn:microsoft.com/office/officeart/2005/8/layout/lProcess1"/>
@@ -1683,7 +1843,7 @@
         </a:bodyPr>
         <a:lstStyle/>
         <a:p>
-          <a:pPr marL="0" lvl="0" indent="0" algn="ctr" defTabSz="1244600" rtl="0">
+          <a:pPr lvl="0" algn="ctr" defTabSz="1244600" rtl="0">
             <a:lnSpc>
               <a:spcPct val="90000"/>
             </a:lnSpc>
@@ -1693,7 +1853,6 @@
             <a:spcAft>
               <a:spcPct val="35000"/>
             </a:spcAft>
-            <a:buNone/>
           </a:pPr>
           <a:r>
             <a:rPr lang="en-US" altLang="ko-KR" sz="2800" kern="1200" noProof="0" dirty="0">
@@ -1849,7 +2008,7 @@
         </a:bodyPr>
         <a:lstStyle/>
         <a:p>
-          <a:pPr marL="0" lvl="0" indent="0" algn="ctr" defTabSz="1066800" rtl="0">
+          <a:pPr lvl="0" algn="ctr" defTabSz="1066800" rtl="0">
             <a:lnSpc>
               <a:spcPct val="90000"/>
             </a:lnSpc>
@@ -1859,7 +2018,6 @@
             <a:spcAft>
               <a:spcPct val="35000"/>
             </a:spcAft>
-            <a:buNone/>
           </a:pPr>
           <a:r>
             <a:rPr lang="ko-KR" altLang="en-US" sz="2400" kern="1200" noProof="0" dirty="0">
@@ -2011,7 +2169,7 @@
         </a:bodyPr>
         <a:lstStyle/>
         <a:p>
-          <a:pPr marL="0" lvl="0" indent="0" algn="ctr" defTabSz="1066800" rtl="0">
+          <a:pPr lvl="0" algn="ctr" defTabSz="1066800" rtl="0">
             <a:lnSpc>
               <a:spcPct val="90000"/>
             </a:lnSpc>
@@ -2021,7 +2179,6 @@
             <a:spcAft>
               <a:spcPct val="35000"/>
             </a:spcAft>
-            <a:buNone/>
           </a:pPr>
           <a:r>
             <a:rPr lang="ko-KR" altLang="en-US" sz="2400" kern="1200" noProof="0" dirty="0">
@@ -2173,7 +2330,7 @@
         </a:bodyPr>
         <a:lstStyle/>
         <a:p>
-          <a:pPr marL="0" lvl="0" indent="0" algn="ctr" defTabSz="1066800" rtl="0">
+          <a:pPr lvl="0" algn="ctr" defTabSz="1066800" rtl="0">
             <a:lnSpc>
               <a:spcPct val="90000"/>
             </a:lnSpc>
@@ -2183,7 +2340,6 @@
             <a:spcAft>
               <a:spcPct val="35000"/>
             </a:spcAft>
-            <a:buNone/>
           </a:pPr>
           <a:r>
             <a:rPr lang="ko-KR" altLang="en-US" sz="2400" kern="1200" noProof="0" dirty="0">
@@ -2277,7 +2433,7 @@
         </a:bodyPr>
         <a:lstStyle/>
         <a:p>
-          <a:pPr marL="0" lvl="0" indent="0" algn="ctr" defTabSz="1244600" rtl="0">
+          <a:pPr lvl="0" algn="ctr" defTabSz="1244600" rtl="0">
             <a:lnSpc>
               <a:spcPct val="90000"/>
             </a:lnSpc>
@@ -2287,7 +2443,6 @@
             <a:spcAft>
               <a:spcPct val="35000"/>
             </a:spcAft>
-            <a:buNone/>
           </a:pPr>
           <a:r>
             <a:rPr lang="en-US" altLang="ko-KR" sz="2800" kern="1200" noProof="0" dirty="0">
@@ -2443,7 +2598,7 @@
         </a:bodyPr>
         <a:lstStyle/>
         <a:p>
-          <a:pPr marL="0" lvl="0" indent="0" algn="ctr" defTabSz="1066800" rtl="0">
+          <a:pPr lvl="0" algn="ctr" defTabSz="1066800" rtl="0">
             <a:lnSpc>
               <a:spcPct val="90000"/>
             </a:lnSpc>
@@ -2453,7 +2608,6 @@
             <a:spcAft>
               <a:spcPct val="35000"/>
             </a:spcAft>
-            <a:buNone/>
           </a:pPr>
           <a:r>
             <a:rPr lang="ko-KR" altLang="en-US" sz="2400" kern="1200" noProof="0" dirty="0">
@@ -2605,7 +2759,7 @@
         </a:bodyPr>
         <a:lstStyle/>
         <a:p>
-          <a:pPr marL="0" lvl="0" indent="0" algn="ctr" defTabSz="1066800" rtl="0">
+          <a:pPr lvl="0" algn="ctr" defTabSz="1066800" rtl="0">
             <a:lnSpc>
               <a:spcPct val="90000"/>
             </a:lnSpc>
@@ -2615,7 +2769,6 @@
             <a:spcAft>
               <a:spcPct val="35000"/>
             </a:spcAft>
-            <a:buNone/>
           </a:pPr>
           <a:r>
             <a:rPr lang="ko-KR" altLang="en-US" sz="2400" kern="1200" noProof="0" dirty="0">
@@ -2767,7 +2920,7 @@
         </a:bodyPr>
         <a:lstStyle/>
         <a:p>
-          <a:pPr marL="0" lvl="0" indent="0" algn="ctr" defTabSz="1066800" rtl="0">
+          <a:pPr lvl="0" algn="ctr" defTabSz="1066800" rtl="0">
             <a:lnSpc>
               <a:spcPct val="90000"/>
             </a:lnSpc>
@@ -2777,7 +2930,6 @@
             <a:spcAft>
               <a:spcPct val="35000"/>
             </a:spcAft>
-            <a:buNone/>
           </a:pPr>
           <a:r>
             <a:rPr lang="ko-KR" altLang="en-US" sz="2400" kern="1200" noProof="0" dirty="0">
@@ -2871,7 +3023,7 @@
         </a:bodyPr>
         <a:lstStyle/>
         <a:p>
-          <a:pPr marL="0" lvl="0" indent="0" algn="ctr" defTabSz="1244600" rtl="0">
+          <a:pPr lvl="0" algn="ctr" defTabSz="1244600" rtl="0">
             <a:lnSpc>
               <a:spcPct val="90000"/>
             </a:lnSpc>
@@ -2881,7 +3033,6 @@
             <a:spcAft>
               <a:spcPct val="35000"/>
             </a:spcAft>
-            <a:buNone/>
           </a:pPr>
           <a:r>
             <a:rPr lang="en-US" altLang="ko-KR" sz="2800" kern="1200" noProof="0" dirty="0">
@@ -3037,7 +3188,7 @@
         </a:bodyPr>
         <a:lstStyle/>
         <a:p>
-          <a:pPr marL="0" lvl="0" indent="0" algn="ctr" defTabSz="1066800" rtl="0">
+          <a:pPr lvl="0" algn="ctr" defTabSz="1066800" rtl="0">
             <a:lnSpc>
               <a:spcPct val="90000"/>
             </a:lnSpc>
@@ -3047,7 +3198,6 @@
             <a:spcAft>
               <a:spcPct val="35000"/>
             </a:spcAft>
-            <a:buNone/>
           </a:pPr>
           <a:r>
             <a:rPr lang="ko-KR" altLang="en-US" sz="2400" kern="1200" noProof="0" dirty="0">
@@ -3199,7 +3349,7 @@
         </a:bodyPr>
         <a:lstStyle/>
         <a:p>
-          <a:pPr marL="0" lvl="0" indent="0" algn="ctr" defTabSz="1066800" rtl="0">
+          <a:pPr lvl="0" algn="ctr" defTabSz="1066800" rtl="0">
             <a:lnSpc>
               <a:spcPct val="90000"/>
             </a:lnSpc>
@@ -3209,7 +3359,6 @@
             <a:spcAft>
               <a:spcPct val="35000"/>
             </a:spcAft>
-            <a:buNone/>
           </a:pPr>
           <a:r>
             <a:rPr lang="ko-KR" altLang="en-US" sz="2400" kern="1200" noProof="0" dirty="0">
@@ -9351,7 +9500,7 @@
   </p:txStyles>
   <p:extLst mod="1">
     <p:ext uri="{27BBF7A9-308A-43DC-89C8-2F10F3537804}">
-      <p15:sldGuideLst xmlns:p15="http://schemas.microsoft.com/office/powerpoint/2012/main">
+      <p15:sldGuideLst xmlns:p15="http://schemas.microsoft.com/office/powerpoint/2012/main" xmlns="">
         <p15:guide id="1" orient="horz" pos="2160">
           <p15:clr>
             <a:srgbClr val="F26B43"/>
@@ -9456,6 +9605,13 @@
       </p:transition>
     </mc:Fallback>
   </mc:AlternateContent>
+  <p:timing>
+    <p:tnLst>
+      <p:par>
+        <p:cTn id="1" dur="indefinite" restart="never" nodeType="tmRoot"/>
+      </p:par>
+    </p:tnLst>
+  </p:timing>
 </p:sld>
 </file>
 
@@ -9512,7 +9668,7 @@
             <a:hlinkClick r:id="" action="ppaction://media"/>
             <a:extLst>
               <a:ext uri="{FF2B5EF4-FFF2-40B4-BE49-F238E27FC236}">
-                <a16:creationId xmlns:a16="http://schemas.microsoft.com/office/drawing/2014/main" id="{8D6FDD51-D197-4803-B1A4-601271494239}"/>
+                <a16:creationId xmlns:a16="http://schemas.microsoft.com/office/drawing/2014/main" xmlns="" id="{8D6FDD51-D197-4803-B1A4-601271494239}"/>
               </a:ext>
             </a:extLst>
           </p:cNvPr>
@@ -9569,7 +9725,7 @@
             <a:hlinkClick r:id="" action="ppaction://media"/>
             <a:extLst>
               <a:ext uri="{FF2B5EF4-FFF2-40B4-BE49-F238E27FC236}">
-                <a16:creationId xmlns:a16="http://schemas.microsoft.com/office/drawing/2014/main" id="{E86C03D8-573C-4903-A312-CB6EEB344F38}"/>
+                <a16:creationId xmlns:a16="http://schemas.microsoft.com/office/drawing/2014/main" xmlns="" id="{E86C03D8-573C-4903-A312-CB6EEB344F38}"/>
               </a:ext>
             </a:extLst>
           </p:cNvPr>
@@ -9623,6 +9779,25 @@
   <p:clrMapOvr>
     <a:masterClrMapping/>
   </p:clrMapOvr>
+  <mc:AlternateContent xmlns:mc="http://schemas.openxmlformats.org/markup-compatibility/2006">
+    <mc:Choice xmlns:p14="http://schemas.microsoft.com/office/powerpoint/2010/main" Requires="p14">
+      <p:transition spd="med" p14:dur="700">
+        <p:fade/>
+      </p:transition>
+    </mc:Choice>
+    <mc:Fallback>
+      <p:transition spd="med">
+        <p:fade/>
+      </p:transition>
+    </mc:Fallback>
+  </mc:AlternateContent>
+  <p:timing>
+    <p:tnLst>
+      <p:par>
+        <p:cTn id="1" dur="indefinite" restart="never" nodeType="tmRoot"/>
+      </p:par>
+    </p:tnLst>
+  </p:timing>
 </p:sld>
 </file>
 
@@ -9678,7 +9853,7 @@
           <p:cNvPr id="3" name="내용 개체 틀 13">
             <a:extLst>
               <a:ext uri="{FF2B5EF4-FFF2-40B4-BE49-F238E27FC236}">
-                <a16:creationId xmlns:a16="http://schemas.microsoft.com/office/drawing/2014/main" id="{224AD9A3-2E6C-431D-97B7-D3C15271C81C}"/>
+                <a16:creationId xmlns:a16="http://schemas.microsoft.com/office/drawing/2014/main" xmlns="" id="{224AD9A3-2E6C-431D-97B7-D3C15271C81C}"/>
               </a:ext>
             </a:extLst>
           </p:cNvPr>
@@ -9935,6 +10110,25 @@
   <p:clrMapOvr>
     <a:masterClrMapping/>
   </p:clrMapOvr>
+  <mc:AlternateContent xmlns:mc="http://schemas.openxmlformats.org/markup-compatibility/2006">
+    <mc:Choice xmlns:p14="http://schemas.microsoft.com/office/powerpoint/2010/main" Requires="p14">
+      <p:transition spd="med" p14:dur="700">
+        <p:fade/>
+      </p:transition>
+    </mc:Choice>
+    <mc:Fallback>
+      <p:transition spd="med">
+        <p:fade/>
+      </p:transition>
+    </mc:Fallback>
+  </mc:AlternateContent>
+  <p:timing>
+    <p:tnLst>
+      <p:par>
+        <p:cTn id="1" dur="indefinite" restart="never" nodeType="tmRoot"/>
+      </p:par>
+    </p:tnLst>
+  </p:timing>
 </p:sld>
 </file>
 
@@ -9990,7 +10184,7 @@
           <p:cNvPr id="3" name="내용 개체 틀 13">
             <a:extLst>
               <a:ext uri="{FF2B5EF4-FFF2-40B4-BE49-F238E27FC236}">
-                <a16:creationId xmlns:a16="http://schemas.microsoft.com/office/drawing/2014/main" id="{224AD9A3-2E6C-431D-97B7-D3C15271C81C}"/>
+                <a16:creationId xmlns:a16="http://schemas.microsoft.com/office/drawing/2014/main" xmlns="" id="{224AD9A3-2E6C-431D-97B7-D3C15271C81C}"/>
               </a:ext>
             </a:extLst>
           </p:cNvPr>
@@ -10244,6 +10438,25 @@
   <p:clrMapOvr>
     <a:masterClrMapping/>
   </p:clrMapOvr>
+  <mc:AlternateContent xmlns:mc="http://schemas.openxmlformats.org/markup-compatibility/2006">
+    <mc:Choice xmlns:p14="http://schemas.microsoft.com/office/powerpoint/2010/main" Requires="p14">
+      <p:transition spd="med" p14:dur="700">
+        <p:fade/>
+      </p:transition>
+    </mc:Choice>
+    <mc:Fallback>
+      <p:transition spd="med">
+        <p:fade/>
+      </p:transition>
+    </mc:Fallback>
+  </mc:AlternateContent>
+  <p:timing>
+    <p:tnLst>
+      <p:par>
+        <p:cTn id="1" dur="indefinite" restart="never" nodeType="tmRoot"/>
+      </p:par>
+    </p:tnLst>
+  </p:timing>
 </p:sld>
 </file>
 
@@ -10326,6 +10539,25 @@
   <p:clrMapOvr>
     <a:masterClrMapping/>
   </p:clrMapOvr>
+  <mc:AlternateContent xmlns:mc="http://schemas.openxmlformats.org/markup-compatibility/2006">
+    <mc:Choice xmlns:p14="http://schemas.microsoft.com/office/powerpoint/2010/main" Requires="p14">
+      <p:transition spd="med" p14:dur="700">
+        <p:fade/>
+      </p:transition>
+    </mc:Choice>
+    <mc:Fallback>
+      <p:transition spd="med">
+        <p:fade/>
+      </p:transition>
+    </mc:Fallback>
+  </mc:AlternateContent>
+  <p:timing>
+    <p:tnLst>
+      <p:par>
+        <p:cTn id="1" dur="indefinite" restart="never" nodeType="tmRoot"/>
+      </p:par>
+    </p:tnLst>
+  </p:timing>
 </p:sld>
 </file>
 
@@ -10472,6 +10704,25 @@
   <p:clrMapOvr>
     <a:masterClrMapping/>
   </p:clrMapOvr>
+  <mc:AlternateContent xmlns:mc="http://schemas.openxmlformats.org/markup-compatibility/2006">
+    <mc:Choice xmlns:p14="http://schemas.microsoft.com/office/powerpoint/2010/main" Requires="p14">
+      <p:transition spd="med" p14:dur="700">
+        <p:fade/>
+      </p:transition>
+    </mc:Choice>
+    <mc:Fallback>
+      <p:transition spd="med">
+        <p:fade/>
+      </p:transition>
+    </mc:Fallback>
+  </mc:AlternateContent>
+  <p:timing>
+    <p:tnLst>
+      <p:par>
+        <p:cTn id="1" dur="indefinite" restart="never" nodeType="tmRoot"/>
+      </p:par>
+    </p:tnLst>
+  </p:timing>
 </p:sld>
 </file>
 
@@ -10497,7 +10748,7 @@
           <p:cNvPr id="74" name="그림 73">
             <a:extLst>
               <a:ext uri="{FF2B5EF4-FFF2-40B4-BE49-F238E27FC236}">
-                <a16:creationId xmlns:a16="http://schemas.microsoft.com/office/drawing/2014/main" id="{076F079D-B80B-4687-AE91-EAFDFA596061}"/>
+                <a16:creationId xmlns:a16="http://schemas.microsoft.com/office/drawing/2014/main" xmlns="" id="{076F079D-B80B-4687-AE91-EAFDFA596061}"/>
               </a:ext>
             </a:extLst>
           </p:cNvPr>
@@ -10559,7 +10810,7 @@
           <p:cNvPr id="3" name="그룹 2">
             <a:extLst>
               <a:ext uri="{FF2B5EF4-FFF2-40B4-BE49-F238E27FC236}">
-                <a16:creationId xmlns:a16="http://schemas.microsoft.com/office/drawing/2014/main" id="{63DC3C39-7014-4740-8EBB-DE478F769BA3}"/>
+                <a16:creationId xmlns:a16="http://schemas.microsoft.com/office/drawing/2014/main" xmlns="" id="{63DC3C39-7014-4740-8EBB-DE478F769BA3}"/>
               </a:ext>
             </a:extLst>
           </p:cNvPr>
@@ -10579,7 +10830,7 @@
             <p:cNvPr id="4" name="직사각형 3">
               <a:extLst>
                 <a:ext uri="{FF2B5EF4-FFF2-40B4-BE49-F238E27FC236}">
-                  <a16:creationId xmlns:a16="http://schemas.microsoft.com/office/drawing/2014/main" id="{F4FE8683-2D0D-4CC6-872E-2190592A4C33}"/>
+                  <a16:creationId xmlns:a16="http://schemas.microsoft.com/office/drawing/2014/main" xmlns="" id="{F4FE8683-2D0D-4CC6-872E-2190592A4C33}"/>
                 </a:ext>
               </a:extLst>
             </p:cNvPr>
@@ -10625,7 +10876,7 @@
             <p:cNvPr id="5" name="직사각형 4">
               <a:extLst>
                 <a:ext uri="{FF2B5EF4-FFF2-40B4-BE49-F238E27FC236}">
-                  <a16:creationId xmlns:a16="http://schemas.microsoft.com/office/drawing/2014/main" id="{D3AB28D5-AA07-4370-9D94-8CD2D0228C5D}"/>
+                  <a16:creationId xmlns:a16="http://schemas.microsoft.com/office/drawing/2014/main" xmlns="" id="{D3AB28D5-AA07-4370-9D94-8CD2D0228C5D}"/>
                 </a:ext>
               </a:extLst>
             </p:cNvPr>
@@ -10679,7 +10930,7 @@
             <p:cNvPr id="6" name="직사각형 5">
               <a:extLst>
                 <a:ext uri="{FF2B5EF4-FFF2-40B4-BE49-F238E27FC236}">
-                  <a16:creationId xmlns:a16="http://schemas.microsoft.com/office/drawing/2014/main" id="{7B3DF2C5-3A6D-450D-8891-A0D9AFB0E608}"/>
+                  <a16:creationId xmlns:a16="http://schemas.microsoft.com/office/drawing/2014/main" xmlns="" id="{7B3DF2C5-3A6D-450D-8891-A0D9AFB0E608}"/>
                 </a:ext>
               </a:extLst>
             </p:cNvPr>
@@ -10733,7 +10984,7 @@
             <p:cNvPr id="7" name="직사각형 6">
               <a:extLst>
                 <a:ext uri="{FF2B5EF4-FFF2-40B4-BE49-F238E27FC236}">
-                  <a16:creationId xmlns:a16="http://schemas.microsoft.com/office/drawing/2014/main" id="{790D3A63-9499-49D2-A4CF-8921DCF3F0CB}"/>
+                  <a16:creationId xmlns:a16="http://schemas.microsoft.com/office/drawing/2014/main" xmlns="" id="{790D3A63-9499-49D2-A4CF-8921DCF3F0CB}"/>
                 </a:ext>
               </a:extLst>
             </p:cNvPr>
@@ -10787,7 +11038,7 @@
             <p:cNvPr id="8" name="직사각형 7">
               <a:extLst>
                 <a:ext uri="{FF2B5EF4-FFF2-40B4-BE49-F238E27FC236}">
-                  <a16:creationId xmlns:a16="http://schemas.microsoft.com/office/drawing/2014/main" id="{F51C4578-CAD8-492B-BB43-BC90A7FB2368}"/>
+                  <a16:creationId xmlns:a16="http://schemas.microsoft.com/office/drawing/2014/main" xmlns="" id="{F51C4578-CAD8-492B-BB43-BC90A7FB2368}"/>
                 </a:ext>
               </a:extLst>
             </p:cNvPr>
@@ -10841,7 +11092,7 @@
             <p:cNvPr id="9" name="직사각형 8">
               <a:extLst>
                 <a:ext uri="{FF2B5EF4-FFF2-40B4-BE49-F238E27FC236}">
-                  <a16:creationId xmlns:a16="http://schemas.microsoft.com/office/drawing/2014/main" id="{7E0FBC51-4E05-4EFC-AE99-D7C605F2B52A}"/>
+                  <a16:creationId xmlns:a16="http://schemas.microsoft.com/office/drawing/2014/main" xmlns="" id="{7E0FBC51-4E05-4EFC-AE99-D7C605F2B52A}"/>
                 </a:ext>
               </a:extLst>
             </p:cNvPr>
@@ -10896,7 +11147,7 @@
           <p:cNvPr id="10" name="Picture 4">
             <a:extLst>
               <a:ext uri="{FF2B5EF4-FFF2-40B4-BE49-F238E27FC236}">
-                <a16:creationId xmlns:a16="http://schemas.microsoft.com/office/drawing/2014/main" id="{E5DF8450-3EFE-4F50-A1D3-D613909339A0}"/>
+                <a16:creationId xmlns:a16="http://schemas.microsoft.com/office/drawing/2014/main" xmlns="" id="{E5DF8450-3EFE-4F50-A1D3-D613909339A0}"/>
               </a:ext>
             </a:extLst>
           </p:cNvPr>
@@ -10940,7 +11191,7 @@
           <p:cNvPr id="71" name="그룹 70">
             <a:extLst>
               <a:ext uri="{FF2B5EF4-FFF2-40B4-BE49-F238E27FC236}">
-                <a16:creationId xmlns:a16="http://schemas.microsoft.com/office/drawing/2014/main" id="{CA923BDC-5FD7-4E88-B5E3-B4A3BE98E803}"/>
+                <a16:creationId xmlns:a16="http://schemas.microsoft.com/office/drawing/2014/main" xmlns="" id="{CA923BDC-5FD7-4E88-B5E3-B4A3BE98E803}"/>
               </a:ext>
             </a:extLst>
           </p:cNvPr>
@@ -10960,7 +11211,7 @@
             <p:cNvPr id="51" name="직사각형 50">
               <a:extLst>
                 <a:ext uri="{FF2B5EF4-FFF2-40B4-BE49-F238E27FC236}">
-                  <a16:creationId xmlns:a16="http://schemas.microsoft.com/office/drawing/2014/main" id="{69E258A0-30F5-4922-AE53-2FD511175043}"/>
+                  <a16:creationId xmlns:a16="http://schemas.microsoft.com/office/drawing/2014/main" xmlns="" id="{69E258A0-30F5-4922-AE53-2FD511175043}"/>
                 </a:ext>
               </a:extLst>
             </p:cNvPr>
@@ -11014,7 +11265,7 @@
             <p:cNvPr id="52" name="직선 연결선 51">
               <a:extLst>
                 <a:ext uri="{FF2B5EF4-FFF2-40B4-BE49-F238E27FC236}">
-                  <a16:creationId xmlns:a16="http://schemas.microsoft.com/office/drawing/2014/main" id="{F6F1C56C-99A6-4FFF-84F3-4A5F3FFDBC22}"/>
+                  <a16:creationId xmlns:a16="http://schemas.microsoft.com/office/drawing/2014/main" xmlns="" id="{F6F1C56C-99A6-4FFF-84F3-4A5F3FFDBC22}"/>
                 </a:ext>
               </a:extLst>
             </p:cNvPr>
@@ -11052,7 +11303,7 @@
             <p:cNvPr id="53" name="직선 연결선 52">
               <a:extLst>
                 <a:ext uri="{FF2B5EF4-FFF2-40B4-BE49-F238E27FC236}">
-                  <a16:creationId xmlns:a16="http://schemas.microsoft.com/office/drawing/2014/main" id="{F33F1117-80A5-4F73-9E8D-47B64EEAF9A6}"/>
+                  <a16:creationId xmlns:a16="http://schemas.microsoft.com/office/drawing/2014/main" xmlns="" id="{F33F1117-80A5-4F73-9E8D-47B64EEAF9A6}"/>
                 </a:ext>
               </a:extLst>
             </p:cNvPr>
@@ -11090,7 +11341,7 @@
             <p:cNvPr id="54" name="직선 연결선 53">
               <a:extLst>
                 <a:ext uri="{FF2B5EF4-FFF2-40B4-BE49-F238E27FC236}">
-                  <a16:creationId xmlns:a16="http://schemas.microsoft.com/office/drawing/2014/main" id="{2597E936-22D5-434E-A00B-145B2ABE5C2D}"/>
+                  <a16:creationId xmlns:a16="http://schemas.microsoft.com/office/drawing/2014/main" xmlns="" id="{2597E936-22D5-434E-A00B-145B2ABE5C2D}"/>
                 </a:ext>
               </a:extLst>
             </p:cNvPr>
@@ -11128,7 +11379,7 @@
             <p:cNvPr id="55" name="직선 연결선 54">
               <a:extLst>
                 <a:ext uri="{FF2B5EF4-FFF2-40B4-BE49-F238E27FC236}">
-                  <a16:creationId xmlns:a16="http://schemas.microsoft.com/office/drawing/2014/main" id="{85216802-6BF7-4CAC-A0F8-C679C79657A0}"/>
+                  <a16:creationId xmlns:a16="http://schemas.microsoft.com/office/drawing/2014/main" xmlns="" id="{85216802-6BF7-4CAC-A0F8-C679C79657A0}"/>
                 </a:ext>
               </a:extLst>
             </p:cNvPr>
@@ -11166,7 +11417,7 @@
             <p:cNvPr id="56" name="직선 연결선 55">
               <a:extLst>
                 <a:ext uri="{FF2B5EF4-FFF2-40B4-BE49-F238E27FC236}">
-                  <a16:creationId xmlns:a16="http://schemas.microsoft.com/office/drawing/2014/main" id="{6BE72259-1DDA-460F-8C54-D94300A48358}"/>
+                  <a16:creationId xmlns:a16="http://schemas.microsoft.com/office/drawing/2014/main" xmlns="" id="{6BE72259-1DDA-460F-8C54-D94300A48358}"/>
                 </a:ext>
               </a:extLst>
             </p:cNvPr>
@@ -11204,7 +11455,7 @@
             <p:cNvPr id="57" name="타원 56">
               <a:extLst>
                 <a:ext uri="{FF2B5EF4-FFF2-40B4-BE49-F238E27FC236}">
-                  <a16:creationId xmlns:a16="http://schemas.microsoft.com/office/drawing/2014/main" id="{A6B81B4A-3DCD-4897-BA17-930288F06226}"/>
+                  <a16:creationId xmlns:a16="http://schemas.microsoft.com/office/drawing/2014/main" xmlns="" id="{A6B81B4A-3DCD-4897-BA17-930288F06226}"/>
                 </a:ext>
               </a:extLst>
             </p:cNvPr>
@@ -11250,7 +11501,7 @@
             <p:cNvPr id="58" name="직선 연결선 57">
               <a:extLst>
                 <a:ext uri="{FF2B5EF4-FFF2-40B4-BE49-F238E27FC236}">
-                  <a16:creationId xmlns:a16="http://schemas.microsoft.com/office/drawing/2014/main" id="{38458EB2-2FA0-408B-84CB-AC10EB50EF19}"/>
+                  <a16:creationId xmlns:a16="http://schemas.microsoft.com/office/drawing/2014/main" xmlns="" id="{38458EB2-2FA0-408B-84CB-AC10EB50EF19}"/>
                 </a:ext>
               </a:extLst>
             </p:cNvPr>
@@ -11289,7 +11540,7 @@
           <p:cNvPr id="72" name="그림 71">
             <a:extLst>
               <a:ext uri="{FF2B5EF4-FFF2-40B4-BE49-F238E27FC236}">
-                <a16:creationId xmlns:a16="http://schemas.microsoft.com/office/drawing/2014/main" id="{C332FE36-31E5-46A3-A939-5A2E35D0C660}"/>
+                <a16:creationId xmlns:a16="http://schemas.microsoft.com/office/drawing/2014/main" xmlns="" id="{C332FE36-31E5-46A3-A939-5A2E35D0C660}"/>
               </a:ext>
             </a:extLst>
           </p:cNvPr>
@@ -11325,7 +11576,7 @@
           <p:cNvPr id="11" name="그룹 10">
             <a:extLst>
               <a:ext uri="{FF2B5EF4-FFF2-40B4-BE49-F238E27FC236}">
-                <a16:creationId xmlns:a16="http://schemas.microsoft.com/office/drawing/2014/main" id="{7A4DECD6-FB30-42D2-9BF3-EA5CC44CDF68}"/>
+                <a16:creationId xmlns:a16="http://schemas.microsoft.com/office/drawing/2014/main" xmlns="" id="{7A4DECD6-FB30-42D2-9BF3-EA5CC44CDF68}"/>
               </a:ext>
             </a:extLst>
           </p:cNvPr>
@@ -11345,7 +11596,7 @@
             <p:cNvPr id="12" name="직사각형 11">
               <a:extLst>
                 <a:ext uri="{FF2B5EF4-FFF2-40B4-BE49-F238E27FC236}">
-                  <a16:creationId xmlns:a16="http://schemas.microsoft.com/office/drawing/2014/main" id="{4963D34B-9EAF-4686-ACC5-7604878033CE}"/>
+                  <a16:creationId xmlns:a16="http://schemas.microsoft.com/office/drawing/2014/main" xmlns="" id="{4963D34B-9EAF-4686-ACC5-7604878033CE}"/>
                 </a:ext>
               </a:extLst>
             </p:cNvPr>
@@ -11394,7 +11645,7 @@
             <p:cNvPr id="13" name="직선 연결선 12">
               <a:extLst>
                 <a:ext uri="{FF2B5EF4-FFF2-40B4-BE49-F238E27FC236}">
-                  <a16:creationId xmlns:a16="http://schemas.microsoft.com/office/drawing/2014/main" id="{DEEB693C-B67C-4AEE-8588-B75462DA3CB9}"/>
+                  <a16:creationId xmlns:a16="http://schemas.microsoft.com/office/drawing/2014/main" xmlns="" id="{DEEB693C-B67C-4AEE-8588-B75462DA3CB9}"/>
                 </a:ext>
               </a:extLst>
             </p:cNvPr>
@@ -11433,7 +11684,7 @@
             <p:cNvPr id="14" name="직선 연결선 13">
               <a:extLst>
                 <a:ext uri="{FF2B5EF4-FFF2-40B4-BE49-F238E27FC236}">
-                  <a16:creationId xmlns:a16="http://schemas.microsoft.com/office/drawing/2014/main" id="{87666FF6-B020-431C-8754-D696C6C1FF93}"/>
+                  <a16:creationId xmlns:a16="http://schemas.microsoft.com/office/drawing/2014/main" xmlns="" id="{87666FF6-B020-431C-8754-D696C6C1FF93}"/>
                 </a:ext>
               </a:extLst>
             </p:cNvPr>
@@ -11472,7 +11723,7 @@
             <p:cNvPr id="15" name="직선 연결선 14">
               <a:extLst>
                 <a:ext uri="{FF2B5EF4-FFF2-40B4-BE49-F238E27FC236}">
-                  <a16:creationId xmlns:a16="http://schemas.microsoft.com/office/drawing/2014/main" id="{FC1B8570-40F2-4E0A-B6CE-BD35FEEFF4A4}"/>
+                  <a16:creationId xmlns:a16="http://schemas.microsoft.com/office/drawing/2014/main" xmlns="" id="{FC1B8570-40F2-4E0A-B6CE-BD35FEEFF4A4}"/>
                 </a:ext>
               </a:extLst>
             </p:cNvPr>
@@ -11511,7 +11762,7 @@
             <p:cNvPr id="16" name="직선 연결선 15">
               <a:extLst>
                 <a:ext uri="{FF2B5EF4-FFF2-40B4-BE49-F238E27FC236}">
-                  <a16:creationId xmlns:a16="http://schemas.microsoft.com/office/drawing/2014/main" id="{11CE54A4-F788-4229-A484-3844CF7B9681}"/>
+                  <a16:creationId xmlns:a16="http://schemas.microsoft.com/office/drawing/2014/main" xmlns="" id="{11CE54A4-F788-4229-A484-3844CF7B9681}"/>
                 </a:ext>
               </a:extLst>
             </p:cNvPr>
@@ -11550,7 +11801,7 @@
             <p:cNvPr id="17" name="직선 연결선 16">
               <a:extLst>
                 <a:ext uri="{FF2B5EF4-FFF2-40B4-BE49-F238E27FC236}">
-                  <a16:creationId xmlns:a16="http://schemas.microsoft.com/office/drawing/2014/main" id="{6A2AECC4-E30C-4A6E-9616-2EDAA9BEB886}"/>
+                  <a16:creationId xmlns:a16="http://schemas.microsoft.com/office/drawing/2014/main" xmlns="" id="{6A2AECC4-E30C-4A6E-9616-2EDAA9BEB886}"/>
                 </a:ext>
               </a:extLst>
             </p:cNvPr>
@@ -11589,7 +11840,7 @@
             <p:cNvPr id="18" name="직선 연결선 17">
               <a:extLst>
                 <a:ext uri="{FF2B5EF4-FFF2-40B4-BE49-F238E27FC236}">
-                  <a16:creationId xmlns:a16="http://schemas.microsoft.com/office/drawing/2014/main" id="{69BBB2D4-12B3-48A9-B2AA-5BAB03163F67}"/>
+                  <a16:creationId xmlns:a16="http://schemas.microsoft.com/office/drawing/2014/main" xmlns="" id="{69BBB2D4-12B3-48A9-B2AA-5BAB03163F67}"/>
                 </a:ext>
               </a:extLst>
             </p:cNvPr>
@@ -11628,7 +11879,7 @@
             <p:cNvPr id="19" name="직선 연결선 18">
               <a:extLst>
                 <a:ext uri="{FF2B5EF4-FFF2-40B4-BE49-F238E27FC236}">
-                  <a16:creationId xmlns:a16="http://schemas.microsoft.com/office/drawing/2014/main" id="{B5ACBCDC-5DEE-48C2-80B5-03E67C7A59C1}"/>
+                  <a16:creationId xmlns:a16="http://schemas.microsoft.com/office/drawing/2014/main" xmlns="" id="{B5ACBCDC-5DEE-48C2-80B5-03E67C7A59C1}"/>
                 </a:ext>
               </a:extLst>
             </p:cNvPr>
@@ -11667,7 +11918,7 @@
             <p:cNvPr id="20" name="직선 연결선 19">
               <a:extLst>
                 <a:ext uri="{FF2B5EF4-FFF2-40B4-BE49-F238E27FC236}">
-                  <a16:creationId xmlns:a16="http://schemas.microsoft.com/office/drawing/2014/main" id="{ACD1655B-7136-4785-AD17-C982D65D0698}"/>
+                  <a16:creationId xmlns:a16="http://schemas.microsoft.com/office/drawing/2014/main" xmlns="" id="{ACD1655B-7136-4785-AD17-C982D65D0698}"/>
                 </a:ext>
               </a:extLst>
             </p:cNvPr>
@@ -11706,7 +11957,7 @@
             <p:cNvPr id="21" name="직선 연결선 20">
               <a:extLst>
                 <a:ext uri="{FF2B5EF4-FFF2-40B4-BE49-F238E27FC236}">
-                  <a16:creationId xmlns:a16="http://schemas.microsoft.com/office/drawing/2014/main" id="{151BD482-D224-4E58-AC5C-A13EF68BE019}"/>
+                  <a16:creationId xmlns:a16="http://schemas.microsoft.com/office/drawing/2014/main" xmlns="" id="{151BD482-D224-4E58-AC5C-A13EF68BE019}"/>
                 </a:ext>
               </a:extLst>
             </p:cNvPr>
@@ -11745,7 +11996,7 @@
             <p:cNvPr id="22" name="직선 연결선 21">
               <a:extLst>
                 <a:ext uri="{FF2B5EF4-FFF2-40B4-BE49-F238E27FC236}">
-                  <a16:creationId xmlns:a16="http://schemas.microsoft.com/office/drawing/2014/main" id="{5385FF74-D463-403E-B2DC-46BE34E19617}"/>
+                  <a16:creationId xmlns:a16="http://schemas.microsoft.com/office/drawing/2014/main" xmlns="" id="{5385FF74-D463-403E-B2DC-46BE34E19617}"/>
                 </a:ext>
               </a:extLst>
             </p:cNvPr>
@@ -11784,7 +12035,7 @@
             <p:cNvPr id="23" name="원호 22">
               <a:extLst>
                 <a:ext uri="{FF2B5EF4-FFF2-40B4-BE49-F238E27FC236}">
-                  <a16:creationId xmlns:a16="http://schemas.microsoft.com/office/drawing/2014/main" id="{6A9776BD-D686-4581-938F-077AD5933EF9}"/>
+                  <a16:creationId xmlns:a16="http://schemas.microsoft.com/office/drawing/2014/main" xmlns="" id="{6A9776BD-D686-4581-938F-077AD5933EF9}"/>
                 </a:ext>
               </a:extLst>
             </p:cNvPr>
@@ -11831,7 +12082,7 @@
             <p:cNvPr id="24" name="원호 23">
               <a:extLst>
                 <a:ext uri="{FF2B5EF4-FFF2-40B4-BE49-F238E27FC236}">
-                  <a16:creationId xmlns:a16="http://schemas.microsoft.com/office/drawing/2014/main" id="{A18CFB56-4FF5-49D0-A418-CAF132E64769}"/>
+                  <a16:creationId xmlns:a16="http://schemas.microsoft.com/office/drawing/2014/main" xmlns="" id="{A18CFB56-4FF5-49D0-A418-CAF132E64769}"/>
                 </a:ext>
               </a:extLst>
             </p:cNvPr>
@@ -11878,7 +12129,7 @@
             <p:cNvPr id="25" name="원호 24">
               <a:extLst>
                 <a:ext uri="{FF2B5EF4-FFF2-40B4-BE49-F238E27FC236}">
-                  <a16:creationId xmlns:a16="http://schemas.microsoft.com/office/drawing/2014/main" id="{1D100791-675C-44E7-86F3-D8BAB11D09C7}"/>
+                  <a16:creationId xmlns:a16="http://schemas.microsoft.com/office/drawing/2014/main" xmlns="" id="{1D100791-675C-44E7-86F3-D8BAB11D09C7}"/>
                 </a:ext>
               </a:extLst>
             </p:cNvPr>
@@ -11925,7 +12176,7 @@
             <p:cNvPr id="26" name="원호 25">
               <a:extLst>
                 <a:ext uri="{FF2B5EF4-FFF2-40B4-BE49-F238E27FC236}">
-                  <a16:creationId xmlns:a16="http://schemas.microsoft.com/office/drawing/2014/main" id="{5B90A112-23FB-4568-B02D-DEF800AA6034}"/>
+                  <a16:creationId xmlns:a16="http://schemas.microsoft.com/office/drawing/2014/main" xmlns="" id="{5B90A112-23FB-4568-B02D-DEF800AA6034}"/>
                 </a:ext>
               </a:extLst>
             </p:cNvPr>
@@ -11972,7 +12223,7 @@
             <p:cNvPr id="27" name="원호 26">
               <a:extLst>
                 <a:ext uri="{FF2B5EF4-FFF2-40B4-BE49-F238E27FC236}">
-                  <a16:creationId xmlns:a16="http://schemas.microsoft.com/office/drawing/2014/main" id="{AA9A6734-BC36-4789-9606-320B9D6432DD}"/>
+                  <a16:creationId xmlns:a16="http://schemas.microsoft.com/office/drawing/2014/main" xmlns="" id="{AA9A6734-BC36-4789-9606-320B9D6432DD}"/>
                 </a:ext>
               </a:extLst>
             </p:cNvPr>
@@ -12019,7 +12270,7 @@
             <p:cNvPr id="28" name="직선 연결선 27">
               <a:extLst>
                 <a:ext uri="{FF2B5EF4-FFF2-40B4-BE49-F238E27FC236}">
-                  <a16:creationId xmlns:a16="http://schemas.microsoft.com/office/drawing/2014/main" id="{F81815C9-7896-4253-A1F1-D83D22D691F9}"/>
+                  <a16:creationId xmlns:a16="http://schemas.microsoft.com/office/drawing/2014/main" xmlns="" id="{F81815C9-7896-4253-A1F1-D83D22D691F9}"/>
                 </a:ext>
               </a:extLst>
             </p:cNvPr>
@@ -12058,7 +12309,7 @@
             <p:cNvPr id="29" name="직선 연결선 28">
               <a:extLst>
                 <a:ext uri="{FF2B5EF4-FFF2-40B4-BE49-F238E27FC236}">
-                  <a16:creationId xmlns:a16="http://schemas.microsoft.com/office/drawing/2014/main" id="{8274FE8E-28A0-4E56-A45C-27E1718FA65E}"/>
+                  <a16:creationId xmlns:a16="http://schemas.microsoft.com/office/drawing/2014/main" xmlns="" id="{8274FE8E-28A0-4E56-A45C-27E1718FA65E}"/>
                 </a:ext>
               </a:extLst>
             </p:cNvPr>
@@ -12097,7 +12348,7 @@
             <p:cNvPr id="30" name="직선 연결선 29">
               <a:extLst>
                 <a:ext uri="{FF2B5EF4-FFF2-40B4-BE49-F238E27FC236}">
-                  <a16:creationId xmlns:a16="http://schemas.microsoft.com/office/drawing/2014/main" id="{3779851E-EA1C-479F-8CE6-BFC104670803}"/>
+                  <a16:creationId xmlns:a16="http://schemas.microsoft.com/office/drawing/2014/main" xmlns="" id="{3779851E-EA1C-479F-8CE6-BFC104670803}"/>
                 </a:ext>
               </a:extLst>
             </p:cNvPr>
@@ -12136,7 +12387,7 @@
             <p:cNvPr id="31" name="직선 연결선 30">
               <a:extLst>
                 <a:ext uri="{FF2B5EF4-FFF2-40B4-BE49-F238E27FC236}">
-                  <a16:creationId xmlns:a16="http://schemas.microsoft.com/office/drawing/2014/main" id="{E588D6E3-6EE8-44AE-95E6-8558A5CB3F9B}"/>
+                  <a16:creationId xmlns:a16="http://schemas.microsoft.com/office/drawing/2014/main" xmlns="" id="{E588D6E3-6EE8-44AE-95E6-8558A5CB3F9B}"/>
                 </a:ext>
               </a:extLst>
             </p:cNvPr>
@@ -12175,7 +12426,7 @@
             <p:cNvPr id="32" name="직선 연결선 31">
               <a:extLst>
                 <a:ext uri="{FF2B5EF4-FFF2-40B4-BE49-F238E27FC236}">
-                  <a16:creationId xmlns:a16="http://schemas.microsoft.com/office/drawing/2014/main" id="{FD28D0AD-4DF9-49F4-9F33-8D2BA0238D26}"/>
+                  <a16:creationId xmlns:a16="http://schemas.microsoft.com/office/drawing/2014/main" xmlns="" id="{FD28D0AD-4DF9-49F4-9F33-8D2BA0238D26}"/>
                 </a:ext>
               </a:extLst>
             </p:cNvPr>
@@ -12214,7 +12465,7 @@
             <p:cNvPr id="33" name="직선 연결선 32">
               <a:extLst>
                 <a:ext uri="{FF2B5EF4-FFF2-40B4-BE49-F238E27FC236}">
-                  <a16:creationId xmlns:a16="http://schemas.microsoft.com/office/drawing/2014/main" id="{8362DD94-9410-4B76-9510-6FAFB8D33279}"/>
+                  <a16:creationId xmlns:a16="http://schemas.microsoft.com/office/drawing/2014/main" xmlns="" id="{8362DD94-9410-4B76-9510-6FAFB8D33279}"/>
                 </a:ext>
               </a:extLst>
             </p:cNvPr>
@@ -12253,7 +12504,7 @@
             <p:cNvPr id="34" name="직선 연결선 33">
               <a:extLst>
                 <a:ext uri="{FF2B5EF4-FFF2-40B4-BE49-F238E27FC236}">
-                  <a16:creationId xmlns:a16="http://schemas.microsoft.com/office/drawing/2014/main" id="{4B98934F-8CBD-44BA-AA03-EBFD143D4EFA}"/>
+                  <a16:creationId xmlns:a16="http://schemas.microsoft.com/office/drawing/2014/main" xmlns="" id="{4B98934F-8CBD-44BA-AA03-EBFD143D4EFA}"/>
                 </a:ext>
               </a:extLst>
             </p:cNvPr>
@@ -12292,7 +12543,7 @@
             <p:cNvPr id="35" name="직선 연결선 34">
               <a:extLst>
                 <a:ext uri="{FF2B5EF4-FFF2-40B4-BE49-F238E27FC236}">
-                  <a16:creationId xmlns:a16="http://schemas.microsoft.com/office/drawing/2014/main" id="{39451BB4-0CF0-4E69-8B89-7AEE6C16AE07}"/>
+                  <a16:creationId xmlns:a16="http://schemas.microsoft.com/office/drawing/2014/main" xmlns="" id="{39451BB4-0CF0-4E69-8B89-7AEE6C16AE07}"/>
                 </a:ext>
               </a:extLst>
             </p:cNvPr>
@@ -12331,7 +12582,7 @@
             <p:cNvPr id="36" name="직선 연결선 35">
               <a:extLst>
                 <a:ext uri="{FF2B5EF4-FFF2-40B4-BE49-F238E27FC236}">
-                  <a16:creationId xmlns:a16="http://schemas.microsoft.com/office/drawing/2014/main" id="{3C72CB8D-1FC3-4826-AB56-DA8C77FE8AA8}"/>
+                  <a16:creationId xmlns:a16="http://schemas.microsoft.com/office/drawing/2014/main" xmlns="" id="{3C72CB8D-1FC3-4826-AB56-DA8C77FE8AA8}"/>
                 </a:ext>
               </a:extLst>
             </p:cNvPr>
@@ -12370,7 +12621,7 @@
             <p:cNvPr id="37" name="직선 연결선 36">
               <a:extLst>
                 <a:ext uri="{FF2B5EF4-FFF2-40B4-BE49-F238E27FC236}">
-                  <a16:creationId xmlns:a16="http://schemas.microsoft.com/office/drawing/2014/main" id="{05E8A440-529A-4959-8147-9742C9602489}"/>
+                  <a16:creationId xmlns:a16="http://schemas.microsoft.com/office/drawing/2014/main" xmlns="" id="{05E8A440-529A-4959-8147-9742C9602489}"/>
                 </a:ext>
               </a:extLst>
             </p:cNvPr>
@@ -12409,7 +12660,7 @@
             <p:cNvPr id="38" name="직선 연결선 37">
               <a:extLst>
                 <a:ext uri="{FF2B5EF4-FFF2-40B4-BE49-F238E27FC236}">
-                  <a16:creationId xmlns:a16="http://schemas.microsoft.com/office/drawing/2014/main" id="{A1197F12-96CD-4B8B-8E56-F5127C979978}"/>
+                  <a16:creationId xmlns:a16="http://schemas.microsoft.com/office/drawing/2014/main" xmlns="" id="{A1197F12-96CD-4B8B-8E56-F5127C979978}"/>
                 </a:ext>
               </a:extLst>
             </p:cNvPr>
@@ -12448,7 +12699,7 @@
             <p:cNvPr id="39" name="직선 연결선 38">
               <a:extLst>
                 <a:ext uri="{FF2B5EF4-FFF2-40B4-BE49-F238E27FC236}">
-                  <a16:creationId xmlns:a16="http://schemas.microsoft.com/office/drawing/2014/main" id="{112C495E-7E22-459C-B743-70F62343C222}"/>
+                  <a16:creationId xmlns:a16="http://schemas.microsoft.com/office/drawing/2014/main" xmlns="" id="{112C495E-7E22-459C-B743-70F62343C222}"/>
                 </a:ext>
               </a:extLst>
             </p:cNvPr>
@@ -12487,7 +12738,7 @@
             <p:cNvPr id="40" name="원호 39">
               <a:extLst>
                 <a:ext uri="{FF2B5EF4-FFF2-40B4-BE49-F238E27FC236}">
-                  <a16:creationId xmlns:a16="http://schemas.microsoft.com/office/drawing/2014/main" id="{D976B030-0EC5-4C25-BF5A-8E6EF8317F2C}"/>
+                  <a16:creationId xmlns:a16="http://schemas.microsoft.com/office/drawing/2014/main" xmlns="" id="{D976B030-0EC5-4C25-BF5A-8E6EF8317F2C}"/>
                 </a:ext>
               </a:extLst>
             </p:cNvPr>
@@ -12534,7 +12785,7 @@
             <p:cNvPr id="41" name="원호 40">
               <a:extLst>
                 <a:ext uri="{FF2B5EF4-FFF2-40B4-BE49-F238E27FC236}">
-                  <a16:creationId xmlns:a16="http://schemas.microsoft.com/office/drawing/2014/main" id="{034A4F37-9ACF-4CE9-ACD5-B70EFE2FE068}"/>
+                  <a16:creationId xmlns:a16="http://schemas.microsoft.com/office/drawing/2014/main" xmlns="" id="{034A4F37-9ACF-4CE9-ACD5-B70EFE2FE068}"/>
                 </a:ext>
               </a:extLst>
             </p:cNvPr>
@@ -12581,7 +12832,7 @@
             <p:cNvPr id="42" name="원호 41">
               <a:extLst>
                 <a:ext uri="{FF2B5EF4-FFF2-40B4-BE49-F238E27FC236}">
-                  <a16:creationId xmlns:a16="http://schemas.microsoft.com/office/drawing/2014/main" id="{66C94D17-C3E8-4566-870C-AE9CCEBE9299}"/>
+                  <a16:creationId xmlns:a16="http://schemas.microsoft.com/office/drawing/2014/main" xmlns="" id="{66C94D17-C3E8-4566-870C-AE9CCEBE9299}"/>
                 </a:ext>
               </a:extLst>
             </p:cNvPr>
@@ -12628,7 +12879,7 @@
             <p:cNvPr id="43" name="직선 연결선 42">
               <a:extLst>
                 <a:ext uri="{FF2B5EF4-FFF2-40B4-BE49-F238E27FC236}">
-                  <a16:creationId xmlns:a16="http://schemas.microsoft.com/office/drawing/2014/main" id="{C9BF50CF-9CF0-47BE-A38C-248B3ADCA909}"/>
+                  <a16:creationId xmlns:a16="http://schemas.microsoft.com/office/drawing/2014/main" xmlns="" id="{C9BF50CF-9CF0-47BE-A38C-248B3ADCA909}"/>
                 </a:ext>
               </a:extLst>
             </p:cNvPr>
@@ -12667,7 +12918,7 @@
             <p:cNvPr id="44" name="직선 연결선 43">
               <a:extLst>
                 <a:ext uri="{FF2B5EF4-FFF2-40B4-BE49-F238E27FC236}">
-                  <a16:creationId xmlns:a16="http://schemas.microsoft.com/office/drawing/2014/main" id="{19934745-AEF9-4405-A75A-4FE1F9EA25C8}"/>
+                  <a16:creationId xmlns:a16="http://schemas.microsoft.com/office/drawing/2014/main" xmlns="" id="{19934745-AEF9-4405-A75A-4FE1F9EA25C8}"/>
                 </a:ext>
               </a:extLst>
             </p:cNvPr>
@@ -12706,7 +12957,7 @@
             <p:cNvPr id="45" name="직선 연결선 44">
               <a:extLst>
                 <a:ext uri="{FF2B5EF4-FFF2-40B4-BE49-F238E27FC236}">
-                  <a16:creationId xmlns:a16="http://schemas.microsoft.com/office/drawing/2014/main" id="{D29611AC-9E61-4BB7-A7AC-DCC2790B59D5}"/>
+                  <a16:creationId xmlns:a16="http://schemas.microsoft.com/office/drawing/2014/main" xmlns="" id="{D29611AC-9E61-4BB7-A7AC-DCC2790B59D5}"/>
                 </a:ext>
               </a:extLst>
             </p:cNvPr>
@@ -12745,7 +12996,7 @@
             <p:cNvPr id="46" name="직선 연결선 45">
               <a:extLst>
                 <a:ext uri="{FF2B5EF4-FFF2-40B4-BE49-F238E27FC236}">
-                  <a16:creationId xmlns:a16="http://schemas.microsoft.com/office/drawing/2014/main" id="{15633F6A-757E-45E8-8437-D15E3CE4673B}"/>
+                  <a16:creationId xmlns:a16="http://schemas.microsoft.com/office/drawing/2014/main" xmlns="" id="{15633F6A-757E-45E8-8437-D15E3CE4673B}"/>
                 </a:ext>
               </a:extLst>
             </p:cNvPr>
@@ -12784,7 +13035,7 @@
             <p:cNvPr id="47" name="직선 연결선 46">
               <a:extLst>
                 <a:ext uri="{FF2B5EF4-FFF2-40B4-BE49-F238E27FC236}">
-                  <a16:creationId xmlns:a16="http://schemas.microsoft.com/office/drawing/2014/main" id="{6FD88B19-65CE-4085-89D8-7E40AA34BF94}"/>
+                  <a16:creationId xmlns:a16="http://schemas.microsoft.com/office/drawing/2014/main" xmlns="" id="{6FD88B19-65CE-4085-89D8-7E40AA34BF94}"/>
                 </a:ext>
               </a:extLst>
             </p:cNvPr>
@@ -12823,7 +13074,7 @@
             <p:cNvPr id="48" name="직선 연결선 47">
               <a:extLst>
                 <a:ext uri="{FF2B5EF4-FFF2-40B4-BE49-F238E27FC236}">
-                  <a16:creationId xmlns:a16="http://schemas.microsoft.com/office/drawing/2014/main" id="{36B19A36-48F7-4D49-AF51-4E4C60CB5FF7}"/>
+                  <a16:creationId xmlns:a16="http://schemas.microsoft.com/office/drawing/2014/main" xmlns="" id="{36B19A36-48F7-4D49-AF51-4E4C60CB5FF7}"/>
                 </a:ext>
               </a:extLst>
             </p:cNvPr>
@@ -12862,7 +13113,7 @@
             <p:cNvPr id="49" name="직선 연결선 48">
               <a:extLst>
                 <a:ext uri="{FF2B5EF4-FFF2-40B4-BE49-F238E27FC236}">
-                  <a16:creationId xmlns:a16="http://schemas.microsoft.com/office/drawing/2014/main" id="{0C2EBEDD-E464-41A9-A60A-DC64F3ACE1B4}"/>
+                  <a16:creationId xmlns:a16="http://schemas.microsoft.com/office/drawing/2014/main" xmlns="" id="{0C2EBEDD-E464-41A9-A60A-DC64F3ACE1B4}"/>
                 </a:ext>
               </a:extLst>
             </p:cNvPr>
@@ -12901,7 +13152,7 @@
             <p:cNvPr id="50" name="직선 연결선 49">
               <a:extLst>
                 <a:ext uri="{FF2B5EF4-FFF2-40B4-BE49-F238E27FC236}">
-                  <a16:creationId xmlns:a16="http://schemas.microsoft.com/office/drawing/2014/main" id="{457EDBD5-C044-4D32-BAA4-75EE028C70D9}"/>
+                  <a16:creationId xmlns:a16="http://schemas.microsoft.com/office/drawing/2014/main" xmlns="" id="{457EDBD5-C044-4D32-BAA4-75EE028C70D9}"/>
                 </a:ext>
               </a:extLst>
             </p:cNvPr>
@@ -12946,6 +13197,18 @@
   <p:clrMapOvr>
     <a:masterClrMapping/>
   </p:clrMapOvr>
+  <mc:AlternateContent xmlns:mc="http://schemas.openxmlformats.org/markup-compatibility/2006">
+    <mc:Choice xmlns:p14="http://schemas.microsoft.com/office/powerpoint/2010/main" Requires="p14">
+      <p:transition spd="med" p14:dur="700">
+        <p:fade/>
+      </p:transition>
+    </mc:Choice>
+    <mc:Fallback>
+      <p:transition spd="med">
+        <p:fade/>
+      </p:transition>
+    </mc:Fallback>
+  </mc:AlternateContent>
   <p:timing>
     <p:tnLst>
       <p:par>
@@ -13345,7 +13608,7 @@
           <p:cNvPr id="72" name="그림 71">
             <a:extLst>
               <a:ext uri="{FF2B5EF4-FFF2-40B4-BE49-F238E27FC236}">
-                <a16:creationId xmlns:a16="http://schemas.microsoft.com/office/drawing/2014/main" id="{C332FE36-31E5-46A3-A939-5A2E35D0C660}"/>
+                <a16:creationId xmlns:a16="http://schemas.microsoft.com/office/drawing/2014/main" xmlns="" id="{C332FE36-31E5-46A3-A939-5A2E35D0C660}"/>
               </a:ext>
             </a:extLst>
           </p:cNvPr>
@@ -13386,6 +13649,25 @@
   <p:clrMapOvr>
     <a:masterClrMapping/>
   </p:clrMapOvr>
+  <mc:AlternateContent xmlns:mc="http://schemas.openxmlformats.org/markup-compatibility/2006">
+    <mc:Choice xmlns:p14="http://schemas.microsoft.com/office/powerpoint/2010/main" Requires="p14">
+      <p:transition spd="med" p14:dur="700">
+        <p:fade/>
+      </p:transition>
+    </mc:Choice>
+    <mc:Fallback>
+      <p:transition spd="med">
+        <p:fade/>
+      </p:transition>
+    </mc:Fallback>
+  </mc:AlternateContent>
+  <p:timing>
+    <p:tnLst>
+      <p:par>
+        <p:cTn id="1" dur="indefinite" restart="never" nodeType="tmRoot"/>
+      </p:par>
+    </p:tnLst>
+  </p:timing>
 </p:sld>
 </file>
 
@@ -13445,7 +13727,7 @@
           <p:cNvPr id="4" name="그림 3">
             <a:extLst>
               <a:ext uri="{FF2B5EF4-FFF2-40B4-BE49-F238E27FC236}">
-                <a16:creationId xmlns:a16="http://schemas.microsoft.com/office/drawing/2014/main" id="{D3FBCC39-76FC-45E9-9058-6573128F07FA}"/>
+                <a16:creationId xmlns:a16="http://schemas.microsoft.com/office/drawing/2014/main" xmlns="" id="{D3FBCC39-76FC-45E9-9058-6573128F07FA}"/>
               </a:ext>
             </a:extLst>
           </p:cNvPr>
@@ -13475,7 +13757,7 @@
           <p:cNvPr id="5" name="그림 4">
             <a:extLst>
               <a:ext uri="{FF2B5EF4-FFF2-40B4-BE49-F238E27FC236}">
-                <a16:creationId xmlns:a16="http://schemas.microsoft.com/office/drawing/2014/main" id="{DF8B609C-F18E-4A11-A38B-284D328FD8A1}"/>
+                <a16:creationId xmlns:a16="http://schemas.microsoft.com/office/drawing/2014/main" xmlns="" id="{DF8B609C-F18E-4A11-A38B-284D328FD8A1}"/>
               </a:ext>
             </a:extLst>
           </p:cNvPr>
@@ -13505,7 +13787,7 @@
           <p:cNvPr id="6" name="그림 5">
             <a:extLst>
               <a:ext uri="{FF2B5EF4-FFF2-40B4-BE49-F238E27FC236}">
-                <a16:creationId xmlns:a16="http://schemas.microsoft.com/office/drawing/2014/main" id="{BE8B19A3-0B70-431F-AA14-5EC1D20C19F0}"/>
+                <a16:creationId xmlns:a16="http://schemas.microsoft.com/office/drawing/2014/main" xmlns="" id="{BE8B19A3-0B70-431F-AA14-5EC1D20C19F0}"/>
               </a:ext>
             </a:extLst>
           </p:cNvPr>
@@ -13540,6 +13822,18 @@
   <p:clrMapOvr>
     <a:masterClrMapping/>
   </p:clrMapOvr>
+  <mc:AlternateContent xmlns:mc="http://schemas.openxmlformats.org/markup-compatibility/2006">
+    <mc:Choice xmlns:p14="http://schemas.microsoft.com/office/powerpoint/2010/main" Requires="p14">
+      <p:transition spd="med" p14:dur="700">
+        <p:fade/>
+      </p:transition>
+    </mc:Choice>
+    <mc:Fallback>
+      <p:transition spd="med">
+        <p:fade/>
+      </p:transition>
+    </mc:Fallback>
+  </mc:AlternateContent>
   <p:timing>
     <p:tnLst>
       <p:par>
@@ -13762,7 +14056,7 @@
           <p:cNvPr id="2" name="그림 1">
             <a:extLst>
               <a:ext uri="{FF2B5EF4-FFF2-40B4-BE49-F238E27FC236}">
-                <a16:creationId xmlns:a16="http://schemas.microsoft.com/office/drawing/2014/main" id="{6F0A1F29-5207-473C-BDFA-444954B0BD12}"/>
+                <a16:creationId xmlns:a16="http://schemas.microsoft.com/office/drawing/2014/main" xmlns="" id="{6F0A1F29-5207-473C-BDFA-444954B0BD12}"/>
               </a:ext>
             </a:extLst>
           </p:cNvPr>
@@ -13792,7 +14086,7 @@
           <p:cNvPr id="3" name="그림 2">
             <a:extLst>
               <a:ext uri="{FF2B5EF4-FFF2-40B4-BE49-F238E27FC236}">
-                <a16:creationId xmlns:a16="http://schemas.microsoft.com/office/drawing/2014/main" id="{D5B66B4C-80E3-44A7-8CB4-1D34D8A90FF1}"/>
+                <a16:creationId xmlns:a16="http://schemas.microsoft.com/office/drawing/2014/main" xmlns="" id="{D5B66B4C-80E3-44A7-8CB4-1D34D8A90FF1}"/>
               </a:ext>
             </a:extLst>
           </p:cNvPr>
@@ -13822,7 +14116,7 @@
           <p:cNvPr id="7" name="그림 6">
             <a:extLst>
               <a:ext uri="{FF2B5EF4-FFF2-40B4-BE49-F238E27FC236}">
-                <a16:creationId xmlns:a16="http://schemas.microsoft.com/office/drawing/2014/main" id="{20576827-C662-427C-B90D-3BCC066558F0}"/>
+                <a16:creationId xmlns:a16="http://schemas.microsoft.com/office/drawing/2014/main" xmlns="" id="{20576827-C662-427C-B90D-3BCC066558F0}"/>
               </a:ext>
             </a:extLst>
           </p:cNvPr>
@@ -13852,7 +14146,7 @@
           <p:cNvPr id="8" name="그림 7">
             <a:extLst>
               <a:ext uri="{FF2B5EF4-FFF2-40B4-BE49-F238E27FC236}">
-                <a16:creationId xmlns:a16="http://schemas.microsoft.com/office/drawing/2014/main" id="{015AAD67-D5D2-498C-9D40-E0D5E8D4D2FA}"/>
+                <a16:creationId xmlns:a16="http://schemas.microsoft.com/office/drawing/2014/main" xmlns="" id="{015AAD67-D5D2-498C-9D40-E0D5E8D4D2FA}"/>
               </a:ext>
             </a:extLst>
           </p:cNvPr>
@@ -13887,6 +14181,18 @@
   <p:clrMapOvr>
     <a:masterClrMapping/>
   </p:clrMapOvr>
+  <mc:AlternateContent xmlns:mc="http://schemas.openxmlformats.org/markup-compatibility/2006">
+    <mc:Choice xmlns:p14="http://schemas.microsoft.com/office/powerpoint/2010/main" Requires="p14">
+      <p:transition spd="med" p14:dur="700">
+        <p:fade/>
+      </p:transition>
+    </mc:Choice>
+    <mc:Fallback>
+      <p:transition spd="med">
+        <p:fade/>
+      </p:transition>
+    </mc:Fallback>
+  </mc:AlternateContent>
   <p:timing>
     <p:tnLst>
       <p:par>
@@ -14159,7 +14465,7 @@
           <p:cNvPr id="3" name="그림 2">
             <a:extLst>
               <a:ext uri="{FF2B5EF4-FFF2-40B4-BE49-F238E27FC236}">
-                <a16:creationId xmlns:a16="http://schemas.microsoft.com/office/drawing/2014/main" id="{8AB6906D-D4A6-4780-81D1-1DB1CF36526D}"/>
+                <a16:creationId xmlns:a16="http://schemas.microsoft.com/office/drawing/2014/main" xmlns="" id="{8AB6906D-D4A6-4780-81D1-1DB1CF36526D}"/>
               </a:ext>
             </a:extLst>
           </p:cNvPr>
@@ -14194,6 +14500,25 @@
   <p:clrMapOvr>
     <a:masterClrMapping/>
   </p:clrMapOvr>
+  <mc:AlternateContent xmlns:mc="http://schemas.openxmlformats.org/markup-compatibility/2006">
+    <mc:Choice xmlns:p14="http://schemas.microsoft.com/office/powerpoint/2010/main" Requires="p14">
+      <p:transition spd="med" p14:dur="700">
+        <p:fade/>
+      </p:transition>
+    </mc:Choice>
+    <mc:Fallback>
+      <p:transition spd="med">
+        <p:fade/>
+      </p:transition>
+    </mc:Fallback>
+  </mc:AlternateContent>
+  <p:timing>
+    <p:tnLst>
+      <p:par>
+        <p:cTn id="1" dur="indefinite" restart="never" nodeType="tmRoot"/>
+      </p:par>
+    </p:tnLst>
+  </p:timing>
 </p:sld>
 </file>
 
@@ -14249,7 +14574,7 @@
           <p:cNvPr id="4" name="그림 3">
             <a:extLst>
               <a:ext uri="{FF2B5EF4-FFF2-40B4-BE49-F238E27FC236}">
-                <a16:creationId xmlns:a16="http://schemas.microsoft.com/office/drawing/2014/main" id="{C07F7B92-783B-4634-9EDC-3BC3ED4398D0}"/>
+                <a16:creationId xmlns:a16="http://schemas.microsoft.com/office/drawing/2014/main" xmlns="" id="{C07F7B92-783B-4634-9EDC-3BC3ED4398D0}"/>
               </a:ext>
             </a:extLst>
           </p:cNvPr>
@@ -14284,6 +14609,25 @@
   <p:clrMapOvr>
     <a:masterClrMapping/>
   </p:clrMapOvr>
+  <mc:AlternateContent xmlns:mc="http://schemas.openxmlformats.org/markup-compatibility/2006">
+    <mc:Choice xmlns:p14="http://schemas.microsoft.com/office/powerpoint/2010/main" Requires="p14">
+      <p:transition spd="med" p14:dur="700">
+        <p:fade/>
+      </p:transition>
+    </mc:Choice>
+    <mc:Fallback>
+      <p:transition spd="med">
+        <p:fade/>
+      </p:transition>
+    </mc:Fallback>
+  </mc:AlternateContent>
+  <p:timing>
+    <p:tnLst>
+      <p:par>
+        <p:cTn id="1" dur="indefinite" restart="never" nodeType="tmRoot"/>
+      </p:par>
+    </p:tnLst>
+  </p:timing>
 </p:sld>
 </file>
 
@@ -14542,7 +14886,7 @@
   <a:extraClrSchemeLst/>
   <a:extLst>
     <a:ext uri="{05A4C25C-085E-4340-85A3-A5531E510DB2}">
-      <thm15:themeFamily xmlns:thm15="http://schemas.microsoft.com/office/thememl/2012/main" name="Office_9411771_TF02901026_TF02901026.potx" id="{2203E5E0-3982-4970-BA82-A58D8043B518}" vid="{3C2F52B7-6A4C-491E-8D8F-92BEBBC3C2D9}"/>
+      <thm15:themeFamily xmlns:thm15="http://schemas.microsoft.com/office/thememl/2012/main" xmlns="" name="Office_9411771_TF02901026_TF02901026.potx" id="{2203E5E0-3982-4970-BA82-A58D8043B518}" vid="{3C2F52B7-6A4C-491E-8D8F-92BEBBC3C2D9}"/>
     </a:ext>
   </a:extLst>
 </a:theme>
@@ -14803,7 +15147,7 @@
   <a:extraClrSchemeLst/>
   <a:extLst>
     <a:ext uri="{05A4C25C-085E-4340-85A3-A5531E510DB2}">
-      <thm15:themeFamily xmlns:thm15="http://schemas.microsoft.com/office/thememl/2012/main" name="Office Theme" id="{62F939B6-93AF-4DB8-9C6B-D6C7DFDC589F}" vid="{4A3C46E8-61CC-4603-A589-7422A47A8E4A}"/>
+      <thm15:themeFamily xmlns:thm15="http://schemas.microsoft.com/office/thememl/2012/main" xmlns="" name="Office Theme" id="{62F939B6-93AF-4DB8-9C6B-D6C7DFDC589F}" vid="{4A3C46E8-61CC-4603-A589-7422A47A8E4A}"/>
     </a:ext>
   </a:extLst>
 </a:theme>
@@ -15064,13 +15408,22 @@
   <a:extraClrSchemeLst/>
   <a:extLst>
     <a:ext uri="{05A4C25C-085E-4340-85A3-A5531E510DB2}">
-      <thm15:themeFamily xmlns:thm15="http://schemas.microsoft.com/office/thememl/2012/main" name="Office Theme" id="{62F939B6-93AF-4DB8-9C6B-D6C7DFDC589F}" vid="{4A3C46E8-61CC-4603-A589-7422A47A8E4A}"/>
+      <thm15:themeFamily xmlns:thm15="http://schemas.microsoft.com/office/thememl/2012/main" xmlns="" name="Office Theme" id="{62F939B6-93AF-4DB8-9C6B-D6C7DFDC589F}" vid="{4A3C46E8-61CC-4603-A589-7422A47A8E4A}"/>
     </a:ext>
   </a:extLst>
 </a:theme>
 </file>
 
 <file path=customXml/item1.xml><?xml version="1.0" encoding="utf-8"?>
+<?mso-contentType ?>
+<FormTemplates xmlns="http://schemas.microsoft.com/sharepoint/v3/contenttype/forms">
+  <Display>DocumentLibraryForm</Display>
+  <Edit>AssetEditForm</Edit>
+  <New>DocumentLibraryForm</New>
+</FormTemplates>
+</file>
+
+<file path=customXml/item2.xml><?xml version="1.0" encoding="utf-8"?>
 <ct:contentTypeSchema xmlns:ct="http://schemas.microsoft.com/office/2006/metadata/contentType" xmlns:ma="http://schemas.microsoft.com/office/2006/metadata/properties/metaAttributes" ct:_="" ma:_="" ma:contentTypeName="TemplateFile" ma:contentTypeID="0x0101006EDDDB5EE6D98C44930B742096920B300400F5B6D36B3EF94B4E9A635CDF2A18F5B8" ma:contentTypeVersion="72" ma:contentTypeDescription="Create a new document." ma:contentTypeScope="" ma:versionID="a23e56308344d904b51738559c3d67c9">
   <xsd:schema xmlns:xsd="http://www.w3.org/2001/XMLSchema" xmlns:xs="http://www.w3.org/2001/XMLSchema" xmlns:p="http://schemas.microsoft.com/office/2006/metadata/properties" xmlns:ns2="4873beb7-5857-4685-be1f-d57550cc96cc" targetNamespace="http://schemas.microsoft.com/office/2006/metadata/properties" ma:root="true" ma:fieldsID="cd0908cc4600e77bf5da051303e00c8d" ns2:_="">
     <xsd:import namespace="4873beb7-5857-4685-be1f-d57550cc96cc"/>
@@ -16110,142 +16463,15 @@
 </ct:contentTypeSchema>
 </file>
 
-<file path=customXml/item2.xml><?xml version="1.0" encoding="utf-8"?>
-<p:properties xmlns:p="http://schemas.microsoft.com/office/2006/metadata/properties" xmlns:xsi="http://www.w3.org/2001/XMLSchema-instance" xmlns:pc="http://schemas.microsoft.com/office/infopath/2007/PartnerControls">
-  <documentManagement>
-    <DirectSourceMarket xmlns="4873beb7-5857-4685-be1f-d57550cc96cc" xsi:nil="true"/>
-    <ApprovalStatus xmlns="4873beb7-5857-4685-be1f-d57550cc96cc">InProgress</ApprovalStatus>
-    <MarketSpecific xmlns="4873beb7-5857-4685-be1f-d57550cc96cc">false</MarketSpecific>
-    <LocComments xmlns="4873beb7-5857-4685-be1f-d57550cc96cc" xsi:nil="true"/>
-    <ThumbnailAssetId xmlns="4873beb7-5857-4685-be1f-d57550cc96cc" xsi:nil="true"/>
-    <PrimaryImageGen xmlns="4873beb7-5857-4685-be1f-d57550cc96cc">true</PrimaryImageGen>
-    <LegacyData xmlns="4873beb7-5857-4685-be1f-d57550cc96cc" xsi:nil="true"/>
-    <LocRecommendedHandoff xmlns="4873beb7-5857-4685-be1f-d57550cc96cc" xsi:nil="true"/>
-    <BusinessGroup xmlns="4873beb7-5857-4685-be1f-d57550cc96cc" xsi:nil="true"/>
-    <BlockPublish xmlns="4873beb7-5857-4685-be1f-d57550cc96cc">false</BlockPublish>
-    <TPFriendlyName xmlns="4873beb7-5857-4685-be1f-d57550cc96cc" xsi:nil="true"/>
-    <NumericId xmlns="4873beb7-5857-4685-be1f-d57550cc96cc" xsi:nil="true"/>
-    <APEditor xmlns="4873beb7-5857-4685-be1f-d57550cc96cc">
-      <UserInfo>
-        <DisplayName/>
-        <AccountId xsi:nil="true"/>
-        <AccountType/>
-      </UserInfo>
-    </APEditor>
-    <SourceTitle xmlns="4873beb7-5857-4685-be1f-d57550cc96cc" xsi:nil="true"/>
-    <OpenTemplate xmlns="4873beb7-5857-4685-be1f-d57550cc96cc">true</OpenTemplate>
-    <UALocComments xmlns="4873beb7-5857-4685-be1f-d57550cc96cc" xsi:nil="true"/>
-    <ParentAssetId xmlns="4873beb7-5857-4685-be1f-d57550cc96cc" xsi:nil="true"/>
-    <IntlLangReviewDate xmlns="4873beb7-5857-4685-be1f-d57550cc96cc" xsi:nil="true"/>
-    <FeatureTagsTaxHTField0 xmlns="4873beb7-5857-4685-be1f-d57550cc96cc">
-      <Terms xmlns="http://schemas.microsoft.com/office/infopath/2007/PartnerControls"/>
-    </FeatureTagsTaxHTField0>
-    <PublishStatusLookup xmlns="4873beb7-5857-4685-be1f-d57550cc96cc">
-      <Value>1566889</Value>
-    </PublishStatusLookup>
-    <Providers xmlns="4873beb7-5857-4685-be1f-d57550cc96cc" xsi:nil="true"/>
-    <MachineTranslated xmlns="4873beb7-5857-4685-be1f-d57550cc96cc">false</MachineTranslated>
-    <OriginalSourceMarket xmlns="4873beb7-5857-4685-be1f-d57550cc96cc" xsi:nil="true"/>
-    <APDescription xmlns="4873beb7-5857-4685-be1f-d57550cc96cc" xsi:nil="true"/>
-    <ClipArtFilename xmlns="4873beb7-5857-4685-be1f-d57550cc96cc" xsi:nil="true"/>
-    <ContentItem xmlns="4873beb7-5857-4685-be1f-d57550cc96cc" xsi:nil="true"/>
-    <TPInstallLocation xmlns="4873beb7-5857-4685-be1f-d57550cc96cc" xsi:nil="true"/>
-    <PublishTargets xmlns="4873beb7-5857-4685-be1f-d57550cc96cc">OfficeOnlineVNext</PublishTargets>
-    <TimesCloned xmlns="4873beb7-5857-4685-be1f-d57550cc96cc" xsi:nil="true"/>
-    <AssetStart xmlns="4873beb7-5857-4685-be1f-d57550cc96cc">2012-05-23T08:44:00+00:00</AssetStart>
-    <Provider xmlns="4873beb7-5857-4685-be1f-d57550cc96cc" xsi:nil="true"/>
-    <AcquiredFrom xmlns="4873beb7-5857-4685-be1f-d57550cc96cc">Internal MS</AcquiredFrom>
-    <FriendlyTitle xmlns="4873beb7-5857-4685-be1f-d57550cc96cc" xsi:nil="true"/>
-    <LastHandOff xmlns="4873beb7-5857-4685-be1f-d57550cc96cc" xsi:nil="true"/>
-    <TPClientViewer xmlns="4873beb7-5857-4685-be1f-d57550cc96cc" xsi:nil="true"/>
-    <UACurrentWords xmlns="4873beb7-5857-4685-be1f-d57550cc96cc" xsi:nil="true"/>
-    <ArtSampleDocs xmlns="4873beb7-5857-4685-be1f-d57550cc96cc" xsi:nil="true"/>
-    <UALocRecommendation xmlns="4873beb7-5857-4685-be1f-d57550cc96cc">Localize</UALocRecommendation>
-    <Manager xmlns="4873beb7-5857-4685-be1f-d57550cc96cc" xsi:nil="true"/>
-    <ShowIn xmlns="4873beb7-5857-4685-be1f-d57550cc96cc">Show everywhere</ShowIn>
-    <UANotes xmlns="4873beb7-5857-4685-be1f-d57550cc96cc" xsi:nil="true"/>
-    <TemplateStatus xmlns="4873beb7-5857-4685-be1f-d57550cc96cc">Complete</TemplateStatus>
-    <InternalTagsTaxHTField0 xmlns="4873beb7-5857-4685-be1f-d57550cc96cc">
-      <Terms xmlns="http://schemas.microsoft.com/office/infopath/2007/PartnerControls"/>
-    </InternalTagsTaxHTField0>
-    <CSXHash xmlns="4873beb7-5857-4685-be1f-d57550cc96cc" xsi:nil="true"/>
-    <Downloads xmlns="4873beb7-5857-4685-be1f-d57550cc96cc">0</Downloads>
-    <VoteCount xmlns="4873beb7-5857-4685-be1f-d57550cc96cc" xsi:nil="true"/>
-    <OOCacheId xmlns="4873beb7-5857-4685-be1f-d57550cc96cc" xsi:nil="true"/>
-    <IsDeleted xmlns="4873beb7-5857-4685-be1f-d57550cc96cc">false</IsDeleted>
-    <AssetExpire xmlns="4873beb7-5857-4685-be1f-d57550cc96cc">2029-01-01T08:00:00+00:00</AssetExpire>
-    <DSATActionTaken xmlns="4873beb7-5857-4685-be1f-d57550cc96cc" xsi:nil="true"/>
-    <CSXSubmissionMarket xmlns="4873beb7-5857-4685-be1f-d57550cc96cc" xsi:nil="true"/>
-    <TPExecutable xmlns="4873beb7-5857-4685-be1f-d57550cc96cc" xsi:nil="true"/>
-    <SubmitterId xmlns="4873beb7-5857-4685-be1f-d57550cc96cc" xsi:nil="true"/>
-    <EditorialTags xmlns="4873beb7-5857-4685-be1f-d57550cc96cc" xsi:nil="true"/>
-    <ApprovalLog xmlns="4873beb7-5857-4685-be1f-d57550cc96cc" xsi:nil="true"/>
-    <AssetType xmlns="4873beb7-5857-4685-be1f-d57550cc96cc">TP</AssetType>
-    <BugNumber xmlns="4873beb7-5857-4685-be1f-d57550cc96cc" xsi:nil="true"/>
-    <CSXSubmissionDate xmlns="4873beb7-5857-4685-be1f-d57550cc96cc" xsi:nil="true"/>
-    <CSXUpdate xmlns="4873beb7-5857-4685-be1f-d57550cc96cc">false</CSXUpdate>
-    <Milestone xmlns="4873beb7-5857-4685-be1f-d57550cc96cc" xsi:nil="true"/>
-    <RecommendationsModifier xmlns="4873beb7-5857-4685-be1f-d57550cc96cc" xsi:nil="true"/>
-    <OriginAsset xmlns="4873beb7-5857-4685-be1f-d57550cc96cc" xsi:nil="true"/>
-    <TPComponent xmlns="4873beb7-5857-4685-be1f-d57550cc96cc" xsi:nil="true"/>
-    <AssetId xmlns="4873beb7-5857-4685-be1f-d57550cc96cc">TP102901017</AssetId>
-    <IntlLocPriority xmlns="4873beb7-5857-4685-be1f-d57550cc96cc" xsi:nil="true"/>
-    <PolicheckWords xmlns="4873beb7-5857-4685-be1f-d57550cc96cc" xsi:nil="true"/>
-    <TPLaunchHelpLink xmlns="4873beb7-5857-4685-be1f-d57550cc96cc" xsi:nil="true"/>
-    <TPApplication xmlns="4873beb7-5857-4685-be1f-d57550cc96cc" xsi:nil="true"/>
-    <CrawlForDependencies xmlns="4873beb7-5857-4685-be1f-d57550cc96cc">false</CrawlForDependencies>
-    <HandoffToMSDN xmlns="4873beb7-5857-4685-be1f-d57550cc96cc" xsi:nil="true"/>
-    <PlannedPubDate xmlns="4873beb7-5857-4685-be1f-d57550cc96cc" xsi:nil="true"/>
-    <IntlLangReviewer xmlns="4873beb7-5857-4685-be1f-d57550cc96cc" xsi:nil="true"/>
-    <TrustLevel xmlns="4873beb7-5857-4685-be1f-d57550cc96cc">1 Microsoft Managed Content</TrustLevel>
-    <LocLastLocAttemptVersionLookup xmlns="4873beb7-5857-4685-be1f-d57550cc96cc">836753</LocLastLocAttemptVersionLookup>
-    <IsSearchable xmlns="4873beb7-5857-4685-be1f-d57550cc96cc">true</IsSearchable>
-    <TemplateTemplateType xmlns="4873beb7-5857-4685-be1f-d57550cc96cc">PowerPoint Design Template</TemplateTemplateType>
-    <CampaignTagsTaxHTField0 xmlns="4873beb7-5857-4685-be1f-d57550cc96cc">
-      <Terms xmlns="http://schemas.microsoft.com/office/infopath/2007/PartnerControls"/>
-    </CampaignTagsTaxHTField0>
-    <TPNamespace xmlns="4873beb7-5857-4685-be1f-d57550cc96cc" xsi:nil="true"/>
-    <TaxCatchAll xmlns="4873beb7-5857-4685-be1f-d57550cc96cc"/>
-    <Markets xmlns="4873beb7-5857-4685-be1f-d57550cc96cc"/>
-    <UAProjectedTotalWords xmlns="4873beb7-5857-4685-be1f-d57550cc96cc" xsi:nil="true"/>
-    <IntlLangReview xmlns="4873beb7-5857-4685-be1f-d57550cc96cc">false</IntlLangReview>
-    <OutputCachingOn xmlns="4873beb7-5857-4685-be1f-d57550cc96cc">false</OutputCachingOn>
-    <AverageRating xmlns="4873beb7-5857-4685-be1f-d57550cc96cc" xsi:nil="true"/>
-    <APAuthor xmlns="4873beb7-5857-4685-be1f-d57550cc96cc">
-      <UserInfo>
-        <DisplayName>REDMOND\v-anij</DisplayName>
-        <AccountId>2469</AccountId>
-        <AccountType/>
-      </UserInfo>
-    </APAuthor>
-    <LocManualTestRequired xmlns="4873beb7-5857-4685-be1f-d57550cc96cc">false</LocManualTestRequired>
-    <TPCommandLine xmlns="4873beb7-5857-4685-be1f-d57550cc96cc" xsi:nil="true"/>
-    <TPAppVersion xmlns="4873beb7-5857-4685-be1f-d57550cc96cc" xsi:nil="true"/>
-    <EditorialStatus xmlns="4873beb7-5857-4685-be1f-d57550cc96cc">Complete</EditorialStatus>
-    <LastModifiedDateTime xmlns="4873beb7-5857-4685-be1f-d57550cc96cc" xsi:nil="true"/>
-    <ScenarioTagsTaxHTField0 xmlns="4873beb7-5857-4685-be1f-d57550cc96cc">
-      <Terms xmlns="http://schemas.microsoft.com/office/infopath/2007/PartnerControls"/>
-    </ScenarioTagsTaxHTField0>
-    <OriginalRelease xmlns="4873beb7-5857-4685-be1f-d57550cc96cc">15</OriginalRelease>
-    <TPLaunchHelpLinkType xmlns="4873beb7-5857-4685-be1f-d57550cc96cc">Template</TPLaunchHelpLinkType>
-    <LocalizationTagsTaxHTField0 xmlns="4873beb7-5857-4685-be1f-d57550cc96cc">
-      <Terms xmlns="http://schemas.microsoft.com/office/infopath/2007/PartnerControls"/>
-    </LocalizationTagsTaxHTField0>
-    <LocMarketGroupTiers2 xmlns="4873beb7-5857-4685-be1f-d57550cc96cc" xsi:nil="true"/>
-  </documentManagement>
-</p:properties>
+<file path=customXml/itemProps1.xml><?xml version="1.0" encoding="utf-8"?>
+<ds:datastoreItem xmlns:ds="http://schemas.openxmlformats.org/officeDocument/2006/customXml" ds:itemID="{746CFF6F-D9AA-4BC0-911A-0A1356771912}">
+  <ds:schemaRefs>
+    <ds:schemaRef ds:uri="http://schemas.microsoft.com/sharepoint/v3/contenttype/forms"/>
+  </ds:schemaRefs>
+</ds:datastoreItem>
 </file>
 
-<file path=customXml/item3.xml><?xml version="1.0" encoding="utf-8"?>
-<?mso-contentType ?>
-<FormTemplates xmlns="http://schemas.microsoft.com/sharepoint/v3/contenttype/forms">
-  <Display>DocumentLibraryForm</Display>
-  <Edit>AssetEditForm</Edit>
-  <New>DocumentLibraryForm</New>
-</FormTemplates>
-</file>
-
-<file path=customXml/itemProps1.xml><?xml version="1.0" encoding="utf-8"?>
+<file path=customXml/itemProps2.xml><?xml version="1.0" encoding="utf-8"?>
 <ds:datastoreItem xmlns:ds="http://schemas.openxmlformats.org/officeDocument/2006/customXml" ds:itemID="{0B5C6E15-39DC-470B-9445-F754B9458020}">
   <ds:schemaRefs>
     <ds:schemaRef ds:uri="http://schemas.microsoft.com/office/2006/metadata/contentType"/>
@@ -16261,22 +16487,4 @@
     <ds:schemaRef ds:uri="http://schemas.microsoft.com/internal/obd"/>
   </ds:schemaRefs>
 </ds:datastoreItem>
-</file>
-
-<file path=customXml/itemProps2.xml><?xml version="1.0" encoding="utf-8"?>
-<ds:datastoreItem xmlns:ds="http://schemas.openxmlformats.org/officeDocument/2006/customXml" ds:itemID="{04098515-0C12-46CF-BC7C-69B4A13CD5FA}">
-  <ds:schemaRefs>
-    <ds:schemaRef ds:uri="http://schemas.microsoft.com/office/2006/metadata/properties"/>
-    <ds:schemaRef ds:uri="http://schemas.microsoft.com/office/infopath/2007/PartnerControls"/>
-    <ds:schemaRef ds:uri="4873beb7-5857-4685-be1f-d57550cc96cc"/>
-  </ds:schemaRefs>
-</ds:datastoreItem>
-</file>
-
-<file path=customXml/itemProps3.xml><?xml version="1.0" encoding="utf-8"?>
-<ds:datastoreItem xmlns:ds="http://schemas.openxmlformats.org/officeDocument/2006/customXml" ds:itemID="{746CFF6F-D9AA-4BC0-911A-0A1356771912}">
-  <ds:schemaRefs>
-    <ds:schemaRef ds:uri="http://schemas.microsoft.com/sharepoint/v3/contenttype/forms"/>
-  </ds:schemaRefs>
-</ds:datastoreItem>
 </file>
--- a/docu/ppt/2017_08_06/자율 주행 자동차 프로젝트.pptx
+++ b/docu/ppt/2017_08_06/자율 주행 자동차 프로젝트.pptx
@@ -5,10 +5,10 @@
     <p:sldMasterId id="2147483648" r:id="rId3"/>
   </p:sldMasterIdLst>
   <p:notesMasterIdLst>
-    <p:notesMasterId r:id="rId16"/>
+    <p:notesMasterId r:id="rId18"/>
   </p:notesMasterIdLst>
   <p:handoutMasterIdLst>
-    <p:handoutMasterId r:id="rId17"/>
+    <p:handoutMasterId r:id="rId19"/>
   </p:handoutMasterIdLst>
   <p:sldIdLst>
     <p:sldId id="256" r:id="rId4"/>
@@ -21,8 +21,10 @@
     <p:sldId id="278" r:id="rId11"/>
     <p:sldId id="279" r:id="rId12"/>
     <p:sldId id="280" r:id="rId13"/>
-    <p:sldId id="281" r:id="rId14"/>
-    <p:sldId id="282" r:id="rId15"/>
+    <p:sldId id="285" r:id="rId14"/>
+    <p:sldId id="286" r:id="rId15"/>
+    <p:sldId id="281" r:id="rId16"/>
+    <p:sldId id="282" r:id="rId17"/>
   </p:sldIdLst>
   <p:sldSz cx="12192000" cy="6858000"/>
   <p:notesSz cx="6858000" cy="9144000"/>
@@ -123,7 +125,7 @@
   </p:defaultTextStyle>
   <p:extLst>
     <p:ext uri="{EFAFB233-063F-42B5-8137-9DF3F51BA10A}">
-      <p15:sldGuideLst xmlns:p15="http://schemas.microsoft.com/office/powerpoint/2012/main" xmlns="">
+      <p15:sldGuideLst xmlns:p15="http://schemas.microsoft.com/office/powerpoint/2012/main">
         <p15:guide id="1" pos="3840" userDrawn="1">
           <p15:clr>
             <a:srgbClr val="A4A3A4"/>
@@ -137,7 +139,7 @@
       </p15:sldGuideLst>
     </p:ext>
     <p:ext uri="{2D200454-40CA-4A62-9FC3-DE9A4176ACB9}">
-      <p15:notesGuideLst xmlns:p15="http://schemas.microsoft.com/office/powerpoint/2012/main" xmlns=""/>
+      <p15:notesGuideLst xmlns:p15="http://schemas.microsoft.com/office/powerpoint/2012/main"/>
     </p:ext>
   </p:extLst>
 </p:presentation>
@@ -1392,14 +1394,6 @@
         </dgm:presLayoutVars>
       </dgm:prSet>
       <dgm:spPr/>
-      <dgm:t>
-        <a:bodyPr/>
-        <a:lstStyle/>
-        <a:p>
-          <a:pPr latinLnBrk="1"/>
-          <a:endParaRPr lang="ko-KR" altLang="en-US"/>
-        </a:p>
-      </dgm:t>
     </dgm:pt>
     <dgm:pt modelId="{B1443ED3-5E34-456D-8CD9-88B600EDA95F}" type="pres">
       <dgm:prSet presAssocID="{516A4DDC-76BD-494E-B503-625555CCBC4A}" presName="vertFlow" presStyleCnt="0"/>
@@ -1408,26 +1402,10 @@
     <dgm:pt modelId="{9BBCF6CE-E750-48B6-B333-305BBB100737}" type="pres">
       <dgm:prSet presAssocID="{516A4DDC-76BD-494E-B503-625555CCBC4A}" presName="header" presStyleLbl="node1" presStyleIdx="0" presStyleCnt="3"/>
       <dgm:spPr/>
-      <dgm:t>
-        <a:bodyPr/>
-        <a:lstStyle/>
-        <a:p>
-          <a:pPr latinLnBrk="1"/>
-          <a:endParaRPr lang="ko-KR" altLang="en-US"/>
-        </a:p>
-      </dgm:t>
     </dgm:pt>
     <dgm:pt modelId="{1B1F80F4-E9A5-4A99-A630-6548067B7CB5}" type="pres">
       <dgm:prSet presAssocID="{995C4470-49EF-4BD9-B00A-AD612181AB58}" presName="parTrans" presStyleLbl="sibTrans2D1" presStyleIdx="0" presStyleCnt="8"/>
       <dgm:spPr/>
-      <dgm:t>
-        <a:bodyPr/>
-        <a:lstStyle/>
-        <a:p>
-          <a:pPr latinLnBrk="1"/>
-          <a:endParaRPr lang="ko-KR" altLang="en-US"/>
-        </a:p>
-      </dgm:t>
     </dgm:pt>
     <dgm:pt modelId="{85447532-8740-4202-B6A5-AE63748B9291}" type="pres">
       <dgm:prSet presAssocID="{CD410504-9F7F-47AE-B46E-CE985680360F}" presName="child" presStyleLbl="alignAccFollowNode1" presStyleIdx="0" presStyleCnt="8">
@@ -1437,26 +1415,10 @@
         </dgm:presLayoutVars>
       </dgm:prSet>
       <dgm:spPr/>
-      <dgm:t>
-        <a:bodyPr/>
-        <a:lstStyle/>
-        <a:p>
-          <a:pPr latinLnBrk="1"/>
-          <a:endParaRPr lang="ko-KR" altLang="en-US"/>
-        </a:p>
-      </dgm:t>
     </dgm:pt>
     <dgm:pt modelId="{7CAEA63C-96B5-40D4-900F-409598FDB0C1}" type="pres">
       <dgm:prSet presAssocID="{2B847D36-6E88-4DD3-AABD-579C99426233}" presName="sibTrans" presStyleLbl="sibTrans2D1" presStyleIdx="1" presStyleCnt="8"/>
       <dgm:spPr/>
-      <dgm:t>
-        <a:bodyPr/>
-        <a:lstStyle/>
-        <a:p>
-          <a:pPr latinLnBrk="1"/>
-          <a:endParaRPr lang="ko-KR" altLang="en-US"/>
-        </a:p>
-      </dgm:t>
     </dgm:pt>
     <dgm:pt modelId="{459BBFF8-CE50-41AE-9B5E-F6026BBE4F45}" type="pres">
       <dgm:prSet presAssocID="{C4FF5CFA-9CEF-4C34-984A-CC28F232798F}" presName="child" presStyleLbl="alignAccFollowNode1" presStyleIdx="1" presStyleCnt="8">
@@ -1466,26 +1428,10 @@
         </dgm:presLayoutVars>
       </dgm:prSet>
       <dgm:spPr/>
-      <dgm:t>
-        <a:bodyPr/>
-        <a:lstStyle/>
-        <a:p>
-          <a:pPr latinLnBrk="1"/>
-          <a:endParaRPr lang="ko-KR" altLang="en-US"/>
-        </a:p>
-      </dgm:t>
     </dgm:pt>
     <dgm:pt modelId="{A65C4264-24F4-4122-844B-F5E582EC0111}" type="pres">
       <dgm:prSet presAssocID="{B551F8FA-E415-4EE1-BA68-D13E7D2E980B}" presName="sibTrans" presStyleLbl="sibTrans2D1" presStyleIdx="2" presStyleCnt="8"/>
       <dgm:spPr/>
-      <dgm:t>
-        <a:bodyPr/>
-        <a:lstStyle/>
-        <a:p>
-          <a:pPr latinLnBrk="1"/>
-          <a:endParaRPr lang="ko-KR" altLang="en-US"/>
-        </a:p>
-      </dgm:t>
     </dgm:pt>
     <dgm:pt modelId="{9A5E1799-26FB-4959-97AA-0FCC22761318}" type="pres">
       <dgm:prSet presAssocID="{F7CED298-1605-4B60-9FC8-0A4C25C5AA00}" presName="child" presStyleLbl="alignAccFollowNode1" presStyleIdx="2" presStyleCnt="8">
@@ -1495,14 +1441,6 @@
         </dgm:presLayoutVars>
       </dgm:prSet>
       <dgm:spPr/>
-      <dgm:t>
-        <a:bodyPr/>
-        <a:lstStyle/>
-        <a:p>
-          <a:pPr latinLnBrk="1"/>
-          <a:endParaRPr lang="ko-KR" altLang="en-US"/>
-        </a:p>
-      </dgm:t>
     </dgm:pt>
     <dgm:pt modelId="{8F2F3A22-7A2A-4EE4-9C5B-70F6E89B9064}" type="pres">
       <dgm:prSet presAssocID="{516A4DDC-76BD-494E-B503-625555CCBC4A}" presName="hSp" presStyleCnt="0"/>
@@ -1515,26 +1453,10 @@
     <dgm:pt modelId="{09ADE9CE-20B7-4A4E-BED6-D56E4ED1D855}" type="pres">
       <dgm:prSet presAssocID="{41E3B52E-71B8-4BD0-B1ED-D051FFB12506}" presName="header" presStyleLbl="node1" presStyleIdx="1" presStyleCnt="3"/>
       <dgm:spPr/>
-      <dgm:t>
-        <a:bodyPr/>
-        <a:lstStyle/>
-        <a:p>
-          <a:pPr latinLnBrk="1"/>
-          <a:endParaRPr lang="ko-KR" altLang="en-US"/>
-        </a:p>
-      </dgm:t>
     </dgm:pt>
     <dgm:pt modelId="{C8CE6287-76AA-46C4-B478-0F9183DE6118}" type="pres">
       <dgm:prSet presAssocID="{F342D04F-4D11-41CC-AB66-36041A902B44}" presName="parTrans" presStyleLbl="sibTrans2D1" presStyleIdx="3" presStyleCnt="8"/>
       <dgm:spPr/>
-      <dgm:t>
-        <a:bodyPr/>
-        <a:lstStyle/>
-        <a:p>
-          <a:pPr latinLnBrk="1"/>
-          <a:endParaRPr lang="ko-KR" altLang="en-US"/>
-        </a:p>
-      </dgm:t>
     </dgm:pt>
     <dgm:pt modelId="{F7AA6D3E-BCE0-4C06-B101-080DA85DCB01}" type="pres">
       <dgm:prSet presAssocID="{5CBEC7DD-A25D-4956-9A65-6EA385F6FCB5}" presName="child" presStyleLbl="alignAccFollowNode1" presStyleIdx="3" presStyleCnt="8">
@@ -1544,26 +1466,10 @@
         </dgm:presLayoutVars>
       </dgm:prSet>
       <dgm:spPr/>
-      <dgm:t>
-        <a:bodyPr/>
-        <a:lstStyle/>
-        <a:p>
-          <a:pPr latinLnBrk="1"/>
-          <a:endParaRPr lang="ko-KR" altLang="en-US"/>
-        </a:p>
-      </dgm:t>
     </dgm:pt>
     <dgm:pt modelId="{DDA5CBC7-AA05-481A-A03A-3964C1BBBB5A}" type="pres">
       <dgm:prSet presAssocID="{BD0F67B1-39E4-45ED-9534-FB8F89E8EEF6}" presName="sibTrans" presStyleLbl="sibTrans2D1" presStyleIdx="4" presStyleCnt="8"/>
       <dgm:spPr/>
-      <dgm:t>
-        <a:bodyPr/>
-        <a:lstStyle/>
-        <a:p>
-          <a:pPr latinLnBrk="1"/>
-          <a:endParaRPr lang="ko-KR" altLang="en-US"/>
-        </a:p>
-      </dgm:t>
     </dgm:pt>
     <dgm:pt modelId="{73DBFA1A-3823-4209-9CD6-DBDD456F39FB}" type="pres">
       <dgm:prSet presAssocID="{33BF0E2A-2B00-40A5-832E-FC800DCA5982}" presName="child" presStyleLbl="alignAccFollowNode1" presStyleIdx="4" presStyleCnt="8">
@@ -1573,26 +1479,10 @@
         </dgm:presLayoutVars>
       </dgm:prSet>
       <dgm:spPr/>
-      <dgm:t>
-        <a:bodyPr/>
-        <a:lstStyle/>
-        <a:p>
-          <a:pPr latinLnBrk="1"/>
-          <a:endParaRPr lang="ko-KR" altLang="en-US"/>
-        </a:p>
-      </dgm:t>
     </dgm:pt>
     <dgm:pt modelId="{E7F7C4A8-2F3A-49BA-B2E4-CF48FCA5D8D8}" type="pres">
       <dgm:prSet presAssocID="{E373698D-1356-47A7-A591-B72BFE77C3D1}" presName="sibTrans" presStyleLbl="sibTrans2D1" presStyleIdx="5" presStyleCnt="8"/>
       <dgm:spPr/>
-      <dgm:t>
-        <a:bodyPr/>
-        <a:lstStyle/>
-        <a:p>
-          <a:pPr latinLnBrk="1"/>
-          <a:endParaRPr lang="ko-KR" altLang="en-US"/>
-        </a:p>
-      </dgm:t>
     </dgm:pt>
     <dgm:pt modelId="{68423B8C-DD55-4C1A-86D3-87118415FFA7}" type="pres">
       <dgm:prSet presAssocID="{CAE20587-4D50-4B6B-A17D-199722D630E2}" presName="child" presStyleLbl="alignAccFollowNode1" presStyleIdx="5" presStyleCnt="8">
@@ -1602,14 +1492,6 @@
         </dgm:presLayoutVars>
       </dgm:prSet>
       <dgm:spPr/>
-      <dgm:t>
-        <a:bodyPr/>
-        <a:lstStyle/>
-        <a:p>
-          <a:pPr latinLnBrk="1"/>
-          <a:endParaRPr lang="ko-KR" altLang="en-US"/>
-        </a:p>
-      </dgm:t>
     </dgm:pt>
     <dgm:pt modelId="{D5E79C7E-BA4F-41B5-AEAD-7D11CABDB66C}" type="pres">
       <dgm:prSet presAssocID="{41E3B52E-71B8-4BD0-B1ED-D051FFB12506}" presName="hSp" presStyleCnt="0"/>
@@ -1622,26 +1504,10 @@
     <dgm:pt modelId="{67971461-EE07-4B5E-A0C3-A166C6559682}" type="pres">
       <dgm:prSet presAssocID="{EA587102-578B-46F3-8D9E-CEC48527A898}" presName="header" presStyleLbl="node1" presStyleIdx="2" presStyleCnt="3"/>
       <dgm:spPr/>
-      <dgm:t>
-        <a:bodyPr/>
-        <a:lstStyle/>
-        <a:p>
-          <a:pPr latinLnBrk="1"/>
-          <a:endParaRPr lang="ko-KR" altLang="en-US"/>
-        </a:p>
-      </dgm:t>
     </dgm:pt>
     <dgm:pt modelId="{BF9CEF10-4726-4D20-AC2F-85DE706D0D00}" type="pres">
       <dgm:prSet presAssocID="{403B4542-B2F8-496D-BBEA-3A684B1106F9}" presName="parTrans" presStyleLbl="sibTrans2D1" presStyleIdx="6" presStyleCnt="8"/>
       <dgm:spPr/>
-      <dgm:t>
-        <a:bodyPr/>
-        <a:lstStyle/>
-        <a:p>
-          <a:pPr latinLnBrk="1"/>
-          <a:endParaRPr lang="ko-KR" altLang="en-US"/>
-        </a:p>
-      </dgm:t>
     </dgm:pt>
     <dgm:pt modelId="{C1386769-D313-4B62-9BE9-A84DD636105E}" type="pres">
       <dgm:prSet presAssocID="{038F6A6A-232A-44A4-9628-ADFA8F068F81}" presName="child" presStyleLbl="alignAccFollowNode1" presStyleIdx="6" presStyleCnt="8">
@@ -1651,26 +1517,10 @@
         </dgm:presLayoutVars>
       </dgm:prSet>
       <dgm:spPr/>
-      <dgm:t>
-        <a:bodyPr/>
-        <a:lstStyle/>
-        <a:p>
-          <a:pPr latinLnBrk="1"/>
-          <a:endParaRPr lang="ko-KR" altLang="en-US"/>
-        </a:p>
-      </dgm:t>
     </dgm:pt>
     <dgm:pt modelId="{0C1CAC8B-CC80-49DA-9707-021AB163C55F}" type="pres">
       <dgm:prSet presAssocID="{ABE7D012-6867-48DA-AF76-FDB8ECBB944D}" presName="sibTrans" presStyleLbl="sibTrans2D1" presStyleIdx="7" presStyleCnt="8"/>
       <dgm:spPr/>
-      <dgm:t>
-        <a:bodyPr/>
-        <a:lstStyle/>
-        <a:p>
-          <a:pPr latinLnBrk="1"/>
-          <a:endParaRPr lang="ko-KR" altLang="en-US"/>
-        </a:p>
-      </dgm:t>
     </dgm:pt>
     <dgm:pt modelId="{2985E292-795D-4403-BD7F-3A17BE0B21A7}" type="pres">
       <dgm:prSet presAssocID="{15982A38-A73B-4943-B138-EA0EAB77BC29}" presName="child" presStyleLbl="alignAccFollowNode1" presStyleIdx="7" presStyleCnt="8">
@@ -1680,48 +1530,40 @@
         </dgm:presLayoutVars>
       </dgm:prSet>
       <dgm:spPr/>
-      <dgm:t>
-        <a:bodyPr/>
-        <a:lstStyle/>
-        <a:p>
-          <a:pPr latinLnBrk="1"/>
-          <a:endParaRPr lang="ko-KR" altLang="en-US"/>
-        </a:p>
-      </dgm:t>
     </dgm:pt>
   </dgm:ptLst>
   <dgm:cxnLst>
+    <dgm:cxn modelId="{F0586601-9ACD-4FBD-BD5A-48D73FF14301}" type="presOf" srcId="{516A4DDC-76BD-494E-B503-625555CCBC4A}" destId="{9BBCF6CE-E750-48B6-B333-305BBB100737}" srcOrd="0" destOrd="0" presId="urn:microsoft.com/office/officeart/2005/8/layout/lProcess1"/>
+    <dgm:cxn modelId="{B767AB03-F7F7-492B-8158-C75E1682A10F}" srcId="{EA587102-578B-46F3-8D9E-CEC48527A898}" destId="{15982A38-A73B-4943-B138-EA0EAB77BC29}" srcOrd="1" destOrd="0" parTransId="{7CBA4BA7-B8C9-4EC9-9C51-4E810224FE14}" sibTransId="{9295158E-0763-4655-AD0E-61686A560F58}"/>
+    <dgm:cxn modelId="{25B66A08-E57F-429F-A076-5691EC284D95}" type="presOf" srcId="{33BF0E2A-2B00-40A5-832E-FC800DCA5982}" destId="{73DBFA1A-3823-4209-9CD6-DBDD456F39FB}" srcOrd="0" destOrd="0" presId="urn:microsoft.com/office/officeart/2005/8/layout/lProcess1"/>
+    <dgm:cxn modelId="{D8B46E14-EE50-493C-A469-7E70E63B953B}" type="presOf" srcId="{15982A38-A73B-4943-B138-EA0EAB77BC29}" destId="{2985E292-795D-4403-BD7F-3A17BE0B21A7}" srcOrd="0" destOrd="0" presId="urn:microsoft.com/office/officeart/2005/8/layout/lProcess1"/>
+    <dgm:cxn modelId="{206D6826-92C5-4EEE-A28E-254E966FF0A0}" srcId="{516A4DDC-76BD-494E-B503-625555CCBC4A}" destId="{F7CED298-1605-4B60-9FC8-0A4C25C5AA00}" srcOrd="2" destOrd="0" parTransId="{618E2D9E-4CAE-48D5-9A0F-94DAE74A2D69}" sibTransId="{1009FF03-5F93-449C-AF20-55447EEE50AB}"/>
     <dgm:cxn modelId="{D22C632F-8F8B-48FF-A898-48FD446A5F78}" srcId="{41E3B52E-71B8-4BD0-B1ED-D051FFB12506}" destId="{CAE20587-4D50-4B6B-A17D-199722D630E2}" srcOrd="2" destOrd="0" parTransId="{6CEBC692-6F9A-47B4-948E-5AEB8FCFD251}" sibTransId="{7656320D-CC13-4DD7-8A30-F9FDC84AC6F2}"/>
+    <dgm:cxn modelId="{3EF97A2F-4200-46E4-86EB-19980AD436FE}" type="presOf" srcId="{CD410504-9F7F-47AE-B46E-CE985680360F}" destId="{85447532-8740-4202-B6A5-AE63748B9291}" srcOrd="0" destOrd="0" presId="urn:microsoft.com/office/officeart/2005/8/layout/lProcess1"/>
+    <dgm:cxn modelId="{28FAA735-D033-4888-A512-CA0B0DC5D34E}" type="presOf" srcId="{B551F8FA-E415-4EE1-BA68-D13E7D2E980B}" destId="{A65C4264-24F4-4122-844B-F5E582EC0111}" srcOrd="0" destOrd="0" presId="urn:microsoft.com/office/officeart/2005/8/layout/lProcess1"/>
+    <dgm:cxn modelId="{6B045370-B4FF-427A-9929-461476AAE193}" srcId="{516A4DDC-76BD-494E-B503-625555CCBC4A}" destId="{CD410504-9F7F-47AE-B46E-CE985680360F}" srcOrd="0" destOrd="0" parTransId="{995C4470-49EF-4BD9-B00A-AD612181AB58}" sibTransId="{2B847D36-6E88-4DD3-AABD-579C99426233}"/>
     <dgm:cxn modelId="{0F0D3551-AF94-422C-87FE-80E4E27CB025}" srcId="{C53CC6D8-DEFC-45FD-8207-E1ECCC27EA85}" destId="{41E3B52E-71B8-4BD0-B1ED-D051FFB12506}" srcOrd="1" destOrd="0" parTransId="{DA206B73-34B1-48E4-A513-9978853BF217}" sibTransId="{2436D701-8B79-4C2B-92A4-52BC1BA24775}"/>
+    <dgm:cxn modelId="{73058351-9FAC-4F4F-A5FB-FC365EDF9D02}" type="presOf" srcId="{C53CC6D8-DEFC-45FD-8207-E1ECCC27EA85}" destId="{22D8E0AF-322E-4A8E-BC3C-6E9E9A51F58F}" srcOrd="0" destOrd="0" presId="urn:microsoft.com/office/officeart/2005/8/layout/lProcess1"/>
+    <dgm:cxn modelId="{D2430375-0F29-4591-AAE4-CB3B30C4B793}" type="presOf" srcId="{EA587102-578B-46F3-8D9E-CEC48527A898}" destId="{67971461-EE07-4B5E-A0C3-A166C6559682}" srcOrd="0" destOrd="0" presId="urn:microsoft.com/office/officeart/2005/8/layout/lProcess1"/>
+    <dgm:cxn modelId="{7B595755-BE81-46A0-903D-004D1EF6EE33}" srcId="{C53CC6D8-DEFC-45FD-8207-E1ECCC27EA85}" destId="{516A4DDC-76BD-494E-B503-625555CCBC4A}" srcOrd="0" destOrd="0" parTransId="{133DE2D2-6278-469E-8A80-F71EA996A07A}" sibTransId="{AE4D7DCA-0B66-4207-B896-C721B2CB4C13}"/>
+    <dgm:cxn modelId="{A7B8947C-EA6E-47DE-814B-A0994EFA8C28}" srcId="{C53CC6D8-DEFC-45FD-8207-E1ECCC27EA85}" destId="{EA587102-578B-46F3-8D9E-CEC48527A898}" srcOrd="2" destOrd="0" parTransId="{5B4D99EA-4A7D-4EFB-95FC-BCCF98693CA7}" sibTransId="{8D504E2C-8A70-4591-8ECD-4A886FADED33}"/>
+    <dgm:cxn modelId="{60A6E07E-63FF-4C81-A385-5E00467DE9D8}" type="presOf" srcId="{F7CED298-1605-4B60-9FC8-0A4C25C5AA00}" destId="{9A5E1799-26FB-4959-97AA-0FCC22761318}" srcOrd="0" destOrd="0" presId="urn:microsoft.com/office/officeart/2005/8/layout/lProcess1"/>
+    <dgm:cxn modelId="{0DC50B81-769A-4AC7-8C73-8EF8D8334AA1}" srcId="{EA587102-578B-46F3-8D9E-CEC48527A898}" destId="{038F6A6A-232A-44A4-9628-ADFA8F068F81}" srcOrd="0" destOrd="0" parTransId="{403B4542-B2F8-496D-BBEA-3A684B1106F9}" sibTransId="{ABE7D012-6867-48DA-AF76-FDB8ECBB944D}"/>
+    <dgm:cxn modelId="{0687A885-2354-4E9E-B313-4269283F0057}" srcId="{41E3B52E-71B8-4BD0-B1ED-D051FFB12506}" destId="{5CBEC7DD-A25D-4956-9A65-6EA385F6FCB5}" srcOrd="0" destOrd="0" parTransId="{F342D04F-4D11-41CC-AB66-36041A902B44}" sibTransId="{BD0F67B1-39E4-45ED-9534-FB8F89E8EEF6}"/>
+    <dgm:cxn modelId="{20E91086-4757-4CF3-9C35-102C5A4D0079}" type="presOf" srcId="{403B4542-B2F8-496D-BBEA-3A684B1106F9}" destId="{BF9CEF10-4726-4D20-AC2F-85DE706D0D00}" srcOrd="0" destOrd="0" presId="urn:microsoft.com/office/officeart/2005/8/layout/lProcess1"/>
+    <dgm:cxn modelId="{9C706988-580C-4829-94E8-BE4491FF0228}" type="presOf" srcId="{995C4470-49EF-4BD9-B00A-AD612181AB58}" destId="{1B1F80F4-E9A5-4A99-A630-6548067B7CB5}" srcOrd="0" destOrd="0" presId="urn:microsoft.com/office/officeart/2005/8/layout/lProcess1"/>
+    <dgm:cxn modelId="{F6742589-989F-4466-ABD8-B9A53946EFA3}" type="presOf" srcId="{038F6A6A-232A-44A4-9628-ADFA8F068F81}" destId="{C1386769-D313-4B62-9BE9-A84DD636105E}" srcOrd="0" destOrd="0" presId="urn:microsoft.com/office/officeart/2005/8/layout/lProcess1"/>
+    <dgm:cxn modelId="{5F55A28B-96EB-4565-9919-9E4BDE07F610}" type="presOf" srcId="{F342D04F-4D11-41CC-AB66-36041A902B44}" destId="{C8CE6287-76AA-46C4-B478-0F9183DE6118}" srcOrd="0" destOrd="0" presId="urn:microsoft.com/office/officeart/2005/8/layout/lProcess1"/>
+    <dgm:cxn modelId="{AC32EC95-E874-4C4E-AF61-58E99EE59A51}" type="presOf" srcId="{C4FF5CFA-9CEF-4C34-984A-CC28F232798F}" destId="{459BBFF8-CE50-41AE-9B5E-F6026BBE4F45}" srcOrd="0" destOrd="0" presId="urn:microsoft.com/office/officeart/2005/8/layout/lProcess1"/>
+    <dgm:cxn modelId="{B522739A-4DEE-43CF-9357-A84EF1EEE7ED}" srcId="{41E3B52E-71B8-4BD0-B1ED-D051FFB12506}" destId="{33BF0E2A-2B00-40A5-832E-FC800DCA5982}" srcOrd="1" destOrd="0" parTransId="{F8C31ED9-A2C0-4A09-A419-0AE9A44BB8DF}" sibTransId="{E373698D-1356-47A7-A591-B72BFE77C3D1}"/>
+    <dgm:cxn modelId="{AEAE8CB6-1B26-4996-A549-ADEFF4BF9B7B}" type="presOf" srcId="{41E3B52E-71B8-4BD0-B1ED-D051FFB12506}" destId="{09ADE9CE-20B7-4A4E-BED6-D56E4ED1D855}" srcOrd="0" destOrd="0" presId="urn:microsoft.com/office/officeart/2005/8/layout/lProcess1"/>
+    <dgm:cxn modelId="{541426C5-B997-49AC-A1CD-ABBC86A85301}" type="presOf" srcId="{BD0F67B1-39E4-45ED-9534-FB8F89E8EEF6}" destId="{DDA5CBC7-AA05-481A-A03A-3964C1BBBB5A}" srcOrd="0" destOrd="0" presId="urn:microsoft.com/office/officeart/2005/8/layout/lProcess1"/>
     <dgm:cxn modelId="{0E9367DA-F3C7-4672-A3E1-FDDD869E15C8}" type="presOf" srcId="{ABE7D012-6867-48DA-AF76-FDB8ECBB944D}" destId="{0C1CAC8B-CC80-49DA-9707-021AB163C55F}" srcOrd="0" destOrd="0" presId="urn:microsoft.com/office/officeart/2005/8/layout/lProcess1"/>
-    <dgm:cxn modelId="{B522739A-4DEE-43CF-9357-A84EF1EEE7ED}" srcId="{41E3B52E-71B8-4BD0-B1ED-D051FFB12506}" destId="{33BF0E2A-2B00-40A5-832E-FC800DCA5982}" srcOrd="1" destOrd="0" parTransId="{F8C31ED9-A2C0-4A09-A419-0AE9A44BB8DF}" sibTransId="{E373698D-1356-47A7-A591-B72BFE77C3D1}"/>
-    <dgm:cxn modelId="{28FAA735-D033-4888-A512-CA0B0DC5D34E}" type="presOf" srcId="{B551F8FA-E415-4EE1-BA68-D13E7D2E980B}" destId="{A65C4264-24F4-4122-844B-F5E582EC0111}" srcOrd="0" destOrd="0" presId="urn:microsoft.com/office/officeart/2005/8/layout/lProcess1"/>
-    <dgm:cxn modelId="{7B595755-BE81-46A0-903D-004D1EF6EE33}" srcId="{C53CC6D8-DEFC-45FD-8207-E1ECCC27EA85}" destId="{516A4DDC-76BD-494E-B503-625555CCBC4A}" srcOrd="0" destOrd="0" parTransId="{133DE2D2-6278-469E-8A80-F71EA996A07A}" sibTransId="{AE4D7DCA-0B66-4207-B896-C721B2CB4C13}"/>
+    <dgm:cxn modelId="{EF5E21E6-CC69-47D7-95D8-FB2CCC23193D}" type="presOf" srcId="{E373698D-1356-47A7-A591-B72BFE77C3D1}" destId="{E7F7C4A8-2F3A-49BA-B2E4-CF48FCA5D8D8}" srcOrd="0" destOrd="0" presId="urn:microsoft.com/office/officeart/2005/8/layout/lProcess1"/>
+    <dgm:cxn modelId="{710659EC-6706-425F-81BB-5F1E070F7D4D}" srcId="{516A4DDC-76BD-494E-B503-625555CCBC4A}" destId="{C4FF5CFA-9CEF-4C34-984A-CC28F232798F}" srcOrd="1" destOrd="0" parTransId="{92813948-C227-4EB2-8530-43003E3CB375}" sibTransId="{B551F8FA-E415-4EE1-BA68-D13E7D2E980B}"/>
+    <dgm:cxn modelId="{9AFC20F2-D5DD-455E-8266-96B58ABE2D49}" type="presOf" srcId="{CAE20587-4D50-4B6B-A17D-199722D630E2}" destId="{68423B8C-DD55-4C1A-86D3-87118415FFA7}" srcOrd="0" destOrd="0" presId="urn:microsoft.com/office/officeart/2005/8/layout/lProcess1"/>
+    <dgm:cxn modelId="{70C18AF9-2F24-4A50-9785-941DE7FE4B31}" type="presOf" srcId="{2B847D36-6E88-4DD3-AABD-579C99426233}" destId="{7CAEA63C-96B5-40D4-900F-409598FDB0C1}" srcOrd="0" destOrd="0" presId="urn:microsoft.com/office/officeart/2005/8/layout/lProcess1"/>
     <dgm:cxn modelId="{40E743FD-4072-4389-94B0-B65E89259C6B}" type="presOf" srcId="{5CBEC7DD-A25D-4956-9A65-6EA385F6FCB5}" destId="{F7AA6D3E-BCE0-4C06-B101-080DA85DCB01}" srcOrd="0" destOrd="0" presId="urn:microsoft.com/office/officeart/2005/8/layout/lProcess1"/>
-    <dgm:cxn modelId="{F6742589-989F-4466-ABD8-B9A53946EFA3}" type="presOf" srcId="{038F6A6A-232A-44A4-9628-ADFA8F068F81}" destId="{C1386769-D313-4B62-9BE9-A84DD636105E}" srcOrd="0" destOrd="0" presId="urn:microsoft.com/office/officeart/2005/8/layout/lProcess1"/>
-    <dgm:cxn modelId="{25B66A08-E57F-429F-A076-5691EC284D95}" type="presOf" srcId="{33BF0E2A-2B00-40A5-832E-FC800DCA5982}" destId="{73DBFA1A-3823-4209-9CD6-DBDD456F39FB}" srcOrd="0" destOrd="0" presId="urn:microsoft.com/office/officeart/2005/8/layout/lProcess1"/>
-    <dgm:cxn modelId="{0687A885-2354-4E9E-B313-4269283F0057}" srcId="{41E3B52E-71B8-4BD0-B1ED-D051FFB12506}" destId="{5CBEC7DD-A25D-4956-9A65-6EA385F6FCB5}" srcOrd="0" destOrd="0" parTransId="{F342D04F-4D11-41CC-AB66-36041A902B44}" sibTransId="{BD0F67B1-39E4-45ED-9534-FB8F89E8EEF6}"/>
-    <dgm:cxn modelId="{9AFC20F2-D5DD-455E-8266-96B58ABE2D49}" type="presOf" srcId="{CAE20587-4D50-4B6B-A17D-199722D630E2}" destId="{68423B8C-DD55-4C1A-86D3-87118415FFA7}" srcOrd="0" destOrd="0" presId="urn:microsoft.com/office/officeart/2005/8/layout/lProcess1"/>
-    <dgm:cxn modelId="{541426C5-B997-49AC-A1CD-ABBC86A85301}" type="presOf" srcId="{BD0F67B1-39E4-45ED-9534-FB8F89E8EEF6}" destId="{DDA5CBC7-AA05-481A-A03A-3964C1BBBB5A}" srcOrd="0" destOrd="0" presId="urn:microsoft.com/office/officeart/2005/8/layout/lProcess1"/>
-    <dgm:cxn modelId="{206D6826-92C5-4EEE-A28E-254E966FF0A0}" srcId="{516A4DDC-76BD-494E-B503-625555CCBC4A}" destId="{F7CED298-1605-4B60-9FC8-0A4C25C5AA00}" srcOrd="2" destOrd="0" parTransId="{618E2D9E-4CAE-48D5-9A0F-94DAE74A2D69}" sibTransId="{1009FF03-5F93-449C-AF20-55447EEE50AB}"/>
-    <dgm:cxn modelId="{5F55A28B-96EB-4565-9919-9E4BDE07F610}" type="presOf" srcId="{F342D04F-4D11-41CC-AB66-36041A902B44}" destId="{C8CE6287-76AA-46C4-B478-0F9183DE6118}" srcOrd="0" destOrd="0" presId="urn:microsoft.com/office/officeart/2005/8/layout/lProcess1"/>
-    <dgm:cxn modelId="{6B045370-B4FF-427A-9929-461476AAE193}" srcId="{516A4DDC-76BD-494E-B503-625555CCBC4A}" destId="{CD410504-9F7F-47AE-B46E-CE985680360F}" srcOrd="0" destOrd="0" parTransId="{995C4470-49EF-4BD9-B00A-AD612181AB58}" sibTransId="{2B847D36-6E88-4DD3-AABD-579C99426233}"/>
-    <dgm:cxn modelId="{0DC50B81-769A-4AC7-8C73-8EF8D8334AA1}" srcId="{EA587102-578B-46F3-8D9E-CEC48527A898}" destId="{038F6A6A-232A-44A4-9628-ADFA8F068F81}" srcOrd="0" destOrd="0" parTransId="{403B4542-B2F8-496D-BBEA-3A684B1106F9}" sibTransId="{ABE7D012-6867-48DA-AF76-FDB8ECBB944D}"/>
-    <dgm:cxn modelId="{EF5E21E6-CC69-47D7-95D8-FB2CCC23193D}" type="presOf" srcId="{E373698D-1356-47A7-A591-B72BFE77C3D1}" destId="{E7F7C4A8-2F3A-49BA-B2E4-CF48FCA5D8D8}" srcOrd="0" destOrd="0" presId="urn:microsoft.com/office/officeart/2005/8/layout/lProcess1"/>
-    <dgm:cxn modelId="{B767AB03-F7F7-492B-8158-C75E1682A10F}" srcId="{EA587102-578B-46F3-8D9E-CEC48527A898}" destId="{15982A38-A73B-4943-B138-EA0EAB77BC29}" srcOrd="1" destOrd="0" parTransId="{7CBA4BA7-B8C9-4EC9-9C51-4E810224FE14}" sibTransId="{9295158E-0763-4655-AD0E-61686A560F58}"/>
-    <dgm:cxn modelId="{20E91086-4757-4CF3-9C35-102C5A4D0079}" type="presOf" srcId="{403B4542-B2F8-496D-BBEA-3A684B1106F9}" destId="{BF9CEF10-4726-4D20-AC2F-85DE706D0D00}" srcOrd="0" destOrd="0" presId="urn:microsoft.com/office/officeart/2005/8/layout/lProcess1"/>
-    <dgm:cxn modelId="{F0586601-9ACD-4FBD-BD5A-48D73FF14301}" type="presOf" srcId="{516A4DDC-76BD-494E-B503-625555CCBC4A}" destId="{9BBCF6CE-E750-48B6-B333-305BBB100737}" srcOrd="0" destOrd="0" presId="urn:microsoft.com/office/officeart/2005/8/layout/lProcess1"/>
-    <dgm:cxn modelId="{A7B8947C-EA6E-47DE-814B-A0994EFA8C28}" srcId="{C53CC6D8-DEFC-45FD-8207-E1ECCC27EA85}" destId="{EA587102-578B-46F3-8D9E-CEC48527A898}" srcOrd="2" destOrd="0" parTransId="{5B4D99EA-4A7D-4EFB-95FC-BCCF98693CA7}" sibTransId="{8D504E2C-8A70-4591-8ECD-4A886FADED33}"/>
-    <dgm:cxn modelId="{73058351-9FAC-4F4F-A5FB-FC365EDF9D02}" type="presOf" srcId="{C53CC6D8-DEFC-45FD-8207-E1ECCC27EA85}" destId="{22D8E0AF-322E-4A8E-BC3C-6E9E9A51F58F}" srcOrd="0" destOrd="0" presId="urn:microsoft.com/office/officeart/2005/8/layout/lProcess1"/>
-    <dgm:cxn modelId="{AC32EC95-E874-4C4E-AF61-58E99EE59A51}" type="presOf" srcId="{C4FF5CFA-9CEF-4C34-984A-CC28F232798F}" destId="{459BBFF8-CE50-41AE-9B5E-F6026BBE4F45}" srcOrd="0" destOrd="0" presId="urn:microsoft.com/office/officeart/2005/8/layout/lProcess1"/>
-    <dgm:cxn modelId="{9C706988-580C-4829-94E8-BE4491FF0228}" type="presOf" srcId="{995C4470-49EF-4BD9-B00A-AD612181AB58}" destId="{1B1F80F4-E9A5-4A99-A630-6548067B7CB5}" srcOrd="0" destOrd="0" presId="urn:microsoft.com/office/officeart/2005/8/layout/lProcess1"/>
-    <dgm:cxn modelId="{3EF97A2F-4200-46E4-86EB-19980AD436FE}" type="presOf" srcId="{CD410504-9F7F-47AE-B46E-CE985680360F}" destId="{85447532-8740-4202-B6A5-AE63748B9291}" srcOrd="0" destOrd="0" presId="urn:microsoft.com/office/officeart/2005/8/layout/lProcess1"/>
-    <dgm:cxn modelId="{70C18AF9-2F24-4A50-9785-941DE7FE4B31}" type="presOf" srcId="{2B847D36-6E88-4DD3-AABD-579C99426233}" destId="{7CAEA63C-96B5-40D4-900F-409598FDB0C1}" srcOrd="0" destOrd="0" presId="urn:microsoft.com/office/officeart/2005/8/layout/lProcess1"/>
-    <dgm:cxn modelId="{710659EC-6706-425F-81BB-5F1E070F7D4D}" srcId="{516A4DDC-76BD-494E-B503-625555CCBC4A}" destId="{C4FF5CFA-9CEF-4C34-984A-CC28F232798F}" srcOrd="1" destOrd="0" parTransId="{92813948-C227-4EB2-8530-43003E3CB375}" sibTransId="{B551F8FA-E415-4EE1-BA68-D13E7D2E980B}"/>
-    <dgm:cxn modelId="{AEAE8CB6-1B26-4996-A549-ADEFF4BF9B7B}" type="presOf" srcId="{41E3B52E-71B8-4BD0-B1ED-D051FFB12506}" destId="{09ADE9CE-20B7-4A4E-BED6-D56E4ED1D855}" srcOrd="0" destOrd="0" presId="urn:microsoft.com/office/officeart/2005/8/layout/lProcess1"/>
-    <dgm:cxn modelId="{D2430375-0F29-4591-AAE4-CB3B30C4B793}" type="presOf" srcId="{EA587102-578B-46F3-8D9E-CEC48527A898}" destId="{67971461-EE07-4B5E-A0C3-A166C6559682}" srcOrd="0" destOrd="0" presId="urn:microsoft.com/office/officeart/2005/8/layout/lProcess1"/>
-    <dgm:cxn modelId="{60A6E07E-63FF-4C81-A385-5E00467DE9D8}" type="presOf" srcId="{F7CED298-1605-4B60-9FC8-0A4C25C5AA00}" destId="{9A5E1799-26FB-4959-97AA-0FCC22761318}" srcOrd="0" destOrd="0" presId="urn:microsoft.com/office/officeart/2005/8/layout/lProcess1"/>
-    <dgm:cxn modelId="{D8B46E14-EE50-493C-A469-7E70E63B953B}" type="presOf" srcId="{15982A38-A73B-4943-B138-EA0EAB77BC29}" destId="{2985E292-795D-4403-BD7F-3A17BE0B21A7}" srcOrd="0" destOrd="0" presId="urn:microsoft.com/office/officeart/2005/8/layout/lProcess1"/>
     <dgm:cxn modelId="{CC00200B-5AB6-421D-A39D-C942C3354FE4}" type="presParOf" srcId="{22D8E0AF-322E-4A8E-BC3C-6E9E9A51F58F}" destId="{B1443ED3-5E34-456D-8CD9-88B600EDA95F}" srcOrd="0" destOrd="0" presId="urn:microsoft.com/office/officeart/2005/8/layout/lProcess1"/>
     <dgm:cxn modelId="{D33AA10B-4ED8-4BB1-9C64-4F52A35D7099}" type="presParOf" srcId="{B1443ED3-5E34-456D-8CD9-88B600EDA95F}" destId="{9BBCF6CE-E750-48B6-B333-305BBB100737}" srcOrd="0" destOrd="0" presId="urn:microsoft.com/office/officeart/2005/8/layout/lProcess1"/>
     <dgm:cxn modelId="{9E37487A-7185-4A70-9AC4-9659B92F531E}" type="presParOf" srcId="{B1443ED3-5E34-456D-8CD9-88B600EDA95F}" destId="{1B1F80F4-E9A5-4A99-A630-6548067B7CB5}" srcOrd="1" destOrd="0" presId="urn:microsoft.com/office/officeart/2005/8/layout/lProcess1"/>
@@ -1843,7 +1685,7 @@
         </a:bodyPr>
         <a:lstStyle/>
         <a:p>
-          <a:pPr lvl="0" algn="ctr" defTabSz="1244600" rtl="0">
+          <a:pPr marL="0" lvl="0" indent="0" algn="ctr" defTabSz="1244600" rtl="0">
             <a:lnSpc>
               <a:spcPct val="90000"/>
             </a:lnSpc>
@@ -1853,6 +1695,7 @@
             <a:spcAft>
               <a:spcPct val="35000"/>
             </a:spcAft>
+            <a:buNone/>
           </a:pPr>
           <a:r>
             <a:rPr lang="en-US" altLang="ko-KR" sz="2800" kern="1200" noProof="0" dirty="0">
@@ -2008,7 +1851,7 @@
         </a:bodyPr>
         <a:lstStyle/>
         <a:p>
-          <a:pPr lvl="0" algn="ctr" defTabSz="1066800" rtl="0">
+          <a:pPr marL="0" lvl="0" indent="0" algn="ctr" defTabSz="1066800" rtl="0">
             <a:lnSpc>
               <a:spcPct val="90000"/>
             </a:lnSpc>
@@ -2018,6 +1861,7 @@
             <a:spcAft>
               <a:spcPct val="35000"/>
             </a:spcAft>
+            <a:buNone/>
           </a:pPr>
           <a:r>
             <a:rPr lang="ko-KR" altLang="en-US" sz="2400" kern="1200" noProof="0" dirty="0">
@@ -2169,7 +2013,7 @@
         </a:bodyPr>
         <a:lstStyle/>
         <a:p>
-          <a:pPr lvl="0" algn="ctr" defTabSz="1066800" rtl="0">
+          <a:pPr marL="0" lvl="0" indent="0" algn="ctr" defTabSz="1066800" rtl="0">
             <a:lnSpc>
               <a:spcPct val="90000"/>
             </a:lnSpc>
@@ -2179,6 +2023,7 @@
             <a:spcAft>
               <a:spcPct val="35000"/>
             </a:spcAft>
+            <a:buNone/>
           </a:pPr>
           <a:r>
             <a:rPr lang="ko-KR" altLang="en-US" sz="2400" kern="1200" noProof="0" dirty="0">
@@ -2330,7 +2175,7 @@
         </a:bodyPr>
         <a:lstStyle/>
         <a:p>
-          <a:pPr lvl="0" algn="ctr" defTabSz="1066800" rtl="0">
+          <a:pPr marL="0" lvl="0" indent="0" algn="ctr" defTabSz="1066800" rtl="0">
             <a:lnSpc>
               <a:spcPct val="90000"/>
             </a:lnSpc>
@@ -2340,6 +2185,7 @@
             <a:spcAft>
               <a:spcPct val="35000"/>
             </a:spcAft>
+            <a:buNone/>
           </a:pPr>
           <a:r>
             <a:rPr lang="ko-KR" altLang="en-US" sz="2400" kern="1200" noProof="0" dirty="0">
@@ -2433,7 +2279,7 @@
         </a:bodyPr>
         <a:lstStyle/>
         <a:p>
-          <a:pPr lvl="0" algn="ctr" defTabSz="1244600" rtl="0">
+          <a:pPr marL="0" lvl="0" indent="0" algn="ctr" defTabSz="1244600" rtl="0">
             <a:lnSpc>
               <a:spcPct val="90000"/>
             </a:lnSpc>
@@ -2443,6 +2289,7 @@
             <a:spcAft>
               <a:spcPct val="35000"/>
             </a:spcAft>
+            <a:buNone/>
           </a:pPr>
           <a:r>
             <a:rPr lang="en-US" altLang="ko-KR" sz="2800" kern="1200" noProof="0" dirty="0">
@@ -2598,7 +2445,7 @@
         </a:bodyPr>
         <a:lstStyle/>
         <a:p>
-          <a:pPr lvl="0" algn="ctr" defTabSz="1066800" rtl="0">
+          <a:pPr marL="0" lvl="0" indent="0" algn="ctr" defTabSz="1066800" rtl="0">
             <a:lnSpc>
               <a:spcPct val="90000"/>
             </a:lnSpc>
@@ -2608,6 +2455,7 @@
             <a:spcAft>
               <a:spcPct val="35000"/>
             </a:spcAft>
+            <a:buNone/>
           </a:pPr>
           <a:r>
             <a:rPr lang="ko-KR" altLang="en-US" sz="2400" kern="1200" noProof="0" dirty="0">
@@ -2759,7 +2607,7 @@
         </a:bodyPr>
         <a:lstStyle/>
         <a:p>
-          <a:pPr lvl="0" algn="ctr" defTabSz="1066800" rtl="0">
+          <a:pPr marL="0" lvl="0" indent="0" algn="ctr" defTabSz="1066800" rtl="0">
             <a:lnSpc>
               <a:spcPct val="90000"/>
             </a:lnSpc>
@@ -2769,6 +2617,7 @@
             <a:spcAft>
               <a:spcPct val="35000"/>
             </a:spcAft>
+            <a:buNone/>
           </a:pPr>
           <a:r>
             <a:rPr lang="ko-KR" altLang="en-US" sz="2400" kern="1200" noProof="0" dirty="0">
@@ -2920,7 +2769,7 @@
         </a:bodyPr>
         <a:lstStyle/>
         <a:p>
-          <a:pPr lvl="0" algn="ctr" defTabSz="1066800" rtl="0">
+          <a:pPr marL="0" lvl="0" indent="0" algn="ctr" defTabSz="1066800" rtl="0">
             <a:lnSpc>
               <a:spcPct val="90000"/>
             </a:lnSpc>
@@ -2930,6 +2779,7 @@
             <a:spcAft>
               <a:spcPct val="35000"/>
             </a:spcAft>
+            <a:buNone/>
           </a:pPr>
           <a:r>
             <a:rPr lang="ko-KR" altLang="en-US" sz="2400" kern="1200" noProof="0" dirty="0">
@@ -3023,7 +2873,7 @@
         </a:bodyPr>
         <a:lstStyle/>
         <a:p>
-          <a:pPr lvl="0" algn="ctr" defTabSz="1244600" rtl="0">
+          <a:pPr marL="0" lvl="0" indent="0" algn="ctr" defTabSz="1244600" rtl="0">
             <a:lnSpc>
               <a:spcPct val="90000"/>
             </a:lnSpc>
@@ -3033,6 +2883,7 @@
             <a:spcAft>
               <a:spcPct val="35000"/>
             </a:spcAft>
+            <a:buNone/>
           </a:pPr>
           <a:r>
             <a:rPr lang="en-US" altLang="ko-KR" sz="2800" kern="1200" noProof="0" dirty="0">
@@ -3188,7 +3039,7 @@
         </a:bodyPr>
         <a:lstStyle/>
         <a:p>
-          <a:pPr lvl="0" algn="ctr" defTabSz="1066800" rtl="0">
+          <a:pPr marL="0" lvl="0" indent="0" algn="ctr" defTabSz="1066800" rtl="0">
             <a:lnSpc>
               <a:spcPct val="90000"/>
             </a:lnSpc>
@@ -3198,6 +3049,7 @@
             <a:spcAft>
               <a:spcPct val="35000"/>
             </a:spcAft>
+            <a:buNone/>
           </a:pPr>
           <a:r>
             <a:rPr lang="ko-KR" altLang="en-US" sz="2400" kern="1200" noProof="0" dirty="0">
@@ -3349,7 +3201,7 @@
         </a:bodyPr>
         <a:lstStyle/>
         <a:p>
-          <a:pPr lvl="0" algn="ctr" defTabSz="1066800" rtl="0">
+          <a:pPr marL="0" lvl="0" indent="0" algn="ctr" defTabSz="1066800" rtl="0">
             <a:lnSpc>
               <a:spcPct val="90000"/>
             </a:lnSpc>
@@ -3359,6 +3211,7 @@
             <a:spcAft>
               <a:spcPct val="35000"/>
             </a:spcAft>
+            <a:buNone/>
           </a:pPr>
           <a:r>
             <a:rPr lang="ko-KR" altLang="en-US" sz="2400" kern="1200" noProof="0" dirty="0">
@@ -4764,7 +4617,7 @@
                 <a:latin typeface="malgun gothic" panose="020B0503020000020004" pitchFamily="50" charset="-127"/>
                 <a:ea typeface="malgun gothic" panose="020B0503020000020004" pitchFamily="50" charset="-127"/>
               </a:rPr>
-              <a:t>2017-08-05</a:t>
+              <a:t>2017-08-06</a:t>
             </a:fld>
             <a:endParaRPr lang="ko-KR" altLang="en-US" dirty="0">
               <a:latin typeface="malgun gothic" panose="020B0503020000020004" pitchFamily="50" charset="-127"/>
@@ -4951,7 +4804,7 @@
             <a:fld id="{2B34C70B-81DE-478B-BC68-391D7A2B171D}" type="datetime1">
               <a:rPr lang="ko-KR" altLang="en-US" smtClean="0"/>
               <a:pPr/>
-              <a:t>2017-08-05</a:t>
+              <a:t>2017-08-06</a:t>
             </a:fld>
             <a:endParaRPr lang="ko-KR" altLang="en-US" dirty="0"/>
           </a:p>
@@ -5481,7 +5334,7 @@
     </p:spTree>
     <p:extLst>
       <p:ext uri="{BB962C8B-B14F-4D97-AF65-F5344CB8AC3E}">
-        <p14:creationId xmlns:p14="http://schemas.microsoft.com/office/powerpoint/2010/main" val="993507523"/>
+        <p14:creationId xmlns:p14="http://schemas.microsoft.com/office/powerpoint/2010/main" val="2064821658"/>
       </p:ext>
     </p:extLst>
   </p:cSld>
@@ -5561,6 +5414,182 @@
             <a:fld id="{5EE2CF44-2B13-41B4-A334-1CDF534EEBBF}" type="slidenum">
               <a:rPr lang="en-US" altLang="ko-KR" smtClean="0"/>
               <a:t>12</a:t>
+            </a:fld>
+            <a:endParaRPr lang="en-US" altLang="ko-KR"/>
+          </a:p>
+        </p:txBody>
+      </p:sp>
+    </p:spTree>
+    <p:extLst>
+      <p:ext uri="{BB962C8B-B14F-4D97-AF65-F5344CB8AC3E}">
+        <p14:creationId xmlns:p14="http://schemas.microsoft.com/office/powerpoint/2010/main" val="2416005249"/>
+      </p:ext>
+    </p:extLst>
+  </p:cSld>
+  <p:clrMapOvr>
+    <a:masterClrMapping/>
+  </p:clrMapOvr>
+</p:notes>
+</file>
+
+<file path=ppt/notesSlides/notesSlide13.xml><?xml version="1.0" encoding="utf-8"?>
+<p:notes xmlns:a="http://schemas.openxmlformats.org/drawingml/2006/main" xmlns:r="http://schemas.openxmlformats.org/officeDocument/2006/relationships" xmlns:p="http://schemas.openxmlformats.org/presentationml/2006/main">
+  <p:cSld>
+    <p:spTree>
+      <p:nvGrpSpPr>
+        <p:cNvPr id="1" name=""/>
+        <p:cNvGrpSpPr/>
+        <p:nvPr/>
+      </p:nvGrpSpPr>
+      <p:grpSpPr>
+        <a:xfrm>
+          <a:off x="0" y="0"/>
+          <a:ext cx="0" cy="0"/>
+          <a:chOff x="0" y="0"/>
+          <a:chExt cx="0" cy="0"/>
+        </a:xfrm>
+      </p:grpSpPr>
+      <p:sp>
+        <p:nvSpPr>
+          <p:cNvPr id="2" name="슬라이드 이미지 개체 틀 1"/>
+          <p:cNvSpPr>
+            <a:spLocks noGrp="1" noRot="1" noChangeAspect="1"/>
+          </p:cNvSpPr>
+          <p:nvPr>
+            <p:ph type="sldImg"/>
+          </p:nvPr>
+        </p:nvSpPr>
+        <p:spPr/>
+      </p:sp>
+      <p:sp>
+        <p:nvSpPr>
+          <p:cNvPr id="3" name="슬라이드 노트 개체 틀 2"/>
+          <p:cNvSpPr>
+            <a:spLocks noGrp="1"/>
+          </p:cNvSpPr>
+          <p:nvPr>
+            <p:ph type="body" idx="1"/>
+          </p:nvPr>
+        </p:nvSpPr>
+        <p:spPr/>
+        <p:txBody>
+          <a:bodyPr/>
+          <a:lstStyle/>
+          <a:p>
+            <a:endParaRPr lang="ko-KR" altLang="en-US" noProof="0" dirty="0">
+              <a:latin typeface="malgun gothic" panose="020B0503020000020004" pitchFamily="50" charset="-127"/>
+              <a:ea typeface="malgun gothic" panose="020B0503020000020004" pitchFamily="50" charset="-127"/>
+            </a:endParaRPr>
+          </a:p>
+        </p:txBody>
+      </p:sp>
+      <p:sp>
+        <p:nvSpPr>
+          <p:cNvPr id="4" name="슬라이드 번호 개체 틀 3"/>
+          <p:cNvSpPr>
+            <a:spLocks noGrp="1"/>
+          </p:cNvSpPr>
+          <p:nvPr>
+            <p:ph type="sldNum" sz="quarter" idx="10"/>
+          </p:nvPr>
+        </p:nvSpPr>
+        <p:spPr/>
+        <p:txBody>
+          <a:bodyPr/>
+          <a:lstStyle/>
+          <a:p>
+            <a:pPr rtl="0"/>
+            <a:fld id="{5EE2CF44-2B13-41B4-A334-1CDF534EEBBF}" type="slidenum">
+              <a:rPr lang="en-US" altLang="ko-KR" smtClean="0"/>
+              <a:t>13</a:t>
+            </a:fld>
+            <a:endParaRPr lang="en-US" altLang="ko-KR"/>
+          </a:p>
+        </p:txBody>
+      </p:sp>
+    </p:spTree>
+    <p:extLst>
+      <p:ext uri="{BB962C8B-B14F-4D97-AF65-F5344CB8AC3E}">
+        <p14:creationId xmlns:p14="http://schemas.microsoft.com/office/powerpoint/2010/main" val="993507523"/>
+      </p:ext>
+    </p:extLst>
+  </p:cSld>
+  <p:clrMapOvr>
+    <a:masterClrMapping/>
+  </p:clrMapOvr>
+</p:notes>
+</file>
+
+<file path=ppt/notesSlides/notesSlide14.xml><?xml version="1.0" encoding="utf-8"?>
+<p:notes xmlns:a="http://schemas.openxmlformats.org/drawingml/2006/main" xmlns:r="http://schemas.openxmlformats.org/officeDocument/2006/relationships" xmlns:p="http://schemas.openxmlformats.org/presentationml/2006/main">
+  <p:cSld>
+    <p:spTree>
+      <p:nvGrpSpPr>
+        <p:cNvPr id="1" name=""/>
+        <p:cNvGrpSpPr/>
+        <p:nvPr/>
+      </p:nvGrpSpPr>
+      <p:grpSpPr>
+        <a:xfrm>
+          <a:off x="0" y="0"/>
+          <a:ext cx="0" cy="0"/>
+          <a:chOff x="0" y="0"/>
+          <a:chExt cx="0" cy="0"/>
+        </a:xfrm>
+      </p:grpSpPr>
+      <p:sp>
+        <p:nvSpPr>
+          <p:cNvPr id="2" name="슬라이드 이미지 개체 틀 1"/>
+          <p:cNvSpPr>
+            <a:spLocks noGrp="1" noRot="1" noChangeAspect="1"/>
+          </p:cNvSpPr>
+          <p:nvPr>
+            <p:ph type="sldImg"/>
+          </p:nvPr>
+        </p:nvSpPr>
+        <p:spPr/>
+      </p:sp>
+      <p:sp>
+        <p:nvSpPr>
+          <p:cNvPr id="3" name="슬라이드 노트 개체 틀 2"/>
+          <p:cNvSpPr>
+            <a:spLocks noGrp="1"/>
+          </p:cNvSpPr>
+          <p:nvPr>
+            <p:ph type="body" idx="1"/>
+          </p:nvPr>
+        </p:nvSpPr>
+        <p:spPr/>
+        <p:txBody>
+          <a:bodyPr/>
+          <a:lstStyle/>
+          <a:p>
+            <a:endParaRPr lang="ko-KR" altLang="en-US" noProof="0" dirty="0">
+              <a:latin typeface="malgun gothic" panose="020B0503020000020004" pitchFamily="50" charset="-127"/>
+              <a:ea typeface="malgun gothic" panose="020B0503020000020004" pitchFamily="50" charset="-127"/>
+            </a:endParaRPr>
+          </a:p>
+        </p:txBody>
+      </p:sp>
+      <p:sp>
+        <p:nvSpPr>
+          <p:cNvPr id="4" name="슬라이드 번호 개체 틀 3"/>
+          <p:cNvSpPr>
+            <a:spLocks noGrp="1"/>
+          </p:cNvSpPr>
+          <p:nvPr>
+            <p:ph type="sldNum" sz="quarter" idx="10"/>
+          </p:nvPr>
+        </p:nvSpPr>
+        <p:spPr/>
+        <p:txBody>
+          <a:bodyPr/>
+          <a:lstStyle/>
+          <a:p>
+            <a:pPr rtl="0"/>
+            <a:fld id="{5EE2CF44-2B13-41B4-A334-1CDF534EEBBF}" type="slidenum">
+              <a:rPr lang="en-US" altLang="ko-KR" smtClean="0"/>
+              <a:t>14</a:t>
             </a:fld>
             <a:endParaRPr lang="en-US" altLang="ko-KR"/>
           </a:p>
@@ -6669,7 +6698,7 @@
             <a:fld id="{68CE1086-A3BD-48EF-A323-678893A53D35}" type="datetime1">
               <a:rPr lang="ko-KR" altLang="en-US" smtClean="0"/>
               <a:pPr/>
-              <a:t>2017-08-05</a:t>
+              <a:t>2017-08-06</a:t>
             </a:fld>
             <a:endParaRPr lang="ko-KR" altLang="en-US" dirty="0"/>
           </a:p>
@@ -6861,7 +6890,7 @@
             <a:fld id="{6EA4C49E-3278-403A-903E-EF3D15875233}" type="datetime1">
               <a:rPr lang="ko-KR" altLang="en-US" smtClean="0"/>
               <a:pPr/>
-              <a:t>2017-08-05</a:t>
+              <a:t>2017-08-06</a:t>
             </a:fld>
             <a:endParaRPr lang="ko-KR" altLang="en-US" dirty="0"/>
           </a:p>
@@ -7080,7 +7109,7 @@
             <a:fld id="{57B1F5DF-468D-4526-9AD3-FCEB4539BE9E}" type="datetime1">
               <a:rPr lang="ko-KR" altLang="en-US" smtClean="0"/>
               <a:pPr/>
-              <a:t>2017-08-05</a:t>
+              <a:t>2017-08-06</a:t>
             </a:fld>
             <a:endParaRPr lang="ko-KR" altLang="en-US" dirty="0"/>
           </a:p>
@@ -7537,7 +7566,7 @@
             <a:fld id="{4A42E9B4-9CCE-4307-BDB1-EE18E3DD4AB2}" type="datetime1">
               <a:rPr lang="ko-KR" altLang="en-US" smtClean="0"/>
               <a:pPr/>
-              <a:t>2017-08-05</a:t>
+              <a:t>2017-08-06</a:t>
             </a:fld>
             <a:endParaRPr lang="ko-KR" altLang="en-US" dirty="0"/>
           </a:p>
@@ -7983,7 +8012,7 @@
             <a:fld id="{C381DCFB-4CBD-4994-8BAE-751FAAE07E5B}" type="datetime1">
               <a:rPr lang="ko-KR" altLang="en-US" smtClean="0"/>
               <a:pPr/>
-              <a:t>2017-08-05</a:t>
+              <a:t>2017-08-06</a:t>
             </a:fld>
             <a:endParaRPr lang="ko-KR" altLang="en-US" dirty="0"/>
           </a:p>
@@ -8109,7 +8138,7 @@
             <a:fld id="{D77F9172-712F-4274-AA50-4E268DAA3039}" type="datetime1">
               <a:rPr lang="ko-KR" altLang="en-US" smtClean="0"/>
               <a:pPr/>
-              <a:t>2017-08-05</a:t>
+              <a:t>2017-08-06</a:t>
             </a:fld>
             <a:endParaRPr lang="ko-KR" altLang="en-US" dirty="0"/>
           </a:p>
@@ -8211,7 +8240,7 @@
             <a:fld id="{E6EBB456-6E40-4840-BC62-AD77175292E5}" type="datetime1">
               <a:rPr lang="ko-KR" altLang="en-US" smtClean="0"/>
               <a:pPr/>
-              <a:t>2017-08-05</a:t>
+              <a:t>2017-08-06</a:t>
             </a:fld>
             <a:endParaRPr lang="ko-KR" altLang="en-US" dirty="0"/>
           </a:p>
@@ -8504,7 +8533,7 @@
             <a:fld id="{97CD9761-6B96-4BBC-A321-D317D8E7C564}" type="datetime1">
               <a:rPr lang="ko-KR" altLang="en-US" smtClean="0"/>
               <a:pPr/>
-              <a:t>2017-08-05</a:t>
+              <a:t>2017-08-06</a:t>
             </a:fld>
             <a:endParaRPr lang="ko-KR" altLang="en-US" dirty="0"/>
           </a:p>
@@ -8841,7 +8870,7 @@
             <a:fld id="{96DD9EE9-B0D3-429F-B9CA-4B9779BB7761}" type="datetime1">
               <a:rPr lang="ko-KR" altLang="en-US" smtClean="0"/>
               <a:pPr/>
-              <a:t>2017-08-05</a:t>
+              <a:t>2017-08-06</a:t>
             </a:fld>
             <a:endParaRPr lang="ko-KR" altLang="en-US" dirty="0"/>
           </a:p>
@@ -9071,7 +9100,7 @@
             <a:fld id="{11DBD0AD-5711-45AA-9DE6-936CF2BF62F6}" type="datetime1">
               <a:rPr lang="ko-KR" altLang="en-US" smtClean="0"/>
               <a:pPr/>
-              <a:t>2017-08-05</a:t>
+              <a:t>2017-08-06</a:t>
             </a:fld>
             <a:endParaRPr lang="ko-KR" altLang="en-US" dirty="0"/>
           </a:p>
@@ -9500,7 +9529,7 @@
   </p:txStyles>
   <p:extLst mod="1">
     <p:ext uri="{27BBF7A9-308A-43DC-89C8-2F10F3537804}">
-      <p15:sldGuideLst xmlns:p15="http://schemas.microsoft.com/office/powerpoint/2012/main" xmlns="">
+      <p15:sldGuideLst xmlns:p15="http://schemas.microsoft.com/office/powerpoint/2012/main">
         <p15:guide id="1" orient="horz" pos="2160">
           <p15:clr>
             <a:srgbClr val="F26B43"/>
@@ -9605,13 +9634,6 @@
       </p:transition>
     </mc:Fallback>
   </mc:AlternateContent>
-  <p:timing>
-    <p:tnLst>
-      <p:par>
-        <p:cTn id="1" dur="indefinite" restart="never" nodeType="tmRoot"/>
-      </p:par>
-    </p:tnLst>
-  </p:timing>
 </p:sld>
 </file>
 
@@ -9668,7 +9690,7 @@
             <a:hlinkClick r:id="" action="ppaction://media"/>
             <a:extLst>
               <a:ext uri="{FF2B5EF4-FFF2-40B4-BE49-F238E27FC236}">
-                <a16:creationId xmlns:a16="http://schemas.microsoft.com/office/drawing/2014/main" xmlns="" id="{8D6FDD51-D197-4803-B1A4-601271494239}"/>
+                <a16:creationId xmlns:a16="http://schemas.microsoft.com/office/drawing/2014/main" id="{8D6FDD51-D197-4803-B1A4-601271494239}"/>
               </a:ext>
             </a:extLst>
           </p:cNvPr>
@@ -9725,7 +9747,7 @@
             <a:hlinkClick r:id="" action="ppaction://media"/>
             <a:extLst>
               <a:ext uri="{FF2B5EF4-FFF2-40B4-BE49-F238E27FC236}">
-                <a16:creationId xmlns:a16="http://schemas.microsoft.com/office/drawing/2014/main" xmlns="" id="{E86C03D8-573C-4903-A312-CB6EEB344F38}"/>
+                <a16:creationId xmlns:a16="http://schemas.microsoft.com/office/drawing/2014/main" id="{E86C03D8-573C-4903-A312-CB6EEB344F38}"/>
               </a:ext>
             </a:extLst>
           </p:cNvPr>
@@ -9779,29 +9801,330 @@
   <p:clrMapOvr>
     <a:masterClrMapping/>
   </p:clrMapOvr>
-  <mc:AlternateContent xmlns:mc="http://schemas.openxmlformats.org/markup-compatibility/2006">
-    <mc:Choice xmlns:p14="http://schemas.microsoft.com/office/powerpoint/2010/main" Requires="p14">
+  <mc:AlternateContent xmlns:mc="http://schemas.openxmlformats.org/markup-compatibility/2006" xmlns:p14="http://schemas.microsoft.com/office/powerpoint/2010/main">
+    <mc:Choice Requires="p14">
       <p:transition spd="med" p14:dur="700">
         <p:fade/>
       </p:transition>
     </mc:Choice>
-    <mc:Fallback>
+    <mc:Fallback xmlns="">
       <p:transition spd="med">
         <p:fade/>
       </p:transition>
     </mc:Fallback>
   </mc:AlternateContent>
-  <p:timing>
-    <p:tnLst>
-      <p:par>
-        <p:cTn id="1" dur="indefinite" restart="never" nodeType="tmRoot"/>
-      </p:par>
-    </p:tnLst>
-  </p:timing>
 </p:sld>
 </file>
 
 <file path=ppt/slides/slide11.xml><?xml version="1.0" encoding="utf-8"?>
+<p:sld xmlns:a="http://schemas.openxmlformats.org/drawingml/2006/main" xmlns:r="http://schemas.openxmlformats.org/officeDocument/2006/relationships" xmlns:p="http://schemas.openxmlformats.org/presentationml/2006/main">
+  <p:cSld>
+    <p:spTree>
+      <p:nvGrpSpPr>
+        <p:cNvPr id="1" name=""/>
+        <p:cNvGrpSpPr/>
+        <p:nvPr/>
+      </p:nvGrpSpPr>
+      <p:grpSpPr>
+        <a:xfrm>
+          <a:off x="0" y="0"/>
+          <a:ext cx="0" cy="0"/>
+          <a:chOff x="0" y="0"/>
+          <a:chExt cx="0" cy="0"/>
+        </a:xfrm>
+      </p:grpSpPr>
+      <p:sp>
+        <p:nvSpPr>
+          <p:cNvPr id="2" name="제목 1"/>
+          <p:cNvSpPr>
+            <a:spLocks noGrp="1"/>
+          </p:cNvSpPr>
+          <p:nvPr>
+            <p:ph type="title"/>
+          </p:nvPr>
+        </p:nvSpPr>
+        <p:spPr>
+          <a:xfrm>
+            <a:off x="1524000" y="457200"/>
+            <a:ext cx="9144000" cy="1143000"/>
+          </a:xfrm>
+        </p:spPr>
+        <p:txBody>
+          <a:bodyPr rtlCol="0"/>
+          <a:lstStyle/>
+          <a:p>
+            <a:r>
+              <a:rPr lang="ko-KR" altLang="en-US" dirty="0">
+                <a:latin typeface="malgun gothic" panose="020B0503020000020004" pitchFamily="50" charset="-127"/>
+                <a:ea typeface="malgun gothic" panose="020B0503020000020004" pitchFamily="50" charset="-127"/>
+              </a:rPr>
+              <a:t>문제점</a:t>
+            </a:r>
+          </a:p>
+        </p:txBody>
+      </p:sp>
+      <p:pic>
+        <p:nvPicPr>
+          <p:cNvPr id="5" name="그림 4">
+            <a:extLst>
+              <a:ext uri="{FF2B5EF4-FFF2-40B4-BE49-F238E27FC236}">
+                <a16:creationId xmlns:a16="http://schemas.microsoft.com/office/drawing/2014/main" id="{D3F6CC0C-4183-4002-BB30-1A8AF24F7C3A}"/>
+              </a:ext>
+            </a:extLst>
+          </p:cNvPr>
+          <p:cNvPicPr>
+            <a:picLocks noChangeAspect="1"/>
+          </p:cNvPicPr>
+          <p:nvPr/>
+        </p:nvPicPr>
+        <p:blipFill>
+          <a:blip r:embed="rId3">
+            <a:extLst>
+              <a:ext uri="{28A0092B-C50C-407E-A947-70E740481C1C}">
+                <a14:useLocalDpi xmlns:a14="http://schemas.microsoft.com/office/drawing/2010/main" val="0"/>
+              </a:ext>
+            </a:extLst>
+          </a:blip>
+          <a:stretch>
+            <a:fillRect/>
+          </a:stretch>
+        </p:blipFill>
+        <p:spPr>
+          <a:xfrm>
+            <a:off x="1703512" y="1772816"/>
+            <a:ext cx="3836268" cy="3836268"/>
+          </a:xfrm>
+          <a:prstGeom prst="rect">
+            <a:avLst/>
+          </a:prstGeom>
+        </p:spPr>
+      </p:pic>
+      <p:sp>
+        <p:nvSpPr>
+          <p:cNvPr id="6" name="TextBox 5">
+            <a:extLst>
+              <a:ext uri="{FF2B5EF4-FFF2-40B4-BE49-F238E27FC236}">
+                <a16:creationId xmlns:a16="http://schemas.microsoft.com/office/drawing/2014/main" id="{E8A05D81-D1F6-44F4-BABC-3E609555C77C}"/>
+              </a:ext>
+            </a:extLst>
+          </p:cNvPr>
+          <p:cNvSpPr txBox="1"/>
+          <p:nvPr/>
+        </p:nvSpPr>
+        <p:spPr>
+          <a:xfrm>
+            <a:off x="5879976" y="1772816"/>
+            <a:ext cx="4608512" cy="1477328"/>
+          </a:xfrm>
+          <a:prstGeom prst="rect">
+            <a:avLst/>
+          </a:prstGeom>
+          <a:noFill/>
+        </p:spPr>
+        <p:txBody>
+          <a:bodyPr wrap="square" rtlCol="0">
+            <a:spAutoFit/>
+          </a:bodyPr>
+          <a:lstStyle/>
+          <a:p>
+            <a:r>
+              <a:rPr lang="en-US" altLang="ko-KR" dirty="0" err="1"/>
+              <a:t>Sunfounder</a:t>
+            </a:r>
+            <a:r>
+              <a:rPr lang="en-US" altLang="ko-KR" dirty="0"/>
+              <a:t> </a:t>
+            </a:r>
+            <a:r>
+              <a:rPr lang="ko-KR" altLang="en-US" dirty="0"/>
+              <a:t>사의 프레임 사용</a:t>
+            </a:r>
+            <a:endParaRPr lang="en-US" altLang="ko-KR" dirty="0"/>
+          </a:p>
+          <a:p>
+            <a:r>
+              <a:rPr lang="ko-KR" altLang="en-US" dirty="0" err="1"/>
+              <a:t>조향장치가</a:t>
+            </a:r>
+            <a:r>
+              <a:rPr lang="ko-KR" altLang="en-US" dirty="0"/>
+              <a:t> </a:t>
+            </a:r>
+            <a:r>
+              <a:rPr lang="ko-KR" altLang="en-US" dirty="0" err="1"/>
+              <a:t>서보모터로</a:t>
+            </a:r>
+            <a:r>
+              <a:rPr lang="ko-KR" altLang="en-US" dirty="0"/>
+              <a:t> 구동</a:t>
+            </a:r>
+            <a:endParaRPr lang="en-US" altLang="ko-KR" dirty="0"/>
+          </a:p>
+          <a:p>
+            <a:r>
+              <a:rPr lang="ko-KR" altLang="en-US" dirty="0"/>
+              <a:t>좌</a:t>
+            </a:r>
+            <a:r>
+              <a:rPr lang="en-US" altLang="ko-KR" dirty="0"/>
+              <a:t>/</a:t>
+            </a:r>
+            <a:r>
+              <a:rPr lang="ko-KR" altLang="en-US" dirty="0"/>
+              <a:t>우회전 이후 정면으로 달리지 못하고 </a:t>
+            </a:r>
+            <a:endParaRPr lang="en-US" altLang="ko-KR" dirty="0"/>
+          </a:p>
+          <a:p>
+            <a:r>
+              <a:rPr lang="ko-KR" altLang="en-US" dirty="0"/>
+              <a:t>회전 방향으로 살짝 기울어져 달리는 문제가 동일 프레임에서 모두 발생</a:t>
+            </a:r>
+          </a:p>
+        </p:txBody>
+      </p:sp>
+    </p:spTree>
+    <p:extLst>
+      <p:ext uri="{BB962C8B-B14F-4D97-AF65-F5344CB8AC3E}">
+        <p14:creationId xmlns:p14="http://schemas.microsoft.com/office/powerpoint/2010/main" val="341516235"/>
+      </p:ext>
+    </p:extLst>
+  </p:cSld>
+  <p:clrMapOvr>
+    <a:masterClrMapping/>
+  </p:clrMapOvr>
+  <mc:AlternateContent xmlns:mc="http://schemas.openxmlformats.org/markup-compatibility/2006" xmlns:p14="http://schemas.microsoft.com/office/powerpoint/2010/main">
+    <mc:Choice Requires="p14">
+      <p:transition spd="med" p14:dur="700">
+        <p:fade/>
+      </p:transition>
+    </mc:Choice>
+    <mc:Fallback xmlns="">
+      <p:transition spd="med">
+        <p:fade/>
+      </p:transition>
+    </mc:Fallback>
+  </mc:AlternateContent>
+</p:sld>
+</file>
+
+<file path=ppt/slides/slide12.xml><?xml version="1.0" encoding="utf-8"?>
+<p:sld xmlns:a="http://schemas.openxmlformats.org/drawingml/2006/main" xmlns:r="http://schemas.openxmlformats.org/officeDocument/2006/relationships" xmlns:p="http://schemas.openxmlformats.org/presentationml/2006/main">
+  <p:cSld>
+    <p:spTree>
+      <p:nvGrpSpPr>
+        <p:cNvPr id="1" name=""/>
+        <p:cNvGrpSpPr/>
+        <p:nvPr/>
+      </p:nvGrpSpPr>
+      <p:grpSpPr>
+        <a:xfrm>
+          <a:off x="0" y="0"/>
+          <a:ext cx="0" cy="0"/>
+          <a:chOff x="0" y="0"/>
+          <a:chExt cx="0" cy="0"/>
+        </a:xfrm>
+      </p:grpSpPr>
+      <p:sp>
+        <p:nvSpPr>
+          <p:cNvPr id="2" name="제목 1"/>
+          <p:cNvSpPr>
+            <a:spLocks noGrp="1"/>
+          </p:cNvSpPr>
+          <p:nvPr>
+            <p:ph type="title"/>
+          </p:nvPr>
+        </p:nvSpPr>
+        <p:spPr>
+          <a:xfrm>
+            <a:off x="1524000" y="457200"/>
+            <a:ext cx="9144000" cy="1143000"/>
+          </a:xfrm>
+        </p:spPr>
+        <p:txBody>
+          <a:bodyPr rtlCol="0"/>
+          <a:lstStyle/>
+          <a:p>
+            <a:r>
+              <a:rPr lang="ko-KR" altLang="en-US" dirty="0">
+                <a:latin typeface="malgun gothic" panose="020B0503020000020004" pitchFamily="50" charset="-127"/>
+                <a:ea typeface="malgun gothic" panose="020B0503020000020004" pitchFamily="50" charset="-127"/>
+              </a:rPr>
+              <a:t>해결 </a:t>
+            </a:r>
+            <a:r>
+              <a:rPr lang="ko-KR" altLang="en-US" dirty="0" err="1"/>
+              <a:t>구상안</a:t>
+            </a:r>
+            <a:endParaRPr lang="ko-KR" altLang="en-US" dirty="0">
+              <a:latin typeface="malgun gothic" panose="020B0503020000020004" pitchFamily="50" charset="-127"/>
+              <a:ea typeface="malgun gothic" panose="020B0503020000020004" pitchFamily="50" charset="-127"/>
+            </a:endParaRPr>
+          </a:p>
+        </p:txBody>
+      </p:sp>
+      <p:pic>
+        <p:nvPicPr>
+          <p:cNvPr id="5" name="그림 4">
+            <a:extLst>
+              <a:ext uri="{FF2B5EF4-FFF2-40B4-BE49-F238E27FC236}">
+                <a16:creationId xmlns:a16="http://schemas.microsoft.com/office/drawing/2014/main" id="{0375151C-A280-440A-9784-0C72E67CFDCD}"/>
+              </a:ext>
+            </a:extLst>
+          </p:cNvPr>
+          <p:cNvPicPr>
+            <a:picLocks noChangeAspect="1"/>
+          </p:cNvPicPr>
+          <p:nvPr/>
+        </p:nvPicPr>
+        <p:blipFill>
+          <a:blip r:embed="rId3">
+            <a:extLst>
+              <a:ext uri="{28A0092B-C50C-407E-A947-70E740481C1C}">
+                <a14:useLocalDpi xmlns:a14="http://schemas.microsoft.com/office/drawing/2010/main" val="0"/>
+              </a:ext>
+            </a:extLst>
+          </a:blip>
+          <a:stretch>
+            <a:fillRect/>
+          </a:stretch>
+        </p:blipFill>
+        <p:spPr>
+          <a:xfrm>
+            <a:off x="1559496" y="1844824"/>
+            <a:ext cx="4373661" cy="3490093"/>
+          </a:xfrm>
+          <a:prstGeom prst="rect">
+            <a:avLst/>
+          </a:prstGeom>
+        </p:spPr>
+      </p:pic>
+    </p:spTree>
+    <p:extLst>
+      <p:ext uri="{BB962C8B-B14F-4D97-AF65-F5344CB8AC3E}">
+        <p14:creationId xmlns:p14="http://schemas.microsoft.com/office/powerpoint/2010/main" val="3062758021"/>
+      </p:ext>
+    </p:extLst>
+  </p:cSld>
+  <p:clrMapOvr>
+    <a:masterClrMapping/>
+  </p:clrMapOvr>
+  <mc:AlternateContent xmlns:mc="http://schemas.openxmlformats.org/markup-compatibility/2006" xmlns:p14="http://schemas.microsoft.com/office/powerpoint/2010/main">
+    <mc:Choice Requires="p14">
+      <p:transition spd="med" p14:dur="700">
+        <p:fade/>
+      </p:transition>
+    </mc:Choice>
+    <mc:Fallback xmlns="">
+      <p:transition spd="med">
+        <p:fade/>
+      </p:transition>
+    </mc:Fallback>
+  </mc:AlternateContent>
+</p:sld>
+</file>
+
+<file path=ppt/slides/slide13.xml><?xml version="1.0" encoding="utf-8"?>
 <p:sld xmlns:a="http://schemas.openxmlformats.org/drawingml/2006/main" xmlns:r="http://schemas.openxmlformats.org/officeDocument/2006/relationships" xmlns:p="http://schemas.openxmlformats.org/presentationml/2006/main">
   <p:cSld>
     <p:spTree>
@@ -9853,7 +10176,7 @@
           <p:cNvPr id="3" name="내용 개체 틀 13">
             <a:extLst>
               <a:ext uri="{FF2B5EF4-FFF2-40B4-BE49-F238E27FC236}">
-                <a16:creationId xmlns:a16="http://schemas.microsoft.com/office/drawing/2014/main" xmlns="" id="{224AD9A3-2E6C-431D-97B7-D3C15271C81C}"/>
+                <a16:creationId xmlns:a16="http://schemas.microsoft.com/office/drawing/2014/main" id="{224AD9A3-2E6C-431D-97B7-D3C15271C81C}"/>
               </a:ext>
             </a:extLst>
           </p:cNvPr>
@@ -10110,29 +10433,22 @@
   <p:clrMapOvr>
     <a:masterClrMapping/>
   </p:clrMapOvr>
-  <mc:AlternateContent xmlns:mc="http://schemas.openxmlformats.org/markup-compatibility/2006">
-    <mc:Choice xmlns:p14="http://schemas.microsoft.com/office/powerpoint/2010/main" Requires="p14">
+  <mc:AlternateContent xmlns:mc="http://schemas.openxmlformats.org/markup-compatibility/2006" xmlns:p14="http://schemas.microsoft.com/office/powerpoint/2010/main">
+    <mc:Choice Requires="p14">
       <p:transition spd="med" p14:dur="700">
         <p:fade/>
       </p:transition>
     </mc:Choice>
-    <mc:Fallback>
+    <mc:Fallback xmlns="">
       <p:transition spd="med">
         <p:fade/>
       </p:transition>
     </mc:Fallback>
   </mc:AlternateContent>
-  <p:timing>
-    <p:tnLst>
-      <p:par>
-        <p:cTn id="1" dur="indefinite" restart="never" nodeType="tmRoot"/>
-      </p:par>
-    </p:tnLst>
-  </p:timing>
 </p:sld>
 </file>
 
-<file path=ppt/slides/slide12.xml><?xml version="1.0" encoding="utf-8"?>
+<file path=ppt/slides/slide14.xml><?xml version="1.0" encoding="utf-8"?>
 <p:sld xmlns:a="http://schemas.openxmlformats.org/drawingml/2006/main" xmlns:r="http://schemas.openxmlformats.org/officeDocument/2006/relationships" xmlns:p="http://schemas.openxmlformats.org/presentationml/2006/main">
   <p:cSld>
     <p:spTree>
@@ -10184,7 +10500,7 @@
           <p:cNvPr id="3" name="내용 개체 틀 13">
             <a:extLst>
               <a:ext uri="{FF2B5EF4-FFF2-40B4-BE49-F238E27FC236}">
-                <a16:creationId xmlns:a16="http://schemas.microsoft.com/office/drawing/2014/main" xmlns="" id="{224AD9A3-2E6C-431D-97B7-D3C15271C81C}"/>
+                <a16:creationId xmlns:a16="http://schemas.microsoft.com/office/drawing/2014/main" id="{224AD9A3-2E6C-431D-97B7-D3C15271C81C}"/>
               </a:ext>
             </a:extLst>
           </p:cNvPr>
@@ -10438,25 +10754,18 @@
   <p:clrMapOvr>
     <a:masterClrMapping/>
   </p:clrMapOvr>
-  <mc:AlternateContent xmlns:mc="http://schemas.openxmlformats.org/markup-compatibility/2006">
-    <mc:Choice xmlns:p14="http://schemas.microsoft.com/office/powerpoint/2010/main" Requires="p14">
+  <mc:AlternateContent xmlns:mc="http://schemas.openxmlformats.org/markup-compatibility/2006" xmlns:p14="http://schemas.microsoft.com/office/powerpoint/2010/main">
+    <mc:Choice Requires="p14">
       <p:transition spd="med" p14:dur="700">
         <p:fade/>
       </p:transition>
     </mc:Choice>
-    <mc:Fallback>
+    <mc:Fallback xmlns="">
       <p:transition spd="med">
         <p:fade/>
       </p:transition>
     </mc:Fallback>
   </mc:AlternateContent>
-  <p:timing>
-    <p:tnLst>
-      <p:par>
-        <p:cTn id="1" dur="indefinite" restart="never" nodeType="tmRoot"/>
-      </p:par>
-    </p:tnLst>
-  </p:timing>
 </p:sld>
 </file>
 
@@ -10539,25 +10848,18 @@
   <p:clrMapOvr>
     <a:masterClrMapping/>
   </p:clrMapOvr>
-  <mc:AlternateContent xmlns:mc="http://schemas.openxmlformats.org/markup-compatibility/2006">
-    <mc:Choice xmlns:p14="http://schemas.microsoft.com/office/powerpoint/2010/main" Requires="p14">
+  <mc:AlternateContent xmlns:mc="http://schemas.openxmlformats.org/markup-compatibility/2006" xmlns:p14="http://schemas.microsoft.com/office/powerpoint/2010/main">
+    <mc:Choice Requires="p14">
       <p:transition spd="med" p14:dur="700">
         <p:fade/>
       </p:transition>
     </mc:Choice>
-    <mc:Fallback>
+    <mc:Fallback xmlns="">
       <p:transition spd="med">
         <p:fade/>
       </p:transition>
     </mc:Fallback>
   </mc:AlternateContent>
-  <p:timing>
-    <p:tnLst>
-      <p:par>
-        <p:cTn id="1" dur="indefinite" restart="never" nodeType="tmRoot"/>
-      </p:par>
-    </p:tnLst>
-  </p:timing>
 </p:sld>
 </file>
 
@@ -10704,25 +11006,18 @@
   <p:clrMapOvr>
     <a:masterClrMapping/>
   </p:clrMapOvr>
-  <mc:AlternateContent xmlns:mc="http://schemas.openxmlformats.org/markup-compatibility/2006">
-    <mc:Choice xmlns:p14="http://schemas.microsoft.com/office/powerpoint/2010/main" Requires="p14">
+  <mc:AlternateContent xmlns:mc="http://schemas.openxmlformats.org/markup-compatibility/2006" xmlns:p14="http://schemas.microsoft.com/office/powerpoint/2010/main">
+    <mc:Choice Requires="p14">
       <p:transition spd="med" p14:dur="700">
         <p:fade/>
       </p:transition>
     </mc:Choice>
-    <mc:Fallback>
+    <mc:Fallback xmlns="">
       <p:transition spd="med">
         <p:fade/>
       </p:transition>
     </mc:Fallback>
   </mc:AlternateContent>
-  <p:timing>
-    <p:tnLst>
-      <p:par>
-        <p:cTn id="1" dur="indefinite" restart="never" nodeType="tmRoot"/>
-      </p:par>
-    </p:tnLst>
-  </p:timing>
 </p:sld>
 </file>
 
@@ -10748,7 +11043,7 @@
           <p:cNvPr id="74" name="그림 73">
             <a:extLst>
               <a:ext uri="{FF2B5EF4-FFF2-40B4-BE49-F238E27FC236}">
-                <a16:creationId xmlns:a16="http://schemas.microsoft.com/office/drawing/2014/main" xmlns="" id="{076F079D-B80B-4687-AE91-EAFDFA596061}"/>
+                <a16:creationId xmlns:a16="http://schemas.microsoft.com/office/drawing/2014/main" id="{076F079D-B80B-4687-AE91-EAFDFA596061}"/>
               </a:ext>
             </a:extLst>
           </p:cNvPr>
@@ -10810,7 +11105,7 @@
           <p:cNvPr id="3" name="그룹 2">
             <a:extLst>
               <a:ext uri="{FF2B5EF4-FFF2-40B4-BE49-F238E27FC236}">
-                <a16:creationId xmlns:a16="http://schemas.microsoft.com/office/drawing/2014/main" xmlns="" id="{63DC3C39-7014-4740-8EBB-DE478F769BA3}"/>
+                <a16:creationId xmlns:a16="http://schemas.microsoft.com/office/drawing/2014/main" id="{63DC3C39-7014-4740-8EBB-DE478F769BA3}"/>
               </a:ext>
             </a:extLst>
           </p:cNvPr>
@@ -10830,7 +11125,7 @@
             <p:cNvPr id="4" name="직사각형 3">
               <a:extLst>
                 <a:ext uri="{FF2B5EF4-FFF2-40B4-BE49-F238E27FC236}">
-                  <a16:creationId xmlns:a16="http://schemas.microsoft.com/office/drawing/2014/main" xmlns="" id="{F4FE8683-2D0D-4CC6-872E-2190592A4C33}"/>
+                  <a16:creationId xmlns:a16="http://schemas.microsoft.com/office/drawing/2014/main" id="{F4FE8683-2D0D-4CC6-872E-2190592A4C33}"/>
                 </a:ext>
               </a:extLst>
             </p:cNvPr>
@@ -10876,7 +11171,7 @@
             <p:cNvPr id="5" name="직사각형 4">
               <a:extLst>
                 <a:ext uri="{FF2B5EF4-FFF2-40B4-BE49-F238E27FC236}">
-                  <a16:creationId xmlns:a16="http://schemas.microsoft.com/office/drawing/2014/main" xmlns="" id="{D3AB28D5-AA07-4370-9D94-8CD2D0228C5D}"/>
+                  <a16:creationId xmlns:a16="http://schemas.microsoft.com/office/drawing/2014/main" id="{D3AB28D5-AA07-4370-9D94-8CD2D0228C5D}"/>
                 </a:ext>
               </a:extLst>
             </p:cNvPr>
@@ -10930,7 +11225,7 @@
             <p:cNvPr id="6" name="직사각형 5">
               <a:extLst>
                 <a:ext uri="{FF2B5EF4-FFF2-40B4-BE49-F238E27FC236}">
-                  <a16:creationId xmlns:a16="http://schemas.microsoft.com/office/drawing/2014/main" xmlns="" id="{7B3DF2C5-3A6D-450D-8891-A0D9AFB0E608}"/>
+                  <a16:creationId xmlns:a16="http://schemas.microsoft.com/office/drawing/2014/main" id="{7B3DF2C5-3A6D-450D-8891-A0D9AFB0E608}"/>
                 </a:ext>
               </a:extLst>
             </p:cNvPr>
@@ -10984,7 +11279,7 @@
             <p:cNvPr id="7" name="직사각형 6">
               <a:extLst>
                 <a:ext uri="{FF2B5EF4-FFF2-40B4-BE49-F238E27FC236}">
-                  <a16:creationId xmlns:a16="http://schemas.microsoft.com/office/drawing/2014/main" xmlns="" id="{790D3A63-9499-49D2-A4CF-8921DCF3F0CB}"/>
+                  <a16:creationId xmlns:a16="http://schemas.microsoft.com/office/drawing/2014/main" id="{790D3A63-9499-49D2-A4CF-8921DCF3F0CB}"/>
                 </a:ext>
               </a:extLst>
             </p:cNvPr>
@@ -11038,7 +11333,7 @@
             <p:cNvPr id="8" name="직사각형 7">
               <a:extLst>
                 <a:ext uri="{FF2B5EF4-FFF2-40B4-BE49-F238E27FC236}">
-                  <a16:creationId xmlns:a16="http://schemas.microsoft.com/office/drawing/2014/main" xmlns="" id="{F51C4578-CAD8-492B-BB43-BC90A7FB2368}"/>
+                  <a16:creationId xmlns:a16="http://schemas.microsoft.com/office/drawing/2014/main" id="{F51C4578-CAD8-492B-BB43-BC90A7FB2368}"/>
                 </a:ext>
               </a:extLst>
             </p:cNvPr>
@@ -11092,7 +11387,7 @@
             <p:cNvPr id="9" name="직사각형 8">
               <a:extLst>
                 <a:ext uri="{FF2B5EF4-FFF2-40B4-BE49-F238E27FC236}">
-                  <a16:creationId xmlns:a16="http://schemas.microsoft.com/office/drawing/2014/main" xmlns="" id="{7E0FBC51-4E05-4EFC-AE99-D7C605F2B52A}"/>
+                  <a16:creationId xmlns:a16="http://schemas.microsoft.com/office/drawing/2014/main" id="{7E0FBC51-4E05-4EFC-AE99-D7C605F2B52A}"/>
                 </a:ext>
               </a:extLst>
             </p:cNvPr>
@@ -11147,7 +11442,7 @@
           <p:cNvPr id="10" name="Picture 4">
             <a:extLst>
               <a:ext uri="{FF2B5EF4-FFF2-40B4-BE49-F238E27FC236}">
-                <a16:creationId xmlns:a16="http://schemas.microsoft.com/office/drawing/2014/main" xmlns="" id="{E5DF8450-3EFE-4F50-A1D3-D613909339A0}"/>
+                <a16:creationId xmlns:a16="http://schemas.microsoft.com/office/drawing/2014/main" id="{E5DF8450-3EFE-4F50-A1D3-D613909339A0}"/>
               </a:ext>
             </a:extLst>
           </p:cNvPr>
@@ -11191,7 +11486,7 @@
           <p:cNvPr id="71" name="그룹 70">
             <a:extLst>
               <a:ext uri="{FF2B5EF4-FFF2-40B4-BE49-F238E27FC236}">
-                <a16:creationId xmlns:a16="http://schemas.microsoft.com/office/drawing/2014/main" xmlns="" id="{CA923BDC-5FD7-4E88-B5E3-B4A3BE98E803}"/>
+                <a16:creationId xmlns:a16="http://schemas.microsoft.com/office/drawing/2014/main" id="{CA923BDC-5FD7-4E88-B5E3-B4A3BE98E803}"/>
               </a:ext>
             </a:extLst>
           </p:cNvPr>
@@ -11211,7 +11506,7 @@
             <p:cNvPr id="51" name="직사각형 50">
               <a:extLst>
                 <a:ext uri="{FF2B5EF4-FFF2-40B4-BE49-F238E27FC236}">
-                  <a16:creationId xmlns:a16="http://schemas.microsoft.com/office/drawing/2014/main" xmlns="" id="{69E258A0-30F5-4922-AE53-2FD511175043}"/>
+                  <a16:creationId xmlns:a16="http://schemas.microsoft.com/office/drawing/2014/main" id="{69E258A0-30F5-4922-AE53-2FD511175043}"/>
                 </a:ext>
               </a:extLst>
             </p:cNvPr>
@@ -11265,7 +11560,7 @@
             <p:cNvPr id="52" name="직선 연결선 51">
               <a:extLst>
                 <a:ext uri="{FF2B5EF4-FFF2-40B4-BE49-F238E27FC236}">
-                  <a16:creationId xmlns:a16="http://schemas.microsoft.com/office/drawing/2014/main" xmlns="" id="{F6F1C56C-99A6-4FFF-84F3-4A5F3FFDBC22}"/>
+                  <a16:creationId xmlns:a16="http://schemas.microsoft.com/office/drawing/2014/main" id="{F6F1C56C-99A6-4FFF-84F3-4A5F3FFDBC22}"/>
                 </a:ext>
               </a:extLst>
             </p:cNvPr>
@@ -11303,7 +11598,7 @@
             <p:cNvPr id="53" name="직선 연결선 52">
               <a:extLst>
                 <a:ext uri="{FF2B5EF4-FFF2-40B4-BE49-F238E27FC236}">
-                  <a16:creationId xmlns:a16="http://schemas.microsoft.com/office/drawing/2014/main" xmlns="" id="{F33F1117-80A5-4F73-9E8D-47B64EEAF9A6}"/>
+                  <a16:creationId xmlns:a16="http://schemas.microsoft.com/office/drawing/2014/main" id="{F33F1117-80A5-4F73-9E8D-47B64EEAF9A6}"/>
                 </a:ext>
               </a:extLst>
             </p:cNvPr>
@@ -11341,7 +11636,7 @@
             <p:cNvPr id="54" name="직선 연결선 53">
               <a:extLst>
                 <a:ext uri="{FF2B5EF4-FFF2-40B4-BE49-F238E27FC236}">
-                  <a16:creationId xmlns:a16="http://schemas.microsoft.com/office/drawing/2014/main" xmlns="" id="{2597E936-22D5-434E-A00B-145B2ABE5C2D}"/>
+                  <a16:creationId xmlns:a16="http://schemas.microsoft.com/office/drawing/2014/main" id="{2597E936-22D5-434E-A00B-145B2ABE5C2D}"/>
                 </a:ext>
               </a:extLst>
             </p:cNvPr>
@@ -11379,7 +11674,7 @@
             <p:cNvPr id="55" name="직선 연결선 54">
               <a:extLst>
                 <a:ext uri="{FF2B5EF4-FFF2-40B4-BE49-F238E27FC236}">
-                  <a16:creationId xmlns:a16="http://schemas.microsoft.com/office/drawing/2014/main" xmlns="" id="{85216802-6BF7-4CAC-A0F8-C679C79657A0}"/>
+                  <a16:creationId xmlns:a16="http://schemas.microsoft.com/office/drawing/2014/main" id="{85216802-6BF7-4CAC-A0F8-C679C79657A0}"/>
                 </a:ext>
               </a:extLst>
             </p:cNvPr>
@@ -11417,7 +11712,7 @@
             <p:cNvPr id="56" name="직선 연결선 55">
               <a:extLst>
                 <a:ext uri="{FF2B5EF4-FFF2-40B4-BE49-F238E27FC236}">
-                  <a16:creationId xmlns:a16="http://schemas.microsoft.com/office/drawing/2014/main" xmlns="" id="{6BE72259-1DDA-460F-8C54-D94300A48358}"/>
+                  <a16:creationId xmlns:a16="http://schemas.microsoft.com/office/drawing/2014/main" id="{6BE72259-1DDA-460F-8C54-D94300A48358}"/>
                 </a:ext>
               </a:extLst>
             </p:cNvPr>
@@ -11455,7 +11750,7 @@
             <p:cNvPr id="57" name="타원 56">
               <a:extLst>
                 <a:ext uri="{FF2B5EF4-FFF2-40B4-BE49-F238E27FC236}">
-                  <a16:creationId xmlns:a16="http://schemas.microsoft.com/office/drawing/2014/main" xmlns="" id="{A6B81B4A-3DCD-4897-BA17-930288F06226}"/>
+                  <a16:creationId xmlns:a16="http://schemas.microsoft.com/office/drawing/2014/main" id="{A6B81B4A-3DCD-4897-BA17-930288F06226}"/>
                 </a:ext>
               </a:extLst>
             </p:cNvPr>
@@ -11501,7 +11796,7 @@
             <p:cNvPr id="58" name="직선 연결선 57">
               <a:extLst>
                 <a:ext uri="{FF2B5EF4-FFF2-40B4-BE49-F238E27FC236}">
-                  <a16:creationId xmlns:a16="http://schemas.microsoft.com/office/drawing/2014/main" xmlns="" id="{38458EB2-2FA0-408B-84CB-AC10EB50EF19}"/>
+                  <a16:creationId xmlns:a16="http://schemas.microsoft.com/office/drawing/2014/main" id="{38458EB2-2FA0-408B-84CB-AC10EB50EF19}"/>
                 </a:ext>
               </a:extLst>
             </p:cNvPr>
@@ -11540,7 +11835,7 @@
           <p:cNvPr id="72" name="그림 71">
             <a:extLst>
               <a:ext uri="{FF2B5EF4-FFF2-40B4-BE49-F238E27FC236}">
-                <a16:creationId xmlns:a16="http://schemas.microsoft.com/office/drawing/2014/main" xmlns="" id="{C332FE36-31E5-46A3-A939-5A2E35D0C660}"/>
+                <a16:creationId xmlns:a16="http://schemas.microsoft.com/office/drawing/2014/main" id="{C332FE36-31E5-46A3-A939-5A2E35D0C660}"/>
               </a:ext>
             </a:extLst>
           </p:cNvPr>
@@ -11576,7 +11871,7 @@
           <p:cNvPr id="11" name="그룹 10">
             <a:extLst>
               <a:ext uri="{FF2B5EF4-FFF2-40B4-BE49-F238E27FC236}">
-                <a16:creationId xmlns:a16="http://schemas.microsoft.com/office/drawing/2014/main" xmlns="" id="{7A4DECD6-FB30-42D2-9BF3-EA5CC44CDF68}"/>
+                <a16:creationId xmlns:a16="http://schemas.microsoft.com/office/drawing/2014/main" id="{7A4DECD6-FB30-42D2-9BF3-EA5CC44CDF68}"/>
               </a:ext>
             </a:extLst>
           </p:cNvPr>
@@ -11596,7 +11891,7 @@
             <p:cNvPr id="12" name="직사각형 11">
               <a:extLst>
                 <a:ext uri="{FF2B5EF4-FFF2-40B4-BE49-F238E27FC236}">
-                  <a16:creationId xmlns:a16="http://schemas.microsoft.com/office/drawing/2014/main" xmlns="" id="{4963D34B-9EAF-4686-ACC5-7604878033CE}"/>
+                  <a16:creationId xmlns:a16="http://schemas.microsoft.com/office/drawing/2014/main" id="{4963D34B-9EAF-4686-ACC5-7604878033CE}"/>
                 </a:ext>
               </a:extLst>
             </p:cNvPr>
@@ -11645,7 +11940,7 @@
             <p:cNvPr id="13" name="직선 연결선 12">
               <a:extLst>
                 <a:ext uri="{FF2B5EF4-FFF2-40B4-BE49-F238E27FC236}">
-                  <a16:creationId xmlns:a16="http://schemas.microsoft.com/office/drawing/2014/main" xmlns="" id="{DEEB693C-B67C-4AEE-8588-B75462DA3CB9}"/>
+                  <a16:creationId xmlns:a16="http://schemas.microsoft.com/office/drawing/2014/main" id="{DEEB693C-B67C-4AEE-8588-B75462DA3CB9}"/>
                 </a:ext>
               </a:extLst>
             </p:cNvPr>
@@ -11684,7 +11979,7 @@
             <p:cNvPr id="14" name="직선 연결선 13">
               <a:extLst>
                 <a:ext uri="{FF2B5EF4-FFF2-40B4-BE49-F238E27FC236}">
-                  <a16:creationId xmlns:a16="http://schemas.microsoft.com/office/drawing/2014/main" xmlns="" id="{87666FF6-B020-431C-8754-D696C6C1FF93}"/>
+                  <a16:creationId xmlns:a16="http://schemas.microsoft.com/office/drawing/2014/main" id="{87666FF6-B020-431C-8754-D696C6C1FF93}"/>
                 </a:ext>
               </a:extLst>
             </p:cNvPr>
@@ -11723,7 +12018,7 @@
             <p:cNvPr id="15" name="직선 연결선 14">
               <a:extLst>
                 <a:ext uri="{FF2B5EF4-FFF2-40B4-BE49-F238E27FC236}">
-                  <a16:creationId xmlns:a16="http://schemas.microsoft.com/office/drawing/2014/main" xmlns="" id="{FC1B8570-40F2-4E0A-B6CE-BD35FEEFF4A4}"/>
+                  <a16:creationId xmlns:a16="http://schemas.microsoft.com/office/drawing/2014/main" id="{FC1B8570-40F2-4E0A-B6CE-BD35FEEFF4A4}"/>
                 </a:ext>
               </a:extLst>
             </p:cNvPr>
@@ -11762,7 +12057,7 @@
             <p:cNvPr id="16" name="직선 연결선 15">
               <a:extLst>
                 <a:ext uri="{FF2B5EF4-FFF2-40B4-BE49-F238E27FC236}">
-                  <a16:creationId xmlns:a16="http://schemas.microsoft.com/office/drawing/2014/main" xmlns="" id="{11CE54A4-F788-4229-A484-3844CF7B9681}"/>
+                  <a16:creationId xmlns:a16="http://schemas.microsoft.com/office/drawing/2014/main" id="{11CE54A4-F788-4229-A484-3844CF7B9681}"/>
                 </a:ext>
               </a:extLst>
             </p:cNvPr>
@@ -11801,7 +12096,7 @@
             <p:cNvPr id="17" name="직선 연결선 16">
               <a:extLst>
                 <a:ext uri="{FF2B5EF4-FFF2-40B4-BE49-F238E27FC236}">
-                  <a16:creationId xmlns:a16="http://schemas.microsoft.com/office/drawing/2014/main" xmlns="" id="{6A2AECC4-E30C-4A6E-9616-2EDAA9BEB886}"/>
+                  <a16:creationId xmlns:a16="http://schemas.microsoft.com/office/drawing/2014/main" id="{6A2AECC4-E30C-4A6E-9616-2EDAA9BEB886}"/>
                 </a:ext>
               </a:extLst>
             </p:cNvPr>
@@ -11840,7 +12135,7 @@
             <p:cNvPr id="18" name="직선 연결선 17">
               <a:extLst>
                 <a:ext uri="{FF2B5EF4-FFF2-40B4-BE49-F238E27FC236}">
-                  <a16:creationId xmlns:a16="http://schemas.microsoft.com/office/drawing/2014/main" xmlns="" id="{69BBB2D4-12B3-48A9-B2AA-5BAB03163F67}"/>
+                  <a16:creationId xmlns:a16="http://schemas.microsoft.com/office/drawing/2014/main" id="{69BBB2D4-12B3-48A9-B2AA-5BAB03163F67}"/>
                 </a:ext>
               </a:extLst>
             </p:cNvPr>
@@ -11879,7 +12174,7 @@
             <p:cNvPr id="19" name="직선 연결선 18">
               <a:extLst>
                 <a:ext uri="{FF2B5EF4-FFF2-40B4-BE49-F238E27FC236}">
-                  <a16:creationId xmlns:a16="http://schemas.microsoft.com/office/drawing/2014/main" xmlns="" id="{B5ACBCDC-5DEE-48C2-80B5-03E67C7A59C1}"/>
+                  <a16:creationId xmlns:a16="http://schemas.microsoft.com/office/drawing/2014/main" id="{B5ACBCDC-5DEE-48C2-80B5-03E67C7A59C1}"/>
                 </a:ext>
               </a:extLst>
             </p:cNvPr>
@@ -11918,7 +12213,7 @@
             <p:cNvPr id="20" name="직선 연결선 19">
               <a:extLst>
                 <a:ext uri="{FF2B5EF4-FFF2-40B4-BE49-F238E27FC236}">
-                  <a16:creationId xmlns:a16="http://schemas.microsoft.com/office/drawing/2014/main" xmlns="" id="{ACD1655B-7136-4785-AD17-C982D65D0698}"/>
+                  <a16:creationId xmlns:a16="http://schemas.microsoft.com/office/drawing/2014/main" id="{ACD1655B-7136-4785-AD17-C982D65D0698}"/>
                 </a:ext>
               </a:extLst>
             </p:cNvPr>
@@ -11957,7 +12252,7 @@
             <p:cNvPr id="21" name="직선 연결선 20">
               <a:extLst>
                 <a:ext uri="{FF2B5EF4-FFF2-40B4-BE49-F238E27FC236}">
-                  <a16:creationId xmlns:a16="http://schemas.microsoft.com/office/drawing/2014/main" xmlns="" id="{151BD482-D224-4E58-AC5C-A13EF68BE019}"/>
+                  <a16:creationId xmlns:a16="http://schemas.microsoft.com/office/drawing/2014/main" id="{151BD482-D224-4E58-AC5C-A13EF68BE019}"/>
                 </a:ext>
               </a:extLst>
             </p:cNvPr>
@@ -11996,7 +12291,7 @@
             <p:cNvPr id="22" name="직선 연결선 21">
               <a:extLst>
                 <a:ext uri="{FF2B5EF4-FFF2-40B4-BE49-F238E27FC236}">
-                  <a16:creationId xmlns:a16="http://schemas.microsoft.com/office/drawing/2014/main" xmlns="" id="{5385FF74-D463-403E-B2DC-46BE34E19617}"/>
+                  <a16:creationId xmlns:a16="http://schemas.microsoft.com/office/drawing/2014/main" id="{5385FF74-D463-403E-B2DC-46BE34E19617}"/>
                 </a:ext>
               </a:extLst>
             </p:cNvPr>
@@ -12035,7 +12330,7 @@
             <p:cNvPr id="23" name="원호 22">
               <a:extLst>
                 <a:ext uri="{FF2B5EF4-FFF2-40B4-BE49-F238E27FC236}">
-                  <a16:creationId xmlns:a16="http://schemas.microsoft.com/office/drawing/2014/main" xmlns="" id="{6A9776BD-D686-4581-938F-077AD5933EF9}"/>
+                  <a16:creationId xmlns:a16="http://schemas.microsoft.com/office/drawing/2014/main" id="{6A9776BD-D686-4581-938F-077AD5933EF9}"/>
                 </a:ext>
               </a:extLst>
             </p:cNvPr>
@@ -12082,7 +12377,7 @@
             <p:cNvPr id="24" name="원호 23">
               <a:extLst>
                 <a:ext uri="{FF2B5EF4-FFF2-40B4-BE49-F238E27FC236}">
-                  <a16:creationId xmlns:a16="http://schemas.microsoft.com/office/drawing/2014/main" xmlns="" id="{A18CFB56-4FF5-49D0-A418-CAF132E64769}"/>
+                  <a16:creationId xmlns:a16="http://schemas.microsoft.com/office/drawing/2014/main" id="{A18CFB56-4FF5-49D0-A418-CAF132E64769}"/>
                 </a:ext>
               </a:extLst>
             </p:cNvPr>
@@ -12129,7 +12424,7 @@
             <p:cNvPr id="25" name="원호 24">
               <a:extLst>
                 <a:ext uri="{FF2B5EF4-FFF2-40B4-BE49-F238E27FC236}">
-                  <a16:creationId xmlns:a16="http://schemas.microsoft.com/office/drawing/2014/main" xmlns="" id="{1D100791-675C-44E7-86F3-D8BAB11D09C7}"/>
+                  <a16:creationId xmlns:a16="http://schemas.microsoft.com/office/drawing/2014/main" id="{1D100791-675C-44E7-86F3-D8BAB11D09C7}"/>
                 </a:ext>
               </a:extLst>
             </p:cNvPr>
@@ -12176,7 +12471,7 @@
             <p:cNvPr id="26" name="원호 25">
               <a:extLst>
                 <a:ext uri="{FF2B5EF4-FFF2-40B4-BE49-F238E27FC236}">
-                  <a16:creationId xmlns:a16="http://schemas.microsoft.com/office/drawing/2014/main" xmlns="" id="{5B90A112-23FB-4568-B02D-DEF800AA6034}"/>
+                  <a16:creationId xmlns:a16="http://schemas.microsoft.com/office/drawing/2014/main" id="{5B90A112-23FB-4568-B02D-DEF800AA6034}"/>
                 </a:ext>
               </a:extLst>
             </p:cNvPr>
@@ -12223,7 +12518,7 @@
             <p:cNvPr id="27" name="원호 26">
               <a:extLst>
                 <a:ext uri="{FF2B5EF4-FFF2-40B4-BE49-F238E27FC236}">
-                  <a16:creationId xmlns:a16="http://schemas.microsoft.com/office/drawing/2014/main" xmlns="" id="{AA9A6734-BC36-4789-9606-320B9D6432DD}"/>
+                  <a16:creationId xmlns:a16="http://schemas.microsoft.com/office/drawing/2014/main" id="{AA9A6734-BC36-4789-9606-320B9D6432DD}"/>
                 </a:ext>
               </a:extLst>
             </p:cNvPr>
@@ -12270,7 +12565,7 @@
             <p:cNvPr id="28" name="직선 연결선 27">
               <a:extLst>
                 <a:ext uri="{FF2B5EF4-FFF2-40B4-BE49-F238E27FC236}">
-                  <a16:creationId xmlns:a16="http://schemas.microsoft.com/office/drawing/2014/main" xmlns="" id="{F81815C9-7896-4253-A1F1-D83D22D691F9}"/>
+                  <a16:creationId xmlns:a16="http://schemas.microsoft.com/office/drawing/2014/main" id="{F81815C9-7896-4253-A1F1-D83D22D691F9}"/>
                 </a:ext>
               </a:extLst>
             </p:cNvPr>
@@ -12309,7 +12604,7 @@
             <p:cNvPr id="29" name="직선 연결선 28">
               <a:extLst>
                 <a:ext uri="{FF2B5EF4-FFF2-40B4-BE49-F238E27FC236}">
-                  <a16:creationId xmlns:a16="http://schemas.microsoft.com/office/drawing/2014/main" xmlns="" id="{8274FE8E-28A0-4E56-A45C-27E1718FA65E}"/>
+                  <a16:creationId xmlns:a16="http://schemas.microsoft.com/office/drawing/2014/main" id="{8274FE8E-28A0-4E56-A45C-27E1718FA65E}"/>
                 </a:ext>
               </a:extLst>
             </p:cNvPr>
@@ -12348,7 +12643,7 @@
             <p:cNvPr id="30" name="직선 연결선 29">
               <a:extLst>
                 <a:ext uri="{FF2B5EF4-FFF2-40B4-BE49-F238E27FC236}">
-                  <a16:creationId xmlns:a16="http://schemas.microsoft.com/office/drawing/2014/main" xmlns="" id="{3779851E-EA1C-479F-8CE6-BFC104670803}"/>
+                  <a16:creationId xmlns:a16="http://schemas.microsoft.com/office/drawing/2014/main" id="{3779851E-EA1C-479F-8CE6-BFC104670803}"/>
                 </a:ext>
               </a:extLst>
             </p:cNvPr>
@@ -12387,7 +12682,7 @@
             <p:cNvPr id="31" name="직선 연결선 30">
               <a:extLst>
                 <a:ext uri="{FF2B5EF4-FFF2-40B4-BE49-F238E27FC236}">
-                  <a16:creationId xmlns:a16="http://schemas.microsoft.com/office/drawing/2014/main" xmlns="" id="{E588D6E3-6EE8-44AE-95E6-8558A5CB3F9B}"/>
+                  <a16:creationId xmlns:a16="http://schemas.microsoft.com/office/drawing/2014/main" id="{E588D6E3-6EE8-44AE-95E6-8558A5CB3F9B}"/>
                 </a:ext>
               </a:extLst>
             </p:cNvPr>
@@ -12426,7 +12721,7 @@
             <p:cNvPr id="32" name="직선 연결선 31">
               <a:extLst>
                 <a:ext uri="{FF2B5EF4-FFF2-40B4-BE49-F238E27FC236}">
-                  <a16:creationId xmlns:a16="http://schemas.microsoft.com/office/drawing/2014/main" xmlns="" id="{FD28D0AD-4DF9-49F4-9F33-8D2BA0238D26}"/>
+                  <a16:creationId xmlns:a16="http://schemas.microsoft.com/office/drawing/2014/main" id="{FD28D0AD-4DF9-49F4-9F33-8D2BA0238D26}"/>
                 </a:ext>
               </a:extLst>
             </p:cNvPr>
@@ -12465,7 +12760,7 @@
             <p:cNvPr id="33" name="직선 연결선 32">
               <a:extLst>
                 <a:ext uri="{FF2B5EF4-FFF2-40B4-BE49-F238E27FC236}">
-                  <a16:creationId xmlns:a16="http://schemas.microsoft.com/office/drawing/2014/main" xmlns="" id="{8362DD94-9410-4B76-9510-6FAFB8D33279}"/>
+                  <a16:creationId xmlns:a16="http://schemas.microsoft.com/office/drawing/2014/main" id="{8362DD94-9410-4B76-9510-6FAFB8D33279}"/>
                 </a:ext>
               </a:extLst>
             </p:cNvPr>
@@ -12504,7 +12799,7 @@
             <p:cNvPr id="34" name="직선 연결선 33">
               <a:extLst>
                 <a:ext uri="{FF2B5EF4-FFF2-40B4-BE49-F238E27FC236}">
-                  <a16:creationId xmlns:a16="http://schemas.microsoft.com/office/drawing/2014/main" xmlns="" id="{4B98934F-8CBD-44BA-AA03-EBFD143D4EFA}"/>
+                  <a16:creationId xmlns:a16="http://schemas.microsoft.com/office/drawing/2014/main" id="{4B98934F-8CBD-44BA-AA03-EBFD143D4EFA}"/>
                 </a:ext>
               </a:extLst>
             </p:cNvPr>
@@ -12543,7 +12838,7 @@
             <p:cNvPr id="35" name="직선 연결선 34">
               <a:extLst>
                 <a:ext uri="{FF2B5EF4-FFF2-40B4-BE49-F238E27FC236}">
-                  <a16:creationId xmlns:a16="http://schemas.microsoft.com/office/drawing/2014/main" xmlns="" id="{39451BB4-0CF0-4E69-8B89-7AEE6C16AE07}"/>
+                  <a16:creationId xmlns:a16="http://schemas.microsoft.com/office/drawing/2014/main" id="{39451BB4-0CF0-4E69-8B89-7AEE6C16AE07}"/>
                 </a:ext>
               </a:extLst>
             </p:cNvPr>
@@ -12582,7 +12877,7 @@
             <p:cNvPr id="36" name="직선 연결선 35">
               <a:extLst>
                 <a:ext uri="{FF2B5EF4-FFF2-40B4-BE49-F238E27FC236}">
-                  <a16:creationId xmlns:a16="http://schemas.microsoft.com/office/drawing/2014/main" xmlns="" id="{3C72CB8D-1FC3-4826-AB56-DA8C77FE8AA8}"/>
+                  <a16:creationId xmlns:a16="http://schemas.microsoft.com/office/drawing/2014/main" id="{3C72CB8D-1FC3-4826-AB56-DA8C77FE8AA8}"/>
                 </a:ext>
               </a:extLst>
             </p:cNvPr>
@@ -12621,7 +12916,7 @@
             <p:cNvPr id="37" name="직선 연결선 36">
               <a:extLst>
                 <a:ext uri="{FF2B5EF4-FFF2-40B4-BE49-F238E27FC236}">
-                  <a16:creationId xmlns:a16="http://schemas.microsoft.com/office/drawing/2014/main" xmlns="" id="{05E8A440-529A-4959-8147-9742C9602489}"/>
+                  <a16:creationId xmlns:a16="http://schemas.microsoft.com/office/drawing/2014/main" id="{05E8A440-529A-4959-8147-9742C9602489}"/>
                 </a:ext>
               </a:extLst>
             </p:cNvPr>
@@ -12660,7 +12955,7 @@
             <p:cNvPr id="38" name="직선 연결선 37">
               <a:extLst>
                 <a:ext uri="{FF2B5EF4-FFF2-40B4-BE49-F238E27FC236}">
-                  <a16:creationId xmlns:a16="http://schemas.microsoft.com/office/drawing/2014/main" xmlns="" id="{A1197F12-96CD-4B8B-8E56-F5127C979978}"/>
+                  <a16:creationId xmlns:a16="http://schemas.microsoft.com/office/drawing/2014/main" id="{A1197F12-96CD-4B8B-8E56-F5127C979978}"/>
                 </a:ext>
               </a:extLst>
             </p:cNvPr>
@@ -12699,7 +12994,7 @@
             <p:cNvPr id="39" name="직선 연결선 38">
               <a:extLst>
                 <a:ext uri="{FF2B5EF4-FFF2-40B4-BE49-F238E27FC236}">
-                  <a16:creationId xmlns:a16="http://schemas.microsoft.com/office/drawing/2014/main" xmlns="" id="{112C495E-7E22-459C-B743-70F62343C222}"/>
+                  <a16:creationId xmlns:a16="http://schemas.microsoft.com/office/drawing/2014/main" id="{112C495E-7E22-459C-B743-70F62343C222}"/>
                 </a:ext>
               </a:extLst>
             </p:cNvPr>
@@ -12738,7 +13033,7 @@
             <p:cNvPr id="40" name="원호 39">
               <a:extLst>
                 <a:ext uri="{FF2B5EF4-FFF2-40B4-BE49-F238E27FC236}">
-                  <a16:creationId xmlns:a16="http://schemas.microsoft.com/office/drawing/2014/main" xmlns="" id="{D976B030-0EC5-4C25-BF5A-8E6EF8317F2C}"/>
+                  <a16:creationId xmlns:a16="http://schemas.microsoft.com/office/drawing/2014/main" id="{D976B030-0EC5-4C25-BF5A-8E6EF8317F2C}"/>
                 </a:ext>
               </a:extLst>
             </p:cNvPr>
@@ -12785,7 +13080,7 @@
             <p:cNvPr id="41" name="원호 40">
               <a:extLst>
                 <a:ext uri="{FF2B5EF4-FFF2-40B4-BE49-F238E27FC236}">
-                  <a16:creationId xmlns:a16="http://schemas.microsoft.com/office/drawing/2014/main" xmlns="" id="{034A4F37-9ACF-4CE9-ACD5-B70EFE2FE068}"/>
+                  <a16:creationId xmlns:a16="http://schemas.microsoft.com/office/drawing/2014/main" id="{034A4F37-9ACF-4CE9-ACD5-B70EFE2FE068}"/>
                 </a:ext>
               </a:extLst>
             </p:cNvPr>
@@ -12832,7 +13127,7 @@
             <p:cNvPr id="42" name="원호 41">
               <a:extLst>
                 <a:ext uri="{FF2B5EF4-FFF2-40B4-BE49-F238E27FC236}">
-                  <a16:creationId xmlns:a16="http://schemas.microsoft.com/office/drawing/2014/main" xmlns="" id="{66C94D17-C3E8-4566-870C-AE9CCEBE9299}"/>
+                  <a16:creationId xmlns:a16="http://schemas.microsoft.com/office/drawing/2014/main" id="{66C94D17-C3E8-4566-870C-AE9CCEBE9299}"/>
                 </a:ext>
               </a:extLst>
             </p:cNvPr>
@@ -12879,7 +13174,7 @@
             <p:cNvPr id="43" name="직선 연결선 42">
               <a:extLst>
                 <a:ext uri="{FF2B5EF4-FFF2-40B4-BE49-F238E27FC236}">
-                  <a16:creationId xmlns:a16="http://schemas.microsoft.com/office/drawing/2014/main" xmlns="" id="{C9BF50CF-9CF0-47BE-A38C-248B3ADCA909}"/>
+                  <a16:creationId xmlns:a16="http://schemas.microsoft.com/office/drawing/2014/main" id="{C9BF50CF-9CF0-47BE-A38C-248B3ADCA909}"/>
                 </a:ext>
               </a:extLst>
             </p:cNvPr>
@@ -12918,7 +13213,7 @@
             <p:cNvPr id="44" name="직선 연결선 43">
               <a:extLst>
                 <a:ext uri="{FF2B5EF4-FFF2-40B4-BE49-F238E27FC236}">
-                  <a16:creationId xmlns:a16="http://schemas.microsoft.com/office/drawing/2014/main" xmlns="" id="{19934745-AEF9-4405-A75A-4FE1F9EA25C8}"/>
+                  <a16:creationId xmlns:a16="http://schemas.microsoft.com/office/drawing/2014/main" id="{19934745-AEF9-4405-A75A-4FE1F9EA25C8}"/>
                 </a:ext>
               </a:extLst>
             </p:cNvPr>
@@ -12957,7 +13252,7 @@
             <p:cNvPr id="45" name="직선 연결선 44">
               <a:extLst>
                 <a:ext uri="{FF2B5EF4-FFF2-40B4-BE49-F238E27FC236}">
-                  <a16:creationId xmlns:a16="http://schemas.microsoft.com/office/drawing/2014/main" xmlns="" id="{D29611AC-9E61-4BB7-A7AC-DCC2790B59D5}"/>
+                  <a16:creationId xmlns:a16="http://schemas.microsoft.com/office/drawing/2014/main" id="{D29611AC-9E61-4BB7-A7AC-DCC2790B59D5}"/>
                 </a:ext>
               </a:extLst>
             </p:cNvPr>
@@ -12996,7 +13291,7 @@
             <p:cNvPr id="46" name="직선 연결선 45">
               <a:extLst>
                 <a:ext uri="{FF2B5EF4-FFF2-40B4-BE49-F238E27FC236}">
-                  <a16:creationId xmlns:a16="http://schemas.microsoft.com/office/drawing/2014/main" xmlns="" id="{15633F6A-757E-45E8-8437-D15E3CE4673B}"/>
+                  <a16:creationId xmlns:a16="http://schemas.microsoft.com/office/drawing/2014/main" id="{15633F6A-757E-45E8-8437-D15E3CE4673B}"/>
                 </a:ext>
               </a:extLst>
             </p:cNvPr>
@@ -13035,7 +13330,7 @@
             <p:cNvPr id="47" name="직선 연결선 46">
               <a:extLst>
                 <a:ext uri="{FF2B5EF4-FFF2-40B4-BE49-F238E27FC236}">
-                  <a16:creationId xmlns:a16="http://schemas.microsoft.com/office/drawing/2014/main" xmlns="" id="{6FD88B19-65CE-4085-89D8-7E40AA34BF94}"/>
+                  <a16:creationId xmlns:a16="http://schemas.microsoft.com/office/drawing/2014/main" id="{6FD88B19-65CE-4085-89D8-7E40AA34BF94}"/>
                 </a:ext>
               </a:extLst>
             </p:cNvPr>
@@ -13074,7 +13369,7 @@
             <p:cNvPr id="48" name="직선 연결선 47">
               <a:extLst>
                 <a:ext uri="{FF2B5EF4-FFF2-40B4-BE49-F238E27FC236}">
-                  <a16:creationId xmlns:a16="http://schemas.microsoft.com/office/drawing/2014/main" xmlns="" id="{36B19A36-48F7-4D49-AF51-4E4C60CB5FF7}"/>
+                  <a16:creationId xmlns:a16="http://schemas.microsoft.com/office/drawing/2014/main" id="{36B19A36-48F7-4D49-AF51-4E4C60CB5FF7}"/>
                 </a:ext>
               </a:extLst>
             </p:cNvPr>
@@ -13113,7 +13408,7 @@
             <p:cNvPr id="49" name="직선 연결선 48">
               <a:extLst>
                 <a:ext uri="{FF2B5EF4-FFF2-40B4-BE49-F238E27FC236}">
-                  <a16:creationId xmlns:a16="http://schemas.microsoft.com/office/drawing/2014/main" xmlns="" id="{0C2EBEDD-E464-41A9-A60A-DC64F3ACE1B4}"/>
+                  <a16:creationId xmlns:a16="http://schemas.microsoft.com/office/drawing/2014/main" id="{0C2EBEDD-E464-41A9-A60A-DC64F3ACE1B4}"/>
                 </a:ext>
               </a:extLst>
             </p:cNvPr>
@@ -13152,7 +13447,7 @@
             <p:cNvPr id="50" name="직선 연결선 49">
               <a:extLst>
                 <a:ext uri="{FF2B5EF4-FFF2-40B4-BE49-F238E27FC236}">
-                  <a16:creationId xmlns:a16="http://schemas.microsoft.com/office/drawing/2014/main" xmlns="" id="{457EDBD5-C044-4D32-BAA4-75EE028C70D9}"/>
+                  <a16:creationId xmlns:a16="http://schemas.microsoft.com/office/drawing/2014/main" id="{457EDBD5-C044-4D32-BAA4-75EE028C70D9}"/>
                 </a:ext>
               </a:extLst>
             </p:cNvPr>
@@ -13197,13 +13492,13 @@
   <p:clrMapOvr>
     <a:masterClrMapping/>
   </p:clrMapOvr>
-  <mc:AlternateContent xmlns:mc="http://schemas.openxmlformats.org/markup-compatibility/2006">
-    <mc:Choice xmlns:p14="http://schemas.microsoft.com/office/powerpoint/2010/main" Requires="p14">
+  <mc:AlternateContent xmlns:mc="http://schemas.openxmlformats.org/markup-compatibility/2006" xmlns:p14="http://schemas.microsoft.com/office/powerpoint/2010/main">
+    <mc:Choice Requires="p14">
       <p:transition spd="med" p14:dur="700">
         <p:fade/>
       </p:transition>
     </mc:Choice>
-    <mc:Fallback>
+    <mc:Fallback xmlns="">
       <p:transition spd="med">
         <p:fade/>
       </p:transition>
@@ -13608,7 +13903,7 @@
           <p:cNvPr id="72" name="그림 71">
             <a:extLst>
               <a:ext uri="{FF2B5EF4-FFF2-40B4-BE49-F238E27FC236}">
-                <a16:creationId xmlns:a16="http://schemas.microsoft.com/office/drawing/2014/main" xmlns="" id="{C332FE36-31E5-46A3-A939-5A2E35D0C660}"/>
+                <a16:creationId xmlns:a16="http://schemas.microsoft.com/office/drawing/2014/main" id="{C332FE36-31E5-46A3-A939-5A2E35D0C660}"/>
               </a:ext>
             </a:extLst>
           </p:cNvPr>
@@ -13649,25 +13944,18 @@
   <p:clrMapOvr>
     <a:masterClrMapping/>
   </p:clrMapOvr>
-  <mc:AlternateContent xmlns:mc="http://schemas.openxmlformats.org/markup-compatibility/2006">
-    <mc:Choice xmlns:p14="http://schemas.microsoft.com/office/powerpoint/2010/main" Requires="p14">
+  <mc:AlternateContent xmlns:mc="http://schemas.openxmlformats.org/markup-compatibility/2006" xmlns:p14="http://schemas.microsoft.com/office/powerpoint/2010/main">
+    <mc:Choice Requires="p14">
       <p:transition spd="med" p14:dur="700">
         <p:fade/>
       </p:transition>
     </mc:Choice>
-    <mc:Fallback>
+    <mc:Fallback xmlns="">
       <p:transition spd="med">
         <p:fade/>
       </p:transition>
     </mc:Fallback>
   </mc:AlternateContent>
-  <p:timing>
-    <p:tnLst>
-      <p:par>
-        <p:cTn id="1" dur="indefinite" restart="never" nodeType="tmRoot"/>
-      </p:par>
-    </p:tnLst>
-  </p:timing>
 </p:sld>
 </file>
 
@@ -13727,7 +14015,7 @@
           <p:cNvPr id="4" name="그림 3">
             <a:extLst>
               <a:ext uri="{FF2B5EF4-FFF2-40B4-BE49-F238E27FC236}">
-                <a16:creationId xmlns:a16="http://schemas.microsoft.com/office/drawing/2014/main" xmlns="" id="{D3FBCC39-76FC-45E9-9058-6573128F07FA}"/>
+                <a16:creationId xmlns:a16="http://schemas.microsoft.com/office/drawing/2014/main" id="{D3FBCC39-76FC-45E9-9058-6573128F07FA}"/>
               </a:ext>
             </a:extLst>
           </p:cNvPr>
@@ -13757,7 +14045,7 @@
           <p:cNvPr id="5" name="그림 4">
             <a:extLst>
               <a:ext uri="{FF2B5EF4-FFF2-40B4-BE49-F238E27FC236}">
-                <a16:creationId xmlns:a16="http://schemas.microsoft.com/office/drawing/2014/main" xmlns="" id="{DF8B609C-F18E-4A11-A38B-284D328FD8A1}"/>
+                <a16:creationId xmlns:a16="http://schemas.microsoft.com/office/drawing/2014/main" id="{DF8B609C-F18E-4A11-A38B-284D328FD8A1}"/>
               </a:ext>
             </a:extLst>
           </p:cNvPr>
@@ -13787,7 +14075,7 @@
           <p:cNvPr id="6" name="그림 5">
             <a:extLst>
               <a:ext uri="{FF2B5EF4-FFF2-40B4-BE49-F238E27FC236}">
-                <a16:creationId xmlns:a16="http://schemas.microsoft.com/office/drawing/2014/main" xmlns="" id="{BE8B19A3-0B70-431F-AA14-5EC1D20C19F0}"/>
+                <a16:creationId xmlns:a16="http://schemas.microsoft.com/office/drawing/2014/main" id="{BE8B19A3-0B70-431F-AA14-5EC1D20C19F0}"/>
               </a:ext>
             </a:extLst>
           </p:cNvPr>
@@ -13822,13 +14110,13 @@
   <p:clrMapOvr>
     <a:masterClrMapping/>
   </p:clrMapOvr>
-  <mc:AlternateContent xmlns:mc="http://schemas.openxmlformats.org/markup-compatibility/2006">
-    <mc:Choice xmlns:p14="http://schemas.microsoft.com/office/powerpoint/2010/main" Requires="p14">
+  <mc:AlternateContent xmlns:mc="http://schemas.openxmlformats.org/markup-compatibility/2006" xmlns:p14="http://schemas.microsoft.com/office/powerpoint/2010/main">
+    <mc:Choice Requires="p14">
       <p:transition spd="med" p14:dur="700">
         <p:fade/>
       </p:transition>
     </mc:Choice>
-    <mc:Fallback>
+    <mc:Fallback xmlns="">
       <p:transition spd="med">
         <p:fade/>
       </p:transition>
@@ -14056,7 +14344,7 @@
           <p:cNvPr id="2" name="그림 1">
             <a:extLst>
               <a:ext uri="{FF2B5EF4-FFF2-40B4-BE49-F238E27FC236}">
-                <a16:creationId xmlns:a16="http://schemas.microsoft.com/office/drawing/2014/main" xmlns="" id="{6F0A1F29-5207-473C-BDFA-444954B0BD12}"/>
+                <a16:creationId xmlns:a16="http://schemas.microsoft.com/office/drawing/2014/main" id="{6F0A1F29-5207-473C-BDFA-444954B0BD12}"/>
               </a:ext>
             </a:extLst>
           </p:cNvPr>
@@ -14086,7 +14374,7 @@
           <p:cNvPr id="3" name="그림 2">
             <a:extLst>
               <a:ext uri="{FF2B5EF4-FFF2-40B4-BE49-F238E27FC236}">
-                <a16:creationId xmlns:a16="http://schemas.microsoft.com/office/drawing/2014/main" xmlns="" id="{D5B66B4C-80E3-44A7-8CB4-1D34D8A90FF1}"/>
+                <a16:creationId xmlns:a16="http://schemas.microsoft.com/office/drawing/2014/main" id="{D5B66B4C-80E3-44A7-8CB4-1D34D8A90FF1}"/>
               </a:ext>
             </a:extLst>
           </p:cNvPr>
@@ -14116,7 +14404,7 @@
           <p:cNvPr id="7" name="그림 6">
             <a:extLst>
               <a:ext uri="{FF2B5EF4-FFF2-40B4-BE49-F238E27FC236}">
-                <a16:creationId xmlns:a16="http://schemas.microsoft.com/office/drawing/2014/main" xmlns="" id="{20576827-C662-427C-B90D-3BCC066558F0}"/>
+                <a16:creationId xmlns:a16="http://schemas.microsoft.com/office/drawing/2014/main" id="{20576827-C662-427C-B90D-3BCC066558F0}"/>
               </a:ext>
             </a:extLst>
           </p:cNvPr>
@@ -14146,7 +14434,7 @@
           <p:cNvPr id="8" name="그림 7">
             <a:extLst>
               <a:ext uri="{FF2B5EF4-FFF2-40B4-BE49-F238E27FC236}">
-                <a16:creationId xmlns:a16="http://schemas.microsoft.com/office/drawing/2014/main" xmlns="" id="{015AAD67-D5D2-498C-9D40-E0D5E8D4D2FA}"/>
+                <a16:creationId xmlns:a16="http://schemas.microsoft.com/office/drawing/2014/main" id="{015AAD67-D5D2-498C-9D40-E0D5E8D4D2FA}"/>
               </a:ext>
             </a:extLst>
           </p:cNvPr>
@@ -14181,13 +14469,13 @@
   <p:clrMapOvr>
     <a:masterClrMapping/>
   </p:clrMapOvr>
-  <mc:AlternateContent xmlns:mc="http://schemas.openxmlformats.org/markup-compatibility/2006">
-    <mc:Choice xmlns:p14="http://schemas.microsoft.com/office/powerpoint/2010/main" Requires="p14">
+  <mc:AlternateContent xmlns:mc="http://schemas.openxmlformats.org/markup-compatibility/2006" xmlns:p14="http://schemas.microsoft.com/office/powerpoint/2010/main">
+    <mc:Choice Requires="p14">
       <p:transition spd="med" p14:dur="700">
         <p:fade/>
       </p:transition>
     </mc:Choice>
-    <mc:Fallback>
+    <mc:Fallback xmlns="">
       <p:transition spd="med">
         <p:fade/>
       </p:transition>
@@ -14465,7 +14753,7 @@
           <p:cNvPr id="3" name="그림 2">
             <a:extLst>
               <a:ext uri="{FF2B5EF4-FFF2-40B4-BE49-F238E27FC236}">
-                <a16:creationId xmlns:a16="http://schemas.microsoft.com/office/drawing/2014/main" xmlns="" id="{8AB6906D-D4A6-4780-81D1-1DB1CF36526D}"/>
+                <a16:creationId xmlns:a16="http://schemas.microsoft.com/office/drawing/2014/main" id="{8AB6906D-D4A6-4780-81D1-1DB1CF36526D}"/>
               </a:ext>
             </a:extLst>
           </p:cNvPr>
@@ -14500,25 +14788,18 @@
   <p:clrMapOvr>
     <a:masterClrMapping/>
   </p:clrMapOvr>
-  <mc:AlternateContent xmlns:mc="http://schemas.openxmlformats.org/markup-compatibility/2006">
-    <mc:Choice xmlns:p14="http://schemas.microsoft.com/office/powerpoint/2010/main" Requires="p14">
+  <mc:AlternateContent xmlns:mc="http://schemas.openxmlformats.org/markup-compatibility/2006" xmlns:p14="http://schemas.microsoft.com/office/powerpoint/2010/main">
+    <mc:Choice Requires="p14">
       <p:transition spd="med" p14:dur="700">
         <p:fade/>
       </p:transition>
     </mc:Choice>
-    <mc:Fallback>
+    <mc:Fallback xmlns="">
       <p:transition spd="med">
         <p:fade/>
       </p:transition>
     </mc:Fallback>
   </mc:AlternateContent>
-  <p:timing>
-    <p:tnLst>
-      <p:par>
-        <p:cTn id="1" dur="indefinite" restart="never" nodeType="tmRoot"/>
-      </p:par>
-    </p:tnLst>
-  </p:timing>
 </p:sld>
 </file>
 
@@ -14574,7 +14855,7 @@
           <p:cNvPr id="4" name="그림 3">
             <a:extLst>
               <a:ext uri="{FF2B5EF4-FFF2-40B4-BE49-F238E27FC236}">
-                <a16:creationId xmlns:a16="http://schemas.microsoft.com/office/drawing/2014/main" xmlns="" id="{C07F7B92-783B-4634-9EDC-3BC3ED4398D0}"/>
+                <a16:creationId xmlns:a16="http://schemas.microsoft.com/office/drawing/2014/main" id="{C07F7B92-783B-4634-9EDC-3BC3ED4398D0}"/>
               </a:ext>
             </a:extLst>
           </p:cNvPr>
@@ -14609,25 +14890,18 @@
   <p:clrMapOvr>
     <a:masterClrMapping/>
   </p:clrMapOvr>
-  <mc:AlternateContent xmlns:mc="http://schemas.openxmlformats.org/markup-compatibility/2006">
-    <mc:Choice xmlns:p14="http://schemas.microsoft.com/office/powerpoint/2010/main" Requires="p14">
+  <mc:AlternateContent xmlns:mc="http://schemas.openxmlformats.org/markup-compatibility/2006" xmlns:p14="http://schemas.microsoft.com/office/powerpoint/2010/main">
+    <mc:Choice Requires="p14">
       <p:transition spd="med" p14:dur="700">
         <p:fade/>
       </p:transition>
     </mc:Choice>
-    <mc:Fallback>
+    <mc:Fallback xmlns="">
       <p:transition spd="med">
         <p:fade/>
       </p:transition>
     </mc:Fallback>
   </mc:AlternateContent>
-  <p:timing>
-    <p:tnLst>
-      <p:par>
-        <p:cTn id="1" dur="indefinite" restart="never" nodeType="tmRoot"/>
-      </p:par>
-    </p:tnLst>
-  </p:timing>
 </p:sld>
 </file>
 
@@ -14886,7 +15160,7 @@
   <a:extraClrSchemeLst/>
   <a:extLst>
     <a:ext uri="{05A4C25C-085E-4340-85A3-A5531E510DB2}">
-      <thm15:themeFamily xmlns:thm15="http://schemas.microsoft.com/office/thememl/2012/main" xmlns="" name="Office_9411771_TF02901026_TF02901026.potx" id="{2203E5E0-3982-4970-BA82-A58D8043B518}" vid="{3C2F52B7-6A4C-491E-8D8F-92BEBBC3C2D9}"/>
+      <thm15:themeFamily xmlns:thm15="http://schemas.microsoft.com/office/thememl/2012/main" name="Office_9411771_TF02901026_TF02901026.potx" id="{2203E5E0-3982-4970-BA82-A58D8043B518}" vid="{3C2F52B7-6A4C-491E-8D8F-92BEBBC3C2D9}"/>
     </a:ext>
   </a:extLst>
 </a:theme>
@@ -15147,7 +15421,7 @@
   <a:extraClrSchemeLst/>
   <a:extLst>
     <a:ext uri="{05A4C25C-085E-4340-85A3-A5531E510DB2}">
-      <thm15:themeFamily xmlns:thm15="http://schemas.microsoft.com/office/thememl/2012/main" xmlns="" name="Office Theme" id="{62F939B6-93AF-4DB8-9C6B-D6C7DFDC589F}" vid="{4A3C46E8-61CC-4603-A589-7422A47A8E4A}"/>
+      <thm15:themeFamily xmlns:thm15="http://schemas.microsoft.com/office/thememl/2012/main" name="Office Theme" id="{62F939B6-93AF-4DB8-9C6B-D6C7DFDC589F}" vid="{4A3C46E8-61CC-4603-A589-7422A47A8E4A}"/>
     </a:ext>
   </a:extLst>
 </a:theme>
@@ -15408,7 +15682,7 @@
   <a:extraClrSchemeLst/>
   <a:extLst>
     <a:ext uri="{05A4C25C-085E-4340-85A3-A5531E510DB2}">
-      <thm15:themeFamily xmlns:thm15="http://schemas.microsoft.com/office/thememl/2012/main" xmlns="" name="Office Theme" id="{62F939B6-93AF-4DB8-9C6B-D6C7DFDC589F}" vid="{4A3C46E8-61CC-4603-A589-7422A47A8E4A}"/>
+      <thm15:themeFamily xmlns:thm15="http://schemas.microsoft.com/office/thememl/2012/main" name="Office Theme" id="{62F939B6-93AF-4DB8-9C6B-D6C7DFDC589F}" vid="{4A3C46E8-61CC-4603-A589-7422A47A8E4A}"/>
     </a:ext>
   </a:extLst>
 </a:theme>
